--- a/PPT-Review-1.pptx
+++ b/PPT-Review-1.pptx
@@ -5,10 +5,10 @@
     <p:sldMasterId id="2147483648" r:id="rId1"/>
   </p:sldMasterIdLst>
   <p:notesMasterIdLst>
-    <p:notesMasterId r:id="rId16"/>
+    <p:notesMasterId r:id="rId18"/>
   </p:notesMasterIdLst>
   <p:handoutMasterIdLst>
-    <p:handoutMasterId r:id="rId17"/>
+    <p:handoutMasterId r:id="rId19"/>
   </p:handoutMasterIdLst>
   <p:sldIdLst>
     <p:sldId id="256" r:id="rId2"/>
@@ -17,14 +17,16 @@
     <p:sldId id="329" r:id="rId5"/>
     <p:sldId id="318" r:id="rId6"/>
     <p:sldId id="319" r:id="rId7"/>
-    <p:sldId id="328" r:id="rId8"/>
-    <p:sldId id="273" r:id="rId9"/>
-    <p:sldId id="304" r:id="rId10"/>
-    <p:sldId id="326" r:id="rId11"/>
-    <p:sldId id="322" r:id="rId12"/>
-    <p:sldId id="324" r:id="rId13"/>
-    <p:sldId id="327" r:id="rId14"/>
-    <p:sldId id="286" r:id="rId15"/>
+    <p:sldId id="330" r:id="rId8"/>
+    <p:sldId id="328" r:id="rId9"/>
+    <p:sldId id="273" r:id="rId10"/>
+    <p:sldId id="331" r:id="rId11"/>
+    <p:sldId id="304" r:id="rId12"/>
+    <p:sldId id="326" r:id="rId13"/>
+    <p:sldId id="322" r:id="rId14"/>
+    <p:sldId id="324" r:id="rId15"/>
+    <p:sldId id="327" r:id="rId16"/>
+    <p:sldId id="286" r:id="rId17"/>
   </p:sldIdLst>
   <p:sldSz cx="9144000" cy="5143500" type="screen16x9"/>
   <p:notesSz cx="6858000" cy="9144000"/>
@@ -189,7 +191,7 @@
           </a:lstStyle>
           <a:p>
             <a:r>
-              <a:rPr lang="en-US"/>
+              <a:rPr lang="en-US" dirty="0"/>
               <a:t>2018 - 19 Phase II</a:t>
             </a:r>
           </a:p>
@@ -224,9 +226,9 @@
           <a:p>
             <a:fld id="{71672557-76BA-41F3-80B7-1C8DA4668134}" type="datetimeFigureOut">
               <a:rPr lang="en-US" smtClean="0"/>
-              <a:t>21-Dec-20</a:t>
+              <a:t>12/22/2020</a:t>
             </a:fld>
-            <a:endParaRPr lang="en-US"/>
+            <a:endParaRPr lang="en-US" dirty="0"/>
           </a:p>
         </p:txBody>
       </p:sp>
@@ -257,7 +259,7 @@
             </a:lvl1pPr>
           </a:lstStyle>
           <a:p>
-            <a:endParaRPr lang="en-US"/>
+            <a:endParaRPr lang="en-US" dirty="0"/>
           </a:p>
         </p:txBody>
       </p:sp>
@@ -292,7 +294,7 @@
               <a:rPr lang="en-US" smtClean="0"/>
               <a:t>‹#›</a:t>
             </a:fld>
-            <a:endParaRPr lang="en-US"/>
+            <a:endParaRPr lang="en-US" dirty="0"/>
           </a:p>
         </p:txBody>
       </p:sp>
@@ -358,7 +360,7 @@
           </a:lstStyle>
           <a:p>
             <a:r>
-              <a:rPr lang="en-US"/>
+              <a:rPr lang="en-US" dirty="0"/>
               <a:t>2018 - 19 Phase II</a:t>
             </a:r>
           </a:p>
@@ -393,9 +395,9 @@
           <a:p>
             <a:fld id="{A8ADFD5B-A66C-449C-B6E8-FB716D07777D}" type="datetimeFigureOut">
               <a:rPr lang="en-US" smtClean="0"/>
-              <a:t>21-Dec-20</a:t>
+              <a:t>12/22/2020</a:t>
             </a:fld>
-            <a:endParaRPr lang="en-US"/>
+            <a:endParaRPr lang="en-US" dirty="0"/>
           </a:p>
         </p:txBody>
       </p:sp>
@@ -428,7 +430,7 @@
           <a:bodyPr vert="horz" rtlCol="0" anchor="ctr"/>
           <a:lstStyle/>
           <a:p>
-            <a:endParaRPr lang="en-US"/>
+            <a:endParaRPr lang="en-US" dirty="0"/>
           </a:p>
         </p:txBody>
       </p:sp>
@@ -520,7 +522,7 @@
             </a:lvl1pPr>
           </a:lstStyle>
           <a:p>
-            <a:endParaRPr lang="en-US"/>
+            <a:endParaRPr lang="en-US" dirty="0"/>
           </a:p>
         </p:txBody>
       </p:sp>
@@ -555,7 +557,7 @@
               <a:rPr lang="en-US" smtClean="0"/>
               <a:t>‹#›</a:t>
             </a:fld>
-            <a:endParaRPr lang="en-US"/>
+            <a:endParaRPr lang="en-US" dirty="0"/>
           </a:p>
         </p:txBody>
       </p:sp>
@@ -707,7 +709,7 @@
           <a:bodyPr/>
           <a:lstStyle/>
           <a:p>
-            <a:endParaRPr lang="en-US"/>
+            <a:endParaRPr lang="en-US" dirty="0"/>
           </a:p>
         </p:txBody>
       </p:sp>
@@ -730,7 +732,7 @@
               <a:rPr lang="en-US" smtClean="0"/>
               <a:t>1</a:t>
             </a:fld>
-            <a:endParaRPr lang="en-US"/>
+            <a:endParaRPr lang="en-US" dirty="0"/>
           </a:p>
         </p:txBody>
       </p:sp>
@@ -750,7 +752,7 @@
           <a:lstStyle/>
           <a:p>
             <a:r>
-              <a:rPr lang="en-US"/>
+              <a:rPr lang="en-US" dirty="0"/>
               <a:t>2018 - 19 Phase II</a:t>
             </a:r>
           </a:p>
@@ -813,7 +815,7 @@
           <a:bodyPr/>
           <a:lstStyle/>
           <a:p>
-            <a:endParaRPr lang="en-US"/>
+            <a:endParaRPr lang="en-US" dirty="0"/>
           </a:p>
         </p:txBody>
       </p:sp>
@@ -834,9 +836,9 @@
           <a:p>
             <a:fld id="{CA5D3BF3-D352-46FC-8343-31F56E6730EA}" type="slidenum">
               <a:rPr lang="en-US" smtClean="0"/>
-              <a:t>11</a:t>
+              <a:t>13</a:t>
             </a:fld>
-            <a:endParaRPr lang="en-US"/>
+            <a:endParaRPr lang="en-US" dirty="0"/>
           </a:p>
         </p:txBody>
       </p:sp>
@@ -856,7 +858,7 @@
           <a:lstStyle/>
           <a:p>
             <a:r>
-              <a:rPr lang="en-US"/>
+              <a:rPr lang="en-US" dirty="0"/>
               <a:t>2018 - 19 Phase II</a:t>
             </a:r>
           </a:p>
@@ -919,7 +921,7 @@
           <a:bodyPr/>
           <a:lstStyle/>
           <a:p>
-            <a:endParaRPr lang="en-US"/>
+            <a:endParaRPr lang="en-US" dirty="0"/>
           </a:p>
         </p:txBody>
       </p:sp>
@@ -940,9 +942,9 @@
           <a:p>
             <a:fld id="{CA5D3BF3-D352-46FC-8343-31F56E6730EA}" type="slidenum">
               <a:rPr lang="en-US" smtClean="0"/>
-              <a:t>12</a:t>
+              <a:t>14</a:t>
             </a:fld>
-            <a:endParaRPr lang="en-US"/>
+            <a:endParaRPr lang="en-US" dirty="0"/>
           </a:p>
         </p:txBody>
       </p:sp>
@@ -962,7 +964,7 @@
           <a:lstStyle/>
           <a:p>
             <a:r>
-              <a:rPr lang="en-US"/>
+              <a:rPr lang="en-US" dirty="0"/>
               <a:t>2018 - 19 Phase II</a:t>
             </a:r>
           </a:p>
@@ -1025,7 +1027,7 @@
           <a:bodyPr/>
           <a:lstStyle/>
           <a:p>
-            <a:endParaRPr lang="en-US"/>
+            <a:endParaRPr lang="en-US" dirty="0"/>
           </a:p>
         </p:txBody>
       </p:sp>
@@ -1046,9 +1048,9 @@
           <a:p>
             <a:fld id="{CA5D3BF3-D352-46FC-8343-31F56E6730EA}" type="slidenum">
               <a:rPr lang="en-US" smtClean="0"/>
-              <a:t>13</a:t>
+              <a:t>15</a:t>
             </a:fld>
-            <a:endParaRPr lang="en-US"/>
+            <a:endParaRPr lang="en-US" dirty="0"/>
           </a:p>
         </p:txBody>
       </p:sp>
@@ -1068,7 +1070,7 @@
           <a:lstStyle/>
           <a:p>
             <a:r>
-              <a:rPr lang="en-US"/>
+              <a:rPr lang="en-US" dirty="0"/>
               <a:t>2018 - 19 Phase II</a:t>
             </a:r>
           </a:p>
@@ -1131,7 +1133,7 @@
           <a:bodyPr/>
           <a:lstStyle/>
           <a:p>
-            <a:endParaRPr lang="en-US"/>
+            <a:endParaRPr lang="en-US" dirty="0"/>
           </a:p>
         </p:txBody>
       </p:sp>
@@ -1152,9 +1154,9 @@
           <a:p>
             <a:fld id="{CA5D3BF3-D352-46FC-8343-31F56E6730EA}" type="slidenum">
               <a:rPr lang="en-US" smtClean="0"/>
-              <a:t>14</a:t>
+              <a:t>16</a:t>
             </a:fld>
-            <a:endParaRPr lang="en-US"/>
+            <a:endParaRPr lang="en-US" dirty="0"/>
           </a:p>
         </p:txBody>
       </p:sp>
@@ -1174,7 +1176,7 @@
           <a:lstStyle/>
           <a:p>
             <a:r>
-              <a:rPr lang="en-US"/>
+              <a:rPr lang="en-US" dirty="0"/>
               <a:t>2018 - 19 Phase II</a:t>
             </a:r>
           </a:p>
@@ -1260,7 +1262,7 @@
               <a:rPr lang="en-US" smtClean="0"/>
               <a:t>3</a:t>
             </a:fld>
-            <a:endParaRPr lang="en-US"/>
+            <a:endParaRPr lang="en-US" dirty="0"/>
           </a:p>
         </p:txBody>
       </p:sp>
@@ -1280,7 +1282,7 @@
           <a:lstStyle/>
           <a:p>
             <a:r>
-              <a:rPr lang="en-US"/>
+              <a:rPr lang="en-US" dirty="0"/>
               <a:t>2018 - 19 Phase II</a:t>
             </a:r>
           </a:p>
@@ -1366,7 +1368,7 @@
               <a:rPr lang="en-US" smtClean="0"/>
               <a:t>4</a:t>
             </a:fld>
-            <a:endParaRPr lang="en-US"/>
+            <a:endParaRPr lang="en-US" dirty="0"/>
           </a:p>
         </p:txBody>
       </p:sp>
@@ -1386,7 +1388,7 @@
           <a:lstStyle/>
           <a:p>
             <a:r>
-              <a:rPr lang="en-US"/>
+              <a:rPr lang="en-US" dirty="0"/>
               <a:t>2018 - 19 Phase II</a:t>
             </a:r>
           </a:p>
@@ -1449,7 +1451,7 @@
           <a:bodyPr/>
           <a:lstStyle/>
           <a:p>
-            <a:endParaRPr lang="en-US"/>
+            <a:endParaRPr lang="en-US" dirty="0"/>
           </a:p>
         </p:txBody>
       </p:sp>
@@ -1472,7 +1474,7 @@
               <a:rPr lang="en-US" smtClean="0"/>
               <a:t>5</a:t>
             </a:fld>
-            <a:endParaRPr lang="en-US"/>
+            <a:endParaRPr lang="en-US" dirty="0"/>
           </a:p>
         </p:txBody>
       </p:sp>
@@ -1492,7 +1494,7 @@
           <a:lstStyle/>
           <a:p>
             <a:r>
-              <a:rPr lang="en-US"/>
+              <a:rPr lang="en-US" dirty="0"/>
               <a:t>2018 - 19 Phase II</a:t>
             </a:r>
           </a:p>
@@ -1555,7 +1557,7 @@
           <a:bodyPr/>
           <a:lstStyle/>
           <a:p>
-            <a:endParaRPr lang="en-US"/>
+            <a:endParaRPr lang="en-US" dirty="0"/>
           </a:p>
         </p:txBody>
       </p:sp>
@@ -1578,7 +1580,7 @@
               <a:rPr lang="en-US" smtClean="0"/>
               <a:t>6</a:t>
             </a:fld>
-            <a:endParaRPr lang="en-US"/>
+            <a:endParaRPr lang="en-US" dirty="0"/>
           </a:p>
         </p:txBody>
       </p:sp>
@@ -1598,7 +1600,7 @@
           <a:lstStyle/>
           <a:p>
             <a:r>
-              <a:rPr lang="en-US"/>
+              <a:rPr lang="en-US" dirty="0"/>
               <a:t>2018 - 19 Phase II</a:t>
             </a:r>
           </a:p>
@@ -1661,7 +1663,7 @@
           <a:bodyPr/>
           <a:lstStyle/>
           <a:p>
-            <a:endParaRPr lang="en-US"/>
+            <a:endParaRPr lang="en-US" dirty="0"/>
           </a:p>
         </p:txBody>
       </p:sp>
@@ -1682,9 +1684,9 @@
           <a:p>
             <a:fld id="{CA5D3BF3-D352-46FC-8343-31F56E6730EA}" type="slidenum">
               <a:rPr lang="en-US" smtClean="0"/>
-              <a:t>7</a:t>
+              <a:t>8</a:t>
             </a:fld>
-            <a:endParaRPr lang="en-US"/>
+            <a:endParaRPr lang="en-US" dirty="0"/>
           </a:p>
         </p:txBody>
       </p:sp>
@@ -1704,7 +1706,7 @@
           <a:lstStyle/>
           <a:p>
             <a:r>
-              <a:rPr lang="en-US"/>
+              <a:rPr lang="en-US" dirty="0"/>
               <a:t>2018 - 19 Phase II</a:t>
             </a:r>
           </a:p>
@@ -1767,7 +1769,7 @@
           <a:bodyPr/>
           <a:lstStyle/>
           <a:p>
-            <a:endParaRPr lang="en-US"/>
+            <a:endParaRPr lang="en-US" dirty="0"/>
           </a:p>
         </p:txBody>
       </p:sp>
@@ -1788,9 +1790,9 @@
           <a:p>
             <a:fld id="{CA5D3BF3-D352-46FC-8343-31F56E6730EA}" type="slidenum">
               <a:rPr lang="en-US" smtClean="0"/>
-              <a:t>8</a:t>
+              <a:t>9</a:t>
             </a:fld>
-            <a:endParaRPr lang="en-US"/>
+            <a:endParaRPr lang="en-US" dirty="0"/>
           </a:p>
         </p:txBody>
       </p:sp>
@@ -1810,7 +1812,7 @@
           <a:lstStyle/>
           <a:p>
             <a:r>
-              <a:rPr lang="en-US"/>
+              <a:rPr lang="en-US" dirty="0"/>
               <a:t>2018 - 19 Phase II</a:t>
             </a:r>
           </a:p>
@@ -1873,7 +1875,7 @@
           <a:bodyPr/>
           <a:lstStyle/>
           <a:p>
-            <a:endParaRPr lang="en-US"/>
+            <a:endParaRPr lang="en-US" dirty="0"/>
           </a:p>
         </p:txBody>
       </p:sp>
@@ -1894,9 +1896,9 @@
           <a:p>
             <a:fld id="{CA5D3BF3-D352-46FC-8343-31F56E6730EA}" type="slidenum">
               <a:rPr lang="en-US" smtClean="0"/>
-              <a:t>9</a:t>
+              <a:t>11</a:t>
             </a:fld>
-            <a:endParaRPr lang="en-US"/>
+            <a:endParaRPr lang="en-US" dirty="0"/>
           </a:p>
         </p:txBody>
       </p:sp>
@@ -1916,7 +1918,7 @@
           <a:lstStyle/>
           <a:p>
             <a:r>
-              <a:rPr lang="en-US"/>
+              <a:rPr lang="en-US" dirty="0"/>
               <a:t>2018 - 19 Phase II</a:t>
             </a:r>
           </a:p>
@@ -2000,9 +2002,9 @@
           <a:p>
             <a:fld id="{CA5D3BF3-D352-46FC-8343-31F56E6730EA}" type="slidenum">
               <a:rPr lang="en-US" smtClean="0"/>
-              <a:t>10</a:t>
+              <a:t>12</a:t>
             </a:fld>
-            <a:endParaRPr lang="en-US"/>
+            <a:endParaRPr lang="en-US" dirty="0"/>
           </a:p>
         </p:txBody>
       </p:sp>
@@ -2022,7 +2024,7 @@
           <a:lstStyle/>
           <a:p>
             <a:r>
-              <a:rPr lang="en-US"/>
+              <a:rPr lang="en-US" dirty="0"/>
               <a:t>2018 - 19 Phase II</a:t>
             </a:r>
           </a:p>
@@ -2220,9 +2222,9 @@
           <a:p>
             <a:fld id="{B63EB09E-62B8-4931-A740-BCE383B263AD}" type="datetime1">
               <a:rPr lang="en-US" smtClean="0"/>
-              <a:t>21-Dec-20</a:t>
+              <a:t>12/22/2020</a:t>
             </a:fld>
-            <a:endParaRPr lang="en-US"/>
+            <a:endParaRPr lang="en-US" dirty="0"/>
           </a:p>
         </p:txBody>
       </p:sp>
@@ -2403,7 +2405,7 @@
                   <a:schemeClr val="tx2"/>
                 </a:solidFill>
               </a:rPr>
-              <a:t>21-Dec-20</a:t>
+              <a:t>12/22/2020</a:t>
             </a:fld>
             <a:endParaRPr lang="en-US" sz="1400" dirty="0">
               <a:solidFill>
@@ -2601,7 +2603,7 @@
                   <a:schemeClr val="tx2"/>
                 </a:solidFill>
               </a:rPr>
-              <a:t>21-Dec-20</a:t>
+              <a:t>12/22/2020</a:t>
             </a:fld>
             <a:endParaRPr lang="en-US" sz="1400" dirty="0">
               <a:solidFill>
@@ -2785,9 +2787,9 @@
           <a:p>
             <a:fld id="{05AD958E-392C-45A5-8B7C-6FFEC23D40D9}" type="datetime1">
               <a:rPr lang="en-US" smtClean="0"/>
-              <a:t>21-Dec-20</a:t>
+              <a:t>12/22/2020</a:t>
             </a:fld>
-            <a:endParaRPr lang="en-US"/>
+            <a:endParaRPr lang="en-US" dirty="0"/>
           </a:p>
         </p:txBody>
       </p:sp>
@@ -3046,9 +3048,9 @@
           <a:p>
             <a:fld id="{F4EF229E-9CC9-445C-B402-B93B63F9A471}" type="datetime1">
               <a:rPr lang="en-US" smtClean="0"/>
-              <a:t>21-Dec-20</a:t>
+              <a:t>12/22/2020</a:t>
             </a:fld>
-            <a:endParaRPr lang="en-US"/>
+            <a:endParaRPr lang="en-US" dirty="0"/>
           </a:p>
         </p:txBody>
       </p:sp>
@@ -3338,9 +3340,9 @@
           <a:p>
             <a:fld id="{45C12418-A1E9-40C6-9BFD-22F174C7C75A}" type="datetime1">
               <a:rPr lang="en-US" smtClean="0"/>
-              <a:t>21-Dec-20</a:t>
+              <a:t>12/22/2020</a:t>
             </a:fld>
-            <a:endParaRPr lang="en-US"/>
+            <a:endParaRPr lang="en-US" dirty="0"/>
           </a:p>
         </p:txBody>
       </p:sp>
@@ -3390,7 +3392,7 @@
               </a:rPr>
               <a:t>‹#›</a:t>
             </a:fld>
-            <a:endParaRPr lang="en-US"/>
+            <a:endParaRPr lang="en-US" dirty="0"/>
           </a:p>
         </p:txBody>
       </p:sp>
@@ -3765,9 +3767,9 @@
           <a:p>
             <a:fld id="{8793B659-6005-4324-A283-1E4ADF604BA5}" type="datetime1">
               <a:rPr lang="en-US" smtClean="0"/>
-              <a:t>21-Dec-20</a:t>
+              <a:t>12/22/2020</a:t>
             </a:fld>
-            <a:endParaRPr lang="en-US"/>
+            <a:endParaRPr lang="en-US" dirty="0"/>
           </a:p>
         </p:txBody>
       </p:sp>
@@ -3817,7 +3819,7 @@
               </a:rPr>
               <a:t>‹#›</a:t>
             </a:fld>
-            <a:endParaRPr lang="en-US"/>
+            <a:endParaRPr lang="en-US" dirty="0"/>
           </a:p>
         </p:txBody>
       </p:sp>
@@ -3885,9 +3887,9 @@
           <a:p>
             <a:fld id="{FB7F26AC-5549-4798-B196-7FC3403A62EA}" type="datetime1">
               <a:rPr lang="en-US" smtClean="0"/>
-              <a:t>21-Dec-20</a:t>
+              <a:t>12/22/2020</a:t>
             </a:fld>
-            <a:endParaRPr lang="en-US"/>
+            <a:endParaRPr lang="en-US" dirty="0"/>
           </a:p>
         </p:txBody>
       </p:sp>
@@ -3986,9 +3988,9 @@
           <a:p>
             <a:fld id="{CB70B857-E226-4E94-98F0-FF856D010F57}" type="datetime1">
               <a:rPr lang="en-US" smtClean="0"/>
-              <a:t>21-Dec-20</a:t>
+              <a:t>12/22/2020</a:t>
             </a:fld>
-            <a:endParaRPr lang="en-US"/>
+            <a:endParaRPr lang="en-US" dirty="0"/>
           </a:p>
         </p:txBody>
       </p:sp>
@@ -4267,9 +4269,9 @@
           <a:p>
             <a:fld id="{50C565FB-884B-42DB-93BA-92C1B703D307}" type="datetime1">
               <a:rPr lang="en-US" smtClean="0"/>
-              <a:t>21-Dec-20</a:t>
+              <a:t>12/22/2020</a:t>
             </a:fld>
-            <a:endParaRPr lang="en-US"/>
+            <a:endParaRPr lang="en-US" dirty="0"/>
           </a:p>
         </p:txBody>
       </p:sp>
@@ -4439,7 +4441,7 @@
             </a:lvl9pPr>
           </a:lstStyle>
           <a:p>
-            <a:endParaRPr lang="en-US"/>
+            <a:endParaRPr lang="en-US" dirty="0"/>
           </a:p>
         </p:txBody>
       </p:sp>
@@ -4525,9 +4527,9 @@
           <a:p>
             <a:fld id="{D9DC7979-20C0-4E52-BDB0-0EB42B253591}" type="datetime1">
               <a:rPr lang="en-US" smtClean="0"/>
-              <a:t>21-Dec-20</a:t>
+              <a:t>12/22/2020</a:t>
             </a:fld>
-            <a:endParaRPr lang="en-US"/>
+            <a:endParaRPr lang="en-US" dirty="0"/>
           </a:p>
         </p:txBody>
       </p:sp>
@@ -4743,7 +4745,7 @@
                   <a:schemeClr val="tx2"/>
                 </a:solidFill>
               </a:rPr>
-              <a:t>21-Dec-20</a:t>
+              <a:t>12/22/2020</a:t>
             </a:fld>
             <a:endParaRPr lang="en-US" sz="1400" dirty="0">
               <a:solidFill>
@@ -5157,6 +5159,14 @@
           </a:bodyPr>
           <a:lstStyle/>
           <a:p>
+            <a:r>
+              <a:rPr lang="en-IN" sz="2400" b="1" dirty="0">
+                <a:solidFill>
+                  <a:srgbClr val="0070C0"/>
+                </a:solidFill>
+              </a:rPr>
+              <a:t/>
+            </a:r>
             <a:br>
               <a:rPr lang="en-IN" sz="2400" b="1" dirty="0">
                 <a:solidFill>
@@ -5164,6 +5174,14 @@
                 </a:solidFill>
               </a:rPr>
             </a:br>
+            <a:r>
+              <a:rPr lang="en-IN" sz="2400" b="1" dirty="0">
+                <a:solidFill>
+                  <a:srgbClr val="0070C0"/>
+                </a:solidFill>
+              </a:rPr>
+              <a:t/>
+            </a:r>
             <a:br>
               <a:rPr lang="en-IN" sz="2400" b="1" dirty="0">
                 <a:solidFill>
@@ -5181,6 +5199,13 @@
               </a:rPr>
               <a:t>VEMANA INSTITUTE OF TECHNOLOGY</a:t>
             </a:r>
+            <a:r>
+              <a:rPr lang="en-IN" sz="2000" b="1" dirty="0">
+                <a:latin typeface="Times New Roman" panose="02020603050405020304" pitchFamily="18" charset="0"/>
+                <a:cs typeface="Times New Roman" panose="02020603050405020304" pitchFamily="18" charset="0"/>
+              </a:rPr>
+              <a:t/>
+            </a:r>
             <a:br>
               <a:rPr lang="en-IN" sz="2000" b="1" dirty="0">
                 <a:latin typeface="Times New Roman" panose="02020603050405020304" pitchFamily="18" charset="0"/>
@@ -5194,6 +5219,13 @@
               </a:rPr>
               <a:t>Koramangala, Bengaluru-34.</a:t>
             </a:r>
+            <a:r>
+              <a:rPr lang="en-IN" sz="2000" b="1" dirty="0">
+                <a:latin typeface="Times New Roman" panose="02020603050405020304" pitchFamily="18" charset="0"/>
+                <a:cs typeface="Times New Roman" panose="02020603050405020304" pitchFamily="18" charset="0"/>
+              </a:rPr>
+              <a:t/>
+            </a:r>
             <a:br>
               <a:rPr lang="en-IN" sz="2000" b="1" dirty="0">
                 <a:latin typeface="Times New Roman" panose="02020603050405020304" pitchFamily="18" charset="0"/>
@@ -5210,6 +5242,13 @@
               </a:rPr>
               <a:t>Department of Computer Science and Engineering</a:t>
             </a:r>
+            <a:r>
+              <a:rPr lang="en-US" sz="2400" b="1" dirty="0">
+                <a:latin typeface="Times New Roman" panose="02020603050405020304" pitchFamily="18" charset="0"/>
+                <a:cs typeface="Times New Roman" panose="02020603050405020304" pitchFamily="18" charset="0"/>
+              </a:rPr>
+              <a:t/>
+            </a:r>
             <a:br>
               <a:rPr lang="en-US" sz="2400" b="1" dirty="0">
                 <a:latin typeface="Times New Roman" panose="02020603050405020304" pitchFamily="18" charset="0"/>
@@ -5242,6 +5281,10 @@
                 <a:cs typeface="Times New Roman" panose="02020603050405020304" pitchFamily="18" charset="0"/>
               </a:rPr>
               <a:t> </a:t>
+            </a:r>
+            <a:r>
+              <a:rPr lang="en-US" sz="2400" dirty="0"/>
+              <a:t/>
             </a:r>
             <a:br>
               <a:rPr lang="en-US" sz="2400" dirty="0"/>
@@ -5303,7 +5346,21 @@
                 <a:latin typeface="Times New Roman" panose="02020603050405020304" pitchFamily="18" charset="0"/>
                 <a:cs typeface="Times New Roman" panose="02020603050405020304" pitchFamily="18" charset="0"/>
               </a:rPr>
-              <a:t>Mr. NOOR PASHA,</a:t>
+              <a:t>Mr. NOOR </a:t>
+            </a:r>
+            <a:r>
+              <a:rPr lang="en-US" sz="1600" b="1" dirty="0" smtClean="0">
+                <a:latin typeface="Times New Roman" panose="02020603050405020304" pitchFamily="18" charset="0"/>
+                <a:cs typeface="Times New Roman" panose="02020603050405020304" pitchFamily="18" charset="0"/>
+              </a:rPr>
+              <a:t>BASHA</a:t>
+            </a:r>
+            <a:r>
+              <a:rPr lang="en-US" sz="1600" b="1" dirty="0">
+                <a:latin typeface="Times New Roman" panose="02020603050405020304" pitchFamily="18" charset="0"/>
+                <a:cs typeface="Times New Roman" panose="02020603050405020304" pitchFamily="18" charset="0"/>
+              </a:rPr>
+              <a:t>,</a:t>
             </a:r>
           </a:p>
           <a:p>
@@ -5439,7 +5496,7 @@
           <p:cNvPr id="7" name="Rectangle 4">
             <a:extLst>
               <a:ext uri="{FF2B5EF4-FFF2-40B4-BE49-F238E27FC236}">
-                <a16:creationId xmlns:a16="http://schemas.microsoft.com/office/drawing/2014/main" id="{F998D05D-670E-4B4F-A80C-633BEB8F8FE1}"/>
+                <a16:creationId xmlns="" xmlns:a16="http://schemas.microsoft.com/office/drawing/2014/main" id="{F998D05D-670E-4B4F-A80C-633BEB8F8FE1}"/>
               </a:ext>
             </a:extLst>
           </p:cNvPr>
@@ -5539,446 +5596,94 @@
       </p:grpSpPr>
       <p:sp>
         <p:nvSpPr>
-          <p:cNvPr id="3" name="Content Placeholder 2"/>
+          <p:cNvPr id="2" name="Date Placeholder 1"/>
           <p:cNvSpPr>
             <a:spLocks noGrp="1"/>
           </p:cNvSpPr>
           <p:nvPr>
-            <p:ph idx="1"/>
-          </p:nvPr>
+            <p:ph type="dt" sz="half" idx="10"/>
+          </p:nvPr>
+        </p:nvSpPr>
+        <p:spPr/>
+        <p:txBody>
+          <a:bodyPr/>
+          <a:lstStyle/>
+          <a:p>
+            <a:fld id="{CB70B857-E226-4E94-98F0-FF856D010F57}" type="datetime1">
+              <a:rPr lang="en-US" smtClean="0"/>
+              <a:t>12/22/2020</a:t>
+            </a:fld>
+            <a:endParaRPr lang="en-US" dirty="0"/>
+          </a:p>
+        </p:txBody>
+      </p:sp>
+      <p:sp>
+        <p:nvSpPr>
+          <p:cNvPr id="3" name="Footer Placeholder 2"/>
+          <p:cNvSpPr>
+            <a:spLocks noGrp="1"/>
+          </p:cNvSpPr>
+          <p:nvPr>
+            <p:ph type="ftr" sz="quarter" idx="11"/>
+          </p:nvPr>
+        </p:nvSpPr>
+        <p:spPr/>
+        <p:txBody>
+          <a:bodyPr/>
+          <a:lstStyle/>
+          <a:p>
+            <a:r>
+              <a:rPr lang="en-US" smtClean="0"/>
+              <a:t>Department of CSE, Vemana IT</a:t>
+            </a:r>
+            <a:endParaRPr lang="en-US" dirty="0"/>
+          </a:p>
+        </p:txBody>
+      </p:sp>
+      <p:sp>
+        <p:nvSpPr>
+          <p:cNvPr id="4" name="Content Placeholder 2"/>
+          <p:cNvSpPr txBox="1">
+            <a:spLocks/>
+          </p:cNvSpPr>
+          <p:nvPr/>
         </p:nvSpPr>
         <p:spPr>
           <a:xfrm>
-            <a:off x="838200" y="1063228"/>
-            <a:ext cx="4191000" cy="3642122"/>
-          </a:xfrm>
-        </p:spPr>
-        <p:txBody>
-          <a:bodyPr>
-            <a:normAutofit fontScale="25000" lnSpcReduction="20000"/>
-          </a:bodyPr>
-          <a:lstStyle/>
-          <a:p>
-            <a:pPr marL="0" marR="0" indent="0">
-              <a:lnSpc>
-                <a:spcPct val="120000"/>
-              </a:lnSpc>
-              <a:spcBef>
-                <a:spcPts val="0"/>
-              </a:spcBef>
-              <a:spcAft>
-                <a:spcPts val="1200"/>
-              </a:spcAft>
-              <a:buNone/>
-            </a:pPr>
-            <a:r>
-              <a:rPr lang="en-US" sz="4000" b="1" dirty="0">
-                <a:solidFill>
-                  <a:srgbClr val="231F20"/>
-                </a:solidFill>
-                <a:latin typeface="Times New Roman" panose="02020603050405020304" pitchFamily="18" charset="0"/>
-              </a:rPr>
-              <a:t>Hardware Specifications:</a:t>
-            </a:r>
-          </a:p>
-          <a:p>
-            <a:pPr marL="0" marR="0" lvl="0" indent="0">
-              <a:lnSpc>
-                <a:spcPct val="120000"/>
-              </a:lnSpc>
-              <a:spcBef>
-                <a:spcPts val="0"/>
-              </a:spcBef>
-              <a:spcAft>
-                <a:spcPts val="1200"/>
-              </a:spcAft>
-              <a:buNone/>
-            </a:pPr>
-            <a:r>
-              <a:rPr lang="en-US" sz="4000" dirty="0">
-                <a:solidFill>
-                  <a:srgbClr val="231F20"/>
-                </a:solidFill>
-                <a:latin typeface="Times New Roman" panose="02020603050405020304" pitchFamily="18" charset="0"/>
-              </a:rPr>
-              <a:t>Processor: Intel® Core i5 ™ CPU and above</a:t>
-            </a:r>
-          </a:p>
-          <a:p>
-            <a:pPr marL="0" marR="0" lvl="0" indent="0">
-              <a:lnSpc>
-                <a:spcPct val="120000"/>
-              </a:lnSpc>
-              <a:spcBef>
-                <a:spcPts val="0"/>
-              </a:spcBef>
-              <a:spcAft>
-                <a:spcPts val="1200"/>
-              </a:spcAft>
-              <a:buNone/>
-            </a:pPr>
-            <a:r>
-              <a:rPr lang="en-US" sz="4000" dirty="0">
-                <a:solidFill>
-                  <a:srgbClr val="231F20"/>
-                </a:solidFill>
-                <a:latin typeface="Times New Roman" panose="02020603050405020304" pitchFamily="18" charset="0"/>
-              </a:rPr>
-              <a:t>RAM: 8 GB or higher</a:t>
-            </a:r>
-          </a:p>
-          <a:p>
-            <a:pPr marL="0" marR="0" lvl="0" indent="0">
-              <a:lnSpc>
-                <a:spcPct val="120000"/>
-              </a:lnSpc>
-              <a:spcBef>
-                <a:spcPts val="0"/>
-              </a:spcBef>
-              <a:spcAft>
-                <a:spcPts val="1200"/>
-              </a:spcAft>
-              <a:buNone/>
-            </a:pPr>
-            <a:r>
-              <a:rPr lang="en-US" sz="4000" dirty="0">
-                <a:solidFill>
-                  <a:srgbClr val="231F20"/>
-                </a:solidFill>
-                <a:latin typeface="Times New Roman" panose="02020603050405020304" pitchFamily="18" charset="0"/>
-              </a:rPr>
-              <a:t>Hard Disk: 100 GB or higher</a:t>
-            </a:r>
-          </a:p>
-          <a:p>
-            <a:pPr marL="0" marR="0" lvl="0" indent="0">
-              <a:lnSpc>
-                <a:spcPct val="120000"/>
-              </a:lnSpc>
-              <a:spcBef>
-                <a:spcPts val="0"/>
-              </a:spcBef>
-              <a:spcAft>
-                <a:spcPts val="1200"/>
-              </a:spcAft>
-              <a:buNone/>
-            </a:pPr>
-            <a:r>
-              <a:rPr lang="en-US" sz="4000" b="1" dirty="0">
-                <a:solidFill>
-                  <a:srgbClr val="231F20"/>
-                </a:solidFill>
-                <a:latin typeface="Times New Roman" panose="02020603050405020304" pitchFamily="18" charset="0"/>
-              </a:rPr>
-              <a:t>Software Specifications:</a:t>
-            </a:r>
-          </a:p>
-          <a:p>
-            <a:pPr marL="0" marR="0" lvl="0" indent="0">
-              <a:lnSpc>
-                <a:spcPct val="120000"/>
-              </a:lnSpc>
-              <a:spcBef>
-                <a:spcPts val="0"/>
-              </a:spcBef>
-              <a:spcAft>
-                <a:spcPts val="1200"/>
-              </a:spcAft>
-              <a:buNone/>
-            </a:pPr>
-            <a:r>
-              <a:rPr lang="en-US" sz="4000" dirty="0">
-                <a:solidFill>
-                  <a:srgbClr val="231F20"/>
-                </a:solidFill>
-                <a:latin typeface="Times New Roman" panose="02020603050405020304" pitchFamily="18" charset="0"/>
-              </a:rPr>
-              <a:t>Operating System: Windows 10/Ubuntu 20.04 LTS</a:t>
-            </a:r>
-          </a:p>
-          <a:p>
-            <a:pPr marL="0" marR="0" lvl="0" indent="0">
-              <a:lnSpc>
-                <a:spcPct val="120000"/>
-              </a:lnSpc>
-              <a:spcBef>
-                <a:spcPts val="0"/>
-              </a:spcBef>
-              <a:spcAft>
-                <a:spcPts val="1200"/>
-              </a:spcAft>
-              <a:buNone/>
-            </a:pPr>
-            <a:r>
-              <a:rPr lang="en-US" sz="4000" dirty="0">
-                <a:solidFill>
-                  <a:srgbClr val="231F20"/>
-                </a:solidFill>
-                <a:latin typeface="Times New Roman" panose="02020603050405020304" pitchFamily="18" charset="0"/>
-              </a:rPr>
-              <a:t>Architecture: 64-bit OS</a:t>
-            </a:r>
-          </a:p>
-          <a:p>
-            <a:pPr marL="0" marR="0" lvl="0" indent="0">
-              <a:lnSpc>
-                <a:spcPct val="120000"/>
-              </a:lnSpc>
-              <a:spcBef>
-                <a:spcPts val="0"/>
-              </a:spcBef>
-              <a:spcAft>
-                <a:spcPts val="1200"/>
-              </a:spcAft>
-              <a:buNone/>
-            </a:pPr>
-            <a:r>
-              <a:rPr lang="en-US" sz="4000" dirty="0">
-                <a:solidFill>
-                  <a:srgbClr val="231F20"/>
-                </a:solidFill>
-                <a:latin typeface="Times New Roman" panose="02020603050405020304" pitchFamily="18" charset="0"/>
-              </a:rPr>
-              <a:t>Python 3.8 or higher</a:t>
-            </a:r>
-          </a:p>
-          <a:p>
-            <a:pPr marL="0" marR="0" lvl="0" indent="0">
-              <a:lnSpc>
-                <a:spcPct val="120000"/>
-              </a:lnSpc>
-              <a:spcBef>
-                <a:spcPts val="0"/>
-              </a:spcBef>
-              <a:spcAft>
-                <a:spcPts val="1200"/>
-              </a:spcAft>
-              <a:buNone/>
-            </a:pPr>
-            <a:r>
-              <a:rPr lang="en-US" sz="4000" dirty="0">
-                <a:solidFill>
-                  <a:srgbClr val="231F20"/>
-                </a:solidFill>
-                <a:latin typeface="Times New Roman" panose="02020603050405020304" pitchFamily="18" charset="0"/>
-              </a:rPr>
-              <a:t>PIP Packages: </a:t>
-            </a:r>
-            <a:r>
-              <a:rPr lang="en-US" sz="4000" dirty="0" err="1">
-                <a:solidFill>
-                  <a:srgbClr val="231F20"/>
-                </a:solidFill>
-                <a:latin typeface="Times New Roman" panose="02020603050405020304" pitchFamily="18" charset="0"/>
-              </a:rPr>
-              <a:t>RegEx</a:t>
-            </a:r>
-            <a:r>
-              <a:rPr lang="en-US" sz="4000" dirty="0">
-                <a:solidFill>
-                  <a:srgbClr val="231F20"/>
-                </a:solidFill>
-                <a:latin typeface="Times New Roman" panose="02020603050405020304" pitchFamily="18" charset="0"/>
-              </a:rPr>
-              <a:t>, Flask, Django, Pymysql</a:t>
-            </a:r>
-          </a:p>
-          <a:p>
-            <a:pPr marL="0" marR="0" lvl="0" indent="0">
-              <a:lnSpc>
-                <a:spcPct val="120000"/>
-              </a:lnSpc>
-              <a:spcBef>
-                <a:spcPts val="0"/>
-              </a:spcBef>
-              <a:spcAft>
-                <a:spcPts val="1200"/>
-              </a:spcAft>
-              <a:buNone/>
-            </a:pPr>
-            <a:r>
-              <a:rPr lang="en-US" sz="4000" dirty="0">
-                <a:solidFill>
-                  <a:srgbClr val="231F20"/>
-                </a:solidFill>
-                <a:latin typeface="Times New Roman" panose="02020603050405020304" pitchFamily="18" charset="0"/>
-              </a:rPr>
-              <a:t>Database: MySQL5.7 or higher</a:t>
-            </a:r>
-          </a:p>
-          <a:p>
-            <a:pPr marL="0" marR="0" lvl="0" indent="0">
-              <a:lnSpc>
-                <a:spcPct val="120000"/>
-              </a:lnSpc>
-              <a:spcBef>
-                <a:spcPts val="0"/>
-              </a:spcBef>
-              <a:spcAft>
-                <a:spcPts val="1200"/>
-              </a:spcAft>
-              <a:buNone/>
-            </a:pPr>
-            <a:r>
-              <a:rPr lang="en-US" sz="4000" dirty="0">
-                <a:solidFill>
-                  <a:srgbClr val="231F20"/>
-                </a:solidFill>
-                <a:latin typeface="Times New Roman" panose="02020603050405020304" pitchFamily="18" charset="0"/>
-              </a:rPr>
-              <a:t>JavaScript 1.8.5 or higher</a:t>
-            </a:r>
-          </a:p>
-          <a:p>
-            <a:pPr marL="0" marR="0" lvl="0" indent="0">
-              <a:lnSpc>
-                <a:spcPct val="120000"/>
-              </a:lnSpc>
-              <a:spcBef>
-                <a:spcPts val="0"/>
-              </a:spcBef>
-              <a:spcAft>
-                <a:spcPts val="1200"/>
-              </a:spcAft>
-              <a:buNone/>
-            </a:pPr>
-            <a:r>
-              <a:rPr lang="en-US" sz="4000" dirty="0">
-                <a:solidFill>
-                  <a:srgbClr val="231F20"/>
-                </a:solidFill>
-                <a:latin typeface="Times New Roman" panose="02020603050405020304" pitchFamily="18" charset="0"/>
-              </a:rPr>
-              <a:t>Front End: HTML5, CSS3, Bootstrap4</a:t>
-            </a:r>
-          </a:p>
-        </p:txBody>
-      </p:sp>
-      <p:sp>
-        <p:nvSpPr>
-          <p:cNvPr id="11" name="Title 1">
-            <a:extLst>
-              <a:ext uri="{FF2B5EF4-FFF2-40B4-BE49-F238E27FC236}">
-                <a16:creationId xmlns:a16="http://schemas.microsoft.com/office/drawing/2014/main" id="{DC85129E-0B0B-4C64-B8AF-D549982166EC}"/>
-              </a:ext>
-            </a:extLst>
-          </p:cNvPr>
-          <p:cNvSpPr>
-            <a:spLocks noGrp="1"/>
-          </p:cNvSpPr>
-          <p:nvPr>
-            <p:ph type="title"/>
-          </p:nvPr>
-        </p:nvSpPr>
-        <p:spPr>
-          <a:xfrm>
-            <a:off x="457200" y="205978"/>
-            <a:ext cx="8229600" cy="857250"/>
-          </a:xfrm>
-        </p:spPr>
-        <p:txBody>
-          <a:bodyPr>
-            <a:normAutofit/>
-          </a:bodyPr>
-          <a:lstStyle/>
-          <a:p>
-            <a:r>
-              <a:rPr lang="en-US" sz="4000" dirty="0">
-                <a:ln w="0"/>
-                <a:solidFill>
-                  <a:schemeClr val="accent1"/>
-                </a:solidFill>
-                <a:effectLst>
-                  <a:outerShdw blurRad="38100" dist="25400" dir="5400000" algn="ctr" rotWithShape="0">
-                    <a:srgbClr val="6E747A">
-                      <a:alpha val="43000"/>
-                    </a:srgbClr>
-                  </a:outerShdw>
-                </a:effectLst>
-                <a:latin typeface="Times New Roman" panose="02020603050405020304" pitchFamily="18" charset="0"/>
-                <a:cs typeface="Times New Roman" panose="02020603050405020304" pitchFamily="18" charset="0"/>
-              </a:rPr>
-              <a:t>SYSTEM SPECIFICATION</a:t>
-            </a:r>
-          </a:p>
-        </p:txBody>
-      </p:sp>
-      <p:sp>
-        <p:nvSpPr>
-          <p:cNvPr id="13" name="Footer Placeholder 4">
-            <a:extLst>
-              <a:ext uri="{FF2B5EF4-FFF2-40B4-BE49-F238E27FC236}">
-                <a16:creationId xmlns:a16="http://schemas.microsoft.com/office/drawing/2014/main" id="{D1ABF561-8E91-4704-BDD7-0520E3848081}"/>
-              </a:ext>
-            </a:extLst>
-          </p:cNvPr>
-          <p:cNvSpPr>
-            <a:spLocks noGrp="1"/>
-          </p:cNvSpPr>
-          <p:nvPr>
-            <p:ph type="ftr" sz="quarter" idx="11"/>
-          </p:nvPr>
-        </p:nvSpPr>
-        <p:spPr>
-          <a:xfrm>
-            <a:off x="3124200" y="4767264"/>
-            <a:ext cx="2895600" cy="273844"/>
-          </a:xfrm>
-        </p:spPr>
-        <p:txBody>
-          <a:bodyPr/>
-          <a:lstStyle/>
-          <a:p>
-            <a:pPr algn="r"/>
-            <a:r>
-              <a:rPr lang="en-US" sz="1400" dirty="0">
-                <a:solidFill>
-                  <a:schemeClr val="tx2"/>
-                </a:solidFill>
-              </a:rPr>
-              <a:t>Department of CSE, Vemana IT</a:t>
-            </a:r>
-          </a:p>
-        </p:txBody>
-      </p:sp>
-      <p:sp>
-        <p:nvSpPr>
-          <p:cNvPr id="12" name="Footer Placeholder 4">
-            <a:extLst>
-              <a:ext uri="{FF2B5EF4-FFF2-40B4-BE49-F238E27FC236}">
-                <a16:creationId xmlns:a16="http://schemas.microsoft.com/office/drawing/2014/main" id="{0FCAE7D6-4E8F-4930-AF17-B90E0BF188C8}"/>
-              </a:ext>
-            </a:extLst>
-          </p:cNvPr>
-          <p:cNvSpPr txBox="1"/>
-          <p:nvPr/>
-        </p:nvSpPr>
-        <p:spPr>
-          <a:xfrm>
-            <a:off x="8229600" y="4770399"/>
-            <a:ext cx="668438" cy="270709"/>
+            <a:off x="914400" y="971550"/>
+            <a:ext cx="7239000" cy="3427807"/>
           </a:xfrm>
           <a:prstGeom prst="rect">
             <a:avLst/>
           </a:prstGeom>
         </p:spPr>
         <p:txBody>
-          <a:bodyPr vert="horz" lIns="91440" tIns="45720" rIns="91440" bIns="45720" rtlCol="0" anchor="ctr"/>
+          <a:bodyPr>
+            <a:normAutofit fontScale="92500" lnSpcReduction="20000"/>
+          </a:bodyPr>
           <a:lstStyle>
-            <a:lvl1pPr marL="0" algn="ctr" rtl="0" latinLnBrk="0">
-              <a:defRPr sz="1200" kern="1200">
-                <a:solidFill>
-                  <a:schemeClr val="tx1">
-                    <a:tint val="75000"/>
-                  </a:schemeClr>
+            <a:lvl1pPr marL="342900" indent="-342900" algn="l" defTabSz="914400" rtl="0" eaLnBrk="1" latinLnBrk="0" hangingPunct="1">
+              <a:spcBef>
+                <a:spcPct val="20000"/>
+              </a:spcBef>
+              <a:buFont typeface="Arial" panose="020B0604020202020204" pitchFamily="34" charset="0"/>
+              <a:buChar char="•"/>
+              <a:defRPr sz="3200" kern="1200">
+                <a:solidFill>
+                  <a:schemeClr val="tx1"/>
                 </a:solidFill>
                 <a:latin typeface="+mn-lt"/>
                 <a:ea typeface="+mn-ea"/>
                 <a:cs typeface="+mn-cs"/>
               </a:defRPr>
             </a:lvl1pPr>
-            <a:lvl2pPr marL="457200" algn="l" rtl="0" latinLnBrk="0">
-              <a:defRPr sz="1800" kern="1200">
+            <a:lvl2pPr marL="742950" indent="-285750" algn="l" defTabSz="914400" rtl="0" eaLnBrk="1" latinLnBrk="0" hangingPunct="1">
+              <a:spcBef>
+                <a:spcPct val="20000"/>
+              </a:spcBef>
+              <a:buFont typeface="Arial" panose="020B0604020202020204" pitchFamily="34" charset="0"/>
+              <a:buChar char="–"/>
+              <a:defRPr sz="2800" kern="1200">
                 <a:solidFill>
                   <a:schemeClr val="tx1"/>
                 </a:solidFill>
@@ -5987,8 +5692,13 @@
                 <a:cs typeface="+mn-cs"/>
               </a:defRPr>
             </a:lvl2pPr>
-            <a:lvl3pPr marL="914400" algn="l" rtl="0" latinLnBrk="0">
-              <a:defRPr sz="1800" kern="1200">
+            <a:lvl3pPr marL="1143000" indent="-228600" algn="l" defTabSz="914400" rtl="0" eaLnBrk="1" latinLnBrk="0" hangingPunct="1">
+              <a:spcBef>
+                <a:spcPct val="20000"/>
+              </a:spcBef>
+              <a:buFont typeface="Arial" panose="020B0604020202020204" pitchFamily="34" charset="0"/>
+              <a:buChar char="•"/>
+              <a:defRPr sz="2400" kern="1200">
                 <a:solidFill>
                   <a:schemeClr val="tx1"/>
                 </a:solidFill>
@@ -5997,8 +5707,13 @@
                 <a:cs typeface="+mn-cs"/>
               </a:defRPr>
             </a:lvl3pPr>
-            <a:lvl4pPr marL="1371600" algn="l" rtl="0" latinLnBrk="0">
-              <a:defRPr sz="1800" kern="1200">
+            <a:lvl4pPr marL="1600200" indent="-228600" algn="l" defTabSz="914400" rtl="0" eaLnBrk="1" latinLnBrk="0" hangingPunct="1">
+              <a:spcBef>
+                <a:spcPct val="20000"/>
+              </a:spcBef>
+              <a:buFont typeface="Arial" panose="020B0604020202020204" pitchFamily="34" charset="0"/>
+              <a:buChar char="–"/>
+              <a:defRPr sz="2000" kern="1200">
                 <a:solidFill>
                   <a:schemeClr val="tx1"/>
                 </a:solidFill>
@@ -6007,8 +5722,13 @@
                 <a:cs typeface="+mn-cs"/>
               </a:defRPr>
             </a:lvl4pPr>
-            <a:lvl5pPr marL="1828800" algn="l" rtl="0" latinLnBrk="0">
-              <a:defRPr sz="1800" kern="1200">
+            <a:lvl5pPr marL="2057400" indent="-228600" algn="l" defTabSz="914400" rtl="0" eaLnBrk="1" latinLnBrk="0" hangingPunct="1">
+              <a:spcBef>
+                <a:spcPct val="20000"/>
+              </a:spcBef>
+              <a:buFont typeface="Arial" panose="020B0604020202020204" pitchFamily="34" charset="0"/>
+              <a:buChar char="»"/>
+              <a:defRPr sz="2000" kern="1200">
                 <a:solidFill>
                   <a:schemeClr val="tx1"/>
                 </a:solidFill>
@@ -6017,8 +5737,13 @@
                 <a:cs typeface="+mn-cs"/>
               </a:defRPr>
             </a:lvl5pPr>
-            <a:lvl6pPr marL="2286000" algn="l" rtl="0" latinLnBrk="0">
-              <a:defRPr sz="1800" kern="1200">
+            <a:lvl6pPr marL="2514600" indent="-228600" algn="l" defTabSz="914400" rtl="0" eaLnBrk="1" latinLnBrk="0" hangingPunct="1">
+              <a:spcBef>
+                <a:spcPct val="20000"/>
+              </a:spcBef>
+              <a:buFont typeface="Arial" panose="020B0604020202020204" pitchFamily="34" charset="0"/>
+              <a:buChar char="•"/>
+              <a:defRPr sz="2000" kern="1200">
                 <a:solidFill>
                   <a:schemeClr val="tx1"/>
                 </a:solidFill>
@@ -6027,8 +5752,13 @@
                 <a:cs typeface="+mn-cs"/>
               </a:defRPr>
             </a:lvl6pPr>
-            <a:lvl7pPr marL="2743200" algn="l" rtl="0" latinLnBrk="0">
-              <a:defRPr sz="1800" kern="1200">
+            <a:lvl7pPr marL="2971800" indent="-228600" algn="l" defTabSz="914400" rtl="0" eaLnBrk="1" latinLnBrk="0" hangingPunct="1">
+              <a:spcBef>
+                <a:spcPct val="20000"/>
+              </a:spcBef>
+              <a:buFont typeface="Arial" panose="020B0604020202020204" pitchFamily="34" charset="0"/>
+              <a:buChar char="•"/>
+              <a:defRPr sz="2000" kern="1200">
                 <a:solidFill>
                   <a:schemeClr val="tx1"/>
                 </a:solidFill>
@@ -6037,8 +5767,13 @@
                 <a:cs typeface="+mn-cs"/>
               </a:defRPr>
             </a:lvl7pPr>
-            <a:lvl8pPr marL="3200400" algn="l" rtl="0" latinLnBrk="0">
-              <a:defRPr sz="1800" kern="1200">
+            <a:lvl8pPr marL="3429000" indent="-228600" algn="l" defTabSz="914400" rtl="0" eaLnBrk="1" latinLnBrk="0" hangingPunct="1">
+              <a:spcBef>
+                <a:spcPct val="20000"/>
+              </a:spcBef>
+              <a:buFont typeface="Arial" panose="020B0604020202020204" pitchFamily="34" charset="0"/>
+              <a:buChar char="•"/>
+              <a:defRPr sz="2000" kern="1200">
                 <a:solidFill>
                   <a:schemeClr val="tx1"/>
                 </a:solidFill>
@@ -6047,8 +5782,13 @@
                 <a:cs typeface="+mn-cs"/>
               </a:defRPr>
             </a:lvl8pPr>
-            <a:lvl9pPr marL="3657600" algn="l" rtl="0" latinLnBrk="0">
-              <a:defRPr sz="1800" kern="1200">
+            <a:lvl9pPr marL="3886200" indent="-228600" algn="l" defTabSz="914400" rtl="0" eaLnBrk="1" latinLnBrk="0" hangingPunct="1">
+              <a:spcBef>
+                <a:spcPct val="20000"/>
+              </a:spcBef>
+              <a:buFont typeface="Arial" panose="020B0604020202020204" pitchFamily="34" charset="0"/>
+              <a:buChar char="•"/>
+              <a:defRPr sz="2000" kern="1200">
                 <a:solidFill>
                   <a:schemeClr val="tx1"/>
                 </a:solidFill>
@@ -6059,310 +5799,179 @@
             </a:lvl9pPr>
           </a:lstStyle>
           <a:p>
-            <a:pPr algn="r"/>
+            <a:pPr marL="0" indent="0" algn="just">
+              <a:buNone/>
+            </a:pPr>
             <a:r>
               <a:rPr lang="en-US" sz="1400" dirty="0">
-                <a:solidFill>
-                  <a:schemeClr val="tx2"/>
-                </a:solidFill>
-              </a:rPr>
-              <a:t>8</a:t>
-            </a:r>
-          </a:p>
-        </p:txBody>
-      </p:sp>
-      <p:sp>
-        <p:nvSpPr>
-          <p:cNvPr id="15" name="Date Placeholder 3">
-            <a:extLst>
-              <a:ext uri="{FF2B5EF4-FFF2-40B4-BE49-F238E27FC236}">
-                <a16:creationId xmlns:a16="http://schemas.microsoft.com/office/drawing/2014/main" id="{77041AD4-79DE-43F9-A208-EB6EAD67EC6C}"/>
-              </a:ext>
-            </a:extLst>
-          </p:cNvPr>
-          <p:cNvSpPr txBox="1"/>
-          <p:nvPr/>
-        </p:nvSpPr>
-        <p:spPr>
-          <a:xfrm>
-            <a:off x="0" y="69817"/>
-            <a:ext cx="6019800" cy="180147"/>
-          </a:xfrm>
-          <a:prstGeom prst="rect">
-            <a:avLst/>
-          </a:prstGeom>
-        </p:spPr>
-        <p:txBody>
-          <a:bodyPr vert="horz" lIns="91440" tIns="45720" rIns="91440" bIns="45720" rtlCol="0" anchor="ctr"/>
-          <a:lstStyle>
-            <a:lvl1pPr marL="0" algn="l" rtl="0" latinLnBrk="0">
-              <a:defRPr sz="1200" kern="1200">
-                <a:solidFill>
-                  <a:schemeClr val="tx1">
-                    <a:tint val="75000"/>
-                  </a:schemeClr>
-                </a:solidFill>
-                <a:latin typeface="+mn-lt"/>
-                <a:ea typeface="+mn-ea"/>
-                <a:cs typeface="+mn-cs"/>
-              </a:defRPr>
-            </a:lvl1pPr>
-            <a:lvl2pPr marL="457200" algn="l" rtl="0" latinLnBrk="0">
-              <a:defRPr sz="1800" kern="1200">
-                <a:solidFill>
-                  <a:schemeClr val="tx1"/>
-                </a:solidFill>
-                <a:latin typeface="+mn-lt"/>
-                <a:ea typeface="+mn-ea"/>
-                <a:cs typeface="+mn-cs"/>
-              </a:defRPr>
-            </a:lvl2pPr>
-            <a:lvl3pPr marL="914400" algn="l" rtl="0" latinLnBrk="0">
-              <a:defRPr sz="1800" kern="1200">
-                <a:solidFill>
-                  <a:schemeClr val="tx1"/>
-                </a:solidFill>
-                <a:latin typeface="+mn-lt"/>
-                <a:ea typeface="+mn-ea"/>
-                <a:cs typeface="+mn-cs"/>
-              </a:defRPr>
-            </a:lvl3pPr>
-            <a:lvl4pPr marL="1371600" algn="l" rtl="0" latinLnBrk="0">
-              <a:defRPr sz="1800" kern="1200">
-                <a:solidFill>
-                  <a:schemeClr val="tx1"/>
-                </a:solidFill>
-                <a:latin typeface="+mn-lt"/>
-                <a:ea typeface="+mn-ea"/>
-                <a:cs typeface="+mn-cs"/>
-              </a:defRPr>
-            </a:lvl4pPr>
-            <a:lvl5pPr marL="1828800" algn="l" rtl="0" latinLnBrk="0">
-              <a:defRPr sz="1800" kern="1200">
-                <a:solidFill>
-                  <a:schemeClr val="tx1"/>
-                </a:solidFill>
-                <a:latin typeface="+mn-lt"/>
-                <a:ea typeface="+mn-ea"/>
-                <a:cs typeface="+mn-cs"/>
-              </a:defRPr>
-            </a:lvl5pPr>
-            <a:lvl6pPr marL="2286000" algn="l" rtl="0" latinLnBrk="0">
-              <a:defRPr sz="1800" kern="1200">
-                <a:solidFill>
-                  <a:schemeClr val="tx1"/>
-                </a:solidFill>
-                <a:latin typeface="+mn-lt"/>
-                <a:ea typeface="+mn-ea"/>
-                <a:cs typeface="+mn-cs"/>
-              </a:defRPr>
-            </a:lvl6pPr>
-            <a:lvl7pPr marL="2743200" algn="l" rtl="0" latinLnBrk="0">
-              <a:defRPr sz="1800" kern="1200">
-                <a:solidFill>
-                  <a:schemeClr val="tx1"/>
-                </a:solidFill>
-                <a:latin typeface="+mn-lt"/>
-                <a:ea typeface="+mn-ea"/>
-                <a:cs typeface="+mn-cs"/>
-              </a:defRPr>
-            </a:lvl7pPr>
-            <a:lvl8pPr marL="3200400" algn="l" rtl="0" latinLnBrk="0">
-              <a:defRPr sz="1800" kern="1200">
-                <a:solidFill>
-                  <a:schemeClr val="tx1"/>
-                </a:solidFill>
-                <a:latin typeface="+mn-lt"/>
-                <a:ea typeface="+mn-ea"/>
-                <a:cs typeface="+mn-cs"/>
-              </a:defRPr>
-            </a:lvl8pPr>
-            <a:lvl9pPr marL="3657600" algn="l" rtl="0" latinLnBrk="0">
-              <a:defRPr sz="1800" kern="1200">
-                <a:solidFill>
-                  <a:schemeClr val="tx1"/>
-                </a:solidFill>
-                <a:latin typeface="+mn-lt"/>
-                <a:ea typeface="+mn-ea"/>
-                <a:cs typeface="+mn-cs"/>
-              </a:defRPr>
-            </a:lvl9pPr>
-          </a:lstStyle>
-          <a:p>
-            <a:r>
-              <a:rPr lang="en-US" sz="1050" dirty="0">
-                <a:latin typeface="Calibri" panose="020F0502020204030204" pitchFamily="34" charset="0"/>
-                <a:cs typeface="Calibri" panose="020F0502020204030204" pitchFamily="34" charset="0"/>
-              </a:rPr>
-              <a:t>ENHANCING NETWORKING MONITORING SYSTEMS BY OVERLAYING PROTOCOLS</a:t>
-            </a:r>
-          </a:p>
-        </p:txBody>
-      </p:sp>
-      <p:sp>
-        <p:nvSpPr>
-          <p:cNvPr id="16" name="Date Placeholder 3">
-            <a:extLst>
-              <a:ext uri="{FF2B5EF4-FFF2-40B4-BE49-F238E27FC236}">
-                <a16:creationId xmlns:a16="http://schemas.microsoft.com/office/drawing/2014/main" id="{FBA8D23F-F274-4824-A7A4-FDEC12A30B65}"/>
-              </a:ext>
-            </a:extLst>
-          </p:cNvPr>
-          <p:cNvSpPr txBox="1"/>
-          <p:nvPr/>
-        </p:nvSpPr>
-        <p:spPr>
-          <a:xfrm>
-            <a:off x="8402738" y="-15077"/>
-            <a:ext cx="990600" cy="349934"/>
-          </a:xfrm>
-          <a:prstGeom prst="rect">
-            <a:avLst/>
-          </a:prstGeom>
-        </p:spPr>
-        <p:txBody>
-          <a:bodyPr vert="horz" lIns="91440" tIns="45720" rIns="91440" bIns="45720" rtlCol="0" anchor="ctr"/>
-          <a:lstStyle>
-            <a:lvl1pPr marL="0" algn="l" rtl="0" latinLnBrk="0">
-              <a:defRPr sz="1200" kern="1200">
-                <a:solidFill>
-                  <a:schemeClr val="tx1">
-                    <a:tint val="75000"/>
-                  </a:schemeClr>
-                </a:solidFill>
-                <a:latin typeface="+mn-lt"/>
-                <a:ea typeface="+mn-ea"/>
-                <a:cs typeface="+mn-cs"/>
-              </a:defRPr>
-            </a:lvl1pPr>
-            <a:lvl2pPr marL="457200" algn="l" rtl="0" latinLnBrk="0">
-              <a:defRPr sz="1800" kern="1200">
-                <a:solidFill>
-                  <a:schemeClr val="tx1"/>
-                </a:solidFill>
-                <a:latin typeface="+mn-lt"/>
-                <a:ea typeface="+mn-ea"/>
-                <a:cs typeface="+mn-cs"/>
-              </a:defRPr>
-            </a:lvl2pPr>
-            <a:lvl3pPr marL="914400" algn="l" rtl="0" latinLnBrk="0">
-              <a:defRPr sz="1800" kern="1200">
-                <a:solidFill>
-                  <a:schemeClr val="tx1"/>
-                </a:solidFill>
-                <a:latin typeface="+mn-lt"/>
-                <a:ea typeface="+mn-ea"/>
-                <a:cs typeface="+mn-cs"/>
-              </a:defRPr>
-            </a:lvl3pPr>
-            <a:lvl4pPr marL="1371600" algn="l" rtl="0" latinLnBrk="0">
-              <a:defRPr sz="1800" kern="1200">
-                <a:solidFill>
-                  <a:schemeClr val="tx1"/>
-                </a:solidFill>
-                <a:latin typeface="+mn-lt"/>
-                <a:ea typeface="+mn-ea"/>
-                <a:cs typeface="+mn-cs"/>
-              </a:defRPr>
-            </a:lvl4pPr>
-            <a:lvl5pPr marL="1828800" algn="l" rtl="0" latinLnBrk="0">
-              <a:defRPr sz="1800" kern="1200">
-                <a:solidFill>
-                  <a:schemeClr val="tx1"/>
-                </a:solidFill>
-                <a:latin typeface="+mn-lt"/>
-                <a:ea typeface="+mn-ea"/>
-                <a:cs typeface="+mn-cs"/>
-              </a:defRPr>
-            </a:lvl5pPr>
-            <a:lvl6pPr marL="2286000" algn="l" rtl="0" latinLnBrk="0">
-              <a:defRPr sz="1800" kern="1200">
-                <a:solidFill>
-                  <a:schemeClr val="tx1"/>
-                </a:solidFill>
-                <a:latin typeface="+mn-lt"/>
-                <a:ea typeface="+mn-ea"/>
-                <a:cs typeface="+mn-cs"/>
-              </a:defRPr>
-            </a:lvl6pPr>
-            <a:lvl7pPr marL="2743200" algn="l" rtl="0" latinLnBrk="0">
-              <a:defRPr sz="1800" kern="1200">
-                <a:solidFill>
-                  <a:schemeClr val="tx1"/>
-                </a:solidFill>
-                <a:latin typeface="+mn-lt"/>
-                <a:ea typeface="+mn-ea"/>
-                <a:cs typeface="+mn-cs"/>
-              </a:defRPr>
-            </a:lvl7pPr>
-            <a:lvl8pPr marL="3200400" algn="l" rtl="0" latinLnBrk="0">
-              <a:defRPr sz="1800" kern="1200">
-                <a:solidFill>
-                  <a:schemeClr val="tx1"/>
-                </a:solidFill>
-                <a:latin typeface="+mn-lt"/>
-                <a:ea typeface="+mn-ea"/>
-                <a:cs typeface="+mn-cs"/>
-              </a:defRPr>
-            </a:lvl8pPr>
-            <a:lvl9pPr marL="3657600" algn="l" rtl="0" latinLnBrk="0">
-              <a:defRPr sz="1800" kern="1200">
-                <a:solidFill>
-                  <a:schemeClr val="tx1"/>
-                </a:solidFill>
-                <a:latin typeface="+mn-lt"/>
-                <a:ea typeface="+mn-ea"/>
-                <a:cs typeface="+mn-cs"/>
-              </a:defRPr>
-            </a:lvl9pPr>
-          </a:lstStyle>
-          <a:p>
-            <a:r>
-              <a:rPr lang="en-US" sz="1100" dirty="0"/>
-              <a:t>2020 - 21</a:t>
-            </a:r>
-          </a:p>
-        </p:txBody>
-      </p:sp>
-      <p:sp>
-        <p:nvSpPr>
-          <p:cNvPr id="17" name="Date Placeholder 3">
-            <a:extLst>
-              <a:ext uri="{FF2B5EF4-FFF2-40B4-BE49-F238E27FC236}">
-                <a16:creationId xmlns:a16="http://schemas.microsoft.com/office/drawing/2014/main" id="{785F7EBD-25C8-4B82-B044-60CAD1D390ED}"/>
-              </a:ext>
-            </a:extLst>
-          </p:cNvPr>
-          <p:cNvSpPr>
-            <a:spLocks noGrp="1"/>
-          </p:cNvSpPr>
-          <p:nvPr>
-            <p:ph type="dt" sz="half" idx="10"/>
-          </p:nvPr>
-        </p:nvSpPr>
-        <p:spPr>
-          <a:xfrm>
-            <a:off x="76200" y="4800947"/>
-            <a:ext cx="2133600" cy="273844"/>
-          </a:xfrm>
-        </p:spPr>
-        <p:txBody>
-          <a:bodyPr/>
-          <a:lstStyle/>
-          <a:p>
-            <a:r>
-              <a:rPr lang="en-US" sz="1100" dirty="0">
-                <a:latin typeface="+mj-lt"/>
-              </a:rPr>
-              <a:t>23 Nov 2020</a:t>
-            </a:r>
+                <a:ln w="0"/>
+                <a:solidFill>
+                  <a:schemeClr val="accent1"/>
+                </a:solidFill>
+                <a:latin typeface="Times New Roman" panose="02020603050405020304" pitchFamily="18" charset="0"/>
+                <a:cs typeface="Times New Roman" panose="02020603050405020304" pitchFamily="18" charset="0"/>
+              </a:rPr>
+              <a:t>PROPOSED SYSTEM</a:t>
+            </a:r>
+            <a:endParaRPr lang="en-US" sz="1400" dirty="0" smtClean="0">
+              <a:ln w="0"/>
+              <a:solidFill>
+                <a:schemeClr val="accent1"/>
+              </a:solidFill>
+              <a:latin typeface="Times New Roman" panose="02020603050405020304" pitchFamily="18" charset="0"/>
+              <a:cs typeface="Times New Roman" panose="02020603050405020304" pitchFamily="18" charset="0"/>
+            </a:endParaRPr>
+          </a:p>
+          <a:p>
+            <a:pPr marL="0" indent="0" algn="just">
+              <a:buFont typeface="Arial" panose="020B0604020202020204" pitchFamily="34" charset="0"/>
+              <a:buNone/>
+            </a:pPr>
+            <a:endParaRPr lang="en-US" sz="1200" dirty="0" smtClean="0">
+              <a:solidFill>
+                <a:srgbClr val="231F20"/>
+              </a:solidFill>
+              <a:latin typeface="Times New Roman" panose="02020603050405020304" pitchFamily="18" charset="0"/>
+              <a:ea typeface="Times New Roman" panose="02020603050405020304" pitchFamily="18" charset="0"/>
+            </a:endParaRPr>
+          </a:p>
+          <a:p>
+            <a:pPr algn="just"/>
+            <a:r>
+              <a:rPr lang="en-US" sz="1400" dirty="0">
+                <a:latin typeface="Times New Roman" panose="02020603050405020304" pitchFamily="18" charset="0"/>
+                <a:cs typeface="Times New Roman" panose="02020603050405020304" pitchFamily="18" charset="0"/>
+              </a:rPr>
+              <a:t>Network Monitor is a web application that reports various status changes and updates of various network nodes in an organization</a:t>
+            </a:r>
+          </a:p>
+          <a:p>
+            <a:pPr algn="just"/>
+            <a:r>
+              <a:rPr lang="en-US" sz="1400" dirty="0">
+                <a:latin typeface="Times New Roman" panose="02020603050405020304" pitchFamily="18" charset="0"/>
+                <a:cs typeface="Times New Roman" panose="02020603050405020304" pitchFamily="18" charset="0"/>
+              </a:rPr>
+              <a:t>The system basically comprises of 3 parts</a:t>
+            </a:r>
+          </a:p>
+          <a:p>
+            <a:pPr lvl="1" algn="just"/>
+            <a:r>
+              <a:rPr lang="en-US" sz="1400" dirty="0">
+                <a:latin typeface="Times New Roman" panose="02020603050405020304" pitchFamily="18" charset="0"/>
+                <a:cs typeface="Times New Roman" panose="02020603050405020304" pitchFamily="18" charset="0"/>
+              </a:rPr>
+              <a:t>Front End: Main functionalities include the following:</a:t>
+            </a:r>
+          </a:p>
+          <a:p>
+            <a:pPr lvl="2" algn="just"/>
+            <a:r>
+              <a:rPr lang="en-US" sz="1400" dirty="0">
+                <a:latin typeface="Times New Roman" panose="02020603050405020304" pitchFamily="18" charset="0"/>
+                <a:cs typeface="Times New Roman" panose="02020603050405020304" pitchFamily="18" charset="0"/>
+              </a:rPr>
+              <a:t>Logging into the system</a:t>
+            </a:r>
+          </a:p>
+          <a:p>
+            <a:pPr lvl="2" algn="just"/>
+            <a:r>
+              <a:rPr lang="en-US" sz="1400" dirty="0">
+                <a:latin typeface="Times New Roman" panose="02020603050405020304" pitchFamily="18" charset="0"/>
+                <a:cs typeface="Times New Roman" panose="02020603050405020304" pitchFamily="18" charset="0"/>
+              </a:rPr>
+              <a:t>Adding  a device</a:t>
+            </a:r>
+          </a:p>
+          <a:p>
+            <a:pPr lvl="2" algn="just"/>
+            <a:r>
+              <a:rPr lang="en-US" sz="1400" dirty="0">
+                <a:latin typeface="Times New Roman" panose="02020603050405020304" pitchFamily="18" charset="0"/>
+                <a:cs typeface="Times New Roman" panose="02020603050405020304" pitchFamily="18" charset="0"/>
+              </a:rPr>
+              <a:t>Editing a device</a:t>
+            </a:r>
+          </a:p>
+          <a:p>
+            <a:pPr lvl="2" algn="just"/>
+            <a:r>
+              <a:rPr lang="en-US" sz="1400" dirty="0">
+                <a:latin typeface="Times New Roman" panose="02020603050405020304" pitchFamily="18" charset="0"/>
+                <a:cs typeface="Times New Roman" panose="02020603050405020304" pitchFamily="18" charset="0"/>
+              </a:rPr>
+              <a:t>Deleting a device</a:t>
+            </a:r>
+          </a:p>
+          <a:p>
+            <a:pPr lvl="2" algn="just"/>
+            <a:r>
+              <a:rPr lang="en-US" sz="1400" dirty="0">
+                <a:latin typeface="Times New Roman" panose="02020603050405020304" pitchFamily="18" charset="0"/>
+                <a:cs typeface="Times New Roman" panose="02020603050405020304" pitchFamily="18" charset="0"/>
+              </a:rPr>
+              <a:t>Displaying the ‘Devices’ table</a:t>
+            </a:r>
+          </a:p>
+          <a:p>
+            <a:pPr lvl="1" algn="just"/>
+            <a:r>
+              <a:rPr lang="en-US" sz="1400" dirty="0">
+                <a:latin typeface="Times New Roman" panose="02020603050405020304" pitchFamily="18" charset="0"/>
+                <a:cs typeface="Times New Roman" panose="02020603050405020304" pitchFamily="18" charset="0"/>
+              </a:rPr>
+              <a:t>Database: It comprises of two tables:</a:t>
+            </a:r>
+          </a:p>
+          <a:p>
+            <a:pPr lvl="2" algn="just"/>
+            <a:r>
+              <a:rPr lang="en-US" sz="1400" dirty="0" err="1">
+                <a:latin typeface="Times New Roman" panose="02020603050405020304" pitchFamily="18" charset="0"/>
+                <a:cs typeface="Times New Roman" panose="02020603050405020304" pitchFamily="18" charset="0"/>
+              </a:rPr>
+              <a:t>UserLogin</a:t>
+            </a:r>
+            <a:r>
+              <a:rPr lang="en-US" sz="1400" dirty="0">
+                <a:latin typeface="Times New Roman" panose="02020603050405020304" pitchFamily="18" charset="0"/>
+                <a:cs typeface="Times New Roman" panose="02020603050405020304" pitchFamily="18" charset="0"/>
+              </a:rPr>
+              <a:t> is the administer the secure login activity to network monitor. </a:t>
+            </a:r>
+          </a:p>
+          <a:p>
+            <a:pPr lvl="2" algn="just"/>
+            <a:r>
+              <a:rPr lang="en-US" sz="1400" dirty="0">
+                <a:latin typeface="Times New Roman" panose="02020603050405020304" pitchFamily="18" charset="0"/>
+                <a:cs typeface="Times New Roman" panose="02020603050405020304" pitchFamily="18" charset="0"/>
+              </a:rPr>
+              <a:t>Device table consists of the device name, locally generated device id, IP Address and System Parameters such as Reachability, Availability, Latency, Mac Address and so on. </a:t>
+            </a:r>
+          </a:p>
+          <a:p>
+            <a:pPr lvl="1" algn="just"/>
+            <a:r>
+              <a:rPr lang="en-US" sz="1400">
+                <a:latin typeface="Times New Roman" panose="02020603050405020304" pitchFamily="18" charset="0"/>
+                <a:cs typeface="Times New Roman" panose="02020603050405020304" pitchFamily="18" charset="0"/>
+              </a:rPr>
+              <a:t>Back End: A Python script that runs every 10 seconds to obtain information of all network nodes using different protocols and updates the same in the Database</a:t>
+            </a:r>
+            <a:endParaRPr lang="en-US" sz="1200" dirty="0">
+              <a:latin typeface="Times New Roman" panose="02020603050405020304" pitchFamily="18" charset="0"/>
+              <a:cs typeface="Times New Roman" panose="02020603050405020304" pitchFamily="18" charset="0"/>
+            </a:endParaRPr>
           </a:p>
         </p:txBody>
       </p:sp>
     </p:spTree>
     <p:extLst>
       <p:ext uri="{BB962C8B-B14F-4D97-AF65-F5344CB8AC3E}">
-        <p14:creationId xmlns:p14="http://schemas.microsoft.com/office/powerpoint/2010/main" val="123860931"/>
+        <p14:creationId xmlns:p14="http://schemas.microsoft.com/office/powerpoint/2010/main" val="1394283203"/>
       </p:ext>
     </p:extLst>
   </p:cSld>
@@ -6401,72 +6010,210 @@
         </p:nvSpPr>
         <p:spPr>
           <a:xfrm>
-            <a:off x="762000" y="1063228"/>
-            <a:ext cx="7239000" cy="3489722"/>
+            <a:off x="304800" y="1199388"/>
+            <a:ext cx="5638800" cy="3353561"/>
           </a:xfrm>
         </p:spPr>
         <p:txBody>
           <a:bodyPr>
-            <a:normAutofit/>
+            <a:normAutofit lnSpcReduction="10000"/>
           </a:bodyPr>
           <a:lstStyle/>
           <a:p>
-            <a:pPr algn="just"/>
-            <a:r>
-              <a:rPr lang="en-US" sz="1600" dirty="0">
+            <a:pPr marL="0" indent="0" algn="just">
+              <a:buNone/>
+            </a:pPr>
+            <a:r>
+              <a:rPr lang="en-US" sz="1200" dirty="0">
                 <a:latin typeface="Times New Roman" panose="02020603050405020304" pitchFamily="18" charset="0"/>
                 <a:cs typeface="Times New Roman" panose="02020603050405020304" pitchFamily="18" charset="0"/>
               </a:rPr>
-              <a:t>A fully functional network monitoring system that can overlay various monitoring protocols such as ICMP, SNMP, ARP, RARP, LLDP and so on to obtain all information about various network nodes.</a:t>
-            </a:r>
-          </a:p>
-          <a:p>
-            <a:pPr algn="just"/>
-            <a:r>
-              <a:rPr lang="en-US" sz="1600" dirty="0">
-                <a:latin typeface="Times New Roman" panose="02020603050405020304" pitchFamily="18" charset="0"/>
-                <a:cs typeface="Times New Roman" panose="02020603050405020304" pitchFamily="18" charset="0"/>
-              </a:rPr>
-              <a:t>Development of easy installation script setup documentation. </a:t>
-            </a:r>
-          </a:p>
-          <a:p>
-            <a:pPr algn="just"/>
-            <a:r>
-              <a:rPr lang="en-US" sz="1600" dirty="0">
-                <a:latin typeface="Times New Roman" panose="02020603050405020304" pitchFamily="18" charset="0"/>
-                <a:cs typeface="Times New Roman" panose="02020603050405020304" pitchFamily="18" charset="0"/>
-              </a:rPr>
-              <a:t>A lucid, user-friendly User Interface for the application that can display information with right intensity</a:t>
-            </a:r>
-          </a:p>
-          <a:p>
-            <a:pPr algn="just"/>
-            <a:r>
-              <a:rPr lang="en-US" sz="1600" dirty="0">
-                <a:latin typeface="Times New Roman" panose="02020603050405020304" pitchFamily="18" charset="0"/>
-                <a:cs typeface="Times New Roman" panose="02020603050405020304" pitchFamily="18" charset="0"/>
-              </a:rPr>
-              <a:t>Consistent triggering for alerts in any inconsistent conditions that found in a network</a:t>
-            </a:r>
-          </a:p>
-          <a:p>
-            <a:pPr algn="just"/>
-            <a:r>
-              <a:rPr lang="en-US" sz="1600" dirty="0">
-                <a:latin typeface="Times New Roman" panose="02020603050405020304" pitchFamily="18" charset="0"/>
-                <a:cs typeface="Times New Roman" panose="02020603050405020304" pitchFamily="18" charset="0"/>
-              </a:rPr>
-              <a:t>Alerts should be sent to the users configured as per their customizations.</a:t>
-            </a:r>
-          </a:p>
-          <a:p>
-            <a:pPr algn="just"/>
-            <a:endParaRPr lang="en-US" sz="1600" dirty="0">
+              <a:t>In general, methodology refers to a set of procedures used to conduct a project. The various stages are explained below:</a:t>
+            </a:r>
+          </a:p>
+          <a:p>
+            <a:pPr marL="0" indent="0" algn="just">
+              <a:buNone/>
+            </a:pPr>
+            <a:endParaRPr lang="en-US" sz="1200" dirty="0">
               <a:latin typeface="Times New Roman" panose="02020603050405020304" pitchFamily="18" charset="0"/>
               <a:cs typeface="Times New Roman" panose="02020603050405020304" pitchFamily="18" charset="0"/>
             </a:endParaRPr>
           </a:p>
+          <a:p>
+            <a:pPr algn="just"/>
+            <a:r>
+              <a:rPr lang="en-US" sz="1200" dirty="0">
+                <a:latin typeface="Times New Roman" panose="02020603050405020304" pitchFamily="18" charset="0"/>
+                <a:cs typeface="Times New Roman" panose="02020603050405020304" pitchFamily="18" charset="0"/>
+              </a:rPr>
+              <a:t>Project Planning: This is done by allocating tasks that are going to be done within a given time period. This is important to make sure this project can be carried out perfectly and meeting the requirements.</a:t>
+            </a:r>
+          </a:p>
+          <a:p>
+            <a:pPr algn="just"/>
+            <a:r>
+              <a:rPr lang="en-US" sz="1200" dirty="0">
+                <a:latin typeface="Times New Roman" panose="02020603050405020304" pitchFamily="18" charset="0"/>
+                <a:cs typeface="Times New Roman" panose="02020603050405020304" pitchFamily="18" charset="0"/>
+              </a:rPr>
+              <a:t>Research and Analysis: It involves literature survey of related journals, books, research papers and developers’ forums to get a better understanding and clear view about the research scope that will be carried out. </a:t>
+            </a:r>
+          </a:p>
+          <a:p>
+            <a:pPr algn="just"/>
+            <a:r>
+              <a:rPr lang="en-US" sz="1200" dirty="0">
+                <a:latin typeface="Times New Roman" panose="02020603050405020304" pitchFamily="18" charset="0"/>
+                <a:cs typeface="Times New Roman" panose="02020603050405020304" pitchFamily="18" charset="0"/>
+              </a:rPr>
+              <a:t>Development of Project: This involves implementing code for various Back-end and Front-end  modules of the project. Also, the installation and configuration various software requirements, databases  and so on come under this phase. </a:t>
+            </a:r>
+          </a:p>
+          <a:p>
+            <a:pPr algn="just"/>
+            <a:r>
+              <a:rPr lang="en-US" sz="1200" dirty="0">
+                <a:latin typeface="Times New Roman" panose="02020603050405020304" pitchFamily="18" charset="0"/>
+                <a:cs typeface="Times New Roman" panose="02020603050405020304" pitchFamily="18" charset="0"/>
+              </a:rPr>
+              <a:t>System Analysis and Improvement: The developed system is to be thoroughly studied and analyzed to further understand how it works in real environment by deploying it in a simulated network environment. </a:t>
+            </a:r>
+          </a:p>
+          <a:p>
+            <a:pPr algn="just"/>
+            <a:r>
+              <a:rPr lang="en-US" sz="1200" dirty="0">
+                <a:latin typeface="Times New Roman" panose="02020603050405020304" pitchFamily="18" charset="0"/>
+                <a:cs typeface="Times New Roman" panose="02020603050405020304" pitchFamily="18" charset="0"/>
+              </a:rPr>
+              <a:t>Integration and Testing: This system is tested rigorously in this phase with different parameters and configurations to see whether it can meet the required expectations. </a:t>
+            </a:r>
+          </a:p>
+        </p:txBody>
+      </p:sp>
+      <p:sp>
+        <p:nvSpPr>
+          <p:cNvPr id="6" name="Footer Placeholder 4"/>
+          <p:cNvSpPr txBox="1"/>
+          <p:nvPr/>
+        </p:nvSpPr>
+        <p:spPr>
+          <a:xfrm>
+            <a:off x="8610600" y="4770399"/>
+            <a:ext cx="287438" cy="270709"/>
+          </a:xfrm>
+          <a:prstGeom prst="rect">
+            <a:avLst/>
+          </a:prstGeom>
+        </p:spPr>
+        <p:txBody>
+          <a:bodyPr vert="horz" lIns="91440" tIns="45720" rIns="91440" bIns="45720" rtlCol="0" anchor="ctr"/>
+          <a:lstStyle>
+            <a:lvl1pPr marL="0" algn="ctr" rtl="0" latinLnBrk="0">
+              <a:defRPr sz="1200" kern="1200">
+                <a:solidFill>
+                  <a:schemeClr val="tx1">
+                    <a:tint val="75000"/>
+                  </a:schemeClr>
+                </a:solidFill>
+                <a:latin typeface="+mn-lt"/>
+                <a:ea typeface="+mn-ea"/>
+                <a:cs typeface="+mn-cs"/>
+              </a:defRPr>
+            </a:lvl1pPr>
+            <a:lvl2pPr marL="457200" algn="l" rtl="0" latinLnBrk="0">
+              <a:defRPr sz="1800" kern="1200">
+                <a:solidFill>
+                  <a:schemeClr val="tx1"/>
+                </a:solidFill>
+                <a:latin typeface="+mn-lt"/>
+                <a:ea typeface="+mn-ea"/>
+                <a:cs typeface="+mn-cs"/>
+              </a:defRPr>
+            </a:lvl2pPr>
+            <a:lvl3pPr marL="914400" algn="l" rtl="0" latinLnBrk="0">
+              <a:defRPr sz="1800" kern="1200">
+                <a:solidFill>
+                  <a:schemeClr val="tx1"/>
+                </a:solidFill>
+                <a:latin typeface="+mn-lt"/>
+                <a:ea typeface="+mn-ea"/>
+                <a:cs typeface="+mn-cs"/>
+              </a:defRPr>
+            </a:lvl3pPr>
+            <a:lvl4pPr marL="1371600" algn="l" rtl="0" latinLnBrk="0">
+              <a:defRPr sz="1800" kern="1200">
+                <a:solidFill>
+                  <a:schemeClr val="tx1"/>
+                </a:solidFill>
+                <a:latin typeface="+mn-lt"/>
+                <a:ea typeface="+mn-ea"/>
+                <a:cs typeface="+mn-cs"/>
+              </a:defRPr>
+            </a:lvl4pPr>
+            <a:lvl5pPr marL="1828800" algn="l" rtl="0" latinLnBrk="0">
+              <a:defRPr sz="1800" kern="1200">
+                <a:solidFill>
+                  <a:schemeClr val="tx1"/>
+                </a:solidFill>
+                <a:latin typeface="+mn-lt"/>
+                <a:ea typeface="+mn-ea"/>
+                <a:cs typeface="+mn-cs"/>
+              </a:defRPr>
+            </a:lvl5pPr>
+            <a:lvl6pPr marL="2286000" algn="l" rtl="0" latinLnBrk="0">
+              <a:defRPr sz="1800" kern="1200">
+                <a:solidFill>
+                  <a:schemeClr val="tx1"/>
+                </a:solidFill>
+                <a:latin typeface="+mn-lt"/>
+                <a:ea typeface="+mn-ea"/>
+                <a:cs typeface="+mn-cs"/>
+              </a:defRPr>
+            </a:lvl6pPr>
+            <a:lvl7pPr marL="2743200" algn="l" rtl="0" latinLnBrk="0">
+              <a:defRPr sz="1800" kern="1200">
+                <a:solidFill>
+                  <a:schemeClr val="tx1"/>
+                </a:solidFill>
+                <a:latin typeface="+mn-lt"/>
+                <a:ea typeface="+mn-ea"/>
+                <a:cs typeface="+mn-cs"/>
+              </a:defRPr>
+            </a:lvl7pPr>
+            <a:lvl8pPr marL="3200400" algn="l" rtl="0" latinLnBrk="0">
+              <a:defRPr sz="1800" kern="1200">
+                <a:solidFill>
+                  <a:schemeClr val="tx1"/>
+                </a:solidFill>
+                <a:latin typeface="+mn-lt"/>
+                <a:ea typeface="+mn-ea"/>
+                <a:cs typeface="+mn-cs"/>
+              </a:defRPr>
+            </a:lvl8pPr>
+            <a:lvl9pPr marL="3657600" algn="l" rtl="0" latinLnBrk="0">
+              <a:defRPr sz="1800" kern="1200">
+                <a:solidFill>
+                  <a:schemeClr val="tx1"/>
+                </a:solidFill>
+                <a:latin typeface="+mn-lt"/>
+                <a:ea typeface="+mn-ea"/>
+                <a:cs typeface="+mn-cs"/>
+              </a:defRPr>
+            </a:lvl9pPr>
+          </a:lstStyle>
+          <a:p>
+            <a:pPr algn="r"/>
+            <a:r>
+              <a:rPr lang="en-US" sz="1400" dirty="0">
+                <a:solidFill>
+                  <a:schemeClr val="tx2"/>
+                </a:solidFill>
+              </a:rPr>
+              <a:t>9</a:t>
+            </a:r>
+          </a:p>
         </p:txBody>
       </p:sp>
       <p:sp>
@@ -6474,7 +6221,7 @@
           <p:cNvPr id="11" name="Title 1">
             <a:extLst>
               <a:ext uri="{FF2B5EF4-FFF2-40B4-BE49-F238E27FC236}">
-                <a16:creationId xmlns:a16="http://schemas.microsoft.com/office/drawing/2014/main" id="{DC85129E-0B0B-4C64-B8AF-D549982166EC}"/>
+                <a16:creationId xmlns="" xmlns:a16="http://schemas.microsoft.com/office/drawing/2014/main" id="{DC85129E-0B0B-4C64-B8AF-D549982166EC}"/>
               </a:ext>
             </a:extLst>
           </p:cNvPr>
@@ -6513,7 +6260,7 @@
                 <a:latin typeface="Times New Roman" panose="02020603050405020304" pitchFamily="18" charset="0"/>
                 <a:cs typeface="Times New Roman" panose="02020603050405020304" pitchFamily="18" charset="0"/>
               </a:rPr>
-              <a:t>EXPECTED OUTCOME </a:t>
+              <a:t>METHODOLOGY </a:t>
             </a:r>
           </a:p>
         </p:txBody>
@@ -6523,7 +6270,7 @@
           <p:cNvPr id="13" name="Footer Placeholder 4">
             <a:extLst>
               <a:ext uri="{FF2B5EF4-FFF2-40B4-BE49-F238E27FC236}">
-                <a16:creationId xmlns:a16="http://schemas.microsoft.com/office/drawing/2014/main" id="{D1ABF561-8E91-4704-BDD7-0520E3848081}"/>
+                <a16:creationId xmlns="" xmlns:a16="http://schemas.microsoft.com/office/drawing/2014/main" id="{D1ABF561-8E91-4704-BDD7-0520E3848081}"/>
               </a:ext>
             </a:extLst>
           </p:cNvPr>
@@ -6558,140 +6305,10 @@
       </p:sp>
       <p:sp>
         <p:nvSpPr>
-          <p:cNvPr id="12" name="Footer Placeholder 4">
+          <p:cNvPr id="12" name="Date Placeholder 3">
             <a:extLst>
               <a:ext uri="{FF2B5EF4-FFF2-40B4-BE49-F238E27FC236}">
-                <a16:creationId xmlns:a16="http://schemas.microsoft.com/office/drawing/2014/main" id="{C9907D7F-A4E4-4317-AB7D-33136CEA3BBC}"/>
-              </a:ext>
-            </a:extLst>
-          </p:cNvPr>
-          <p:cNvSpPr txBox="1"/>
-          <p:nvPr/>
-        </p:nvSpPr>
-        <p:spPr>
-          <a:xfrm>
-            <a:off x="8229600" y="4770399"/>
-            <a:ext cx="668438" cy="270709"/>
-          </a:xfrm>
-          <a:prstGeom prst="rect">
-            <a:avLst/>
-          </a:prstGeom>
-        </p:spPr>
-        <p:txBody>
-          <a:bodyPr vert="horz" lIns="91440" tIns="45720" rIns="91440" bIns="45720" rtlCol="0" anchor="ctr"/>
-          <a:lstStyle>
-            <a:lvl1pPr marL="0" algn="ctr" rtl="0" latinLnBrk="0">
-              <a:defRPr sz="1200" kern="1200">
-                <a:solidFill>
-                  <a:schemeClr val="tx1">
-                    <a:tint val="75000"/>
-                  </a:schemeClr>
-                </a:solidFill>
-                <a:latin typeface="+mn-lt"/>
-                <a:ea typeface="+mn-ea"/>
-                <a:cs typeface="+mn-cs"/>
-              </a:defRPr>
-            </a:lvl1pPr>
-            <a:lvl2pPr marL="457200" algn="l" rtl="0" latinLnBrk="0">
-              <a:defRPr sz="1800" kern="1200">
-                <a:solidFill>
-                  <a:schemeClr val="tx1"/>
-                </a:solidFill>
-                <a:latin typeface="+mn-lt"/>
-                <a:ea typeface="+mn-ea"/>
-                <a:cs typeface="+mn-cs"/>
-              </a:defRPr>
-            </a:lvl2pPr>
-            <a:lvl3pPr marL="914400" algn="l" rtl="0" latinLnBrk="0">
-              <a:defRPr sz="1800" kern="1200">
-                <a:solidFill>
-                  <a:schemeClr val="tx1"/>
-                </a:solidFill>
-                <a:latin typeface="+mn-lt"/>
-                <a:ea typeface="+mn-ea"/>
-                <a:cs typeface="+mn-cs"/>
-              </a:defRPr>
-            </a:lvl3pPr>
-            <a:lvl4pPr marL="1371600" algn="l" rtl="0" latinLnBrk="0">
-              <a:defRPr sz="1800" kern="1200">
-                <a:solidFill>
-                  <a:schemeClr val="tx1"/>
-                </a:solidFill>
-                <a:latin typeface="+mn-lt"/>
-                <a:ea typeface="+mn-ea"/>
-                <a:cs typeface="+mn-cs"/>
-              </a:defRPr>
-            </a:lvl4pPr>
-            <a:lvl5pPr marL="1828800" algn="l" rtl="0" latinLnBrk="0">
-              <a:defRPr sz="1800" kern="1200">
-                <a:solidFill>
-                  <a:schemeClr val="tx1"/>
-                </a:solidFill>
-                <a:latin typeface="+mn-lt"/>
-                <a:ea typeface="+mn-ea"/>
-                <a:cs typeface="+mn-cs"/>
-              </a:defRPr>
-            </a:lvl5pPr>
-            <a:lvl6pPr marL="2286000" algn="l" rtl="0" latinLnBrk="0">
-              <a:defRPr sz="1800" kern="1200">
-                <a:solidFill>
-                  <a:schemeClr val="tx1"/>
-                </a:solidFill>
-                <a:latin typeface="+mn-lt"/>
-                <a:ea typeface="+mn-ea"/>
-                <a:cs typeface="+mn-cs"/>
-              </a:defRPr>
-            </a:lvl6pPr>
-            <a:lvl7pPr marL="2743200" algn="l" rtl="0" latinLnBrk="0">
-              <a:defRPr sz="1800" kern="1200">
-                <a:solidFill>
-                  <a:schemeClr val="tx1"/>
-                </a:solidFill>
-                <a:latin typeface="+mn-lt"/>
-                <a:ea typeface="+mn-ea"/>
-                <a:cs typeface="+mn-cs"/>
-              </a:defRPr>
-            </a:lvl7pPr>
-            <a:lvl8pPr marL="3200400" algn="l" rtl="0" latinLnBrk="0">
-              <a:defRPr sz="1800" kern="1200">
-                <a:solidFill>
-                  <a:schemeClr val="tx1"/>
-                </a:solidFill>
-                <a:latin typeface="+mn-lt"/>
-                <a:ea typeface="+mn-ea"/>
-                <a:cs typeface="+mn-cs"/>
-              </a:defRPr>
-            </a:lvl8pPr>
-            <a:lvl9pPr marL="3657600" algn="l" rtl="0" latinLnBrk="0">
-              <a:defRPr sz="1800" kern="1200">
-                <a:solidFill>
-                  <a:schemeClr val="tx1"/>
-                </a:solidFill>
-                <a:latin typeface="+mn-lt"/>
-                <a:ea typeface="+mn-ea"/>
-                <a:cs typeface="+mn-cs"/>
-              </a:defRPr>
-            </a:lvl9pPr>
-          </a:lstStyle>
-          <a:p>
-            <a:pPr algn="r"/>
-            <a:r>
-              <a:rPr lang="en-US" sz="1400" dirty="0">
-                <a:solidFill>
-                  <a:schemeClr val="tx2"/>
-                </a:solidFill>
-              </a:rPr>
-              <a:t>9</a:t>
-            </a:r>
-          </a:p>
-        </p:txBody>
-      </p:sp>
-      <p:sp>
-        <p:nvSpPr>
-          <p:cNvPr id="15" name="Date Placeholder 3">
-            <a:extLst>
-              <a:ext uri="{FF2B5EF4-FFF2-40B4-BE49-F238E27FC236}">
-                <a16:creationId xmlns:a16="http://schemas.microsoft.com/office/drawing/2014/main" id="{B7B8C723-3974-4BCF-9072-3A9695A790BA}"/>
+                <a16:creationId xmlns="" xmlns:a16="http://schemas.microsoft.com/office/drawing/2014/main" id="{E04BECF4-D289-4A42-A4A2-7BC21939DA2C}"/>
               </a:ext>
             </a:extLst>
           </p:cNvPr>
@@ -6816,10 +6433,10 @@
       </p:sp>
       <p:sp>
         <p:nvSpPr>
-          <p:cNvPr id="16" name="Date Placeholder 3">
+          <p:cNvPr id="14" name="Date Placeholder 3">
             <a:extLst>
               <a:ext uri="{FF2B5EF4-FFF2-40B4-BE49-F238E27FC236}">
-                <a16:creationId xmlns:a16="http://schemas.microsoft.com/office/drawing/2014/main" id="{652FD19F-EE9E-4D14-9855-225D2D422E60}"/>
+                <a16:creationId xmlns="" xmlns:a16="http://schemas.microsoft.com/office/drawing/2014/main" id="{35BBAE87-9803-4BD6-A198-A343222DB1E0}"/>
               </a:ext>
             </a:extLst>
           </p:cNvPr>
@@ -6941,10 +6558,10 @@
       </p:sp>
       <p:sp>
         <p:nvSpPr>
-          <p:cNvPr id="17" name="Date Placeholder 3">
+          <p:cNvPr id="16" name="Date Placeholder 3">
             <a:extLst>
               <a:ext uri="{FF2B5EF4-FFF2-40B4-BE49-F238E27FC236}">
-                <a16:creationId xmlns:a16="http://schemas.microsoft.com/office/drawing/2014/main" id="{21F69871-FDE9-4D82-9454-7BD29FCF373C}"/>
+                <a16:creationId xmlns="" xmlns:a16="http://schemas.microsoft.com/office/drawing/2014/main" id="{FF045313-70BA-489A-9807-A4F538B558CF}"/>
               </a:ext>
             </a:extLst>
           </p:cNvPr>
@@ -6974,10 +6591,40 @@
           </a:p>
         </p:txBody>
       </p:sp>
+      <p:pic>
+        <p:nvPicPr>
+          <p:cNvPr id="2" name="Picture 1">
+            <a:extLst>
+              <a:ext uri="{FF2B5EF4-FFF2-40B4-BE49-F238E27FC236}">
+                <a16:creationId xmlns="" xmlns:a16="http://schemas.microsoft.com/office/drawing/2014/main" id="{2D2EFBE8-EE32-4ABC-8EDE-20DCFA448DED}"/>
+              </a:ext>
+            </a:extLst>
+          </p:cNvPr>
+          <p:cNvPicPr>
+            <a:picLocks noChangeAspect="1"/>
+          </p:cNvPicPr>
+          <p:nvPr/>
+        </p:nvPicPr>
+        <p:blipFill>
+          <a:blip r:embed="rId3"/>
+          <a:stretch>
+            <a:fillRect/>
+          </a:stretch>
+        </p:blipFill>
+        <p:spPr>
+          <a:xfrm>
+            <a:off x="6038913" y="1199388"/>
+            <a:ext cx="2877725" cy="2086622"/>
+          </a:xfrm>
+          <a:prstGeom prst="rect">
+            <a:avLst/>
+          </a:prstGeom>
+        </p:spPr>
+      </p:pic>
     </p:spTree>
     <p:extLst>
       <p:ext uri="{BB962C8B-B14F-4D97-AF65-F5344CB8AC3E}">
-        <p14:creationId xmlns:p14="http://schemas.microsoft.com/office/powerpoint/2010/main" val="1927926546"/>
+        <p14:creationId xmlns:p14="http://schemas.microsoft.com/office/powerpoint/2010/main" val="2394151770"/>
       </p:ext>
     </p:extLst>
   </p:cSld>
@@ -7016,19 +6663,19 @@
         </p:nvSpPr>
         <p:spPr>
           <a:xfrm>
-            <a:off x="457200" y="1063229"/>
-            <a:ext cx="8229600" cy="3289732"/>
+            <a:off x="1028700" y="971550"/>
+            <a:ext cx="7658100" cy="3914290"/>
           </a:xfrm>
         </p:spPr>
         <p:txBody>
           <a:bodyPr>
-            <a:normAutofit fontScale="62500" lnSpcReduction="20000"/>
+            <a:normAutofit fontScale="25000" lnSpcReduction="20000"/>
           </a:bodyPr>
           <a:lstStyle/>
           <a:p>
-            <a:pPr marL="342900" marR="0" lvl="0" indent="-342900">
+            <a:pPr marL="0" marR="0" indent="0">
               <a:lnSpc>
-                <a:spcPct val="150000"/>
+                <a:spcPct val="120000"/>
               </a:lnSpc>
               <a:spcBef>
                 <a:spcPts val="0"/>
@@ -7036,35 +6683,22 @@
               <a:spcAft>
                 <a:spcPts val="1200"/>
               </a:spcAft>
-              <a:buFont typeface="Arial" panose="020B0604020202020204" pitchFamily="34" charset="0"/>
-              <a:buChar char="•"/>
-              <a:tabLst>
-                <a:tab pos="457200" algn="l"/>
-              </a:tabLst>
+              <a:buNone/>
             </a:pPr>
             <a:r>
-              <a:rPr lang="en-US" sz="1800" dirty="0">
+              <a:rPr lang="en-US" sz="4800" b="1" dirty="0">
                 <a:solidFill>
                   <a:srgbClr val="231F20"/>
                 </a:solidFill>
-                <a:effectLst/>
-                <a:latin typeface="Times New Roman" panose="02020603050405020304" pitchFamily="18" charset="0"/>
-                <a:ea typeface="Times New Roman" panose="02020603050405020304" pitchFamily="18" charset="0"/>
-                <a:cs typeface="Times New Roman" panose="02020603050405020304" pitchFamily="18" charset="0"/>
-              </a:rPr>
-              <a:t>Networks serve as the backbone for any enterprise. Any network outage during working hours is huge loss for the organizations. </a:t>
-            </a:r>
-            <a:endParaRPr lang="en-US" sz="1800" dirty="0">
-              <a:effectLst/>
-              <a:latin typeface="Times New Roman" panose="02020603050405020304" pitchFamily="18" charset="0"/>
-              <a:ea typeface="Times New Roman" panose="02020603050405020304" pitchFamily="18" charset="0"/>
-              <a:cs typeface="Times New Roman" panose="02020603050405020304" pitchFamily="18" charset="0"/>
-            </a:endParaRPr>
-          </a:p>
-          <a:p>
-            <a:pPr marL="342900" marR="0" lvl="0" indent="-342900">
+                <a:latin typeface="Times New Roman" panose="02020603050405020304" pitchFamily="18" charset="0"/>
+              </a:rPr>
+              <a:t>Hardware Specifications:</a:t>
+            </a:r>
+          </a:p>
+          <a:p>
+            <a:pPr marL="0" marR="0" lvl="0" indent="0">
               <a:lnSpc>
-                <a:spcPct val="150000"/>
+                <a:spcPct val="120000"/>
               </a:lnSpc>
               <a:spcBef>
                 <a:spcPts val="0"/>
@@ -7072,35 +6706,22 @@
               <a:spcAft>
                 <a:spcPts val="1200"/>
               </a:spcAft>
-              <a:buFont typeface="Arial" panose="020B0604020202020204" pitchFamily="34" charset="0"/>
-              <a:buChar char="•"/>
-              <a:tabLst>
-                <a:tab pos="457200" algn="l"/>
-              </a:tabLst>
+              <a:buNone/>
             </a:pPr>
             <a:r>
-              <a:rPr lang="en-US" sz="1800" dirty="0">
+              <a:rPr lang="en-US" sz="4800" dirty="0" smtClean="0">
                 <a:solidFill>
                   <a:srgbClr val="231F20"/>
                 </a:solidFill>
-                <a:effectLst/>
-                <a:latin typeface="Times New Roman" panose="02020603050405020304" pitchFamily="18" charset="0"/>
-                <a:ea typeface="Times New Roman" panose="02020603050405020304" pitchFamily="18" charset="0"/>
-                <a:cs typeface="Times New Roman" panose="02020603050405020304" pitchFamily="18" charset="0"/>
-              </a:rPr>
-              <a:t>As a result, they employ a separate team to look after their labs by constantly logging into several system interfaces and checking their statuses.</a:t>
-            </a:r>
-            <a:endParaRPr lang="en-US" sz="1800" dirty="0">
-              <a:effectLst/>
-              <a:latin typeface="Times New Roman" panose="02020603050405020304" pitchFamily="18" charset="0"/>
-              <a:ea typeface="Times New Roman" panose="02020603050405020304" pitchFamily="18" charset="0"/>
-              <a:cs typeface="Times New Roman" panose="02020603050405020304" pitchFamily="18" charset="0"/>
-            </a:endParaRPr>
-          </a:p>
-          <a:p>
-            <a:pPr marL="342900" marR="0" lvl="0" indent="-342900">
+                <a:latin typeface="Times New Roman" panose="02020603050405020304" pitchFamily="18" charset="0"/>
+              </a:rPr>
+              <a:t>Processor: Intel® Core i5 ™ CPU and above</a:t>
+            </a:r>
+          </a:p>
+          <a:p>
+            <a:pPr marL="0" marR="0" lvl="0" indent="0">
               <a:lnSpc>
-                <a:spcPct val="150000"/>
+                <a:spcPct val="120000"/>
               </a:lnSpc>
               <a:spcBef>
                 <a:spcPts val="0"/>
@@ -7108,35 +6729,31 @@
               <a:spcAft>
                 <a:spcPts val="1200"/>
               </a:spcAft>
-              <a:buFont typeface="Arial" panose="020B0604020202020204" pitchFamily="34" charset="0"/>
-              <a:buChar char="•"/>
-              <a:tabLst>
-                <a:tab pos="457200" algn="l"/>
-              </a:tabLst>
+              <a:buNone/>
             </a:pPr>
             <a:r>
-              <a:rPr lang="en-US" sz="1800" dirty="0">
+              <a:rPr lang="en-US" sz="4800" dirty="0" smtClean="0">
                 <a:solidFill>
                   <a:srgbClr val="231F20"/>
                 </a:solidFill>
-                <a:effectLst/>
-                <a:latin typeface="Times New Roman" panose="02020603050405020304" pitchFamily="18" charset="0"/>
-                <a:ea typeface="Times New Roman" panose="02020603050405020304" pitchFamily="18" charset="0"/>
-                <a:cs typeface="Times New Roman" panose="02020603050405020304" pitchFamily="18" charset="0"/>
-              </a:rPr>
-              <a:t>It is a tedious task to login to each of these nodes, check if they are reachable and check their health status constantly. </a:t>
-            </a:r>
-            <a:endParaRPr lang="en-US" sz="1800" dirty="0">
-              <a:effectLst/>
-              <a:latin typeface="Times New Roman" panose="02020603050405020304" pitchFamily="18" charset="0"/>
-              <a:ea typeface="Times New Roman" panose="02020603050405020304" pitchFamily="18" charset="0"/>
-              <a:cs typeface="Times New Roman" panose="02020603050405020304" pitchFamily="18" charset="0"/>
-            </a:endParaRPr>
-          </a:p>
-          <a:p>
-            <a:pPr marL="342900" marR="0" lvl="0" indent="-342900">
+                <a:latin typeface="Times New Roman" panose="02020603050405020304" pitchFamily="18" charset="0"/>
+              </a:rPr>
+              <a:t>RAM</a:t>
+            </a:r>
+            <a:r>
+              <a:rPr lang="en-US" sz="4800" dirty="0">
+                <a:solidFill>
+                  <a:srgbClr val="231F20"/>
+                </a:solidFill>
+                <a:latin typeface="Times New Roman" panose="02020603050405020304" pitchFamily="18" charset="0"/>
+              </a:rPr>
+              <a:t>: 8 GB or higher</a:t>
+            </a:r>
+          </a:p>
+          <a:p>
+            <a:pPr marL="0" marR="0" lvl="0" indent="0">
               <a:lnSpc>
-                <a:spcPct val="150000"/>
+                <a:spcPct val="120000"/>
               </a:lnSpc>
               <a:spcBef>
                 <a:spcPts val="0"/>
@@ -7144,35 +6761,22 @@
               <a:spcAft>
                 <a:spcPts val="1200"/>
               </a:spcAft>
-              <a:buFont typeface="Arial" panose="020B0604020202020204" pitchFamily="34" charset="0"/>
-              <a:buChar char="•"/>
-              <a:tabLst>
-                <a:tab pos="457200" algn="l"/>
-              </a:tabLst>
+              <a:buNone/>
             </a:pPr>
             <a:r>
-              <a:rPr lang="en-US" sz="1800" dirty="0">
+              <a:rPr lang="en-US" sz="4800" dirty="0">
                 <a:solidFill>
                   <a:srgbClr val="231F20"/>
                 </a:solidFill>
-                <a:effectLst/>
-                <a:latin typeface="Times New Roman" panose="02020603050405020304" pitchFamily="18" charset="0"/>
-                <a:ea typeface="Times New Roman" panose="02020603050405020304" pitchFamily="18" charset="0"/>
-                <a:cs typeface="Times New Roman" panose="02020603050405020304" pitchFamily="18" charset="0"/>
-              </a:rPr>
-              <a:t>As the enterprise grows, the numbers increases exponentially. </a:t>
-            </a:r>
-            <a:endParaRPr lang="en-US" sz="1800" dirty="0">
-              <a:effectLst/>
-              <a:latin typeface="Times New Roman" panose="02020603050405020304" pitchFamily="18" charset="0"/>
-              <a:ea typeface="Times New Roman" panose="02020603050405020304" pitchFamily="18" charset="0"/>
-              <a:cs typeface="Times New Roman" panose="02020603050405020304" pitchFamily="18" charset="0"/>
-            </a:endParaRPr>
-          </a:p>
-          <a:p>
-            <a:pPr marL="342900" marR="0" lvl="0" indent="-342900">
+                <a:latin typeface="Times New Roman" panose="02020603050405020304" pitchFamily="18" charset="0"/>
+              </a:rPr>
+              <a:t>Hard Disk: 100 GB or higher</a:t>
+            </a:r>
+          </a:p>
+          <a:p>
+            <a:pPr marL="0" marR="0" lvl="0" indent="0">
               <a:lnSpc>
-                <a:spcPct val="150000"/>
+                <a:spcPct val="120000"/>
               </a:lnSpc>
               <a:spcBef>
                 <a:spcPts val="0"/>
@@ -7180,35 +6784,22 @@
               <a:spcAft>
                 <a:spcPts val="1200"/>
               </a:spcAft>
-              <a:buFont typeface="Arial" panose="020B0604020202020204" pitchFamily="34" charset="0"/>
-              <a:buChar char="•"/>
-              <a:tabLst>
-                <a:tab pos="457200" algn="l"/>
-              </a:tabLst>
+              <a:buNone/>
             </a:pPr>
             <a:r>
-              <a:rPr lang="en-US" sz="1800" dirty="0">
+              <a:rPr lang="en-US" sz="4800" b="1" dirty="0">
                 <a:solidFill>
                   <a:srgbClr val="231F20"/>
                 </a:solidFill>
-                <a:effectLst/>
-                <a:latin typeface="Times New Roman" panose="02020603050405020304" pitchFamily="18" charset="0"/>
-                <a:ea typeface="Times New Roman" panose="02020603050405020304" pitchFamily="18" charset="0"/>
-                <a:cs typeface="Times New Roman" panose="02020603050405020304" pitchFamily="18" charset="0"/>
-              </a:rPr>
-              <a:t>Generating network performance reports</a:t>
-            </a:r>
-            <a:endParaRPr lang="en-US" sz="1800" dirty="0">
-              <a:effectLst/>
-              <a:latin typeface="Times New Roman" panose="02020603050405020304" pitchFamily="18" charset="0"/>
-              <a:ea typeface="Times New Roman" panose="02020603050405020304" pitchFamily="18" charset="0"/>
-              <a:cs typeface="Times New Roman" panose="02020603050405020304" pitchFamily="18" charset="0"/>
-            </a:endParaRPr>
-          </a:p>
-          <a:p>
-            <a:pPr marL="342900" marR="0" lvl="0" indent="-342900">
+                <a:latin typeface="Times New Roman" panose="02020603050405020304" pitchFamily="18" charset="0"/>
+              </a:rPr>
+              <a:t>Software Specifications:</a:t>
+            </a:r>
+          </a:p>
+          <a:p>
+            <a:pPr marL="0" marR="0" lvl="0" indent="0">
               <a:lnSpc>
-                <a:spcPct val="150000"/>
+                <a:spcPct val="120000"/>
               </a:lnSpc>
               <a:spcBef>
                 <a:spcPts val="0"/>
@@ -7216,35 +6807,22 @@
               <a:spcAft>
                 <a:spcPts val="1200"/>
               </a:spcAft>
-              <a:buFont typeface="Arial" panose="020B0604020202020204" pitchFamily="34" charset="0"/>
-              <a:buChar char="•"/>
-              <a:tabLst>
-                <a:tab pos="457200" algn="l"/>
-              </a:tabLst>
+              <a:buNone/>
             </a:pPr>
             <a:r>
-              <a:rPr lang="en-US" sz="1800" dirty="0">
+              <a:rPr lang="en-US" sz="4800" dirty="0">
                 <a:solidFill>
                   <a:srgbClr val="231F20"/>
                 </a:solidFill>
-                <a:effectLst/>
-                <a:latin typeface="Times New Roman" panose="02020603050405020304" pitchFamily="18" charset="0"/>
-                <a:ea typeface="Times New Roman" panose="02020603050405020304" pitchFamily="18" charset="0"/>
-                <a:cs typeface="Times New Roman" panose="02020603050405020304" pitchFamily="18" charset="0"/>
-              </a:rPr>
-              <a:t>Deploying new technology and software upgrade successfully</a:t>
-            </a:r>
-            <a:endParaRPr lang="en-US" sz="1800" dirty="0">
-              <a:effectLst/>
-              <a:latin typeface="Times New Roman" panose="02020603050405020304" pitchFamily="18" charset="0"/>
-              <a:ea typeface="Times New Roman" panose="02020603050405020304" pitchFamily="18" charset="0"/>
-              <a:cs typeface="Times New Roman" panose="02020603050405020304" pitchFamily="18" charset="0"/>
-            </a:endParaRPr>
-          </a:p>
-          <a:p>
-            <a:pPr marL="342900" marR="0" lvl="0" indent="-342900">
+                <a:latin typeface="Times New Roman" panose="02020603050405020304" pitchFamily="18" charset="0"/>
+              </a:rPr>
+              <a:t>Operating System: Windows 10/Ubuntu 20.04 LTS</a:t>
+            </a:r>
+          </a:p>
+          <a:p>
+            <a:pPr marL="0" marR="0" lvl="0" indent="0">
               <a:lnSpc>
-                <a:spcPct val="150000"/>
+                <a:spcPct val="120000"/>
               </a:lnSpc>
               <a:spcBef>
                 <a:spcPts val="0"/>
@@ -7252,47 +6830,22 @@
               <a:spcAft>
                 <a:spcPts val="1200"/>
               </a:spcAft>
-              <a:buFont typeface="Arial" panose="020B0604020202020204" pitchFamily="34" charset="0"/>
-              <a:buChar char="•"/>
-              <a:tabLst>
-                <a:tab pos="457200" algn="l"/>
-              </a:tabLst>
+              <a:buNone/>
             </a:pPr>
             <a:r>
-              <a:rPr lang="en-US" sz="1800" dirty="0">
+              <a:rPr lang="en-US" sz="4800" dirty="0">
                 <a:solidFill>
                   <a:srgbClr val="231F20"/>
                 </a:solidFill>
-                <a:effectLst/>
-                <a:latin typeface="Times New Roman" panose="02020603050405020304" pitchFamily="18" charset="0"/>
-                <a:ea typeface="Times New Roman" panose="02020603050405020304" pitchFamily="18" charset="0"/>
-                <a:cs typeface="Times New Roman" panose="02020603050405020304" pitchFamily="18" charset="0"/>
-              </a:rPr>
-              <a:t>Monitoring the flow of traffic with </a:t>
-            </a:r>
-            <a:r>
-              <a:rPr lang="en-US" sz="1800" dirty="0" err="1">
-                <a:solidFill>
-                  <a:srgbClr val="231F20"/>
-                </a:solidFill>
-                <a:effectLst/>
-                <a:latin typeface="Times New Roman" panose="02020603050405020304" pitchFamily="18" charset="0"/>
-                <a:ea typeface="Times New Roman" panose="02020603050405020304" pitchFamily="18" charset="0"/>
-                <a:cs typeface="Times New Roman" panose="02020603050405020304" pitchFamily="18" charset="0"/>
-              </a:rPr>
-              <a:t>netflow</a:t>
-            </a:r>
-            <a:endParaRPr lang="en-US" sz="1800" dirty="0">
-              <a:effectLst/>
-              <a:latin typeface="Times New Roman" panose="02020603050405020304" pitchFamily="18" charset="0"/>
-              <a:ea typeface="Times New Roman" panose="02020603050405020304" pitchFamily="18" charset="0"/>
-              <a:cs typeface="Times New Roman" panose="02020603050405020304" pitchFamily="18" charset="0"/>
-            </a:endParaRPr>
-          </a:p>
-          <a:p>
-            <a:pPr marL="342900" marR="0" lvl="0" indent="-342900">
+                <a:latin typeface="Times New Roman" panose="02020603050405020304" pitchFamily="18" charset="0"/>
+              </a:rPr>
+              <a:t>Architecture: 64-bit OS</a:t>
+            </a:r>
+          </a:p>
+          <a:p>
+            <a:pPr marL="0" marR="0" lvl="0" indent="0">
               <a:lnSpc>
-                <a:spcPct val="150000"/>
+                <a:spcPct val="120000"/>
               </a:lnSpc>
               <a:spcBef>
                 <a:spcPts val="0"/>
@@ -7300,30 +6853,109 @@
               <a:spcAft>
                 <a:spcPts val="1200"/>
               </a:spcAft>
-              <a:buFont typeface="Arial" panose="020B0604020202020204" pitchFamily="34" charset="0"/>
-              <a:buChar char="•"/>
-              <a:tabLst>
-                <a:tab pos="457200" algn="l"/>
-              </a:tabLst>
+              <a:buNone/>
             </a:pPr>
             <a:r>
-              <a:rPr lang="en-US" sz="1800" dirty="0">
+              <a:rPr lang="en-US" sz="4800" dirty="0">
                 <a:solidFill>
                   <a:srgbClr val="231F20"/>
                 </a:solidFill>
-                <a:effectLst/>
-                <a:latin typeface="Times New Roman" panose="02020603050405020304" pitchFamily="18" charset="0"/>
-                <a:ea typeface="Times New Roman" panose="02020603050405020304" pitchFamily="18" charset="0"/>
-                <a:cs typeface="Times New Roman" panose="02020603050405020304" pitchFamily="18" charset="0"/>
-              </a:rPr>
-              <a:t>Track user network activity</a:t>
-            </a:r>
-            <a:endParaRPr lang="en-US" sz="1800" dirty="0">
-              <a:effectLst/>
-              <a:latin typeface="Times New Roman" panose="02020603050405020304" pitchFamily="18" charset="0"/>
-              <a:ea typeface="Times New Roman" panose="02020603050405020304" pitchFamily="18" charset="0"/>
-              <a:cs typeface="Times New Roman" panose="02020603050405020304" pitchFamily="18" charset="0"/>
-            </a:endParaRPr>
+                <a:latin typeface="Times New Roman" panose="02020603050405020304" pitchFamily="18" charset="0"/>
+              </a:rPr>
+              <a:t>Python 3.8 or higher</a:t>
+            </a:r>
+          </a:p>
+          <a:p>
+            <a:pPr marL="0" marR="0" lvl="0" indent="0">
+              <a:lnSpc>
+                <a:spcPct val="120000"/>
+              </a:lnSpc>
+              <a:spcBef>
+                <a:spcPts val="0"/>
+              </a:spcBef>
+              <a:spcAft>
+                <a:spcPts val="1200"/>
+              </a:spcAft>
+              <a:buNone/>
+            </a:pPr>
+            <a:r>
+              <a:rPr lang="en-US" sz="4800" dirty="0">
+                <a:solidFill>
+                  <a:srgbClr val="231F20"/>
+                </a:solidFill>
+                <a:latin typeface="Times New Roman" panose="02020603050405020304" pitchFamily="18" charset="0"/>
+              </a:rPr>
+              <a:t>PIP Packages: RegEx, Flask, Django, Pymysql</a:t>
+            </a:r>
+          </a:p>
+          <a:p>
+            <a:pPr marL="0" marR="0" lvl="0" indent="0">
+              <a:lnSpc>
+                <a:spcPct val="120000"/>
+              </a:lnSpc>
+              <a:spcBef>
+                <a:spcPts val="0"/>
+              </a:spcBef>
+              <a:spcAft>
+                <a:spcPts val="1200"/>
+              </a:spcAft>
+              <a:buNone/>
+            </a:pPr>
+            <a:r>
+              <a:rPr lang="en-US" sz="4800" dirty="0">
+                <a:solidFill>
+                  <a:srgbClr val="231F20"/>
+                </a:solidFill>
+                <a:latin typeface="Times New Roman" panose="02020603050405020304" pitchFamily="18" charset="0"/>
+              </a:rPr>
+              <a:t>Database: MySQL5.7 or higher</a:t>
+            </a:r>
+          </a:p>
+          <a:p>
+            <a:pPr marL="0" marR="0" lvl="0" indent="0">
+              <a:lnSpc>
+                <a:spcPct val="120000"/>
+              </a:lnSpc>
+              <a:spcBef>
+                <a:spcPts val="0"/>
+              </a:spcBef>
+              <a:spcAft>
+                <a:spcPts val="1200"/>
+              </a:spcAft>
+              <a:buNone/>
+            </a:pPr>
+            <a:r>
+              <a:rPr lang="en-US" sz="4800" dirty="0">
+                <a:solidFill>
+                  <a:srgbClr val="231F20"/>
+                </a:solidFill>
+                <a:latin typeface="Times New Roman" panose="02020603050405020304" pitchFamily="18" charset="0"/>
+              </a:rPr>
+              <a:t>JavaScript 1.8.5 or higher</a:t>
+            </a:r>
+          </a:p>
+          <a:p>
+            <a:pPr marL="0" marR="0" lvl="0" indent="0">
+              <a:lnSpc>
+                <a:spcPct val="120000"/>
+              </a:lnSpc>
+              <a:spcBef>
+                <a:spcPts val="0"/>
+              </a:spcBef>
+              <a:spcAft>
+                <a:spcPts val="1200"/>
+              </a:spcAft>
+              <a:buNone/>
+            </a:pPr>
+            <a:r>
+              <a:rPr lang="en-US" sz="4800" dirty="0">
+                <a:solidFill>
+                  <a:srgbClr val="231F20"/>
+                </a:solidFill>
+                <a:latin typeface="Times New Roman" panose="02020603050405020304" pitchFamily="18" charset="0"/>
+              </a:rPr>
+              <a:t>Front End: HTML5, CSS3, Bootstrap4</a:t>
+            </a:r>
           </a:p>
         </p:txBody>
       </p:sp>
@@ -7332,7 +6964,7 @@
           <p:cNvPr id="11" name="Title 1">
             <a:extLst>
               <a:ext uri="{FF2B5EF4-FFF2-40B4-BE49-F238E27FC236}">
-                <a16:creationId xmlns:a16="http://schemas.microsoft.com/office/drawing/2014/main" id="{DC85129E-0B0B-4C64-B8AF-D549982166EC}"/>
+                <a16:creationId xmlns="" xmlns:a16="http://schemas.microsoft.com/office/drawing/2014/main" id="{DC85129E-0B0B-4C64-B8AF-D549982166EC}"/>
               </a:ext>
             </a:extLst>
           </p:cNvPr>
@@ -7371,7 +7003,7 @@
                 <a:latin typeface="Times New Roman" panose="02020603050405020304" pitchFamily="18" charset="0"/>
                 <a:cs typeface="Times New Roman" panose="02020603050405020304" pitchFamily="18" charset="0"/>
               </a:rPr>
-              <a:t>APPLICATIONS</a:t>
+              <a:t>SYSTEM SPECIFICATION</a:t>
             </a:r>
           </a:p>
         </p:txBody>
@@ -7381,7 +7013,7 @@
           <p:cNvPr id="13" name="Footer Placeholder 4">
             <a:extLst>
               <a:ext uri="{FF2B5EF4-FFF2-40B4-BE49-F238E27FC236}">
-                <a16:creationId xmlns:a16="http://schemas.microsoft.com/office/drawing/2014/main" id="{D1ABF561-8E91-4704-BDD7-0520E3848081}"/>
+                <a16:creationId xmlns="" xmlns:a16="http://schemas.microsoft.com/office/drawing/2014/main" id="{D1ABF561-8E91-4704-BDD7-0520E3848081}"/>
               </a:ext>
             </a:extLst>
           </p:cNvPr>
@@ -7419,7 +7051,7 @@
           <p:cNvPr id="12" name="Footer Placeholder 4">
             <a:extLst>
               <a:ext uri="{FF2B5EF4-FFF2-40B4-BE49-F238E27FC236}">
-                <a16:creationId xmlns:a16="http://schemas.microsoft.com/office/drawing/2014/main" id="{22DDB47F-B0C3-43E5-97DC-3FD506169118}"/>
+                <a16:creationId xmlns="" xmlns:a16="http://schemas.microsoft.com/office/drawing/2014/main" id="{0FCAE7D6-4E8F-4930-AF17-B90E0BF188C8}"/>
               </a:ext>
             </a:extLst>
           </p:cNvPr>
@@ -7534,13 +7166,18 @@
           <a:p>
             <a:pPr algn="r"/>
             <a:r>
-              <a:rPr lang="en-US" sz="1400" dirty="0">
+              <a:rPr lang="en-US" sz="1400" dirty="0" smtClean="0">
                 <a:solidFill>
                   <a:schemeClr val="tx2"/>
                 </a:solidFill>
               </a:rPr>
               <a:t>10</a:t>
             </a:r>
+            <a:endParaRPr lang="en-US" sz="1400" dirty="0">
+              <a:solidFill>
+                <a:schemeClr val="tx2"/>
+              </a:solidFill>
+            </a:endParaRPr>
           </a:p>
         </p:txBody>
       </p:sp>
@@ -7549,7 +7186,7 @@
           <p:cNvPr id="15" name="Date Placeholder 3">
             <a:extLst>
               <a:ext uri="{FF2B5EF4-FFF2-40B4-BE49-F238E27FC236}">
-                <a16:creationId xmlns:a16="http://schemas.microsoft.com/office/drawing/2014/main" id="{C2F8AEC7-B9A6-43EA-9088-6C6023104B5A}"/>
+                <a16:creationId xmlns="" xmlns:a16="http://schemas.microsoft.com/office/drawing/2014/main" id="{77041AD4-79DE-43F9-A208-EB6EAD67EC6C}"/>
               </a:ext>
             </a:extLst>
           </p:cNvPr>
@@ -7677,7 +7314,7 @@
           <p:cNvPr id="16" name="Date Placeholder 3">
             <a:extLst>
               <a:ext uri="{FF2B5EF4-FFF2-40B4-BE49-F238E27FC236}">
-                <a16:creationId xmlns:a16="http://schemas.microsoft.com/office/drawing/2014/main" id="{643FD5BB-27F3-41E7-9911-7B583A1611F8}"/>
+                <a16:creationId xmlns="" xmlns:a16="http://schemas.microsoft.com/office/drawing/2014/main" id="{FBA8D23F-F274-4824-A7A4-FDEC12A30B65}"/>
               </a:ext>
             </a:extLst>
           </p:cNvPr>
@@ -7802,7 +7439,7 @@
           <p:cNvPr id="17" name="Date Placeholder 3">
             <a:extLst>
               <a:ext uri="{FF2B5EF4-FFF2-40B4-BE49-F238E27FC236}">
-                <a16:creationId xmlns:a16="http://schemas.microsoft.com/office/drawing/2014/main" id="{C68400CB-5F57-4A64-AF41-0F973C1145D7}"/>
+                <a16:creationId xmlns="" xmlns:a16="http://schemas.microsoft.com/office/drawing/2014/main" id="{785F7EBD-25C8-4B82-B044-60CAD1D390ED}"/>
               </a:ext>
             </a:extLst>
           </p:cNvPr>
@@ -7835,7 +7472,7 @@
     </p:spTree>
     <p:extLst>
       <p:ext uri="{BB962C8B-B14F-4D97-AF65-F5344CB8AC3E}">
-        <p14:creationId xmlns:p14="http://schemas.microsoft.com/office/powerpoint/2010/main" val="3747719132"/>
+        <p14:creationId xmlns:p14="http://schemas.microsoft.com/office/powerpoint/2010/main" val="123860931"/>
       </p:ext>
     </p:extLst>
   </p:cSld>
@@ -7864,10 +7501,90 @@
       </p:grpSpPr>
       <p:sp>
         <p:nvSpPr>
+          <p:cNvPr id="3" name="Content Placeholder 2"/>
+          <p:cNvSpPr>
+            <a:spLocks noGrp="1"/>
+          </p:cNvSpPr>
+          <p:nvPr>
+            <p:ph idx="1"/>
+          </p:nvPr>
+        </p:nvSpPr>
+        <p:spPr>
+          <a:xfrm>
+            <a:off x="762000" y="1063228"/>
+            <a:ext cx="7239000" cy="3489722"/>
+          </a:xfrm>
+        </p:spPr>
+        <p:txBody>
+          <a:bodyPr>
+            <a:normAutofit/>
+          </a:bodyPr>
+          <a:lstStyle/>
+          <a:p>
+            <a:pPr algn="just"/>
+            <a:r>
+              <a:rPr lang="en-US" sz="1600" dirty="0">
+                <a:latin typeface="Times New Roman" panose="02020603050405020304" pitchFamily="18" charset="0"/>
+                <a:cs typeface="Times New Roman" panose="02020603050405020304" pitchFamily="18" charset="0"/>
+              </a:rPr>
+              <a:t>A fully functional network monitoring system that can overlay various monitoring protocols such as ICMP, SNMP, ARP, RARP, LLDP and so on to obtain all information about various network nodes.</a:t>
+            </a:r>
+          </a:p>
+          <a:p>
+            <a:pPr algn="just"/>
+            <a:r>
+              <a:rPr lang="en-US" sz="1600" dirty="0">
+                <a:latin typeface="Times New Roman" panose="02020603050405020304" pitchFamily="18" charset="0"/>
+                <a:cs typeface="Times New Roman" panose="02020603050405020304" pitchFamily="18" charset="0"/>
+              </a:rPr>
+              <a:t>Development of easy installation script setup documentation. </a:t>
+            </a:r>
+          </a:p>
+          <a:p>
+            <a:pPr algn="just"/>
+            <a:r>
+              <a:rPr lang="en-US" sz="1600" dirty="0">
+                <a:latin typeface="Times New Roman" panose="02020603050405020304" pitchFamily="18" charset="0"/>
+                <a:cs typeface="Times New Roman" panose="02020603050405020304" pitchFamily="18" charset="0"/>
+              </a:rPr>
+              <a:t>A lucid, user-friendly User Interface for the application that can display information with right intensity</a:t>
+            </a:r>
+          </a:p>
+          <a:p>
+            <a:pPr algn="just"/>
+            <a:r>
+              <a:rPr lang="en-US" sz="1600" dirty="0">
+                <a:latin typeface="Times New Roman" panose="02020603050405020304" pitchFamily="18" charset="0"/>
+                <a:cs typeface="Times New Roman" panose="02020603050405020304" pitchFamily="18" charset="0"/>
+              </a:rPr>
+              <a:t>Consistent triggering for alerts in any inconsistent conditions that found in a network</a:t>
+            </a:r>
+          </a:p>
+          <a:p>
+            <a:pPr algn="just"/>
+            <a:r>
+              <a:rPr lang="en-US" sz="1600" dirty="0">
+                <a:latin typeface="Times New Roman" panose="02020603050405020304" pitchFamily="18" charset="0"/>
+                <a:cs typeface="Times New Roman" panose="02020603050405020304" pitchFamily="18" charset="0"/>
+              </a:rPr>
+              <a:t>Alerts should be sent to the users configured as per their customizations.</a:t>
+            </a:r>
+          </a:p>
+          <a:p>
+            <a:pPr algn="just"/>
+            <a:endParaRPr lang="en-US" sz="1600" dirty="0">
+              <a:latin typeface="Times New Roman" panose="02020603050405020304" pitchFamily="18" charset="0"/>
+              <a:cs typeface="Times New Roman" panose="02020603050405020304" pitchFamily="18" charset="0"/>
+            </a:endParaRPr>
+          </a:p>
+        </p:txBody>
+      </p:sp>
+      <p:sp>
+        <p:nvSpPr>
           <p:cNvPr id="11" name="Title 1">
             <a:extLst>
               <a:ext uri="{FF2B5EF4-FFF2-40B4-BE49-F238E27FC236}">
-                <a16:creationId xmlns:a16="http://schemas.microsoft.com/office/drawing/2014/main" id="{DC85129E-0B0B-4C64-B8AF-D549982166EC}"/>
+                <a16:creationId xmlns="" xmlns:a16="http://schemas.microsoft.com/office/drawing/2014/main" id="{DC85129E-0B0B-4C64-B8AF-D549982166EC}"/>
               </a:ext>
             </a:extLst>
           </p:cNvPr>
@@ -7906,7 +7623,7 @@
                 <a:latin typeface="Times New Roman" panose="02020603050405020304" pitchFamily="18" charset="0"/>
                 <a:cs typeface="Times New Roman" panose="02020603050405020304" pitchFamily="18" charset="0"/>
               </a:rPr>
-              <a:t>REFERENCES</a:t>
+              <a:t>EXPECTED OUTCOME </a:t>
             </a:r>
           </a:p>
         </p:txBody>
@@ -7916,7 +7633,7 @@
           <p:cNvPr id="13" name="Footer Placeholder 4">
             <a:extLst>
               <a:ext uri="{FF2B5EF4-FFF2-40B4-BE49-F238E27FC236}">
-                <a16:creationId xmlns:a16="http://schemas.microsoft.com/office/drawing/2014/main" id="{D1ABF561-8E91-4704-BDD7-0520E3848081}"/>
+                <a16:creationId xmlns="" xmlns:a16="http://schemas.microsoft.com/office/drawing/2014/main" id="{D1ABF561-8E91-4704-BDD7-0520E3848081}"/>
               </a:ext>
             </a:extLst>
           </p:cNvPr>
@@ -7954,7 +7671,7 @@
           <p:cNvPr id="12" name="Footer Placeholder 4">
             <a:extLst>
               <a:ext uri="{FF2B5EF4-FFF2-40B4-BE49-F238E27FC236}">
-                <a16:creationId xmlns:a16="http://schemas.microsoft.com/office/drawing/2014/main" id="{C7E2142E-82BB-4994-B007-795485F7F8C9}"/>
+                <a16:creationId xmlns="" xmlns:a16="http://schemas.microsoft.com/office/drawing/2014/main" id="{C9907D7F-A4E4-4317-AB7D-33136CEA3BBC}"/>
               </a:ext>
             </a:extLst>
           </p:cNvPr>
@@ -8069,13 +7786,18 @@
           <a:p>
             <a:pPr algn="r"/>
             <a:r>
-              <a:rPr lang="en-US" sz="1400" dirty="0">
+              <a:rPr lang="en-US" sz="1400" dirty="0" smtClean="0">
                 <a:solidFill>
                   <a:schemeClr val="tx2"/>
                 </a:solidFill>
               </a:rPr>
               <a:t>11</a:t>
             </a:r>
+            <a:endParaRPr lang="en-US" sz="1400" dirty="0">
+              <a:solidFill>
+                <a:schemeClr val="tx2"/>
+              </a:solidFill>
+            </a:endParaRPr>
           </a:p>
         </p:txBody>
       </p:sp>
@@ -8084,7 +7806,7 @@
           <p:cNvPr id="15" name="Date Placeholder 3">
             <a:extLst>
               <a:ext uri="{FF2B5EF4-FFF2-40B4-BE49-F238E27FC236}">
-                <a16:creationId xmlns:a16="http://schemas.microsoft.com/office/drawing/2014/main" id="{F7F1FCB5-A2AF-4B14-B8AB-ACE0D66C9CE6}"/>
+                <a16:creationId xmlns="" xmlns:a16="http://schemas.microsoft.com/office/drawing/2014/main" id="{B7B8C723-3974-4BCF-9072-3A9695A790BA}"/>
               </a:ext>
             </a:extLst>
           </p:cNvPr>
@@ -8212,7 +7934,7 @@
           <p:cNvPr id="16" name="Date Placeholder 3">
             <a:extLst>
               <a:ext uri="{FF2B5EF4-FFF2-40B4-BE49-F238E27FC236}">
-                <a16:creationId xmlns:a16="http://schemas.microsoft.com/office/drawing/2014/main" id="{DF6CE105-6C5E-4DE7-A045-FD455A5A989A}"/>
+                <a16:creationId xmlns="" xmlns:a16="http://schemas.microsoft.com/office/drawing/2014/main" id="{652FD19F-EE9E-4D14-9855-225D2D422E60}"/>
               </a:ext>
             </a:extLst>
           </p:cNvPr>
@@ -8337,7 +8059,7 @@
           <p:cNvPr id="17" name="Date Placeholder 3">
             <a:extLst>
               <a:ext uri="{FF2B5EF4-FFF2-40B4-BE49-F238E27FC236}">
-                <a16:creationId xmlns:a16="http://schemas.microsoft.com/office/drawing/2014/main" id="{0DADE530-75F7-4839-81E3-87050A31C961}"/>
+                <a16:creationId xmlns="" xmlns:a16="http://schemas.microsoft.com/office/drawing/2014/main" id="{21F69871-FDE9-4D82-9454-7BD29FCF373C}"/>
               </a:ext>
             </a:extLst>
           </p:cNvPr>
@@ -8367,706 +8089,10 @@
           </a:p>
         </p:txBody>
       </p:sp>
-      <p:sp>
-        <p:nvSpPr>
-          <p:cNvPr id="5" name="Content Placeholder 4">
-            <a:extLst>
-              <a:ext uri="{FF2B5EF4-FFF2-40B4-BE49-F238E27FC236}">
-                <a16:creationId xmlns:a16="http://schemas.microsoft.com/office/drawing/2014/main" id="{11AE2190-B4AB-4050-9D30-FFC7B6158DD3}"/>
-              </a:ext>
-            </a:extLst>
-          </p:cNvPr>
-          <p:cNvSpPr>
-            <a:spLocks noGrp="1"/>
-          </p:cNvSpPr>
-          <p:nvPr>
-            <p:ph idx="1"/>
-          </p:nvPr>
-        </p:nvSpPr>
-        <p:spPr>
-          <a:xfrm>
-            <a:off x="381001" y="985658"/>
-            <a:ext cx="8610600" cy="3815289"/>
-          </a:xfrm>
-        </p:spPr>
-        <p:txBody>
-          <a:bodyPr>
-            <a:noAutofit/>
-          </a:bodyPr>
-          <a:lstStyle/>
-          <a:p>
-            <a:pPr marL="0" indent="0" algn="just">
-              <a:buNone/>
-            </a:pPr>
-            <a:r>
-              <a:rPr lang="en-US" sz="1100" dirty="0">
-                <a:latin typeface="Times New Roman" panose="02020603050405020304" pitchFamily="18" charset="0"/>
-                <a:cs typeface="Times New Roman" panose="02020603050405020304" pitchFamily="18" charset="0"/>
-              </a:rPr>
-              <a:t>[1] </a:t>
-            </a:r>
-            <a:r>
-              <a:rPr lang="en-US" sz="1100" b="1" dirty="0">
-                <a:latin typeface="Times New Roman" panose="02020603050405020304" pitchFamily="18" charset="0"/>
-                <a:cs typeface="Times New Roman" panose="02020603050405020304" pitchFamily="18" charset="0"/>
-              </a:rPr>
-              <a:t>Dynamic Network Control with QoS and Resource Priority Monitor Based on Active “</a:t>
-            </a:r>
-            <a:r>
-              <a:rPr lang="en-US" sz="1100" b="1" dirty="0" err="1">
-                <a:latin typeface="Times New Roman" panose="02020603050405020304" pitchFamily="18" charset="0"/>
-                <a:cs typeface="Times New Roman" panose="02020603050405020304" pitchFamily="18" charset="0"/>
-              </a:rPr>
-              <a:t>eM</a:t>
-            </a:r>
-            <a:r>
-              <a:rPr lang="en-US" sz="1100" b="1" dirty="0">
-                <a:latin typeface="Times New Roman" panose="02020603050405020304" pitchFamily="18" charset="0"/>
-                <a:cs typeface="Times New Roman" panose="02020603050405020304" pitchFamily="18" charset="0"/>
-              </a:rPr>
-              <a:t>” for Commercial VoIP</a:t>
-            </a:r>
-            <a:r>
-              <a:rPr lang="en-US" sz="1100" dirty="0">
-                <a:latin typeface="Times New Roman" panose="02020603050405020304" pitchFamily="18" charset="0"/>
-                <a:cs typeface="Times New Roman" panose="02020603050405020304" pitchFamily="18" charset="0"/>
-              </a:rPr>
-              <a:t> – by Melanie </a:t>
-            </a:r>
-            <a:r>
-              <a:rPr lang="en-US" sz="1100" dirty="0" err="1">
-                <a:latin typeface="Times New Roman" panose="02020603050405020304" pitchFamily="18" charset="0"/>
-                <a:cs typeface="Times New Roman" panose="02020603050405020304" pitchFamily="18" charset="0"/>
-              </a:rPr>
-              <a:t>Grah</a:t>
-            </a:r>
-            <a:r>
-              <a:rPr lang="en-US" sz="1100" dirty="0">
-                <a:latin typeface="Times New Roman" panose="02020603050405020304" pitchFamily="18" charset="0"/>
-                <a:cs typeface="Times New Roman" panose="02020603050405020304" pitchFamily="18" charset="0"/>
-              </a:rPr>
-              <a:t> and Dr. Peter Radcliffe 2014</a:t>
-            </a:r>
-          </a:p>
-          <a:p>
-            <a:pPr marL="0" indent="0" algn="just">
-              <a:buNone/>
-            </a:pPr>
-            <a:r>
-              <a:rPr lang="en-US" sz="1100" dirty="0">
-                <a:latin typeface="Times New Roman" panose="02020603050405020304" pitchFamily="18" charset="0"/>
-                <a:cs typeface="Times New Roman" panose="02020603050405020304" pitchFamily="18" charset="0"/>
-              </a:rPr>
-              <a:t>[2] </a:t>
-            </a:r>
-            <a:r>
-              <a:rPr lang="en-US" sz="1100" b="1" dirty="0">
-                <a:latin typeface="Times New Roman" panose="02020603050405020304" pitchFamily="18" charset="0"/>
-                <a:cs typeface="Times New Roman" panose="02020603050405020304" pitchFamily="18" charset="0"/>
-              </a:rPr>
-              <a:t>Architecture of a Network Performance Monitor for Application Services on Multi-Clouds</a:t>
-            </a:r>
-            <a:r>
-              <a:rPr lang="en-US" sz="1100" dirty="0">
-                <a:latin typeface="Times New Roman" panose="02020603050405020304" pitchFamily="18" charset="0"/>
-                <a:cs typeface="Times New Roman" panose="02020603050405020304" pitchFamily="18" charset="0"/>
-              </a:rPr>
-              <a:t> – by Young-min Kim, Ki-sung Lee, Jae-</a:t>
-            </a:r>
-            <a:r>
-              <a:rPr lang="en-US" sz="1100" dirty="0" err="1">
-                <a:latin typeface="Times New Roman" panose="02020603050405020304" pitchFamily="18" charset="0"/>
-                <a:cs typeface="Times New Roman" panose="02020603050405020304" pitchFamily="18" charset="0"/>
-              </a:rPr>
-              <a:t>cheol</a:t>
-            </a:r>
-            <a:r>
-              <a:rPr lang="en-US" sz="1100" dirty="0">
-                <a:latin typeface="Times New Roman" panose="02020603050405020304" pitchFamily="18" charset="0"/>
-                <a:cs typeface="Times New Roman" panose="02020603050405020304" pitchFamily="18" charset="0"/>
-              </a:rPr>
-              <a:t> Uhm, Si-</a:t>
-            </a:r>
-            <a:r>
-              <a:rPr lang="en-US" sz="1100" dirty="0" err="1">
-                <a:latin typeface="Times New Roman" panose="02020603050405020304" pitchFamily="18" charset="0"/>
-                <a:cs typeface="Times New Roman" panose="02020603050405020304" pitchFamily="18" charset="0"/>
-              </a:rPr>
-              <a:t>chang</a:t>
-            </a:r>
-            <a:r>
-              <a:rPr lang="en-US" sz="1100" dirty="0">
-                <a:latin typeface="Times New Roman" panose="02020603050405020304" pitchFamily="18" charset="0"/>
-                <a:cs typeface="Times New Roman" panose="02020603050405020304" pitchFamily="18" charset="0"/>
-              </a:rPr>
-              <a:t> Kim, and Chan-gun Lee 2013</a:t>
-            </a:r>
-          </a:p>
-          <a:p>
-            <a:pPr marL="0" indent="0" algn="just">
-              <a:buNone/>
-            </a:pPr>
-            <a:r>
-              <a:rPr lang="en-US" sz="1100" dirty="0">
-                <a:latin typeface="Times New Roman" panose="02020603050405020304" pitchFamily="18" charset="0"/>
-                <a:cs typeface="Times New Roman" panose="02020603050405020304" pitchFamily="18" charset="0"/>
-              </a:rPr>
-              <a:t>[3] </a:t>
-            </a:r>
-            <a:r>
-              <a:rPr lang="en-US" sz="1100" b="1" dirty="0">
-                <a:latin typeface="Times New Roman" panose="02020603050405020304" pitchFamily="18" charset="0"/>
-                <a:cs typeface="Times New Roman" panose="02020603050405020304" pitchFamily="18" charset="0"/>
-              </a:rPr>
-              <a:t>Measurement-Aware Monitor Placement and Routing: A Joint Optimization Approach for Network-Wide Measurements</a:t>
-            </a:r>
-            <a:r>
-              <a:rPr lang="en-US" sz="1100" dirty="0">
-                <a:latin typeface="Times New Roman" panose="02020603050405020304" pitchFamily="18" charset="0"/>
-                <a:cs typeface="Times New Roman" panose="02020603050405020304" pitchFamily="18" charset="0"/>
-              </a:rPr>
-              <a:t> – by </a:t>
-            </a:r>
-            <a:r>
-              <a:rPr lang="en-US" sz="1100" dirty="0" err="1">
-                <a:latin typeface="Times New Roman" panose="02020603050405020304" pitchFamily="18" charset="0"/>
-                <a:cs typeface="Times New Roman" panose="02020603050405020304" pitchFamily="18" charset="0"/>
-              </a:rPr>
-              <a:t>Guanyao</a:t>
-            </a:r>
-            <a:r>
-              <a:rPr lang="en-US" sz="1100" dirty="0">
-                <a:latin typeface="Times New Roman" panose="02020603050405020304" pitchFamily="18" charset="0"/>
-                <a:cs typeface="Times New Roman" panose="02020603050405020304" pitchFamily="18" charset="0"/>
-              </a:rPr>
-              <a:t> Huang, Chia-Wei Chang, Chen-Nee </a:t>
-            </a:r>
-            <a:r>
-              <a:rPr lang="en-US" sz="1100" dirty="0" err="1">
-                <a:latin typeface="Times New Roman" panose="02020603050405020304" pitchFamily="18" charset="0"/>
-                <a:cs typeface="Times New Roman" panose="02020603050405020304" pitchFamily="18" charset="0"/>
-              </a:rPr>
-              <a:t>Chuah</a:t>
-            </a:r>
-            <a:r>
-              <a:rPr lang="en-US" sz="1100" dirty="0">
-                <a:latin typeface="Times New Roman" panose="02020603050405020304" pitchFamily="18" charset="0"/>
-                <a:cs typeface="Times New Roman" panose="02020603050405020304" pitchFamily="18" charset="0"/>
-              </a:rPr>
-              <a:t>, and Bill Lin 2012</a:t>
-            </a:r>
-          </a:p>
-          <a:p>
-            <a:pPr marL="0" indent="0" algn="just">
-              <a:buNone/>
-            </a:pPr>
-            <a:r>
-              <a:rPr lang="en-US" sz="1100" dirty="0">
-                <a:latin typeface="Times New Roman" panose="02020603050405020304" pitchFamily="18" charset="0"/>
-                <a:cs typeface="Times New Roman" panose="02020603050405020304" pitchFamily="18" charset="0"/>
-              </a:rPr>
-              <a:t>[4] </a:t>
-            </a:r>
-            <a:r>
-              <a:rPr lang="en-US" sz="1100" b="1" dirty="0">
-                <a:latin typeface="Times New Roman" panose="02020603050405020304" pitchFamily="18" charset="0"/>
-                <a:cs typeface="Times New Roman" panose="02020603050405020304" pitchFamily="18" charset="0"/>
-              </a:rPr>
-              <a:t>Study on monitor and control of POL transport by road in IOT </a:t>
-            </a:r>
-            <a:r>
-              <a:rPr lang="en-US" sz="1100" dirty="0">
-                <a:latin typeface="Times New Roman" panose="02020603050405020304" pitchFamily="18" charset="0"/>
-                <a:cs typeface="Times New Roman" panose="02020603050405020304" pitchFamily="18" charset="0"/>
-              </a:rPr>
-              <a:t>– by Yang Chen, </a:t>
-            </a:r>
-            <a:r>
-              <a:rPr lang="en-US" sz="1100" dirty="0" err="1">
-                <a:latin typeface="Times New Roman" panose="02020603050405020304" pitchFamily="18" charset="0"/>
-                <a:cs typeface="Times New Roman" panose="02020603050405020304" pitchFamily="18" charset="0"/>
-              </a:rPr>
-              <a:t>Qidong</a:t>
-            </a:r>
-            <a:r>
-              <a:rPr lang="en-US" sz="1100" dirty="0">
-                <a:latin typeface="Times New Roman" panose="02020603050405020304" pitchFamily="18" charset="0"/>
-                <a:cs typeface="Times New Roman" panose="02020603050405020304" pitchFamily="18" charset="0"/>
-              </a:rPr>
-              <a:t> Yong, Dong Xiang 2012</a:t>
-            </a:r>
-          </a:p>
-          <a:p>
-            <a:pPr marL="0" indent="0" algn="just">
-              <a:buNone/>
-            </a:pPr>
-            <a:r>
-              <a:rPr lang="en-US" sz="1100" dirty="0">
-                <a:latin typeface="Times New Roman" panose="02020603050405020304" pitchFamily="18" charset="0"/>
-                <a:cs typeface="Times New Roman" panose="02020603050405020304" pitchFamily="18" charset="0"/>
-              </a:rPr>
-              <a:t>[5] </a:t>
-            </a:r>
-            <a:r>
-              <a:rPr lang="en-US" sz="1100" b="1" dirty="0">
-                <a:latin typeface="Times New Roman" panose="02020603050405020304" pitchFamily="18" charset="0"/>
-                <a:cs typeface="Times New Roman" panose="02020603050405020304" pitchFamily="18" charset="0"/>
-              </a:rPr>
-              <a:t>Distributed Interplanetary Delay/Disruption Tolerant Network (DTN) Monitor and Control System </a:t>
-            </a:r>
-            <a:r>
-              <a:rPr lang="en-US" sz="1100" dirty="0">
-                <a:latin typeface="Times New Roman" panose="02020603050405020304" pitchFamily="18" charset="0"/>
-                <a:cs typeface="Times New Roman" panose="02020603050405020304" pitchFamily="18" charset="0"/>
-              </a:rPr>
-              <a:t>– by Shin-</a:t>
-            </a:r>
-            <a:r>
-              <a:rPr lang="en-US" sz="1100" dirty="0" err="1">
-                <a:latin typeface="Times New Roman" panose="02020603050405020304" pitchFamily="18" charset="0"/>
-                <a:cs typeface="Times New Roman" panose="02020603050405020304" pitchFamily="18" charset="0"/>
-              </a:rPr>
-              <a:t>Ywan</a:t>
-            </a:r>
-            <a:r>
-              <a:rPr lang="en-US" sz="1100" dirty="0">
-                <a:latin typeface="Times New Roman" panose="02020603050405020304" pitchFamily="18" charset="0"/>
-                <a:cs typeface="Times New Roman" panose="02020603050405020304" pitchFamily="18" charset="0"/>
-              </a:rPr>
-              <a:t> Wang 2012</a:t>
-            </a:r>
-          </a:p>
-          <a:p>
-            <a:pPr marL="0" indent="0" algn="just">
-              <a:buNone/>
-            </a:pPr>
-            <a:r>
-              <a:rPr lang="en-US" sz="1100" dirty="0">
-                <a:latin typeface="Times New Roman" panose="02020603050405020304" pitchFamily="18" charset="0"/>
-                <a:cs typeface="Times New Roman" panose="02020603050405020304" pitchFamily="18" charset="0"/>
-              </a:rPr>
-              <a:t>[6] </a:t>
-            </a:r>
-            <a:r>
-              <a:rPr lang="en-US" sz="1100" b="1" dirty="0">
-                <a:latin typeface="Times New Roman" panose="02020603050405020304" pitchFamily="18" charset="0"/>
-                <a:cs typeface="Times New Roman" panose="02020603050405020304" pitchFamily="18" charset="0"/>
-              </a:rPr>
-              <a:t>Overhead Contact System On-line Monitor Technology Based on Wireless Sensor Network </a:t>
-            </a:r>
-            <a:r>
-              <a:rPr lang="en-US" sz="1100" dirty="0">
-                <a:latin typeface="Times New Roman" panose="02020603050405020304" pitchFamily="18" charset="0"/>
-                <a:cs typeface="Times New Roman" panose="02020603050405020304" pitchFamily="18" charset="0"/>
-              </a:rPr>
-              <a:t>– by </a:t>
-            </a:r>
-            <a:r>
-              <a:rPr lang="en-US" sz="1100" dirty="0" err="1">
-                <a:latin typeface="Times New Roman" panose="02020603050405020304" pitchFamily="18" charset="0"/>
-                <a:cs typeface="Times New Roman" panose="02020603050405020304" pitchFamily="18" charset="0"/>
-              </a:rPr>
-              <a:t>Jiangjian</a:t>
-            </a:r>
-            <a:r>
-              <a:rPr lang="en-US" sz="1100" dirty="0">
-                <a:latin typeface="Times New Roman" panose="02020603050405020304" pitchFamily="18" charset="0"/>
-                <a:cs typeface="Times New Roman" panose="02020603050405020304" pitchFamily="18" charset="0"/>
-              </a:rPr>
-              <a:t> </a:t>
-            </a:r>
-            <a:r>
-              <a:rPr lang="en-US" sz="1100" dirty="0" err="1">
-                <a:latin typeface="Times New Roman" panose="02020603050405020304" pitchFamily="18" charset="0"/>
-                <a:cs typeface="Times New Roman" panose="02020603050405020304" pitchFamily="18" charset="0"/>
-              </a:rPr>
-              <a:t>Xie</a:t>
-            </a:r>
-            <a:r>
-              <a:rPr lang="en-US" sz="1100" dirty="0">
-                <a:latin typeface="Times New Roman" panose="02020603050405020304" pitchFamily="18" charset="0"/>
-                <a:cs typeface="Times New Roman" panose="02020603050405020304" pitchFamily="18" charset="0"/>
-              </a:rPr>
-              <a:t> and Yi Wang, </a:t>
-            </a:r>
-            <a:r>
-              <a:rPr lang="en-US" sz="1100" dirty="0" err="1">
-                <a:latin typeface="Times New Roman" panose="02020603050405020304" pitchFamily="18" charset="0"/>
-                <a:cs typeface="Times New Roman" panose="02020603050405020304" pitchFamily="18" charset="0"/>
-              </a:rPr>
-              <a:t>Tingting</a:t>
-            </a:r>
-            <a:r>
-              <a:rPr lang="en-US" sz="1100" dirty="0">
-                <a:latin typeface="Times New Roman" panose="02020603050405020304" pitchFamily="18" charset="0"/>
-                <a:cs typeface="Times New Roman" panose="02020603050405020304" pitchFamily="18" charset="0"/>
-              </a:rPr>
-              <a:t> Lu 2011</a:t>
-            </a:r>
-          </a:p>
-          <a:p>
-            <a:pPr marL="0" indent="0" algn="just">
-              <a:buNone/>
-            </a:pPr>
-            <a:r>
-              <a:rPr lang="en-US" sz="1100" dirty="0">
-                <a:latin typeface="Times New Roman" panose="02020603050405020304" pitchFamily="18" charset="0"/>
-                <a:cs typeface="Times New Roman" panose="02020603050405020304" pitchFamily="18" charset="0"/>
-              </a:rPr>
-              <a:t>[7] </a:t>
-            </a:r>
-            <a:r>
-              <a:rPr lang="en-US" sz="1100" b="1" dirty="0">
-                <a:latin typeface="Times New Roman" panose="02020603050405020304" pitchFamily="18" charset="0"/>
-                <a:cs typeface="Times New Roman" panose="02020603050405020304" pitchFamily="18" charset="0"/>
-              </a:rPr>
-              <a:t>The Design and implementation of a UPS Monitor and Control System </a:t>
-            </a:r>
-            <a:r>
-              <a:rPr lang="en-US" sz="1100" dirty="0">
-                <a:latin typeface="Times New Roman" panose="02020603050405020304" pitchFamily="18" charset="0"/>
-                <a:cs typeface="Times New Roman" panose="02020603050405020304" pitchFamily="18" charset="0"/>
-              </a:rPr>
-              <a:t>– by</a:t>
-            </a:r>
-            <a:r>
-              <a:rPr lang="en-US" sz="1100" b="1" dirty="0">
-                <a:latin typeface="Times New Roman" panose="02020603050405020304" pitchFamily="18" charset="0"/>
-                <a:cs typeface="Times New Roman" panose="02020603050405020304" pitchFamily="18" charset="0"/>
-              </a:rPr>
-              <a:t> </a:t>
-            </a:r>
-            <a:r>
-              <a:rPr lang="en-US" sz="1100" dirty="0" err="1">
-                <a:latin typeface="Times New Roman" panose="02020603050405020304" pitchFamily="18" charset="0"/>
-                <a:cs typeface="Times New Roman" panose="02020603050405020304" pitchFamily="18" charset="0"/>
-              </a:rPr>
-              <a:t>Lidong</a:t>
-            </a:r>
-            <a:r>
-              <a:rPr lang="en-US" sz="1100" dirty="0">
-                <a:latin typeface="Times New Roman" panose="02020603050405020304" pitchFamily="18" charset="0"/>
-                <a:cs typeface="Times New Roman" panose="02020603050405020304" pitchFamily="18" charset="0"/>
-              </a:rPr>
-              <a:t> Fu and Bin Zhang 2011</a:t>
-            </a:r>
-          </a:p>
-          <a:p>
-            <a:pPr marL="0" indent="0" algn="just">
-              <a:buNone/>
-            </a:pPr>
-            <a:r>
-              <a:rPr lang="en-US" sz="1100" dirty="0">
-                <a:latin typeface="Times New Roman" panose="02020603050405020304" pitchFamily="18" charset="0"/>
-                <a:cs typeface="Times New Roman" panose="02020603050405020304" pitchFamily="18" charset="0"/>
-              </a:rPr>
-              <a:t>[8] </a:t>
-            </a:r>
-            <a:r>
-              <a:rPr lang="en-US" sz="1100" b="1" dirty="0">
-                <a:latin typeface="Times New Roman" panose="02020603050405020304" pitchFamily="18" charset="0"/>
-                <a:cs typeface="Times New Roman" panose="02020603050405020304" pitchFamily="18" charset="0"/>
-              </a:rPr>
-              <a:t>Fault-tolerant Schemes for </a:t>
-            </a:r>
-            <a:r>
-              <a:rPr lang="en-US" sz="1100" b="1" dirty="0" err="1">
-                <a:latin typeface="Times New Roman" panose="02020603050405020304" pitchFamily="18" charset="0"/>
-                <a:cs typeface="Times New Roman" panose="02020603050405020304" pitchFamily="18" charset="0"/>
-              </a:rPr>
-              <a:t>NoC</a:t>
-            </a:r>
-            <a:r>
-              <a:rPr lang="en-US" sz="1100" b="1" dirty="0">
-                <a:latin typeface="Times New Roman" panose="02020603050405020304" pitchFamily="18" charset="0"/>
-                <a:cs typeface="Times New Roman" panose="02020603050405020304" pitchFamily="18" charset="0"/>
-              </a:rPr>
-              <a:t> with a Network Monitor </a:t>
-            </a:r>
-            <a:r>
-              <a:rPr lang="en-US" sz="1100" dirty="0">
-                <a:latin typeface="Times New Roman" panose="02020603050405020304" pitchFamily="18" charset="0"/>
-                <a:cs typeface="Times New Roman" panose="02020603050405020304" pitchFamily="18" charset="0"/>
-              </a:rPr>
-              <a:t>– by Zhang Ying , Wu Ning , Wan Yu Peng , Ge Fen , Zhou Fang 2010</a:t>
-            </a:r>
-          </a:p>
-          <a:p>
-            <a:pPr marL="0" indent="0" algn="just">
-              <a:buNone/>
-            </a:pPr>
-            <a:r>
-              <a:rPr lang="en-US" sz="1100" dirty="0">
-                <a:latin typeface="Times New Roman" panose="02020603050405020304" pitchFamily="18" charset="0"/>
-                <a:cs typeface="Times New Roman" panose="02020603050405020304" pitchFamily="18" charset="0"/>
-              </a:rPr>
-              <a:t>[9]</a:t>
-            </a:r>
-            <a:r>
-              <a:rPr lang="en-US" sz="1100" b="1" dirty="0">
-                <a:latin typeface="Times New Roman" panose="02020603050405020304" pitchFamily="18" charset="0"/>
-                <a:cs typeface="Times New Roman" panose="02020603050405020304" pitchFamily="18" charset="0"/>
-              </a:rPr>
-              <a:t> Using activity sensitivity and network topology information to monitor project time performance </a:t>
-            </a:r>
-            <a:r>
-              <a:rPr lang="en-US" sz="1100" dirty="0">
-                <a:latin typeface="Times New Roman" panose="02020603050405020304" pitchFamily="18" charset="0"/>
-                <a:cs typeface="Times New Roman" panose="02020603050405020304" pitchFamily="18" charset="0"/>
-              </a:rPr>
-              <a:t>– by Mario Vanhoucke1. 2010</a:t>
-            </a:r>
-          </a:p>
-          <a:p>
-            <a:pPr marL="0" indent="0" algn="just">
-              <a:buNone/>
-            </a:pPr>
-            <a:r>
-              <a:rPr lang="en-US" sz="1100" dirty="0">
-                <a:latin typeface="Times New Roman" panose="02020603050405020304" pitchFamily="18" charset="0"/>
-                <a:cs typeface="Times New Roman" panose="02020603050405020304" pitchFamily="18" charset="0"/>
-              </a:rPr>
-              <a:t>[10] </a:t>
-            </a:r>
-            <a:r>
-              <a:rPr lang="en-US" sz="1100" b="1" dirty="0">
-                <a:latin typeface="Times New Roman" panose="02020603050405020304" pitchFamily="18" charset="0"/>
-                <a:cs typeface="Times New Roman" panose="02020603050405020304" pitchFamily="18" charset="0"/>
-              </a:rPr>
-              <a:t>A transparent virtual machine monitor level packet compression network service </a:t>
-            </a:r>
-            <a:r>
-              <a:rPr lang="en-US" sz="1100" dirty="0">
-                <a:latin typeface="Times New Roman" panose="02020603050405020304" pitchFamily="18" charset="0"/>
-                <a:cs typeface="Times New Roman" panose="02020603050405020304" pitchFamily="18" charset="0"/>
-              </a:rPr>
-              <a:t>– by Ali Hamidi, </a:t>
-            </a:r>
-            <a:r>
-              <a:rPr lang="en-US" sz="1100" dirty="0" err="1">
-                <a:latin typeface="Times New Roman" panose="02020603050405020304" pitchFamily="18" charset="0"/>
-                <a:cs typeface="Times New Roman" panose="02020603050405020304" pitchFamily="18" charset="0"/>
-              </a:rPr>
-              <a:t>Hadi</a:t>
-            </a:r>
-            <a:r>
-              <a:rPr lang="en-US" sz="1100" dirty="0">
-                <a:latin typeface="Times New Roman" panose="02020603050405020304" pitchFamily="18" charset="0"/>
-                <a:cs typeface="Times New Roman" panose="02020603050405020304" pitchFamily="18" charset="0"/>
-              </a:rPr>
-              <a:t> </a:t>
-            </a:r>
-            <a:r>
-              <a:rPr lang="en-US" sz="1100" dirty="0" err="1">
-                <a:latin typeface="Times New Roman" panose="02020603050405020304" pitchFamily="18" charset="0"/>
-                <a:cs typeface="Times New Roman" panose="02020603050405020304" pitchFamily="18" charset="0"/>
-              </a:rPr>
-              <a:t>Salimi</a:t>
-            </a:r>
-            <a:r>
-              <a:rPr lang="en-US" sz="1100" dirty="0">
-                <a:latin typeface="Times New Roman" panose="02020603050405020304" pitchFamily="18" charset="0"/>
-                <a:cs typeface="Times New Roman" panose="02020603050405020304" pitchFamily="18" charset="0"/>
-              </a:rPr>
-              <a:t> and Mohsen Sharifi. [2010]</a:t>
-            </a:r>
-          </a:p>
-          <a:p>
-            <a:pPr marL="0" indent="0" algn="just">
-              <a:buNone/>
-            </a:pPr>
-            <a:r>
-              <a:rPr lang="en-US" sz="1100" dirty="0">
-                <a:latin typeface="Times New Roman" panose="02020603050405020304" pitchFamily="18" charset="0"/>
-                <a:cs typeface="Times New Roman" panose="02020603050405020304" pitchFamily="18" charset="0"/>
-              </a:rPr>
-              <a:t>[11] </a:t>
-            </a:r>
-            <a:r>
-              <a:rPr lang="en-US" sz="1100" b="1" dirty="0">
-                <a:latin typeface="Times New Roman" panose="02020603050405020304" pitchFamily="18" charset="0"/>
-                <a:cs typeface="Times New Roman" panose="02020603050405020304" pitchFamily="18" charset="0"/>
-              </a:rPr>
-              <a:t>Online design of an echo state network based wide area monitor for a multimachine power system </a:t>
-            </a:r>
-            <a:r>
-              <a:rPr lang="en-US" sz="1100" dirty="0">
-                <a:latin typeface="Times New Roman" panose="02020603050405020304" pitchFamily="18" charset="0"/>
-                <a:cs typeface="Times New Roman" panose="02020603050405020304" pitchFamily="18" charset="0"/>
-              </a:rPr>
-              <a:t>– by Ganesh K. </a:t>
-            </a:r>
-            <a:r>
-              <a:rPr lang="en-US" sz="1100" dirty="0" err="1">
-                <a:latin typeface="Times New Roman" panose="02020603050405020304" pitchFamily="18" charset="0"/>
-                <a:cs typeface="Times New Roman" panose="02020603050405020304" pitchFamily="18" charset="0"/>
-              </a:rPr>
-              <a:t>Venayagamoorthy</a:t>
-            </a:r>
-            <a:r>
-              <a:rPr lang="en-US" sz="1100" dirty="0">
-                <a:latin typeface="Times New Roman" panose="02020603050405020304" pitchFamily="18" charset="0"/>
-                <a:cs typeface="Times New Roman" panose="02020603050405020304" pitchFamily="18" charset="0"/>
-              </a:rPr>
-              <a:t> 2007</a:t>
-            </a:r>
-          </a:p>
-          <a:p>
-            <a:pPr marL="0" indent="0" algn="just">
-              <a:buNone/>
-            </a:pPr>
-            <a:r>
-              <a:rPr lang="en-US" sz="1100" dirty="0">
-                <a:latin typeface="Times New Roman" panose="02020603050405020304" pitchFamily="18" charset="0"/>
-                <a:cs typeface="Times New Roman" panose="02020603050405020304" pitchFamily="18" charset="0"/>
-              </a:rPr>
-              <a:t>[12] </a:t>
-            </a:r>
-            <a:r>
-              <a:rPr lang="en-US" sz="1100" b="1" dirty="0">
-                <a:latin typeface="Times New Roman" panose="02020603050405020304" pitchFamily="18" charset="0"/>
-                <a:cs typeface="Times New Roman" panose="02020603050405020304" pitchFamily="18" charset="0"/>
-              </a:rPr>
-              <a:t>A Web-based monitor and management system architecture for enterprise virtual private network </a:t>
-            </a:r>
-            <a:r>
-              <a:rPr lang="en-US" sz="1100" dirty="0">
-                <a:latin typeface="Times New Roman" panose="02020603050405020304" pitchFamily="18" charset="0"/>
-                <a:cs typeface="Times New Roman" panose="02020603050405020304" pitchFamily="18" charset="0"/>
-              </a:rPr>
-              <a:t>– by </a:t>
-            </a:r>
-            <a:r>
-              <a:rPr lang="en-US" sz="1100" dirty="0" err="1">
-                <a:latin typeface="Times New Roman" panose="02020603050405020304" pitchFamily="18" charset="0"/>
-                <a:cs typeface="Times New Roman" panose="02020603050405020304" pitchFamily="18" charset="0"/>
-              </a:rPr>
-              <a:t>Ruey</a:t>
-            </a:r>
-            <a:r>
-              <a:rPr lang="en-US" sz="1100" dirty="0">
-                <a:latin typeface="Times New Roman" panose="02020603050405020304" pitchFamily="18" charset="0"/>
-                <a:cs typeface="Times New Roman" panose="02020603050405020304" pitchFamily="18" charset="0"/>
-              </a:rPr>
-              <a:t>-Shun Chen *, Change-Jen Hsu, Chan-Chine Chang, S.W. Yeh 2005</a:t>
-            </a:r>
-          </a:p>
-          <a:p>
-            <a:pPr marL="0" indent="0" algn="just">
-              <a:buNone/>
-            </a:pPr>
-            <a:r>
-              <a:rPr lang="en-US" sz="1100" dirty="0">
-                <a:latin typeface="Times New Roman" panose="02020603050405020304" pitchFamily="18" charset="0"/>
-                <a:cs typeface="Times New Roman" panose="02020603050405020304" pitchFamily="18" charset="0"/>
-              </a:rPr>
-              <a:t>[13] </a:t>
-            </a:r>
-            <a:r>
-              <a:rPr lang="en-US" sz="1100" b="1" dirty="0">
-                <a:latin typeface="Times New Roman" panose="02020603050405020304" pitchFamily="18" charset="0"/>
-                <a:cs typeface="Times New Roman" panose="02020603050405020304" pitchFamily="18" charset="0"/>
-              </a:rPr>
-              <a:t>On evaluating the differences of TCP and ICMP in network measurement </a:t>
-            </a:r>
-            <a:r>
-              <a:rPr lang="en-US" sz="1100" dirty="0">
-                <a:latin typeface="Times New Roman" panose="02020603050405020304" pitchFamily="18" charset="0"/>
-                <a:cs typeface="Times New Roman" panose="02020603050405020304" pitchFamily="18" charset="0"/>
-              </a:rPr>
-              <a:t>– by Li </a:t>
-            </a:r>
-            <a:r>
-              <a:rPr lang="en-US" sz="1100" dirty="0" err="1">
-                <a:latin typeface="Times New Roman" panose="02020603050405020304" pitchFamily="18" charset="0"/>
-                <a:cs typeface="Times New Roman" panose="02020603050405020304" pitchFamily="18" charset="0"/>
-              </a:rPr>
-              <a:t>Wenwei</a:t>
-            </a:r>
-            <a:r>
-              <a:rPr lang="en-US" sz="1100" dirty="0">
-                <a:latin typeface="Times New Roman" panose="02020603050405020304" pitchFamily="18" charset="0"/>
-                <a:cs typeface="Times New Roman" panose="02020603050405020304" pitchFamily="18" charset="0"/>
-              </a:rPr>
-              <a:t>, </a:t>
-            </a:r>
-            <a:r>
-              <a:rPr lang="en-US" sz="1100" dirty="0" err="1">
-                <a:latin typeface="Times New Roman" panose="02020603050405020304" pitchFamily="18" charset="0"/>
-                <a:cs typeface="Times New Roman" panose="02020603050405020304" pitchFamily="18" charset="0"/>
-              </a:rPr>
-              <a:t>Zhange</a:t>
-            </a:r>
-            <a:r>
-              <a:rPr lang="en-US" sz="1100" dirty="0">
-                <a:latin typeface="Times New Roman" panose="02020603050405020304" pitchFamily="18" charset="0"/>
-                <a:cs typeface="Times New Roman" panose="02020603050405020304" pitchFamily="18" charset="0"/>
-              </a:rPr>
-              <a:t> </a:t>
-            </a:r>
-            <a:r>
-              <a:rPr lang="en-US" sz="1100" dirty="0" err="1">
-                <a:latin typeface="Times New Roman" panose="02020603050405020304" pitchFamily="18" charset="0"/>
-                <a:cs typeface="Times New Roman" panose="02020603050405020304" pitchFamily="18" charset="0"/>
-              </a:rPr>
-              <a:t>Dafang</a:t>
-            </a:r>
-            <a:r>
-              <a:rPr lang="en-US" sz="1100" dirty="0">
-                <a:latin typeface="Times New Roman" panose="02020603050405020304" pitchFamily="18" charset="0"/>
-                <a:cs typeface="Times New Roman" panose="02020603050405020304" pitchFamily="18" charset="0"/>
-              </a:rPr>
-              <a:t>, Yang </a:t>
-            </a:r>
-            <a:r>
-              <a:rPr lang="en-US" sz="1100" dirty="0" err="1">
-                <a:latin typeface="Times New Roman" panose="02020603050405020304" pitchFamily="18" charset="0"/>
-                <a:cs typeface="Times New Roman" panose="02020603050405020304" pitchFamily="18" charset="0"/>
-              </a:rPr>
-              <a:t>Jinmin</a:t>
-            </a:r>
-            <a:r>
-              <a:rPr lang="en-US" sz="1100" dirty="0">
-                <a:latin typeface="Times New Roman" panose="02020603050405020304" pitchFamily="18" charset="0"/>
-                <a:cs typeface="Times New Roman" panose="02020603050405020304" pitchFamily="18" charset="0"/>
-              </a:rPr>
-              <a:t> and </a:t>
-            </a:r>
-            <a:r>
-              <a:rPr lang="en-US" sz="1100" dirty="0" err="1">
-                <a:latin typeface="Times New Roman" panose="02020603050405020304" pitchFamily="18" charset="0"/>
-                <a:cs typeface="Times New Roman" panose="02020603050405020304" pitchFamily="18" charset="0"/>
-              </a:rPr>
-              <a:t>Xie</a:t>
-            </a:r>
-            <a:r>
-              <a:rPr lang="en-US" sz="1100" dirty="0">
-                <a:latin typeface="Times New Roman" panose="02020603050405020304" pitchFamily="18" charset="0"/>
-                <a:cs typeface="Times New Roman" panose="02020603050405020304" pitchFamily="18" charset="0"/>
-              </a:rPr>
-              <a:t> </a:t>
-            </a:r>
-            <a:r>
-              <a:rPr lang="en-US" sz="1100" dirty="0" err="1">
-                <a:latin typeface="Times New Roman" panose="02020603050405020304" pitchFamily="18" charset="0"/>
-                <a:cs typeface="Times New Roman" panose="02020603050405020304" pitchFamily="18" charset="0"/>
-              </a:rPr>
-              <a:t>Gaogang</a:t>
-            </a:r>
-            <a:r>
-              <a:rPr lang="en-US" sz="1100" dirty="0">
-                <a:latin typeface="Times New Roman" panose="02020603050405020304" pitchFamily="18" charset="0"/>
-                <a:cs typeface="Times New Roman" panose="02020603050405020304" pitchFamily="18" charset="0"/>
-              </a:rPr>
-              <a:t> [2007]</a:t>
-            </a:r>
-          </a:p>
-        </p:txBody>
-      </p:sp>
     </p:spTree>
     <p:extLst>
       <p:ext uri="{BB962C8B-B14F-4D97-AF65-F5344CB8AC3E}">
-        <p14:creationId xmlns:p14="http://schemas.microsoft.com/office/powerpoint/2010/main" val="815116318"/>
+        <p14:creationId xmlns:p14="http://schemas.microsoft.com/office/powerpoint/2010/main" val="1927926546"/>
       </p:ext>
     </p:extLst>
   </p:cSld>
@@ -9095,17 +8121,334 @@
       </p:grpSpPr>
       <p:sp>
         <p:nvSpPr>
-          <p:cNvPr id="2" name="Title 1"/>
+          <p:cNvPr id="3" name="Content Placeholder 2"/>
           <p:cNvSpPr>
             <a:spLocks noGrp="1"/>
           </p:cNvSpPr>
           <p:nvPr>
-            <p:ph type="title"/>
+            <p:ph idx="1"/>
           </p:nvPr>
         </p:nvSpPr>
         <p:spPr>
           <a:xfrm>
-            <a:off x="457200" y="1885950"/>
+            <a:off x="457200" y="1063229"/>
+            <a:ext cx="8229600" cy="3289732"/>
+          </a:xfrm>
+        </p:spPr>
+        <p:txBody>
+          <a:bodyPr>
+            <a:noAutofit/>
+          </a:bodyPr>
+          <a:lstStyle/>
+          <a:p>
+            <a:pPr marL="342900" marR="0" lvl="0" indent="-342900">
+              <a:lnSpc>
+                <a:spcPct val="150000"/>
+              </a:lnSpc>
+              <a:spcBef>
+                <a:spcPts val="0"/>
+              </a:spcBef>
+              <a:spcAft>
+                <a:spcPts val="1200"/>
+              </a:spcAft>
+              <a:buFont typeface="Arial" panose="020B0604020202020204" pitchFamily="34" charset="0"/>
+              <a:buChar char="•"/>
+              <a:tabLst>
+                <a:tab pos="457200" algn="l"/>
+              </a:tabLst>
+            </a:pPr>
+            <a:r>
+              <a:rPr lang="en-US" sz="1200" dirty="0">
+                <a:solidFill>
+                  <a:srgbClr val="231F20"/>
+                </a:solidFill>
+                <a:effectLst/>
+                <a:latin typeface="Times New Roman" panose="02020603050405020304" pitchFamily="18" charset="0"/>
+                <a:ea typeface="Times New Roman" panose="02020603050405020304" pitchFamily="18" charset="0"/>
+                <a:cs typeface="Times New Roman" panose="02020603050405020304" pitchFamily="18" charset="0"/>
+              </a:rPr>
+              <a:t>Networks serve as the backbone for any enterprise. Any network outage during working hours is huge loss for the organizations. </a:t>
+            </a:r>
+            <a:endParaRPr lang="en-US" sz="1200" dirty="0">
+              <a:effectLst/>
+              <a:latin typeface="Times New Roman" panose="02020603050405020304" pitchFamily="18" charset="0"/>
+              <a:ea typeface="Times New Roman" panose="02020603050405020304" pitchFamily="18" charset="0"/>
+              <a:cs typeface="Times New Roman" panose="02020603050405020304" pitchFamily="18" charset="0"/>
+            </a:endParaRPr>
+          </a:p>
+          <a:p>
+            <a:pPr marL="342900" marR="0" lvl="0" indent="-342900">
+              <a:lnSpc>
+                <a:spcPct val="150000"/>
+              </a:lnSpc>
+              <a:spcBef>
+                <a:spcPts val="0"/>
+              </a:spcBef>
+              <a:spcAft>
+                <a:spcPts val="1200"/>
+              </a:spcAft>
+              <a:buFont typeface="Arial" panose="020B0604020202020204" pitchFamily="34" charset="0"/>
+              <a:buChar char="•"/>
+              <a:tabLst>
+                <a:tab pos="457200" algn="l"/>
+              </a:tabLst>
+            </a:pPr>
+            <a:r>
+              <a:rPr lang="en-US" sz="1200" dirty="0">
+                <a:solidFill>
+                  <a:srgbClr val="231F20"/>
+                </a:solidFill>
+                <a:effectLst/>
+                <a:latin typeface="Times New Roman" panose="02020603050405020304" pitchFamily="18" charset="0"/>
+                <a:ea typeface="Times New Roman" panose="02020603050405020304" pitchFamily="18" charset="0"/>
+                <a:cs typeface="Times New Roman" panose="02020603050405020304" pitchFamily="18" charset="0"/>
+              </a:rPr>
+              <a:t>As a result, they employ a separate team to look after their labs by constantly logging into several system interfaces and checking their statuses.</a:t>
+            </a:r>
+            <a:endParaRPr lang="en-US" sz="1200" dirty="0">
+              <a:effectLst/>
+              <a:latin typeface="Times New Roman" panose="02020603050405020304" pitchFamily="18" charset="0"/>
+              <a:ea typeface="Times New Roman" panose="02020603050405020304" pitchFamily="18" charset="0"/>
+              <a:cs typeface="Times New Roman" panose="02020603050405020304" pitchFamily="18" charset="0"/>
+            </a:endParaRPr>
+          </a:p>
+          <a:p>
+            <a:pPr marL="342900" marR="0" lvl="0" indent="-342900">
+              <a:lnSpc>
+                <a:spcPct val="150000"/>
+              </a:lnSpc>
+              <a:spcBef>
+                <a:spcPts val="0"/>
+              </a:spcBef>
+              <a:spcAft>
+                <a:spcPts val="1200"/>
+              </a:spcAft>
+              <a:buFont typeface="Arial" panose="020B0604020202020204" pitchFamily="34" charset="0"/>
+              <a:buChar char="•"/>
+              <a:tabLst>
+                <a:tab pos="457200" algn="l"/>
+              </a:tabLst>
+            </a:pPr>
+            <a:r>
+              <a:rPr lang="en-US" sz="1200" dirty="0">
+                <a:solidFill>
+                  <a:srgbClr val="231F20"/>
+                </a:solidFill>
+                <a:effectLst/>
+                <a:latin typeface="Times New Roman" panose="02020603050405020304" pitchFamily="18" charset="0"/>
+                <a:ea typeface="Times New Roman" panose="02020603050405020304" pitchFamily="18" charset="0"/>
+                <a:cs typeface="Times New Roman" panose="02020603050405020304" pitchFamily="18" charset="0"/>
+              </a:rPr>
+              <a:t>It is a tedious task to login to each of these nodes, check if they are reachable and check their health status constantly. </a:t>
+            </a:r>
+            <a:endParaRPr lang="en-US" sz="1200" dirty="0">
+              <a:effectLst/>
+              <a:latin typeface="Times New Roman" panose="02020603050405020304" pitchFamily="18" charset="0"/>
+              <a:ea typeface="Times New Roman" panose="02020603050405020304" pitchFamily="18" charset="0"/>
+              <a:cs typeface="Times New Roman" panose="02020603050405020304" pitchFamily="18" charset="0"/>
+            </a:endParaRPr>
+          </a:p>
+          <a:p>
+            <a:pPr marL="342900" marR="0" lvl="0" indent="-342900">
+              <a:lnSpc>
+                <a:spcPct val="150000"/>
+              </a:lnSpc>
+              <a:spcBef>
+                <a:spcPts val="0"/>
+              </a:spcBef>
+              <a:spcAft>
+                <a:spcPts val="1200"/>
+              </a:spcAft>
+              <a:buFont typeface="Arial" panose="020B0604020202020204" pitchFamily="34" charset="0"/>
+              <a:buChar char="•"/>
+              <a:tabLst>
+                <a:tab pos="457200" algn="l"/>
+              </a:tabLst>
+            </a:pPr>
+            <a:r>
+              <a:rPr lang="en-US" sz="1200" dirty="0">
+                <a:solidFill>
+                  <a:srgbClr val="231F20"/>
+                </a:solidFill>
+                <a:effectLst/>
+                <a:latin typeface="Times New Roman" panose="02020603050405020304" pitchFamily="18" charset="0"/>
+                <a:ea typeface="Times New Roman" panose="02020603050405020304" pitchFamily="18" charset="0"/>
+                <a:cs typeface="Times New Roman" panose="02020603050405020304" pitchFamily="18" charset="0"/>
+              </a:rPr>
+              <a:t>As the enterprise grows, the numbers increases exponentially. </a:t>
+            </a:r>
+            <a:endParaRPr lang="en-US" sz="1200" dirty="0">
+              <a:effectLst/>
+              <a:latin typeface="Times New Roman" panose="02020603050405020304" pitchFamily="18" charset="0"/>
+              <a:ea typeface="Times New Roman" panose="02020603050405020304" pitchFamily="18" charset="0"/>
+              <a:cs typeface="Times New Roman" panose="02020603050405020304" pitchFamily="18" charset="0"/>
+            </a:endParaRPr>
+          </a:p>
+          <a:p>
+            <a:pPr marL="342900" marR="0" lvl="0" indent="-342900">
+              <a:lnSpc>
+                <a:spcPct val="150000"/>
+              </a:lnSpc>
+              <a:spcBef>
+                <a:spcPts val="0"/>
+              </a:spcBef>
+              <a:spcAft>
+                <a:spcPts val="1200"/>
+              </a:spcAft>
+              <a:buFont typeface="Arial" panose="020B0604020202020204" pitchFamily="34" charset="0"/>
+              <a:buChar char="•"/>
+              <a:tabLst>
+                <a:tab pos="457200" algn="l"/>
+              </a:tabLst>
+            </a:pPr>
+            <a:r>
+              <a:rPr lang="en-US" sz="1200" dirty="0">
+                <a:solidFill>
+                  <a:srgbClr val="231F20"/>
+                </a:solidFill>
+                <a:effectLst/>
+                <a:latin typeface="Times New Roman" panose="02020603050405020304" pitchFamily="18" charset="0"/>
+                <a:ea typeface="Times New Roman" panose="02020603050405020304" pitchFamily="18" charset="0"/>
+                <a:cs typeface="Times New Roman" panose="02020603050405020304" pitchFamily="18" charset="0"/>
+              </a:rPr>
+              <a:t>Generating network performance reports</a:t>
+            </a:r>
+            <a:endParaRPr lang="en-US" sz="1200" dirty="0">
+              <a:effectLst/>
+              <a:latin typeface="Times New Roman" panose="02020603050405020304" pitchFamily="18" charset="0"/>
+              <a:ea typeface="Times New Roman" panose="02020603050405020304" pitchFamily="18" charset="0"/>
+              <a:cs typeface="Times New Roman" panose="02020603050405020304" pitchFamily="18" charset="0"/>
+            </a:endParaRPr>
+          </a:p>
+          <a:p>
+            <a:pPr marL="342900" marR="0" lvl="0" indent="-342900">
+              <a:lnSpc>
+                <a:spcPct val="150000"/>
+              </a:lnSpc>
+              <a:spcBef>
+                <a:spcPts val="0"/>
+              </a:spcBef>
+              <a:spcAft>
+                <a:spcPts val="1200"/>
+              </a:spcAft>
+              <a:buFont typeface="Arial" panose="020B0604020202020204" pitchFamily="34" charset="0"/>
+              <a:buChar char="•"/>
+              <a:tabLst>
+                <a:tab pos="457200" algn="l"/>
+              </a:tabLst>
+            </a:pPr>
+            <a:r>
+              <a:rPr lang="en-US" sz="1200" dirty="0">
+                <a:solidFill>
+                  <a:srgbClr val="231F20"/>
+                </a:solidFill>
+                <a:effectLst/>
+                <a:latin typeface="Times New Roman" panose="02020603050405020304" pitchFamily="18" charset="0"/>
+                <a:ea typeface="Times New Roman" panose="02020603050405020304" pitchFamily="18" charset="0"/>
+                <a:cs typeface="Times New Roman" panose="02020603050405020304" pitchFamily="18" charset="0"/>
+              </a:rPr>
+              <a:t>Deploying new technology and software upgrade successfully</a:t>
+            </a:r>
+            <a:endParaRPr lang="en-US" sz="1200" dirty="0">
+              <a:effectLst/>
+              <a:latin typeface="Times New Roman" panose="02020603050405020304" pitchFamily="18" charset="0"/>
+              <a:ea typeface="Times New Roman" panose="02020603050405020304" pitchFamily="18" charset="0"/>
+              <a:cs typeface="Times New Roman" panose="02020603050405020304" pitchFamily="18" charset="0"/>
+            </a:endParaRPr>
+          </a:p>
+          <a:p>
+            <a:pPr marL="342900" marR="0" lvl="0" indent="-342900">
+              <a:lnSpc>
+                <a:spcPct val="150000"/>
+              </a:lnSpc>
+              <a:spcBef>
+                <a:spcPts val="0"/>
+              </a:spcBef>
+              <a:spcAft>
+                <a:spcPts val="1200"/>
+              </a:spcAft>
+              <a:buFont typeface="Arial" panose="020B0604020202020204" pitchFamily="34" charset="0"/>
+              <a:buChar char="•"/>
+              <a:tabLst>
+                <a:tab pos="457200" algn="l"/>
+              </a:tabLst>
+            </a:pPr>
+            <a:r>
+              <a:rPr lang="en-US" sz="1200" dirty="0">
+                <a:solidFill>
+                  <a:srgbClr val="231F20"/>
+                </a:solidFill>
+                <a:effectLst/>
+                <a:latin typeface="Times New Roman" panose="02020603050405020304" pitchFamily="18" charset="0"/>
+                <a:ea typeface="Times New Roman" panose="02020603050405020304" pitchFamily="18" charset="0"/>
+                <a:cs typeface="Times New Roman" panose="02020603050405020304" pitchFamily="18" charset="0"/>
+              </a:rPr>
+              <a:t>Monitoring the flow of traffic with netflow</a:t>
+            </a:r>
+            <a:endParaRPr lang="en-US" sz="1200" dirty="0">
+              <a:effectLst/>
+              <a:latin typeface="Times New Roman" panose="02020603050405020304" pitchFamily="18" charset="0"/>
+              <a:ea typeface="Times New Roman" panose="02020603050405020304" pitchFamily="18" charset="0"/>
+              <a:cs typeface="Times New Roman" panose="02020603050405020304" pitchFamily="18" charset="0"/>
+            </a:endParaRPr>
+          </a:p>
+          <a:p>
+            <a:pPr marL="342900" marR="0" lvl="0" indent="-342900">
+              <a:lnSpc>
+                <a:spcPct val="150000"/>
+              </a:lnSpc>
+              <a:spcBef>
+                <a:spcPts val="0"/>
+              </a:spcBef>
+              <a:spcAft>
+                <a:spcPts val="1200"/>
+              </a:spcAft>
+              <a:buFont typeface="Arial" panose="020B0604020202020204" pitchFamily="34" charset="0"/>
+              <a:buChar char="•"/>
+              <a:tabLst>
+                <a:tab pos="457200" algn="l"/>
+              </a:tabLst>
+            </a:pPr>
+            <a:r>
+              <a:rPr lang="en-US" sz="1200" dirty="0">
+                <a:solidFill>
+                  <a:srgbClr val="231F20"/>
+                </a:solidFill>
+                <a:effectLst/>
+                <a:latin typeface="Times New Roman" panose="02020603050405020304" pitchFamily="18" charset="0"/>
+                <a:ea typeface="Times New Roman" panose="02020603050405020304" pitchFamily="18" charset="0"/>
+                <a:cs typeface="Times New Roman" panose="02020603050405020304" pitchFamily="18" charset="0"/>
+              </a:rPr>
+              <a:t>Track user network activity</a:t>
+            </a:r>
+            <a:endParaRPr lang="en-US" sz="1200" dirty="0">
+              <a:effectLst/>
+              <a:latin typeface="Times New Roman" panose="02020603050405020304" pitchFamily="18" charset="0"/>
+              <a:ea typeface="Times New Roman" panose="02020603050405020304" pitchFamily="18" charset="0"/>
+              <a:cs typeface="Times New Roman" panose="02020603050405020304" pitchFamily="18" charset="0"/>
+            </a:endParaRPr>
+          </a:p>
+        </p:txBody>
+      </p:sp>
+      <p:sp>
+        <p:nvSpPr>
+          <p:cNvPr id="11" name="Title 1">
+            <a:extLst>
+              <a:ext uri="{FF2B5EF4-FFF2-40B4-BE49-F238E27FC236}">
+                <a16:creationId xmlns="" xmlns:a16="http://schemas.microsoft.com/office/drawing/2014/main" id="{DC85129E-0B0B-4C64-B8AF-D549982166EC}"/>
+              </a:ext>
+            </a:extLst>
+          </p:cNvPr>
+          <p:cNvSpPr>
+            <a:spLocks noGrp="1"/>
+          </p:cNvSpPr>
+          <p:nvPr>
+            <p:ph type="title"/>
+          </p:nvPr>
+        </p:nvSpPr>
+        <p:spPr>
+          <a:xfrm>
+            <a:off x="457200" y="205978"/>
             <a:ext cx="8229600" cy="857250"/>
           </a:xfrm>
         </p:spPr>
@@ -9131,17 +8474,17 @@
                 <a:latin typeface="Times New Roman" panose="02020603050405020304" pitchFamily="18" charset="0"/>
                 <a:cs typeface="Times New Roman" panose="02020603050405020304" pitchFamily="18" charset="0"/>
               </a:rPr>
-              <a:t>THANK YOU</a:t>
-            </a:r>
-          </a:p>
-        </p:txBody>
-      </p:sp>
-      <p:sp>
-        <p:nvSpPr>
-          <p:cNvPr id="12" name="Footer Placeholder 4">
+              <a:t>APPLICATIONS</a:t>
+            </a:r>
+          </a:p>
+        </p:txBody>
+      </p:sp>
+      <p:sp>
+        <p:nvSpPr>
+          <p:cNvPr id="13" name="Footer Placeholder 4">
             <a:extLst>
               <a:ext uri="{FF2B5EF4-FFF2-40B4-BE49-F238E27FC236}">
-                <a16:creationId xmlns:a16="http://schemas.microsoft.com/office/drawing/2014/main" id="{13810B73-4AAA-481B-91C3-62C546016E85}"/>
+                <a16:creationId xmlns="" xmlns:a16="http://schemas.microsoft.com/office/drawing/2014/main" id="{D1ABF561-8E91-4704-BDD7-0520E3848081}"/>
               </a:ext>
             </a:extLst>
           </p:cNvPr>
@@ -9176,10 +8519,1431 @@
       </p:sp>
       <p:sp>
         <p:nvSpPr>
+          <p:cNvPr id="12" name="Footer Placeholder 4">
+            <a:extLst>
+              <a:ext uri="{FF2B5EF4-FFF2-40B4-BE49-F238E27FC236}">
+                <a16:creationId xmlns="" xmlns:a16="http://schemas.microsoft.com/office/drawing/2014/main" id="{22DDB47F-B0C3-43E5-97DC-3FD506169118}"/>
+              </a:ext>
+            </a:extLst>
+          </p:cNvPr>
+          <p:cNvSpPr txBox="1"/>
+          <p:nvPr/>
+        </p:nvSpPr>
+        <p:spPr>
+          <a:xfrm>
+            <a:off x="8229600" y="4770399"/>
+            <a:ext cx="668438" cy="270709"/>
+          </a:xfrm>
+          <a:prstGeom prst="rect">
+            <a:avLst/>
+          </a:prstGeom>
+        </p:spPr>
+        <p:txBody>
+          <a:bodyPr vert="horz" lIns="91440" tIns="45720" rIns="91440" bIns="45720" rtlCol="0" anchor="ctr"/>
+          <a:lstStyle>
+            <a:lvl1pPr marL="0" algn="ctr" rtl="0" latinLnBrk="0">
+              <a:defRPr sz="1200" kern="1200">
+                <a:solidFill>
+                  <a:schemeClr val="tx1">
+                    <a:tint val="75000"/>
+                  </a:schemeClr>
+                </a:solidFill>
+                <a:latin typeface="+mn-lt"/>
+                <a:ea typeface="+mn-ea"/>
+                <a:cs typeface="+mn-cs"/>
+              </a:defRPr>
+            </a:lvl1pPr>
+            <a:lvl2pPr marL="457200" algn="l" rtl="0" latinLnBrk="0">
+              <a:defRPr sz="1800" kern="1200">
+                <a:solidFill>
+                  <a:schemeClr val="tx1"/>
+                </a:solidFill>
+                <a:latin typeface="+mn-lt"/>
+                <a:ea typeface="+mn-ea"/>
+                <a:cs typeface="+mn-cs"/>
+              </a:defRPr>
+            </a:lvl2pPr>
+            <a:lvl3pPr marL="914400" algn="l" rtl="0" latinLnBrk="0">
+              <a:defRPr sz="1800" kern="1200">
+                <a:solidFill>
+                  <a:schemeClr val="tx1"/>
+                </a:solidFill>
+                <a:latin typeface="+mn-lt"/>
+                <a:ea typeface="+mn-ea"/>
+                <a:cs typeface="+mn-cs"/>
+              </a:defRPr>
+            </a:lvl3pPr>
+            <a:lvl4pPr marL="1371600" algn="l" rtl="0" latinLnBrk="0">
+              <a:defRPr sz="1800" kern="1200">
+                <a:solidFill>
+                  <a:schemeClr val="tx1"/>
+                </a:solidFill>
+                <a:latin typeface="+mn-lt"/>
+                <a:ea typeface="+mn-ea"/>
+                <a:cs typeface="+mn-cs"/>
+              </a:defRPr>
+            </a:lvl4pPr>
+            <a:lvl5pPr marL="1828800" algn="l" rtl="0" latinLnBrk="0">
+              <a:defRPr sz="1800" kern="1200">
+                <a:solidFill>
+                  <a:schemeClr val="tx1"/>
+                </a:solidFill>
+                <a:latin typeface="+mn-lt"/>
+                <a:ea typeface="+mn-ea"/>
+                <a:cs typeface="+mn-cs"/>
+              </a:defRPr>
+            </a:lvl5pPr>
+            <a:lvl6pPr marL="2286000" algn="l" rtl="0" latinLnBrk="0">
+              <a:defRPr sz="1800" kern="1200">
+                <a:solidFill>
+                  <a:schemeClr val="tx1"/>
+                </a:solidFill>
+                <a:latin typeface="+mn-lt"/>
+                <a:ea typeface="+mn-ea"/>
+                <a:cs typeface="+mn-cs"/>
+              </a:defRPr>
+            </a:lvl6pPr>
+            <a:lvl7pPr marL="2743200" algn="l" rtl="0" latinLnBrk="0">
+              <a:defRPr sz="1800" kern="1200">
+                <a:solidFill>
+                  <a:schemeClr val="tx1"/>
+                </a:solidFill>
+                <a:latin typeface="+mn-lt"/>
+                <a:ea typeface="+mn-ea"/>
+                <a:cs typeface="+mn-cs"/>
+              </a:defRPr>
+            </a:lvl7pPr>
+            <a:lvl8pPr marL="3200400" algn="l" rtl="0" latinLnBrk="0">
+              <a:defRPr sz="1800" kern="1200">
+                <a:solidFill>
+                  <a:schemeClr val="tx1"/>
+                </a:solidFill>
+                <a:latin typeface="+mn-lt"/>
+                <a:ea typeface="+mn-ea"/>
+                <a:cs typeface="+mn-cs"/>
+              </a:defRPr>
+            </a:lvl8pPr>
+            <a:lvl9pPr marL="3657600" algn="l" rtl="0" latinLnBrk="0">
+              <a:defRPr sz="1800" kern="1200">
+                <a:solidFill>
+                  <a:schemeClr val="tx1"/>
+                </a:solidFill>
+                <a:latin typeface="+mn-lt"/>
+                <a:ea typeface="+mn-ea"/>
+                <a:cs typeface="+mn-cs"/>
+              </a:defRPr>
+            </a:lvl9pPr>
+          </a:lstStyle>
+          <a:p>
+            <a:pPr algn="r"/>
+            <a:r>
+              <a:rPr lang="en-US" sz="1400" dirty="0" smtClean="0">
+                <a:solidFill>
+                  <a:schemeClr val="tx2"/>
+                </a:solidFill>
+              </a:rPr>
+              <a:t>12</a:t>
+            </a:r>
+            <a:endParaRPr lang="en-US" sz="1400" dirty="0">
+              <a:solidFill>
+                <a:schemeClr val="tx2"/>
+              </a:solidFill>
+            </a:endParaRPr>
+          </a:p>
+        </p:txBody>
+      </p:sp>
+      <p:sp>
+        <p:nvSpPr>
+          <p:cNvPr id="15" name="Date Placeholder 3">
+            <a:extLst>
+              <a:ext uri="{FF2B5EF4-FFF2-40B4-BE49-F238E27FC236}">
+                <a16:creationId xmlns="" xmlns:a16="http://schemas.microsoft.com/office/drawing/2014/main" id="{C2F8AEC7-B9A6-43EA-9088-6C6023104B5A}"/>
+              </a:ext>
+            </a:extLst>
+          </p:cNvPr>
+          <p:cNvSpPr txBox="1"/>
+          <p:nvPr/>
+        </p:nvSpPr>
+        <p:spPr>
+          <a:xfrm>
+            <a:off x="0" y="69817"/>
+            <a:ext cx="6019800" cy="180147"/>
+          </a:xfrm>
+          <a:prstGeom prst="rect">
+            <a:avLst/>
+          </a:prstGeom>
+        </p:spPr>
+        <p:txBody>
+          <a:bodyPr vert="horz" lIns="91440" tIns="45720" rIns="91440" bIns="45720" rtlCol="0" anchor="ctr"/>
+          <a:lstStyle>
+            <a:lvl1pPr marL="0" algn="l" rtl="0" latinLnBrk="0">
+              <a:defRPr sz="1200" kern="1200">
+                <a:solidFill>
+                  <a:schemeClr val="tx1">
+                    <a:tint val="75000"/>
+                  </a:schemeClr>
+                </a:solidFill>
+                <a:latin typeface="+mn-lt"/>
+                <a:ea typeface="+mn-ea"/>
+                <a:cs typeface="+mn-cs"/>
+              </a:defRPr>
+            </a:lvl1pPr>
+            <a:lvl2pPr marL="457200" algn="l" rtl="0" latinLnBrk="0">
+              <a:defRPr sz="1800" kern="1200">
+                <a:solidFill>
+                  <a:schemeClr val="tx1"/>
+                </a:solidFill>
+                <a:latin typeface="+mn-lt"/>
+                <a:ea typeface="+mn-ea"/>
+                <a:cs typeface="+mn-cs"/>
+              </a:defRPr>
+            </a:lvl2pPr>
+            <a:lvl3pPr marL="914400" algn="l" rtl="0" latinLnBrk="0">
+              <a:defRPr sz="1800" kern="1200">
+                <a:solidFill>
+                  <a:schemeClr val="tx1"/>
+                </a:solidFill>
+                <a:latin typeface="+mn-lt"/>
+                <a:ea typeface="+mn-ea"/>
+                <a:cs typeface="+mn-cs"/>
+              </a:defRPr>
+            </a:lvl3pPr>
+            <a:lvl4pPr marL="1371600" algn="l" rtl="0" latinLnBrk="0">
+              <a:defRPr sz="1800" kern="1200">
+                <a:solidFill>
+                  <a:schemeClr val="tx1"/>
+                </a:solidFill>
+                <a:latin typeface="+mn-lt"/>
+                <a:ea typeface="+mn-ea"/>
+                <a:cs typeface="+mn-cs"/>
+              </a:defRPr>
+            </a:lvl4pPr>
+            <a:lvl5pPr marL="1828800" algn="l" rtl="0" latinLnBrk="0">
+              <a:defRPr sz="1800" kern="1200">
+                <a:solidFill>
+                  <a:schemeClr val="tx1"/>
+                </a:solidFill>
+                <a:latin typeface="+mn-lt"/>
+                <a:ea typeface="+mn-ea"/>
+                <a:cs typeface="+mn-cs"/>
+              </a:defRPr>
+            </a:lvl5pPr>
+            <a:lvl6pPr marL="2286000" algn="l" rtl="0" latinLnBrk="0">
+              <a:defRPr sz="1800" kern="1200">
+                <a:solidFill>
+                  <a:schemeClr val="tx1"/>
+                </a:solidFill>
+                <a:latin typeface="+mn-lt"/>
+                <a:ea typeface="+mn-ea"/>
+                <a:cs typeface="+mn-cs"/>
+              </a:defRPr>
+            </a:lvl6pPr>
+            <a:lvl7pPr marL="2743200" algn="l" rtl="0" latinLnBrk="0">
+              <a:defRPr sz="1800" kern="1200">
+                <a:solidFill>
+                  <a:schemeClr val="tx1"/>
+                </a:solidFill>
+                <a:latin typeface="+mn-lt"/>
+                <a:ea typeface="+mn-ea"/>
+                <a:cs typeface="+mn-cs"/>
+              </a:defRPr>
+            </a:lvl7pPr>
+            <a:lvl8pPr marL="3200400" algn="l" rtl="0" latinLnBrk="0">
+              <a:defRPr sz="1800" kern="1200">
+                <a:solidFill>
+                  <a:schemeClr val="tx1"/>
+                </a:solidFill>
+                <a:latin typeface="+mn-lt"/>
+                <a:ea typeface="+mn-ea"/>
+                <a:cs typeface="+mn-cs"/>
+              </a:defRPr>
+            </a:lvl8pPr>
+            <a:lvl9pPr marL="3657600" algn="l" rtl="0" latinLnBrk="0">
+              <a:defRPr sz="1800" kern="1200">
+                <a:solidFill>
+                  <a:schemeClr val="tx1"/>
+                </a:solidFill>
+                <a:latin typeface="+mn-lt"/>
+                <a:ea typeface="+mn-ea"/>
+                <a:cs typeface="+mn-cs"/>
+              </a:defRPr>
+            </a:lvl9pPr>
+          </a:lstStyle>
+          <a:p>
+            <a:r>
+              <a:rPr lang="en-US" sz="1050" dirty="0">
+                <a:latin typeface="Calibri" panose="020F0502020204030204" pitchFamily="34" charset="0"/>
+                <a:cs typeface="Calibri" panose="020F0502020204030204" pitchFamily="34" charset="0"/>
+              </a:rPr>
+              <a:t>ENHANCING NETWORKING MONITORING SYSTEMS BY OVERLAYING PROTOCOLS</a:t>
+            </a:r>
+          </a:p>
+        </p:txBody>
+      </p:sp>
+      <p:sp>
+        <p:nvSpPr>
+          <p:cNvPr id="16" name="Date Placeholder 3">
+            <a:extLst>
+              <a:ext uri="{FF2B5EF4-FFF2-40B4-BE49-F238E27FC236}">
+                <a16:creationId xmlns="" xmlns:a16="http://schemas.microsoft.com/office/drawing/2014/main" id="{643FD5BB-27F3-41E7-9911-7B583A1611F8}"/>
+              </a:ext>
+            </a:extLst>
+          </p:cNvPr>
+          <p:cNvSpPr txBox="1"/>
+          <p:nvPr/>
+        </p:nvSpPr>
+        <p:spPr>
+          <a:xfrm>
+            <a:off x="8402738" y="-15077"/>
+            <a:ext cx="990600" cy="349934"/>
+          </a:xfrm>
+          <a:prstGeom prst="rect">
+            <a:avLst/>
+          </a:prstGeom>
+        </p:spPr>
+        <p:txBody>
+          <a:bodyPr vert="horz" lIns="91440" tIns="45720" rIns="91440" bIns="45720" rtlCol="0" anchor="ctr"/>
+          <a:lstStyle>
+            <a:lvl1pPr marL="0" algn="l" rtl="0" latinLnBrk="0">
+              <a:defRPr sz="1200" kern="1200">
+                <a:solidFill>
+                  <a:schemeClr val="tx1">
+                    <a:tint val="75000"/>
+                  </a:schemeClr>
+                </a:solidFill>
+                <a:latin typeface="+mn-lt"/>
+                <a:ea typeface="+mn-ea"/>
+                <a:cs typeface="+mn-cs"/>
+              </a:defRPr>
+            </a:lvl1pPr>
+            <a:lvl2pPr marL="457200" algn="l" rtl="0" latinLnBrk="0">
+              <a:defRPr sz="1800" kern="1200">
+                <a:solidFill>
+                  <a:schemeClr val="tx1"/>
+                </a:solidFill>
+                <a:latin typeface="+mn-lt"/>
+                <a:ea typeface="+mn-ea"/>
+                <a:cs typeface="+mn-cs"/>
+              </a:defRPr>
+            </a:lvl2pPr>
+            <a:lvl3pPr marL="914400" algn="l" rtl="0" latinLnBrk="0">
+              <a:defRPr sz="1800" kern="1200">
+                <a:solidFill>
+                  <a:schemeClr val="tx1"/>
+                </a:solidFill>
+                <a:latin typeface="+mn-lt"/>
+                <a:ea typeface="+mn-ea"/>
+                <a:cs typeface="+mn-cs"/>
+              </a:defRPr>
+            </a:lvl3pPr>
+            <a:lvl4pPr marL="1371600" algn="l" rtl="0" latinLnBrk="0">
+              <a:defRPr sz="1800" kern="1200">
+                <a:solidFill>
+                  <a:schemeClr val="tx1"/>
+                </a:solidFill>
+                <a:latin typeface="+mn-lt"/>
+                <a:ea typeface="+mn-ea"/>
+                <a:cs typeface="+mn-cs"/>
+              </a:defRPr>
+            </a:lvl4pPr>
+            <a:lvl5pPr marL="1828800" algn="l" rtl="0" latinLnBrk="0">
+              <a:defRPr sz="1800" kern="1200">
+                <a:solidFill>
+                  <a:schemeClr val="tx1"/>
+                </a:solidFill>
+                <a:latin typeface="+mn-lt"/>
+                <a:ea typeface="+mn-ea"/>
+                <a:cs typeface="+mn-cs"/>
+              </a:defRPr>
+            </a:lvl5pPr>
+            <a:lvl6pPr marL="2286000" algn="l" rtl="0" latinLnBrk="0">
+              <a:defRPr sz="1800" kern="1200">
+                <a:solidFill>
+                  <a:schemeClr val="tx1"/>
+                </a:solidFill>
+                <a:latin typeface="+mn-lt"/>
+                <a:ea typeface="+mn-ea"/>
+                <a:cs typeface="+mn-cs"/>
+              </a:defRPr>
+            </a:lvl6pPr>
+            <a:lvl7pPr marL="2743200" algn="l" rtl="0" latinLnBrk="0">
+              <a:defRPr sz="1800" kern="1200">
+                <a:solidFill>
+                  <a:schemeClr val="tx1"/>
+                </a:solidFill>
+                <a:latin typeface="+mn-lt"/>
+                <a:ea typeface="+mn-ea"/>
+                <a:cs typeface="+mn-cs"/>
+              </a:defRPr>
+            </a:lvl7pPr>
+            <a:lvl8pPr marL="3200400" algn="l" rtl="0" latinLnBrk="0">
+              <a:defRPr sz="1800" kern="1200">
+                <a:solidFill>
+                  <a:schemeClr val="tx1"/>
+                </a:solidFill>
+                <a:latin typeface="+mn-lt"/>
+                <a:ea typeface="+mn-ea"/>
+                <a:cs typeface="+mn-cs"/>
+              </a:defRPr>
+            </a:lvl8pPr>
+            <a:lvl9pPr marL="3657600" algn="l" rtl="0" latinLnBrk="0">
+              <a:defRPr sz="1800" kern="1200">
+                <a:solidFill>
+                  <a:schemeClr val="tx1"/>
+                </a:solidFill>
+                <a:latin typeface="+mn-lt"/>
+                <a:ea typeface="+mn-ea"/>
+                <a:cs typeface="+mn-cs"/>
+              </a:defRPr>
+            </a:lvl9pPr>
+          </a:lstStyle>
+          <a:p>
+            <a:r>
+              <a:rPr lang="en-US" sz="1100" dirty="0"/>
+              <a:t>2020 - 21</a:t>
+            </a:r>
+          </a:p>
+        </p:txBody>
+      </p:sp>
+      <p:sp>
+        <p:nvSpPr>
+          <p:cNvPr id="17" name="Date Placeholder 3">
+            <a:extLst>
+              <a:ext uri="{FF2B5EF4-FFF2-40B4-BE49-F238E27FC236}">
+                <a16:creationId xmlns="" xmlns:a16="http://schemas.microsoft.com/office/drawing/2014/main" id="{C68400CB-5F57-4A64-AF41-0F973C1145D7}"/>
+              </a:ext>
+            </a:extLst>
+          </p:cNvPr>
+          <p:cNvSpPr>
+            <a:spLocks noGrp="1"/>
+          </p:cNvSpPr>
+          <p:nvPr>
+            <p:ph type="dt" sz="half" idx="10"/>
+          </p:nvPr>
+        </p:nvSpPr>
+        <p:spPr>
+          <a:xfrm>
+            <a:off x="76200" y="4800947"/>
+            <a:ext cx="2133600" cy="273844"/>
+          </a:xfrm>
+        </p:spPr>
+        <p:txBody>
+          <a:bodyPr/>
+          <a:lstStyle/>
+          <a:p>
+            <a:r>
+              <a:rPr lang="en-US" sz="1100" dirty="0">
+                <a:latin typeface="+mj-lt"/>
+              </a:rPr>
+              <a:t>23 Nov 2020</a:t>
+            </a:r>
+          </a:p>
+        </p:txBody>
+      </p:sp>
+    </p:spTree>
+    <p:extLst>
+      <p:ext uri="{BB962C8B-B14F-4D97-AF65-F5344CB8AC3E}">
+        <p14:creationId xmlns:p14="http://schemas.microsoft.com/office/powerpoint/2010/main" val="3747719132"/>
+      </p:ext>
+    </p:extLst>
+  </p:cSld>
+  <p:clrMapOvr>
+    <a:masterClrMapping/>
+  </p:clrMapOvr>
+</p:sld>
+</file>
+
+<file path=ppt/slides/slide15.xml><?xml version="1.0" encoding="utf-8"?>
+<p:sld xmlns:a="http://schemas.openxmlformats.org/drawingml/2006/main" xmlns:r="http://schemas.openxmlformats.org/officeDocument/2006/relationships" xmlns:p="http://schemas.openxmlformats.org/presentationml/2006/main">
+  <p:cSld>
+    <p:spTree>
+      <p:nvGrpSpPr>
+        <p:cNvPr id="1" name=""/>
+        <p:cNvGrpSpPr/>
+        <p:nvPr/>
+      </p:nvGrpSpPr>
+      <p:grpSpPr>
+        <a:xfrm>
+          <a:off x="0" y="0"/>
+          <a:ext cx="0" cy="0"/>
+          <a:chOff x="0" y="0"/>
+          <a:chExt cx="0" cy="0"/>
+        </a:xfrm>
+      </p:grpSpPr>
+      <p:sp>
+        <p:nvSpPr>
+          <p:cNvPr id="11" name="Title 1">
+            <a:extLst>
+              <a:ext uri="{FF2B5EF4-FFF2-40B4-BE49-F238E27FC236}">
+                <a16:creationId xmlns="" xmlns:a16="http://schemas.microsoft.com/office/drawing/2014/main" id="{DC85129E-0B0B-4C64-B8AF-D549982166EC}"/>
+              </a:ext>
+            </a:extLst>
+          </p:cNvPr>
+          <p:cNvSpPr>
+            <a:spLocks noGrp="1"/>
+          </p:cNvSpPr>
+          <p:nvPr>
+            <p:ph type="title"/>
+          </p:nvPr>
+        </p:nvSpPr>
+        <p:spPr>
+          <a:xfrm>
+            <a:off x="457200" y="205978"/>
+            <a:ext cx="8229600" cy="857250"/>
+          </a:xfrm>
+        </p:spPr>
+        <p:txBody>
+          <a:bodyPr>
+            <a:normAutofit/>
+          </a:bodyPr>
+          <a:lstStyle/>
+          <a:p>
+            <a:r>
+              <a:rPr lang="en-US" sz="4000" dirty="0">
+                <a:ln w="0"/>
+                <a:solidFill>
+                  <a:schemeClr val="accent1"/>
+                </a:solidFill>
+                <a:effectLst>
+                  <a:outerShdw blurRad="38100" dist="25400" dir="5400000" algn="ctr" rotWithShape="0">
+                    <a:srgbClr val="6E747A">
+                      <a:alpha val="43000"/>
+                    </a:srgbClr>
+                  </a:outerShdw>
+                </a:effectLst>
+                <a:latin typeface="Times New Roman" panose="02020603050405020304" pitchFamily="18" charset="0"/>
+                <a:cs typeface="Times New Roman" panose="02020603050405020304" pitchFamily="18" charset="0"/>
+              </a:rPr>
+              <a:t>REFERENCES</a:t>
+            </a:r>
+          </a:p>
+        </p:txBody>
+      </p:sp>
+      <p:sp>
+        <p:nvSpPr>
           <p:cNvPr id="13" name="Footer Placeholder 4">
             <a:extLst>
               <a:ext uri="{FF2B5EF4-FFF2-40B4-BE49-F238E27FC236}">
-                <a16:creationId xmlns:a16="http://schemas.microsoft.com/office/drawing/2014/main" id="{C568ADF4-CCE8-409D-BC1B-CFC178F5C0EB}"/>
+                <a16:creationId xmlns="" xmlns:a16="http://schemas.microsoft.com/office/drawing/2014/main" id="{D1ABF561-8E91-4704-BDD7-0520E3848081}"/>
+              </a:ext>
+            </a:extLst>
+          </p:cNvPr>
+          <p:cNvSpPr>
+            <a:spLocks noGrp="1"/>
+          </p:cNvSpPr>
+          <p:nvPr>
+            <p:ph type="ftr" sz="quarter" idx="11"/>
+          </p:nvPr>
+        </p:nvSpPr>
+        <p:spPr>
+          <a:xfrm>
+            <a:off x="3124200" y="4767264"/>
+            <a:ext cx="2895600" cy="273844"/>
+          </a:xfrm>
+        </p:spPr>
+        <p:txBody>
+          <a:bodyPr/>
+          <a:lstStyle/>
+          <a:p>
+            <a:pPr algn="r"/>
+            <a:r>
+              <a:rPr lang="en-US" sz="1400" dirty="0">
+                <a:solidFill>
+                  <a:schemeClr val="tx2"/>
+                </a:solidFill>
+              </a:rPr>
+              <a:t>Department of CSE, Vemana IT</a:t>
+            </a:r>
+          </a:p>
+        </p:txBody>
+      </p:sp>
+      <p:sp>
+        <p:nvSpPr>
+          <p:cNvPr id="12" name="Footer Placeholder 4">
+            <a:extLst>
+              <a:ext uri="{FF2B5EF4-FFF2-40B4-BE49-F238E27FC236}">
+                <a16:creationId xmlns="" xmlns:a16="http://schemas.microsoft.com/office/drawing/2014/main" id="{C7E2142E-82BB-4994-B007-795485F7F8C9}"/>
+              </a:ext>
+            </a:extLst>
+          </p:cNvPr>
+          <p:cNvSpPr txBox="1"/>
+          <p:nvPr/>
+        </p:nvSpPr>
+        <p:spPr>
+          <a:xfrm>
+            <a:off x="8229600" y="4770399"/>
+            <a:ext cx="668438" cy="270709"/>
+          </a:xfrm>
+          <a:prstGeom prst="rect">
+            <a:avLst/>
+          </a:prstGeom>
+        </p:spPr>
+        <p:txBody>
+          <a:bodyPr vert="horz" lIns="91440" tIns="45720" rIns="91440" bIns="45720" rtlCol="0" anchor="ctr"/>
+          <a:lstStyle>
+            <a:lvl1pPr marL="0" algn="ctr" rtl="0" latinLnBrk="0">
+              <a:defRPr sz="1200" kern="1200">
+                <a:solidFill>
+                  <a:schemeClr val="tx1">
+                    <a:tint val="75000"/>
+                  </a:schemeClr>
+                </a:solidFill>
+                <a:latin typeface="+mn-lt"/>
+                <a:ea typeface="+mn-ea"/>
+                <a:cs typeface="+mn-cs"/>
+              </a:defRPr>
+            </a:lvl1pPr>
+            <a:lvl2pPr marL="457200" algn="l" rtl="0" latinLnBrk="0">
+              <a:defRPr sz="1800" kern="1200">
+                <a:solidFill>
+                  <a:schemeClr val="tx1"/>
+                </a:solidFill>
+                <a:latin typeface="+mn-lt"/>
+                <a:ea typeface="+mn-ea"/>
+                <a:cs typeface="+mn-cs"/>
+              </a:defRPr>
+            </a:lvl2pPr>
+            <a:lvl3pPr marL="914400" algn="l" rtl="0" latinLnBrk="0">
+              <a:defRPr sz="1800" kern="1200">
+                <a:solidFill>
+                  <a:schemeClr val="tx1"/>
+                </a:solidFill>
+                <a:latin typeface="+mn-lt"/>
+                <a:ea typeface="+mn-ea"/>
+                <a:cs typeface="+mn-cs"/>
+              </a:defRPr>
+            </a:lvl3pPr>
+            <a:lvl4pPr marL="1371600" algn="l" rtl="0" latinLnBrk="0">
+              <a:defRPr sz="1800" kern="1200">
+                <a:solidFill>
+                  <a:schemeClr val="tx1"/>
+                </a:solidFill>
+                <a:latin typeface="+mn-lt"/>
+                <a:ea typeface="+mn-ea"/>
+                <a:cs typeface="+mn-cs"/>
+              </a:defRPr>
+            </a:lvl4pPr>
+            <a:lvl5pPr marL="1828800" algn="l" rtl="0" latinLnBrk="0">
+              <a:defRPr sz="1800" kern="1200">
+                <a:solidFill>
+                  <a:schemeClr val="tx1"/>
+                </a:solidFill>
+                <a:latin typeface="+mn-lt"/>
+                <a:ea typeface="+mn-ea"/>
+                <a:cs typeface="+mn-cs"/>
+              </a:defRPr>
+            </a:lvl5pPr>
+            <a:lvl6pPr marL="2286000" algn="l" rtl="0" latinLnBrk="0">
+              <a:defRPr sz="1800" kern="1200">
+                <a:solidFill>
+                  <a:schemeClr val="tx1"/>
+                </a:solidFill>
+                <a:latin typeface="+mn-lt"/>
+                <a:ea typeface="+mn-ea"/>
+                <a:cs typeface="+mn-cs"/>
+              </a:defRPr>
+            </a:lvl6pPr>
+            <a:lvl7pPr marL="2743200" algn="l" rtl="0" latinLnBrk="0">
+              <a:defRPr sz="1800" kern="1200">
+                <a:solidFill>
+                  <a:schemeClr val="tx1"/>
+                </a:solidFill>
+                <a:latin typeface="+mn-lt"/>
+                <a:ea typeface="+mn-ea"/>
+                <a:cs typeface="+mn-cs"/>
+              </a:defRPr>
+            </a:lvl7pPr>
+            <a:lvl8pPr marL="3200400" algn="l" rtl="0" latinLnBrk="0">
+              <a:defRPr sz="1800" kern="1200">
+                <a:solidFill>
+                  <a:schemeClr val="tx1"/>
+                </a:solidFill>
+                <a:latin typeface="+mn-lt"/>
+                <a:ea typeface="+mn-ea"/>
+                <a:cs typeface="+mn-cs"/>
+              </a:defRPr>
+            </a:lvl8pPr>
+            <a:lvl9pPr marL="3657600" algn="l" rtl="0" latinLnBrk="0">
+              <a:defRPr sz="1800" kern="1200">
+                <a:solidFill>
+                  <a:schemeClr val="tx1"/>
+                </a:solidFill>
+                <a:latin typeface="+mn-lt"/>
+                <a:ea typeface="+mn-ea"/>
+                <a:cs typeface="+mn-cs"/>
+              </a:defRPr>
+            </a:lvl9pPr>
+          </a:lstStyle>
+          <a:p>
+            <a:pPr algn="r"/>
+            <a:r>
+              <a:rPr lang="en-US" sz="1400" dirty="0" smtClean="0">
+                <a:solidFill>
+                  <a:schemeClr val="tx2"/>
+                </a:solidFill>
+              </a:rPr>
+              <a:t>13</a:t>
+            </a:r>
+            <a:endParaRPr lang="en-US" sz="1400" dirty="0">
+              <a:solidFill>
+                <a:schemeClr val="tx2"/>
+              </a:solidFill>
+            </a:endParaRPr>
+          </a:p>
+        </p:txBody>
+      </p:sp>
+      <p:sp>
+        <p:nvSpPr>
+          <p:cNvPr id="15" name="Date Placeholder 3">
+            <a:extLst>
+              <a:ext uri="{FF2B5EF4-FFF2-40B4-BE49-F238E27FC236}">
+                <a16:creationId xmlns="" xmlns:a16="http://schemas.microsoft.com/office/drawing/2014/main" id="{F7F1FCB5-A2AF-4B14-B8AB-ACE0D66C9CE6}"/>
+              </a:ext>
+            </a:extLst>
+          </p:cNvPr>
+          <p:cNvSpPr txBox="1"/>
+          <p:nvPr/>
+        </p:nvSpPr>
+        <p:spPr>
+          <a:xfrm>
+            <a:off x="0" y="69817"/>
+            <a:ext cx="6019800" cy="180147"/>
+          </a:xfrm>
+          <a:prstGeom prst="rect">
+            <a:avLst/>
+          </a:prstGeom>
+        </p:spPr>
+        <p:txBody>
+          <a:bodyPr vert="horz" lIns="91440" tIns="45720" rIns="91440" bIns="45720" rtlCol="0" anchor="ctr"/>
+          <a:lstStyle>
+            <a:lvl1pPr marL="0" algn="l" rtl="0" latinLnBrk="0">
+              <a:defRPr sz="1200" kern="1200">
+                <a:solidFill>
+                  <a:schemeClr val="tx1">
+                    <a:tint val="75000"/>
+                  </a:schemeClr>
+                </a:solidFill>
+                <a:latin typeface="+mn-lt"/>
+                <a:ea typeface="+mn-ea"/>
+                <a:cs typeface="+mn-cs"/>
+              </a:defRPr>
+            </a:lvl1pPr>
+            <a:lvl2pPr marL="457200" algn="l" rtl="0" latinLnBrk="0">
+              <a:defRPr sz="1800" kern="1200">
+                <a:solidFill>
+                  <a:schemeClr val="tx1"/>
+                </a:solidFill>
+                <a:latin typeface="+mn-lt"/>
+                <a:ea typeface="+mn-ea"/>
+                <a:cs typeface="+mn-cs"/>
+              </a:defRPr>
+            </a:lvl2pPr>
+            <a:lvl3pPr marL="914400" algn="l" rtl="0" latinLnBrk="0">
+              <a:defRPr sz="1800" kern="1200">
+                <a:solidFill>
+                  <a:schemeClr val="tx1"/>
+                </a:solidFill>
+                <a:latin typeface="+mn-lt"/>
+                <a:ea typeface="+mn-ea"/>
+                <a:cs typeface="+mn-cs"/>
+              </a:defRPr>
+            </a:lvl3pPr>
+            <a:lvl4pPr marL="1371600" algn="l" rtl="0" latinLnBrk="0">
+              <a:defRPr sz="1800" kern="1200">
+                <a:solidFill>
+                  <a:schemeClr val="tx1"/>
+                </a:solidFill>
+                <a:latin typeface="+mn-lt"/>
+                <a:ea typeface="+mn-ea"/>
+                <a:cs typeface="+mn-cs"/>
+              </a:defRPr>
+            </a:lvl4pPr>
+            <a:lvl5pPr marL="1828800" algn="l" rtl="0" latinLnBrk="0">
+              <a:defRPr sz="1800" kern="1200">
+                <a:solidFill>
+                  <a:schemeClr val="tx1"/>
+                </a:solidFill>
+                <a:latin typeface="+mn-lt"/>
+                <a:ea typeface="+mn-ea"/>
+                <a:cs typeface="+mn-cs"/>
+              </a:defRPr>
+            </a:lvl5pPr>
+            <a:lvl6pPr marL="2286000" algn="l" rtl="0" latinLnBrk="0">
+              <a:defRPr sz="1800" kern="1200">
+                <a:solidFill>
+                  <a:schemeClr val="tx1"/>
+                </a:solidFill>
+                <a:latin typeface="+mn-lt"/>
+                <a:ea typeface="+mn-ea"/>
+                <a:cs typeface="+mn-cs"/>
+              </a:defRPr>
+            </a:lvl6pPr>
+            <a:lvl7pPr marL="2743200" algn="l" rtl="0" latinLnBrk="0">
+              <a:defRPr sz="1800" kern="1200">
+                <a:solidFill>
+                  <a:schemeClr val="tx1"/>
+                </a:solidFill>
+                <a:latin typeface="+mn-lt"/>
+                <a:ea typeface="+mn-ea"/>
+                <a:cs typeface="+mn-cs"/>
+              </a:defRPr>
+            </a:lvl7pPr>
+            <a:lvl8pPr marL="3200400" algn="l" rtl="0" latinLnBrk="0">
+              <a:defRPr sz="1800" kern="1200">
+                <a:solidFill>
+                  <a:schemeClr val="tx1"/>
+                </a:solidFill>
+                <a:latin typeface="+mn-lt"/>
+                <a:ea typeface="+mn-ea"/>
+                <a:cs typeface="+mn-cs"/>
+              </a:defRPr>
+            </a:lvl8pPr>
+            <a:lvl9pPr marL="3657600" algn="l" rtl="0" latinLnBrk="0">
+              <a:defRPr sz="1800" kern="1200">
+                <a:solidFill>
+                  <a:schemeClr val="tx1"/>
+                </a:solidFill>
+                <a:latin typeface="+mn-lt"/>
+                <a:ea typeface="+mn-ea"/>
+                <a:cs typeface="+mn-cs"/>
+              </a:defRPr>
+            </a:lvl9pPr>
+          </a:lstStyle>
+          <a:p>
+            <a:r>
+              <a:rPr lang="en-US" sz="1050" dirty="0">
+                <a:latin typeface="Calibri" panose="020F0502020204030204" pitchFamily="34" charset="0"/>
+                <a:cs typeface="Calibri" panose="020F0502020204030204" pitchFamily="34" charset="0"/>
+              </a:rPr>
+              <a:t>ENHANCING NETWORKING MONITORING SYSTEMS BY OVERLAYING PROTOCOLS</a:t>
+            </a:r>
+          </a:p>
+        </p:txBody>
+      </p:sp>
+      <p:sp>
+        <p:nvSpPr>
+          <p:cNvPr id="16" name="Date Placeholder 3">
+            <a:extLst>
+              <a:ext uri="{FF2B5EF4-FFF2-40B4-BE49-F238E27FC236}">
+                <a16:creationId xmlns="" xmlns:a16="http://schemas.microsoft.com/office/drawing/2014/main" id="{DF6CE105-6C5E-4DE7-A045-FD455A5A989A}"/>
+              </a:ext>
+            </a:extLst>
+          </p:cNvPr>
+          <p:cNvSpPr txBox="1"/>
+          <p:nvPr/>
+        </p:nvSpPr>
+        <p:spPr>
+          <a:xfrm>
+            <a:off x="8402738" y="-15077"/>
+            <a:ext cx="990600" cy="349934"/>
+          </a:xfrm>
+          <a:prstGeom prst="rect">
+            <a:avLst/>
+          </a:prstGeom>
+        </p:spPr>
+        <p:txBody>
+          <a:bodyPr vert="horz" lIns="91440" tIns="45720" rIns="91440" bIns="45720" rtlCol="0" anchor="ctr"/>
+          <a:lstStyle>
+            <a:lvl1pPr marL="0" algn="l" rtl="0" latinLnBrk="0">
+              <a:defRPr sz="1200" kern="1200">
+                <a:solidFill>
+                  <a:schemeClr val="tx1">
+                    <a:tint val="75000"/>
+                  </a:schemeClr>
+                </a:solidFill>
+                <a:latin typeface="+mn-lt"/>
+                <a:ea typeface="+mn-ea"/>
+                <a:cs typeface="+mn-cs"/>
+              </a:defRPr>
+            </a:lvl1pPr>
+            <a:lvl2pPr marL="457200" algn="l" rtl="0" latinLnBrk="0">
+              <a:defRPr sz="1800" kern="1200">
+                <a:solidFill>
+                  <a:schemeClr val="tx1"/>
+                </a:solidFill>
+                <a:latin typeface="+mn-lt"/>
+                <a:ea typeface="+mn-ea"/>
+                <a:cs typeface="+mn-cs"/>
+              </a:defRPr>
+            </a:lvl2pPr>
+            <a:lvl3pPr marL="914400" algn="l" rtl="0" latinLnBrk="0">
+              <a:defRPr sz="1800" kern="1200">
+                <a:solidFill>
+                  <a:schemeClr val="tx1"/>
+                </a:solidFill>
+                <a:latin typeface="+mn-lt"/>
+                <a:ea typeface="+mn-ea"/>
+                <a:cs typeface="+mn-cs"/>
+              </a:defRPr>
+            </a:lvl3pPr>
+            <a:lvl4pPr marL="1371600" algn="l" rtl="0" latinLnBrk="0">
+              <a:defRPr sz="1800" kern="1200">
+                <a:solidFill>
+                  <a:schemeClr val="tx1"/>
+                </a:solidFill>
+                <a:latin typeface="+mn-lt"/>
+                <a:ea typeface="+mn-ea"/>
+                <a:cs typeface="+mn-cs"/>
+              </a:defRPr>
+            </a:lvl4pPr>
+            <a:lvl5pPr marL="1828800" algn="l" rtl="0" latinLnBrk="0">
+              <a:defRPr sz="1800" kern="1200">
+                <a:solidFill>
+                  <a:schemeClr val="tx1"/>
+                </a:solidFill>
+                <a:latin typeface="+mn-lt"/>
+                <a:ea typeface="+mn-ea"/>
+                <a:cs typeface="+mn-cs"/>
+              </a:defRPr>
+            </a:lvl5pPr>
+            <a:lvl6pPr marL="2286000" algn="l" rtl="0" latinLnBrk="0">
+              <a:defRPr sz="1800" kern="1200">
+                <a:solidFill>
+                  <a:schemeClr val="tx1"/>
+                </a:solidFill>
+                <a:latin typeface="+mn-lt"/>
+                <a:ea typeface="+mn-ea"/>
+                <a:cs typeface="+mn-cs"/>
+              </a:defRPr>
+            </a:lvl6pPr>
+            <a:lvl7pPr marL="2743200" algn="l" rtl="0" latinLnBrk="0">
+              <a:defRPr sz="1800" kern="1200">
+                <a:solidFill>
+                  <a:schemeClr val="tx1"/>
+                </a:solidFill>
+                <a:latin typeface="+mn-lt"/>
+                <a:ea typeface="+mn-ea"/>
+                <a:cs typeface="+mn-cs"/>
+              </a:defRPr>
+            </a:lvl7pPr>
+            <a:lvl8pPr marL="3200400" algn="l" rtl="0" latinLnBrk="0">
+              <a:defRPr sz="1800" kern="1200">
+                <a:solidFill>
+                  <a:schemeClr val="tx1"/>
+                </a:solidFill>
+                <a:latin typeface="+mn-lt"/>
+                <a:ea typeface="+mn-ea"/>
+                <a:cs typeface="+mn-cs"/>
+              </a:defRPr>
+            </a:lvl8pPr>
+            <a:lvl9pPr marL="3657600" algn="l" rtl="0" latinLnBrk="0">
+              <a:defRPr sz="1800" kern="1200">
+                <a:solidFill>
+                  <a:schemeClr val="tx1"/>
+                </a:solidFill>
+                <a:latin typeface="+mn-lt"/>
+                <a:ea typeface="+mn-ea"/>
+                <a:cs typeface="+mn-cs"/>
+              </a:defRPr>
+            </a:lvl9pPr>
+          </a:lstStyle>
+          <a:p>
+            <a:r>
+              <a:rPr lang="en-US" sz="1100" dirty="0"/>
+              <a:t>2020 - 21</a:t>
+            </a:r>
+          </a:p>
+        </p:txBody>
+      </p:sp>
+      <p:sp>
+        <p:nvSpPr>
+          <p:cNvPr id="17" name="Date Placeholder 3">
+            <a:extLst>
+              <a:ext uri="{FF2B5EF4-FFF2-40B4-BE49-F238E27FC236}">
+                <a16:creationId xmlns="" xmlns:a16="http://schemas.microsoft.com/office/drawing/2014/main" id="{0DADE530-75F7-4839-81E3-87050A31C961}"/>
+              </a:ext>
+            </a:extLst>
+          </p:cNvPr>
+          <p:cNvSpPr>
+            <a:spLocks noGrp="1"/>
+          </p:cNvSpPr>
+          <p:nvPr>
+            <p:ph type="dt" sz="half" idx="10"/>
+          </p:nvPr>
+        </p:nvSpPr>
+        <p:spPr>
+          <a:xfrm>
+            <a:off x="76200" y="4800947"/>
+            <a:ext cx="2133600" cy="273844"/>
+          </a:xfrm>
+        </p:spPr>
+        <p:txBody>
+          <a:bodyPr/>
+          <a:lstStyle/>
+          <a:p>
+            <a:r>
+              <a:rPr lang="en-US" sz="1100" dirty="0">
+                <a:latin typeface="+mj-lt"/>
+              </a:rPr>
+              <a:t>23 Nov 2020</a:t>
+            </a:r>
+          </a:p>
+        </p:txBody>
+      </p:sp>
+      <p:sp>
+        <p:nvSpPr>
+          <p:cNvPr id="5" name="Content Placeholder 4">
+            <a:extLst>
+              <a:ext uri="{FF2B5EF4-FFF2-40B4-BE49-F238E27FC236}">
+                <a16:creationId xmlns="" xmlns:a16="http://schemas.microsoft.com/office/drawing/2014/main" id="{11AE2190-B4AB-4050-9D30-FFC7B6158DD3}"/>
+              </a:ext>
+            </a:extLst>
+          </p:cNvPr>
+          <p:cNvSpPr>
+            <a:spLocks noGrp="1"/>
+          </p:cNvSpPr>
+          <p:nvPr>
+            <p:ph idx="1"/>
+          </p:nvPr>
+        </p:nvSpPr>
+        <p:spPr>
+          <a:xfrm>
+            <a:off x="381001" y="985658"/>
+            <a:ext cx="8610600" cy="3815289"/>
+          </a:xfrm>
+        </p:spPr>
+        <p:txBody>
+          <a:bodyPr>
+            <a:noAutofit/>
+          </a:bodyPr>
+          <a:lstStyle/>
+          <a:p>
+            <a:pPr marL="0" indent="0" algn="just">
+              <a:buNone/>
+            </a:pPr>
+            <a:r>
+              <a:rPr lang="en-US" sz="1200" dirty="0">
+                <a:latin typeface="Times New Roman" panose="02020603050405020304" pitchFamily="18" charset="0"/>
+                <a:cs typeface="Times New Roman" panose="02020603050405020304" pitchFamily="18" charset="0"/>
+              </a:rPr>
+              <a:t>[1] </a:t>
+            </a:r>
+            <a:r>
+              <a:rPr lang="en-US" sz="1200" b="1" dirty="0">
+                <a:latin typeface="Times New Roman" panose="02020603050405020304" pitchFamily="18" charset="0"/>
+                <a:cs typeface="Times New Roman" panose="02020603050405020304" pitchFamily="18" charset="0"/>
+              </a:rPr>
+              <a:t>Dynamic Network Control with QoS and Resource Priority Monitor Based on Active “eM” for Commercial VoIP</a:t>
+            </a:r>
+            <a:r>
+              <a:rPr lang="en-US" sz="1200" dirty="0">
+                <a:latin typeface="Times New Roman" panose="02020603050405020304" pitchFamily="18" charset="0"/>
+                <a:cs typeface="Times New Roman" panose="02020603050405020304" pitchFamily="18" charset="0"/>
+              </a:rPr>
+              <a:t> – by Melanie Grah and Dr. Peter Radcliffe 2014</a:t>
+            </a:r>
+          </a:p>
+          <a:p>
+            <a:pPr marL="0" indent="0" algn="just">
+              <a:buNone/>
+            </a:pPr>
+            <a:r>
+              <a:rPr lang="en-US" sz="1200" dirty="0">
+                <a:latin typeface="Times New Roman" panose="02020603050405020304" pitchFamily="18" charset="0"/>
+                <a:cs typeface="Times New Roman" panose="02020603050405020304" pitchFamily="18" charset="0"/>
+              </a:rPr>
+              <a:t>[2] </a:t>
+            </a:r>
+            <a:r>
+              <a:rPr lang="en-US" sz="1200" b="1" dirty="0">
+                <a:latin typeface="Times New Roman" panose="02020603050405020304" pitchFamily="18" charset="0"/>
+                <a:cs typeface="Times New Roman" panose="02020603050405020304" pitchFamily="18" charset="0"/>
+              </a:rPr>
+              <a:t>Architecture of a Network Performance Monitor for Application Services on Multi-Clouds</a:t>
+            </a:r>
+            <a:r>
+              <a:rPr lang="en-US" sz="1200" dirty="0">
+                <a:latin typeface="Times New Roman" panose="02020603050405020304" pitchFamily="18" charset="0"/>
+                <a:cs typeface="Times New Roman" panose="02020603050405020304" pitchFamily="18" charset="0"/>
+              </a:rPr>
+              <a:t> – by Young-min Kim, Ki-sung Lee, Jae-cheol Uhm, Si-chang Kim, and Chan-gun Lee 2013</a:t>
+            </a:r>
+          </a:p>
+          <a:p>
+            <a:pPr marL="0" indent="0" algn="just">
+              <a:buNone/>
+            </a:pPr>
+            <a:r>
+              <a:rPr lang="en-US" sz="1200" dirty="0">
+                <a:latin typeface="Times New Roman" panose="02020603050405020304" pitchFamily="18" charset="0"/>
+                <a:cs typeface="Times New Roman" panose="02020603050405020304" pitchFamily="18" charset="0"/>
+              </a:rPr>
+              <a:t>[3] </a:t>
+            </a:r>
+            <a:r>
+              <a:rPr lang="en-US" sz="1200" b="1" dirty="0">
+                <a:latin typeface="Times New Roman" panose="02020603050405020304" pitchFamily="18" charset="0"/>
+                <a:cs typeface="Times New Roman" panose="02020603050405020304" pitchFamily="18" charset="0"/>
+              </a:rPr>
+              <a:t>Measurement-Aware Monitor Placement and Routing: A Joint Optimization Approach for Network-Wide Measurements</a:t>
+            </a:r>
+            <a:r>
+              <a:rPr lang="en-US" sz="1200" dirty="0">
+                <a:latin typeface="Times New Roman" panose="02020603050405020304" pitchFamily="18" charset="0"/>
+                <a:cs typeface="Times New Roman" panose="02020603050405020304" pitchFamily="18" charset="0"/>
+              </a:rPr>
+              <a:t> – by Guanyao Huang, Chia-Wei Chang, Chen-Nee Chuah, and Bill Lin 2012</a:t>
+            </a:r>
+          </a:p>
+          <a:p>
+            <a:pPr marL="0" indent="0" algn="just">
+              <a:buNone/>
+            </a:pPr>
+            <a:r>
+              <a:rPr lang="en-US" sz="1200" dirty="0">
+                <a:latin typeface="Times New Roman" panose="02020603050405020304" pitchFamily="18" charset="0"/>
+                <a:cs typeface="Times New Roman" panose="02020603050405020304" pitchFamily="18" charset="0"/>
+              </a:rPr>
+              <a:t>[4] </a:t>
+            </a:r>
+            <a:r>
+              <a:rPr lang="en-US" sz="1200" b="1" dirty="0">
+                <a:latin typeface="Times New Roman" panose="02020603050405020304" pitchFamily="18" charset="0"/>
+                <a:cs typeface="Times New Roman" panose="02020603050405020304" pitchFamily="18" charset="0"/>
+              </a:rPr>
+              <a:t>Study on monitor and control of POL transport by road in IOT </a:t>
+            </a:r>
+            <a:r>
+              <a:rPr lang="en-US" sz="1200" dirty="0">
+                <a:latin typeface="Times New Roman" panose="02020603050405020304" pitchFamily="18" charset="0"/>
+                <a:cs typeface="Times New Roman" panose="02020603050405020304" pitchFamily="18" charset="0"/>
+              </a:rPr>
+              <a:t>– by Yang Chen, Qidong Yong, Dong Xiang 2012</a:t>
+            </a:r>
+          </a:p>
+          <a:p>
+            <a:pPr marL="0" indent="0" algn="just">
+              <a:buNone/>
+            </a:pPr>
+            <a:r>
+              <a:rPr lang="en-US" sz="1200" dirty="0">
+                <a:latin typeface="Times New Roman" panose="02020603050405020304" pitchFamily="18" charset="0"/>
+                <a:cs typeface="Times New Roman" panose="02020603050405020304" pitchFamily="18" charset="0"/>
+              </a:rPr>
+              <a:t>[5] </a:t>
+            </a:r>
+            <a:r>
+              <a:rPr lang="en-US" sz="1200" b="1" dirty="0">
+                <a:latin typeface="Times New Roman" panose="02020603050405020304" pitchFamily="18" charset="0"/>
+                <a:cs typeface="Times New Roman" panose="02020603050405020304" pitchFamily="18" charset="0"/>
+              </a:rPr>
+              <a:t>Distributed Interplanetary Delay/Disruption Tolerant Network (DTN) Monitor and Control System </a:t>
+            </a:r>
+            <a:r>
+              <a:rPr lang="en-US" sz="1200" dirty="0">
+                <a:latin typeface="Times New Roman" panose="02020603050405020304" pitchFamily="18" charset="0"/>
+                <a:cs typeface="Times New Roman" panose="02020603050405020304" pitchFamily="18" charset="0"/>
+              </a:rPr>
+              <a:t>– by Shin-Ywan Wang 2012</a:t>
+            </a:r>
+          </a:p>
+          <a:p>
+            <a:pPr marL="0" indent="0" algn="just">
+              <a:buNone/>
+            </a:pPr>
+            <a:r>
+              <a:rPr lang="en-US" sz="1200" dirty="0">
+                <a:latin typeface="Times New Roman" panose="02020603050405020304" pitchFamily="18" charset="0"/>
+                <a:cs typeface="Times New Roman" panose="02020603050405020304" pitchFamily="18" charset="0"/>
+              </a:rPr>
+              <a:t>[6] </a:t>
+            </a:r>
+            <a:r>
+              <a:rPr lang="en-US" sz="1200" b="1" dirty="0">
+                <a:latin typeface="Times New Roman" panose="02020603050405020304" pitchFamily="18" charset="0"/>
+                <a:cs typeface="Times New Roman" panose="02020603050405020304" pitchFamily="18" charset="0"/>
+              </a:rPr>
+              <a:t>Overhead Contact System On-line Monitor Technology Based on Wireless Sensor Network </a:t>
+            </a:r>
+            <a:r>
+              <a:rPr lang="en-US" sz="1200" dirty="0">
+                <a:latin typeface="Times New Roman" panose="02020603050405020304" pitchFamily="18" charset="0"/>
+                <a:cs typeface="Times New Roman" panose="02020603050405020304" pitchFamily="18" charset="0"/>
+              </a:rPr>
+              <a:t>– by Jiangjian Xie and Yi Wang, Tingting Lu 2011</a:t>
+            </a:r>
+          </a:p>
+          <a:p>
+            <a:pPr marL="0" indent="0" algn="just">
+              <a:buNone/>
+            </a:pPr>
+            <a:r>
+              <a:rPr lang="en-US" sz="1200" dirty="0">
+                <a:latin typeface="Times New Roman" panose="02020603050405020304" pitchFamily="18" charset="0"/>
+                <a:cs typeface="Times New Roman" panose="02020603050405020304" pitchFamily="18" charset="0"/>
+              </a:rPr>
+              <a:t>[7] </a:t>
+            </a:r>
+            <a:r>
+              <a:rPr lang="en-US" sz="1200" b="1" dirty="0">
+                <a:latin typeface="Times New Roman" panose="02020603050405020304" pitchFamily="18" charset="0"/>
+                <a:cs typeface="Times New Roman" panose="02020603050405020304" pitchFamily="18" charset="0"/>
+              </a:rPr>
+              <a:t>The Design and implementation of a UPS Monitor and Control System </a:t>
+            </a:r>
+            <a:r>
+              <a:rPr lang="en-US" sz="1200" dirty="0">
+                <a:latin typeface="Times New Roman" panose="02020603050405020304" pitchFamily="18" charset="0"/>
+                <a:cs typeface="Times New Roman" panose="02020603050405020304" pitchFamily="18" charset="0"/>
+              </a:rPr>
+              <a:t>– by</a:t>
+            </a:r>
+            <a:r>
+              <a:rPr lang="en-US" sz="1200" b="1" dirty="0">
+                <a:latin typeface="Times New Roman" panose="02020603050405020304" pitchFamily="18" charset="0"/>
+                <a:cs typeface="Times New Roman" panose="02020603050405020304" pitchFamily="18" charset="0"/>
+              </a:rPr>
+              <a:t> </a:t>
+            </a:r>
+            <a:r>
+              <a:rPr lang="en-US" sz="1200" dirty="0">
+                <a:latin typeface="Times New Roman" panose="02020603050405020304" pitchFamily="18" charset="0"/>
+                <a:cs typeface="Times New Roman" panose="02020603050405020304" pitchFamily="18" charset="0"/>
+              </a:rPr>
+              <a:t>Lidong Fu and Bin Zhang 2011</a:t>
+            </a:r>
+          </a:p>
+          <a:p>
+            <a:pPr marL="0" indent="0" algn="just">
+              <a:buNone/>
+            </a:pPr>
+            <a:r>
+              <a:rPr lang="en-US" sz="1200" dirty="0">
+                <a:latin typeface="Times New Roman" panose="02020603050405020304" pitchFamily="18" charset="0"/>
+                <a:cs typeface="Times New Roman" panose="02020603050405020304" pitchFamily="18" charset="0"/>
+              </a:rPr>
+              <a:t>[8] </a:t>
+            </a:r>
+            <a:r>
+              <a:rPr lang="en-US" sz="1200" b="1" dirty="0">
+                <a:latin typeface="Times New Roman" panose="02020603050405020304" pitchFamily="18" charset="0"/>
+                <a:cs typeface="Times New Roman" panose="02020603050405020304" pitchFamily="18" charset="0"/>
+              </a:rPr>
+              <a:t>Fault-tolerant Schemes for NoC with a Network Monitor </a:t>
+            </a:r>
+            <a:r>
+              <a:rPr lang="en-US" sz="1200" dirty="0">
+                <a:latin typeface="Times New Roman" panose="02020603050405020304" pitchFamily="18" charset="0"/>
+                <a:cs typeface="Times New Roman" panose="02020603050405020304" pitchFamily="18" charset="0"/>
+              </a:rPr>
+              <a:t>– by Zhang Ying , Wu Ning , Wan Yu Peng , Ge Fen , Zhou Fang 2010</a:t>
+            </a:r>
+          </a:p>
+          <a:p>
+            <a:pPr marL="0" indent="0" algn="just">
+              <a:buNone/>
+            </a:pPr>
+            <a:r>
+              <a:rPr lang="en-US" sz="1200" dirty="0">
+                <a:latin typeface="Times New Roman" panose="02020603050405020304" pitchFamily="18" charset="0"/>
+                <a:cs typeface="Times New Roman" panose="02020603050405020304" pitchFamily="18" charset="0"/>
+              </a:rPr>
+              <a:t>[9]</a:t>
+            </a:r>
+            <a:r>
+              <a:rPr lang="en-US" sz="1200" b="1" dirty="0">
+                <a:latin typeface="Times New Roman" panose="02020603050405020304" pitchFamily="18" charset="0"/>
+                <a:cs typeface="Times New Roman" panose="02020603050405020304" pitchFamily="18" charset="0"/>
+              </a:rPr>
+              <a:t> Using activity sensitivity and network topology information to monitor project time performance </a:t>
+            </a:r>
+            <a:r>
+              <a:rPr lang="en-US" sz="1200" dirty="0">
+                <a:latin typeface="Times New Roman" panose="02020603050405020304" pitchFamily="18" charset="0"/>
+                <a:cs typeface="Times New Roman" panose="02020603050405020304" pitchFamily="18" charset="0"/>
+              </a:rPr>
+              <a:t>– by Mario Vanhoucke1. 2010</a:t>
+            </a:r>
+          </a:p>
+          <a:p>
+            <a:pPr marL="0" indent="0" algn="just">
+              <a:buNone/>
+            </a:pPr>
+            <a:r>
+              <a:rPr lang="en-US" sz="1200" dirty="0">
+                <a:latin typeface="Times New Roman" panose="02020603050405020304" pitchFamily="18" charset="0"/>
+                <a:cs typeface="Times New Roman" panose="02020603050405020304" pitchFamily="18" charset="0"/>
+              </a:rPr>
+              <a:t>[10] </a:t>
+            </a:r>
+            <a:r>
+              <a:rPr lang="en-US" sz="1200" b="1" dirty="0">
+                <a:latin typeface="Times New Roman" panose="02020603050405020304" pitchFamily="18" charset="0"/>
+                <a:cs typeface="Times New Roman" panose="02020603050405020304" pitchFamily="18" charset="0"/>
+              </a:rPr>
+              <a:t>A transparent virtual machine monitor level packet compression network service </a:t>
+            </a:r>
+            <a:r>
+              <a:rPr lang="en-US" sz="1200" dirty="0">
+                <a:latin typeface="Times New Roman" panose="02020603050405020304" pitchFamily="18" charset="0"/>
+                <a:cs typeface="Times New Roman" panose="02020603050405020304" pitchFamily="18" charset="0"/>
+              </a:rPr>
+              <a:t>– by Ali Hamidi, Hadi Salimi and Mohsen Sharifi. [2010</a:t>
+            </a:r>
+            <a:r>
+              <a:rPr lang="en-US" sz="1200" dirty="0" smtClean="0">
+                <a:latin typeface="Times New Roman" panose="02020603050405020304" pitchFamily="18" charset="0"/>
+                <a:cs typeface="Times New Roman" panose="02020603050405020304" pitchFamily="18" charset="0"/>
+              </a:rPr>
+              <a:t>]</a:t>
+            </a:r>
+            <a:endParaRPr lang="en-US" sz="1200" dirty="0">
+              <a:latin typeface="Times New Roman" panose="02020603050405020304" pitchFamily="18" charset="0"/>
+              <a:cs typeface="Times New Roman" panose="02020603050405020304" pitchFamily="18" charset="0"/>
+            </a:endParaRPr>
+          </a:p>
+          <a:p>
+            <a:pPr marL="0" indent="0" algn="just">
+              <a:buNone/>
+            </a:pPr>
+            <a:r>
+              <a:rPr lang="en-US" sz="1200" dirty="0">
+                <a:latin typeface="Times New Roman" panose="02020603050405020304" pitchFamily="18" charset="0"/>
+                <a:cs typeface="Times New Roman" panose="02020603050405020304" pitchFamily="18" charset="0"/>
+              </a:rPr>
+              <a:t>[</a:t>
+            </a:r>
+            <a:r>
+              <a:rPr lang="en-US" sz="1200" dirty="0" smtClean="0">
+                <a:latin typeface="Times New Roman" panose="02020603050405020304" pitchFamily="18" charset="0"/>
+                <a:cs typeface="Times New Roman" panose="02020603050405020304" pitchFamily="18" charset="0"/>
+              </a:rPr>
+              <a:t>11] </a:t>
+            </a:r>
+            <a:r>
+              <a:rPr lang="en-US" sz="1200" b="1" dirty="0">
+                <a:latin typeface="Times New Roman" panose="02020603050405020304" pitchFamily="18" charset="0"/>
+                <a:cs typeface="Times New Roman" panose="02020603050405020304" pitchFamily="18" charset="0"/>
+              </a:rPr>
+              <a:t>On evaluating the differences of TCP and ICMP in network measurement </a:t>
+            </a:r>
+            <a:r>
+              <a:rPr lang="en-US" sz="1200" dirty="0">
+                <a:latin typeface="Times New Roman" panose="02020603050405020304" pitchFamily="18" charset="0"/>
+                <a:cs typeface="Times New Roman" panose="02020603050405020304" pitchFamily="18" charset="0"/>
+              </a:rPr>
+              <a:t>– by Li Wenwei, Zhange Dafang, Yang Jinmin and Xie Gaogang [2007]</a:t>
+            </a:r>
+          </a:p>
+        </p:txBody>
+      </p:sp>
+    </p:spTree>
+    <p:extLst>
+      <p:ext uri="{BB962C8B-B14F-4D97-AF65-F5344CB8AC3E}">
+        <p14:creationId xmlns:p14="http://schemas.microsoft.com/office/powerpoint/2010/main" val="815116318"/>
+      </p:ext>
+    </p:extLst>
+  </p:cSld>
+  <p:clrMapOvr>
+    <a:masterClrMapping/>
+  </p:clrMapOvr>
+</p:sld>
+</file>
+
+<file path=ppt/slides/slide16.xml><?xml version="1.0" encoding="utf-8"?>
+<p:sld xmlns:a="http://schemas.openxmlformats.org/drawingml/2006/main" xmlns:r="http://schemas.openxmlformats.org/officeDocument/2006/relationships" xmlns:p="http://schemas.openxmlformats.org/presentationml/2006/main">
+  <p:cSld>
+    <p:spTree>
+      <p:nvGrpSpPr>
+        <p:cNvPr id="1" name=""/>
+        <p:cNvGrpSpPr/>
+        <p:nvPr/>
+      </p:nvGrpSpPr>
+      <p:grpSpPr>
+        <a:xfrm>
+          <a:off x="0" y="0"/>
+          <a:ext cx="0" cy="0"/>
+          <a:chOff x="0" y="0"/>
+          <a:chExt cx="0" cy="0"/>
+        </a:xfrm>
+      </p:grpSpPr>
+      <p:sp>
+        <p:nvSpPr>
+          <p:cNvPr id="2" name="Title 1"/>
+          <p:cNvSpPr>
+            <a:spLocks noGrp="1"/>
+          </p:cNvSpPr>
+          <p:nvPr>
+            <p:ph type="title"/>
+          </p:nvPr>
+        </p:nvSpPr>
+        <p:spPr>
+          <a:xfrm>
+            <a:off x="457200" y="1885950"/>
+            <a:ext cx="8229600" cy="857250"/>
+          </a:xfrm>
+        </p:spPr>
+        <p:txBody>
+          <a:bodyPr>
+            <a:normAutofit/>
+          </a:bodyPr>
+          <a:lstStyle/>
+          <a:p>
+            <a:r>
+              <a:rPr lang="en-US" sz="4000" dirty="0">
+                <a:ln w="0"/>
+                <a:solidFill>
+                  <a:schemeClr val="accent1"/>
+                </a:solidFill>
+                <a:effectLst>
+                  <a:outerShdw blurRad="38100" dist="25400" dir="5400000" algn="ctr" rotWithShape="0">
+                    <a:srgbClr val="6E747A">
+                      <a:alpha val="43000"/>
+                    </a:srgbClr>
+                  </a:outerShdw>
+                </a:effectLst>
+                <a:latin typeface="Times New Roman" panose="02020603050405020304" pitchFamily="18" charset="0"/>
+                <a:cs typeface="Times New Roman" panose="02020603050405020304" pitchFamily="18" charset="0"/>
+              </a:rPr>
+              <a:t>THANK YOU</a:t>
+            </a:r>
+          </a:p>
+        </p:txBody>
+      </p:sp>
+      <p:sp>
+        <p:nvSpPr>
+          <p:cNvPr id="12" name="Footer Placeholder 4">
+            <a:extLst>
+              <a:ext uri="{FF2B5EF4-FFF2-40B4-BE49-F238E27FC236}">
+                <a16:creationId xmlns="" xmlns:a16="http://schemas.microsoft.com/office/drawing/2014/main" id="{13810B73-4AAA-481B-91C3-62C546016E85}"/>
+              </a:ext>
+            </a:extLst>
+          </p:cNvPr>
+          <p:cNvSpPr>
+            <a:spLocks noGrp="1"/>
+          </p:cNvSpPr>
+          <p:nvPr>
+            <p:ph type="ftr" sz="quarter" idx="11"/>
+          </p:nvPr>
+        </p:nvSpPr>
+        <p:spPr>
+          <a:xfrm>
+            <a:off x="3124200" y="4767264"/>
+            <a:ext cx="2895600" cy="273844"/>
+          </a:xfrm>
+        </p:spPr>
+        <p:txBody>
+          <a:bodyPr/>
+          <a:lstStyle/>
+          <a:p>
+            <a:pPr algn="r"/>
+            <a:r>
+              <a:rPr lang="en-US" sz="1400" dirty="0">
+                <a:solidFill>
+                  <a:schemeClr val="tx2"/>
+                </a:solidFill>
+              </a:rPr>
+              <a:t>Department of CSE, Vemana IT</a:t>
+            </a:r>
+          </a:p>
+        </p:txBody>
+      </p:sp>
+      <p:sp>
+        <p:nvSpPr>
+          <p:cNvPr id="13" name="Footer Placeholder 4">
+            <a:extLst>
+              <a:ext uri="{FF2B5EF4-FFF2-40B4-BE49-F238E27FC236}">
+                <a16:creationId xmlns="" xmlns:a16="http://schemas.microsoft.com/office/drawing/2014/main" id="{C568ADF4-CCE8-409D-BC1B-CFC178F5C0EB}"/>
               </a:ext>
             </a:extLst>
           </p:cNvPr>
@@ -9294,13 +10058,18 @@
           <a:p>
             <a:pPr algn="r"/>
             <a:r>
-              <a:rPr lang="en-US" sz="1400" dirty="0">
+              <a:rPr lang="en-US" sz="1400" dirty="0" smtClean="0">
                 <a:solidFill>
                   <a:schemeClr val="tx2"/>
                 </a:solidFill>
               </a:rPr>
-              <a:t>12</a:t>
-            </a:r>
+              <a:t>14</a:t>
+            </a:r>
+            <a:endParaRPr lang="en-US" sz="1400" dirty="0">
+              <a:solidFill>
+                <a:schemeClr val="tx2"/>
+              </a:solidFill>
+            </a:endParaRPr>
           </a:p>
         </p:txBody>
       </p:sp>
@@ -9309,7 +10078,7 @@
           <p:cNvPr id="9" name="Date Placeholder 3">
             <a:extLst>
               <a:ext uri="{FF2B5EF4-FFF2-40B4-BE49-F238E27FC236}">
-                <a16:creationId xmlns:a16="http://schemas.microsoft.com/office/drawing/2014/main" id="{5F72E7FB-5406-40F2-93C2-E9165F64003E}"/>
+                <a16:creationId xmlns="" xmlns:a16="http://schemas.microsoft.com/office/drawing/2014/main" id="{5F72E7FB-5406-40F2-93C2-E9165F64003E}"/>
               </a:ext>
             </a:extLst>
           </p:cNvPr>
@@ -9437,7 +10206,7 @@
           <p:cNvPr id="10" name="Date Placeholder 3">
             <a:extLst>
               <a:ext uri="{FF2B5EF4-FFF2-40B4-BE49-F238E27FC236}">
-                <a16:creationId xmlns:a16="http://schemas.microsoft.com/office/drawing/2014/main" id="{B760CA4A-E789-471D-8EB1-F60022B7FEEE}"/>
+                <a16:creationId xmlns="" xmlns:a16="http://schemas.microsoft.com/office/drawing/2014/main" id="{B760CA4A-E789-471D-8EB1-F60022B7FEEE}"/>
               </a:ext>
             </a:extLst>
           </p:cNvPr>
@@ -9562,7 +10331,7 @@
           <p:cNvPr id="11" name="Date Placeholder 3">
             <a:extLst>
               <a:ext uri="{FF2B5EF4-FFF2-40B4-BE49-F238E27FC236}">
-                <a16:creationId xmlns:a16="http://schemas.microsoft.com/office/drawing/2014/main" id="{BA45694C-EE57-46E3-94BB-26F02AD1A1E2}"/>
+                <a16:creationId xmlns="" xmlns:a16="http://schemas.microsoft.com/office/drawing/2014/main" id="{BA45694C-EE57-46E3-94BB-26F02AD1A1E2}"/>
               </a:ext>
             </a:extLst>
           </p:cNvPr>
@@ -9627,7 +10396,7 @@
           <p:cNvPr id="2" name="Title 1">
             <a:extLst>
               <a:ext uri="{FF2B5EF4-FFF2-40B4-BE49-F238E27FC236}">
-                <a16:creationId xmlns:a16="http://schemas.microsoft.com/office/drawing/2014/main" id="{D663B1AF-4827-48F8-89C1-04B58CDA00EB}"/>
+                <a16:creationId xmlns="" xmlns:a16="http://schemas.microsoft.com/office/drawing/2014/main" id="{D663B1AF-4827-48F8-89C1-04B58CDA00EB}"/>
               </a:ext>
             </a:extLst>
           </p:cNvPr>
@@ -9675,7 +10444,7 @@
           <p:cNvPr id="3" name="Content Placeholder 2">
             <a:extLst>
               <a:ext uri="{FF2B5EF4-FFF2-40B4-BE49-F238E27FC236}">
-                <a16:creationId xmlns:a16="http://schemas.microsoft.com/office/drawing/2014/main" id="{07D92DB6-6DA7-483C-9605-E091ACCD8173}"/>
+                <a16:creationId xmlns="" xmlns:a16="http://schemas.microsoft.com/office/drawing/2014/main" id="{07D92DB6-6DA7-483C-9605-E091ACCD8173}"/>
               </a:ext>
             </a:extLst>
           </p:cNvPr>
@@ -9798,7 +10567,7 @@
           <p:cNvPr id="4" name="Date Placeholder 3">
             <a:extLst>
               <a:ext uri="{FF2B5EF4-FFF2-40B4-BE49-F238E27FC236}">
-                <a16:creationId xmlns:a16="http://schemas.microsoft.com/office/drawing/2014/main" id="{D257C7DE-82B0-4BFD-ADB2-512C0711F065}"/>
+                <a16:creationId xmlns="" xmlns:a16="http://schemas.microsoft.com/office/drawing/2014/main" id="{D257C7DE-82B0-4BFD-ADB2-512C0711F065}"/>
               </a:ext>
             </a:extLst>
           </p:cNvPr>
@@ -9833,7 +10602,7 @@
           <p:cNvPr id="5" name="Footer Placeholder 4">
             <a:extLst>
               <a:ext uri="{FF2B5EF4-FFF2-40B4-BE49-F238E27FC236}">
-                <a16:creationId xmlns:a16="http://schemas.microsoft.com/office/drawing/2014/main" id="{4453918D-EF15-46E0-A6E8-96CFE8A48E36}"/>
+                <a16:creationId xmlns="" xmlns:a16="http://schemas.microsoft.com/office/drawing/2014/main" id="{4453918D-EF15-46E0-A6E8-96CFE8A48E36}"/>
               </a:ext>
             </a:extLst>
           </p:cNvPr>
@@ -9866,7 +10635,7 @@
           <p:cNvPr id="9" name="Footer Placeholder 4">
             <a:extLst>
               <a:ext uri="{FF2B5EF4-FFF2-40B4-BE49-F238E27FC236}">
-                <a16:creationId xmlns:a16="http://schemas.microsoft.com/office/drawing/2014/main" id="{AF12BD91-D499-484D-AE27-5A29FE3A87B1}"/>
+                <a16:creationId xmlns="" xmlns:a16="http://schemas.microsoft.com/office/drawing/2014/main" id="{AF12BD91-D499-484D-AE27-5A29FE3A87B1}"/>
               </a:ext>
             </a:extLst>
           </p:cNvPr>
@@ -9996,7 +10765,7 @@
           <p:cNvPr id="10" name="Date Placeholder 3">
             <a:extLst>
               <a:ext uri="{FF2B5EF4-FFF2-40B4-BE49-F238E27FC236}">
-                <a16:creationId xmlns:a16="http://schemas.microsoft.com/office/drawing/2014/main" id="{7EAEFA59-ADD5-483B-81EC-7CBC47C157AE}"/>
+                <a16:creationId xmlns="" xmlns:a16="http://schemas.microsoft.com/office/drawing/2014/main" id="{7EAEFA59-ADD5-483B-81EC-7CBC47C157AE}"/>
               </a:ext>
             </a:extLst>
           </p:cNvPr>
@@ -10292,7 +11061,7 @@
           <a:p>
             <a:pPr algn="just"/>
             <a:r>
-              <a:rPr lang="en-US" sz="1200" dirty="0">
+              <a:rPr lang="en-US" sz="1400" dirty="0">
                 <a:solidFill>
                   <a:srgbClr val="231F20"/>
                 </a:solidFill>
@@ -10302,25 +11071,88 @@
               </a:rPr>
               <a:t>Network monitoring system is a scripted tool that administers a computer network for slow or failing components and that notifies the configured users in case of outages, latencies, upgrades, and other events. </a:t>
             </a:r>
+            <a:r>
+              <a:rPr lang="en-US" sz="1400" dirty="0" smtClean="0">
+                <a:solidFill>
+                  <a:srgbClr val="231F20"/>
+                </a:solidFill>
+                <a:effectLst/>
+                <a:latin typeface="Times New Roman" panose="02020603050405020304" pitchFamily="18" charset="0"/>
+                <a:ea typeface="Times New Roman" panose="02020603050405020304" pitchFamily="18" charset="0"/>
+              </a:rPr>
+              <a:t>A </a:t>
+            </a:r>
+            <a:r>
+              <a:rPr lang="en-US" sz="1400" dirty="0">
+                <a:solidFill>
+                  <a:srgbClr val="231F20"/>
+                </a:solidFill>
+                <a:effectLst/>
+                <a:latin typeface="Times New Roman" panose="02020603050405020304" pitchFamily="18" charset="0"/>
+                <a:ea typeface="Times New Roman" panose="02020603050405020304" pitchFamily="18" charset="0"/>
+              </a:rPr>
+              <a:t>computer network is a group of network nodes that use a set of common communication protocols over digital interconnections for the purpose of sharing resources located on or provided by the network nodes</a:t>
+            </a:r>
+            <a:r>
+              <a:rPr lang="en-US" sz="1400" dirty="0" smtClean="0">
+                <a:solidFill>
+                  <a:srgbClr val="231F20"/>
+                </a:solidFill>
+                <a:effectLst/>
+                <a:latin typeface="Times New Roman" panose="02020603050405020304" pitchFamily="18" charset="0"/>
+                <a:ea typeface="Times New Roman" panose="02020603050405020304" pitchFamily="18" charset="0"/>
+              </a:rPr>
+              <a:t>.</a:t>
+            </a:r>
+            <a:r>
+              <a:rPr lang="en-US" sz="1400" dirty="0">
+                <a:solidFill>
+                  <a:srgbClr val="231F20"/>
+                </a:solidFill>
+                <a:latin typeface="Times New Roman" panose="02020603050405020304" pitchFamily="18" charset="0"/>
+              </a:rPr>
+              <a:t> A wide range and variety of devices are supported by the system such as Servers, Routers, Switches, Virtual Machines, </a:t>
+            </a:r>
+            <a:r>
+              <a:rPr lang="en-US" sz="1400" dirty="0" err="1">
+                <a:solidFill>
+                  <a:srgbClr val="231F20"/>
+                </a:solidFill>
+                <a:latin typeface="Times New Roman" panose="02020603050405020304" pitchFamily="18" charset="0"/>
+              </a:rPr>
+              <a:t>IoT</a:t>
+            </a:r>
+            <a:r>
+              <a:rPr lang="en-US" sz="1400" dirty="0">
+                <a:solidFill>
+                  <a:srgbClr val="231F20"/>
+                </a:solidFill>
+                <a:latin typeface="Times New Roman" panose="02020603050405020304" pitchFamily="18" charset="0"/>
+              </a:rPr>
+              <a:t> Devices, Cloud Instances, Data Stores, Wireless Access Points, Endpoint PCs, Printers, Mobiles and so on</a:t>
+            </a:r>
+            <a:r>
+              <a:rPr lang="en-US" sz="1400" dirty="0" smtClean="0">
+                <a:solidFill>
+                  <a:srgbClr val="231F20"/>
+                </a:solidFill>
+                <a:latin typeface="Times New Roman" panose="02020603050405020304" pitchFamily="18" charset="0"/>
+              </a:rPr>
+              <a:t>.</a:t>
+            </a:r>
+            <a:endParaRPr lang="en-US" sz="1400" dirty="0">
+              <a:solidFill>
+                <a:srgbClr val="231F20"/>
+              </a:solidFill>
+              <a:effectLst/>
+              <a:latin typeface="Times New Roman" panose="02020603050405020304" pitchFamily="18" charset="0"/>
+              <a:ea typeface="Times New Roman" panose="02020603050405020304" pitchFamily="18" charset="0"/>
+            </a:endParaRPr>
           </a:p>
           <a:p>
             <a:pPr algn="just"/>
             <a:r>
-              <a:rPr lang="en-US" sz="1200" dirty="0">
-                <a:solidFill>
-                  <a:srgbClr val="231F20"/>
-                </a:solidFill>
-                <a:effectLst/>
-                <a:latin typeface="Times New Roman" panose="02020603050405020304" pitchFamily="18" charset="0"/>
-                <a:ea typeface="Times New Roman" panose="02020603050405020304" pitchFamily="18" charset="0"/>
-              </a:rPr>
-              <a:t>A computer network is a group of network nodes that use a set of common communication protocols over digital interconnections for the purpose of sharing resources located on or provided by the network nodes.</a:t>
-            </a:r>
-          </a:p>
-          <a:p>
-            <a:pPr algn="just"/>
-            <a:r>
-              <a:rPr lang="en-US" sz="1200" dirty="0">
+              <a:rPr lang="en-US" sz="1400" dirty="0">
                 <a:solidFill>
                   <a:srgbClr val="231F20"/>
                 </a:solidFill>
@@ -10336,27 +11168,24 @@
               <a:buChar char="•"/>
             </a:pPr>
             <a:r>
-              <a:rPr lang="en-US" sz="1200" dirty="0">
+              <a:rPr lang="en-US" sz="1400" dirty="0" smtClean="0">
                 <a:solidFill>
                   <a:srgbClr val="231F20"/>
                 </a:solidFill>
                 <a:latin typeface="Times New Roman" panose="02020603050405020304" pitchFamily="18" charset="0"/>
                 <a:ea typeface="Times New Roman" panose="02020603050405020304" pitchFamily="18" charset="0"/>
               </a:rPr>
-              <a:t>Performance:</a:t>
-            </a:r>
-          </a:p>
-          <a:p>
-            <a:pPr lvl="2" algn="just"/>
-            <a:r>
-              <a:rPr lang="en-US" sz="1200" dirty="0">
+              <a:t>Performance: Reachability</a:t>
+            </a:r>
+            <a:r>
+              <a:rPr lang="en-US" sz="1400" dirty="0">
                 <a:solidFill>
                   <a:srgbClr val="231F20"/>
                 </a:solidFill>
                 <a:latin typeface="Times New Roman" panose="02020603050405020304" pitchFamily="18" charset="0"/>
                 <a:ea typeface="Times New Roman" panose="02020603050405020304" pitchFamily="18" charset="0"/>
               </a:rPr>
-              <a:t>Reachability, Availability, Uptime, Throughput, Round-trip-time, Latency	</a:t>
+              <a:t>, Availability, Uptime, Throughput, Round-trip-time, Latency	</a:t>
             </a:r>
           </a:p>
           <a:p>
@@ -10365,27 +11194,24 @@
               <a:buChar char="•"/>
             </a:pPr>
             <a:r>
-              <a:rPr lang="en-US" sz="1200" dirty="0">
+              <a:rPr lang="en-US" sz="1400" dirty="0" smtClean="0">
                 <a:solidFill>
                   <a:srgbClr val="231F20"/>
                 </a:solidFill>
                 <a:latin typeface="Times New Roman" panose="02020603050405020304" pitchFamily="18" charset="0"/>
                 <a:ea typeface="Times New Roman" panose="02020603050405020304" pitchFamily="18" charset="0"/>
               </a:rPr>
-              <a:t>Resources:</a:t>
-            </a:r>
-          </a:p>
-          <a:p>
-            <a:pPr lvl="2" algn="just"/>
-            <a:r>
-              <a:rPr lang="en-US" sz="1200" dirty="0">
+              <a:t>Resources: Expansion </a:t>
+            </a:r>
+            <a:r>
+              <a:rPr lang="en-US" sz="1400" dirty="0">
                 <a:solidFill>
                   <a:srgbClr val="231F20"/>
                 </a:solidFill>
                 <a:latin typeface="Times New Roman" panose="02020603050405020304" pitchFamily="18" charset="0"/>
                 <a:ea typeface="Times New Roman" panose="02020603050405020304" pitchFamily="18" charset="0"/>
               </a:rPr>
-              <a:t>Expansion Plan, Revision Control, Logging, Bandwidth, Customized Alerts</a:t>
+              <a:t>Plan, Revision Control, Logging, Bandwidth, Customized Alerts</a:t>
             </a:r>
           </a:p>
           <a:p>
@@ -10394,27 +11220,24 @@
               <a:buChar char="•"/>
             </a:pPr>
             <a:r>
-              <a:rPr lang="en-US" sz="1200" dirty="0">
+              <a:rPr lang="en-US" sz="1400" dirty="0" smtClean="0">
                 <a:solidFill>
                   <a:srgbClr val="231F20"/>
                 </a:solidFill>
                 <a:latin typeface="Times New Roman" panose="02020603050405020304" pitchFamily="18" charset="0"/>
                 <a:ea typeface="Times New Roman" panose="02020603050405020304" pitchFamily="18" charset="0"/>
               </a:rPr>
-              <a:t>Information:</a:t>
-            </a:r>
-          </a:p>
-          <a:p>
-            <a:pPr lvl="2" algn="just"/>
-            <a:r>
-              <a:rPr lang="en-US" sz="1200" dirty="0">
+              <a:t>Information: Firmware </a:t>
+            </a:r>
+            <a:r>
+              <a:rPr lang="en-US" sz="1400" dirty="0">
                 <a:solidFill>
                   <a:srgbClr val="231F20"/>
                 </a:solidFill>
                 <a:latin typeface="Times New Roman" panose="02020603050405020304" pitchFamily="18" charset="0"/>
                 <a:ea typeface="Times New Roman" panose="02020603050405020304" pitchFamily="18" charset="0"/>
               </a:rPr>
-              <a:t>Firmware versions, Device Info, Traffic Stats, IP Address, MAC Address</a:t>
+              <a:t>versions, Device Info, Traffic Stats, IP Address, MAC Address</a:t>
             </a:r>
           </a:p>
           <a:p>
@@ -10423,49 +11246,35 @@
               <a:buChar char="•"/>
             </a:pPr>
             <a:r>
-              <a:rPr lang="en-US" sz="1200" dirty="0">
+              <a:rPr lang="en-US" sz="1400" dirty="0" smtClean="0">
                 <a:solidFill>
                   <a:srgbClr val="231F20"/>
                 </a:solidFill>
                 <a:latin typeface="Times New Roman" panose="02020603050405020304" pitchFamily="18" charset="0"/>
                 <a:ea typeface="Times New Roman" panose="02020603050405020304" pitchFamily="18" charset="0"/>
               </a:rPr>
-              <a:t>Access:</a:t>
-            </a:r>
-          </a:p>
-          <a:p>
-            <a:pPr lvl="2" algn="just"/>
-            <a:r>
-              <a:rPr lang="en-US" sz="1200" dirty="0">
+              <a:t>Access: SSH </a:t>
+            </a:r>
+            <a:r>
+              <a:rPr lang="en-US" sz="1400" dirty="0">
                 <a:solidFill>
                   <a:srgbClr val="231F20"/>
                 </a:solidFill>
                 <a:latin typeface="Times New Roman" panose="02020603050405020304" pitchFamily="18" charset="0"/>
                 <a:ea typeface="Times New Roman" panose="02020603050405020304" pitchFamily="18" charset="0"/>
               </a:rPr>
-              <a:t>SSH Access, Telnet Access</a:t>
-            </a:r>
-          </a:p>
-          <a:p>
-            <a:pPr algn="just"/>
-            <a:r>
-              <a:rPr lang="en-US" sz="1200" dirty="0">
-                <a:solidFill>
-                  <a:srgbClr val="231F20"/>
-                </a:solidFill>
-                <a:latin typeface="Times New Roman" panose="02020603050405020304" pitchFamily="18" charset="0"/>
-              </a:rPr>
-              <a:t>A wide range and variety of devices are supported by the system such as Servers, Routers, Switches, Virtual Machines, IoT Devices, Cloud Instances, Data Stores, Wireless Access Points, Endpoint PCs, Printers, Mobiles and so on.</a:t>
-            </a:r>
-          </a:p>
-          <a:p>
-            <a:pPr lvl="2" algn="just"/>
-            <a:endParaRPr lang="en-US" sz="1200" dirty="0">
+              <a:t>Access, Telnet Access</a:t>
+            </a:r>
+          </a:p>
+          <a:p>
+            <a:pPr marL="0" indent="0" algn="just">
+              <a:buNone/>
+            </a:pPr>
+            <a:endParaRPr lang="en-US" sz="1400" dirty="0">
               <a:solidFill>
                 <a:srgbClr val="231F20"/>
               </a:solidFill>
               <a:latin typeface="Times New Roman" panose="02020603050405020304" pitchFamily="18" charset="0"/>
-              <a:ea typeface="Times New Roman" panose="02020603050405020304" pitchFamily="18" charset="0"/>
             </a:endParaRPr>
           </a:p>
         </p:txBody>
@@ -10599,7 +11408,7 @@
           <p:cNvPr id="11" name="Title 1">
             <a:extLst>
               <a:ext uri="{FF2B5EF4-FFF2-40B4-BE49-F238E27FC236}">
-                <a16:creationId xmlns:a16="http://schemas.microsoft.com/office/drawing/2014/main" id="{DC85129E-0B0B-4C64-B8AF-D549982166EC}"/>
+                <a16:creationId xmlns="" xmlns:a16="http://schemas.microsoft.com/office/drawing/2014/main" id="{DC85129E-0B0B-4C64-B8AF-D549982166EC}"/>
               </a:ext>
             </a:extLst>
           </p:cNvPr>
@@ -10648,7 +11457,7 @@
           <p:cNvPr id="13" name="Footer Placeholder 4">
             <a:extLst>
               <a:ext uri="{FF2B5EF4-FFF2-40B4-BE49-F238E27FC236}">
-                <a16:creationId xmlns:a16="http://schemas.microsoft.com/office/drawing/2014/main" id="{D1ABF561-8E91-4704-BDD7-0520E3848081}"/>
+                <a16:creationId xmlns="" xmlns:a16="http://schemas.microsoft.com/office/drawing/2014/main" id="{D1ABF561-8E91-4704-BDD7-0520E3848081}"/>
               </a:ext>
             </a:extLst>
           </p:cNvPr>
@@ -10686,7 +11495,7 @@
           <p:cNvPr id="19" name="Date Placeholder 3">
             <a:extLst>
               <a:ext uri="{FF2B5EF4-FFF2-40B4-BE49-F238E27FC236}">
-                <a16:creationId xmlns:a16="http://schemas.microsoft.com/office/drawing/2014/main" id="{DEE9A254-D57A-4AC6-8925-0BE9E07DD752}"/>
+                <a16:creationId xmlns="" xmlns:a16="http://schemas.microsoft.com/office/drawing/2014/main" id="{DEE9A254-D57A-4AC6-8925-0BE9E07DD752}"/>
               </a:ext>
             </a:extLst>
           </p:cNvPr>
@@ -10814,7 +11623,7 @@
           <p:cNvPr id="20" name="Date Placeholder 3">
             <a:extLst>
               <a:ext uri="{FF2B5EF4-FFF2-40B4-BE49-F238E27FC236}">
-                <a16:creationId xmlns:a16="http://schemas.microsoft.com/office/drawing/2014/main" id="{F640DC25-A5F0-4C43-B238-F57EF831767B}"/>
+                <a16:creationId xmlns="" xmlns:a16="http://schemas.microsoft.com/office/drawing/2014/main" id="{F640DC25-A5F0-4C43-B238-F57EF831767B}"/>
               </a:ext>
             </a:extLst>
           </p:cNvPr>
@@ -10939,7 +11748,7 @@
           <p:cNvPr id="21" name="Date Placeholder 3">
             <a:extLst>
               <a:ext uri="{FF2B5EF4-FFF2-40B4-BE49-F238E27FC236}">
-                <a16:creationId xmlns:a16="http://schemas.microsoft.com/office/drawing/2014/main" id="{D926DBC5-06FC-4DCF-9A9C-2AB9CF31099C}"/>
+                <a16:creationId xmlns="" xmlns:a16="http://schemas.microsoft.com/office/drawing/2014/main" id="{D926DBC5-06FC-4DCF-9A9C-2AB9CF31099C}"/>
               </a:ext>
             </a:extLst>
           </p:cNvPr>
@@ -11021,20 +11830,55 @@
           </a:bodyPr>
           <a:lstStyle/>
           <a:p>
+            <a:pPr marL="0" indent="0" algn="just">
+              <a:lnSpc>
+                <a:spcPct val="150000"/>
+              </a:lnSpc>
+              <a:buNone/>
+            </a:pPr>
+            <a:endParaRPr lang="en-US" sz="1200" dirty="0">
+              <a:solidFill>
+                <a:srgbClr val="231F20"/>
+              </a:solidFill>
+              <a:latin typeface="Times New Roman" panose="02020603050405020304" pitchFamily="18" charset="0"/>
+              <a:ea typeface="Times New Roman" panose="02020603050405020304" pitchFamily="18" charset="0"/>
+            </a:endParaRPr>
+          </a:p>
+          <a:p>
             <a:pPr algn="just">
               <a:lnSpc>
                 <a:spcPct val="150000"/>
               </a:lnSpc>
             </a:pPr>
             <a:r>
-              <a:rPr lang="en-US" sz="1400" dirty="0">
+              <a:rPr lang="en-US" sz="1200" dirty="0">
                 <a:solidFill>
                   <a:srgbClr val="231F20"/>
                 </a:solidFill>
                 <a:latin typeface="Times New Roman" panose="02020603050405020304" pitchFamily="18" charset="0"/>
                 <a:ea typeface="Times New Roman" panose="02020603050405020304" pitchFamily="18" charset="0"/>
               </a:rPr>
-              <a:t>Due to the fact that Rajashree is from a family of Software Engineers, she had the first-hand view of how networks are deployed, secured, administered and monitored in a typical IT Lab environment; her brother in particular. </a:t>
+              <a:t>Through various discussions on daily </a:t>
+            </a:r>
+            <a:r>
+              <a:rPr lang="en-US" sz="1200" dirty="0" smtClean="0">
+                <a:solidFill>
+                  <a:srgbClr val="231F20"/>
+                </a:solidFill>
+                <a:latin typeface="Times New Roman" panose="02020603050405020304" pitchFamily="18" charset="0"/>
+                <a:ea typeface="Times New Roman" panose="02020603050405020304" pitchFamily="18" charset="0"/>
+              </a:rPr>
+              <a:t>basis, who </a:t>
+            </a:r>
+            <a:r>
+              <a:rPr lang="en-US" sz="1200" dirty="0">
+                <a:solidFill>
+                  <a:srgbClr val="231F20"/>
+                </a:solidFill>
+                <a:latin typeface="Times New Roman" panose="02020603050405020304" pitchFamily="18" charset="0"/>
+                <a:ea typeface="Times New Roman" panose="02020603050405020304" pitchFamily="18" charset="0"/>
+              </a:rPr>
+              <a:t>is a Network Security Engineer in an esteemed MNC that manufactures and maintains network firewalls, uses around 10-11 different web portals to maintain each customer’s network that generally consists of 200-400 network nodes.</a:t>
             </a:r>
           </a:p>
           <a:p>
@@ -11044,14 +11888,14 @@
               </a:lnSpc>
             </a:pPr>
             <a:r>
-              <a:rPr lang="en-US" sz="1400" dirty="0">
+              <a:rPr lang="en-US" sz="1200" dirty="0">
                 <a:solidFill>
                   <a:srgbClr val="231F20"/>
                 </a:solidFill>
                 <a:latin typeface="Times New Roman" panose="02020603050405020304" pitchFamily="18" charset="0"/>
                 <a:ea typeface="Times New Roman" panose="02020603050405020304" pitchFamily="18" charset="0"/>
               </a:rPr>
-              <a:t>Through various discussions on daily basis, she noticed that her brother, who is a Network Security Engineer in an esteemed MNC that manufactures and maintains network firewalls, uses around 10-11 different web portals to maintain each customer’s network that generally consists of 200-400 network nodes.</a:t>
+              <a:t>The main reason for the large number of portals is due to the lack in support of a variety of devices by a single monitor.</a:t>
             </a:r>
           </a:p>
           <a:p>
@@ -11061,14 +11905,14 @@
               </a:lnSpc>
             </a:pPr>
             <a:r>
-              <a:rPr lang="en-US" sz="1400" dirty="0">
+              <a:rPr lang="en-US" sz="1200" dirty="0">
                 <a:solidFill>
                   <a:srgbClr val="231F20"/>
                 </a:solidFill>
                 <a:latin typeface="Times New Roman" panose="02020603050405020304" pitchFamily="18" charset="0"/>
                 <a:ea typeface="Times New Roman" panose="02020603050405020304" pitchFamily="18" charset="0"/>
               </a:rPr>
-              <a:t>The main reason for the large number of portals is due to the lack in support of a variety of devices by a single monitor.</a:t>
+              <a:t>Moreover, the prices of the monitors range from 2000-3000 USD per 100 network nodes per month which was really not an affordable solution by many customers while their performance wasn’t efficient either. </a:t>
             </a:r>
           </a:p>
           <a:p>
@@ -11078,24 +11922,7 @@
               </a:lnSpc>
             </a:pPr>
             <a:r>
-              <a:rPr lang="en-US" sz="1400" dirty="0">
-                <a:solidFill>
-                  <a:srgbClr val="231F20"/>
-                </a:solidFill>
-                <a:latin typeface="Times New Roman" panose="02020603050405020304" pitchFamily="18" charset="0"/>
-                <a:ea typeface="Times New Roman" panose="02020603050405020304" pitchFamily="18" charset="0"/>
-              </a:rPr>
-              <a:t>Moreover, the prices of the monitors range from 2000-3000 USD per 100 network nodes per month which was really not an affordable solution by many customers while their performance wasn’t efficient either. </a:t>
-            </a:r>
-          </a:p>
-          <a:p>
-            <a:pPr algn="just">
-              <a:lnSpc>
-                <a:spcPct val="150000"/>
-              </a:lnSpc>
-            </a:pPr>
-            <a:r>
-              <a:rPr lang="en-US" sz="1400" dirty="0">
+              <a:rPr lang="en-US" sz="1200" dirty="0">
                 <a:solidFill>
                   <a:srgbClr val="231F20"/>
                 </a:solidFill>
@@ -11236,7 +12063,7 @@
           <p:cNvPr id="11" name="Title 1">
             <a:extLst>
               <a:ext uri="{FF2B5EF4-FFF2-40B4-BE49-F238E27FC236}">
-                <a16:creationId xmlns:a16="http://schemas.microsoft.com/office/drawing/2014/main" id="{DC85129E-0B0B-4C64-B8AF-D549982166EC}"/>
+                <a16:creationId xmlns="" xmlns:a16="http://schemas.microsoft.com/office/drawing/2014/main" id="{DC85129E-0B0B-4C64-B8AF-D549982166EC}"/>
               </a:ext>
             </a:extLst>
           </p:cNvPr>
@@ -11285,7 +12112,7 @@
           <p:cNvPr id="13" name="Footer Placeholder 4">
             <a:extLst>
               <a:ext uri="{FF2B5EF4-FFF2-40B4-BE49-F238E27FC236}">
-                <a16:creationId xmlns:a16="http://schemas.microsoft.com/office/drawing/2014/main" id="{D1ABF561-8E91-4704-BDD7-0520E3848081}"/>
+                <a16:creationId xmlns="" xmlns:a16="http://schemas.microsoft.com/office/drawing/2014/main" id="{D1ABF561-8E91-4704-BDD7-0520E3848081}"/>
               </a:ext>
             </a:extLst>
           </p:cNvPr>
@@ -11323,7 +12150,7 @@
           <p:cNvPr id="19" name="Date Placeholder 3">
             <a:extLst>
               <a:ext uri="{FF2B5EF4-FFF2-40B4-BE49-F238E27FC236}">
-                <a16:creationId xmlns:a16="http://schemas.microsoft.com/office/drawing/2014/main" id="{DEE9A254-D57A-4AC6-8925-0BE9E07DD752}"/>
+                <a16:creationId xmlns="" xmlns:a16="http://schemas.microsoft.com/office/drawing/2014/main" id="{DEE9A254-D57A-4AC6-8925-0BE9E07DD752}"/>
               </a:ext>
             </a:extLst>
           </p:cNvPr>
@@ -11451,7 +12278,7 @@
           <p:cNvPr id="20" name="Date Placeholder 3">
             <a:extLst>
               <a:ext uri="{FF2B5EF4-FFF2-40B4-BE49-F238E27FC236}">
-                <a16:creationId xmlns:a16="http://schemas.microsoft.com/office/drawing/2014/main" id="{F640DC25-A5F0-4C43-B238-F57EF831767B}"/>
+                <a16:creationId xmlns="" xmlns:a16="http://schemas.microsoft.com/office/drawing/2014/main" id="{F640DC25-A5F0-4C43-B238-F57EF831767B}"/>
               </a:ext>
             </a:extLst>
           </p:cNvPr>
@@ -11576,7 +12403,7 @@
           <p:cNvPr id="21" name="Date Placeholder 3">
             <a:extLst>
               <a:ext uri="{FF2B5EF4-FFF2-40B4-BE49-F238E27FC236}">
-                <a16:creationId xmlns:a16="http://schemas.microsoft.com/office/drawing/2014/main" id="{D926DBC5-06FC-4DCF-9A9C-2AB9CF31099C}"/>
+                <a16:creationId xmlns="" xmlns:a16="http://schemas.microsoft.com/office/drawing/2014/main" id="{D926DBC5-06FC-4DCF-9A9C-2AB9CF31099C}"/>
               </a:ext>
             </a:extLst>
           </p:cNvPr>
@@ -11673,42 +12500,14 @@
                 <a:latin typeface="Times New Roman" panose="02020603050405020304" pitchFamily="18" charset="0"/>
                 <a:cs typeface="Times New Roman" panose="02020603050405020304" pitchFamily="18" charset="0"/>
               </a:rPr>
-              <a:t>Dynamic Network Control with QoS and Resource Priority Monitor Based on Active “</a:t>
-            </a:r>
-            <a:r>
-              <a:rPr lang="en-US" sz="1200" b="1" dirty="0" err="1">
+              <a:t>Dynamic Network Control with QoS and Resource Priority Monitor Based on Active “eM” for Commercial VoIP</a:t>
+            </a:r>
+            <a:r>
+              <a:rPr lang="en-US" sz="1200" dirty="0">
                 <a:latin typeface="Times New Roman" panose="02020603050405020304" pitchFamily="18" charset="0"/>
                 <a:cs typeface="Times New Roman" panose="02020603050405020304" pitchFamily="18" charset="0"/>
               </a:rPr>
-              <a:t>eM</a:t>
-            </a:r>
-            <a:r>
-              <a:rPr lang="en-US" sz="1200" b="1" dirty="0">
-                <a:latin typeface="Times New Roman" panose="02020603050405020304" pitchFamily="18" charset="0"/>
-                <a:cs typeface="Times New Roman" panose="02020603050405020304" pitchFamily="18" charset="0"/>
-              </a:rPr>
-              <a:t>” for Commercial VoIP</a:t>
-            </a:r>
-            <a:r>
-              <a:rPr lang="en-US" sz="1200" dirty="0">
-                <a:latin typeface="Times New Roman" panose="02020603050405020304" pitchFamily="18" charset="0"/>
-                <a:cs typeface="Times New Roman" panose="02020603050405020304" pitchFamily="18" charset="0"/>
-              </a:rPr>
-              <a:t> – by Melanie </a:t>
-            </a:r>
-            <a:r>
-              <a:rPr lang="en-US" sz="1200" dirty="0" err="1">
-                <a:latin typeface="Times New Roman" panose="02020603050405020304" pitchFamily="18" charset="0"/>
-                <a:cs typeface="Times New Roman" panose="02020603050405020304" pitchFamily="18" charset="0"/>
-              </a:rPr>
-              <a:t>Grah</a:t>
-            </a:r>
-            <a:r>
-              <a:rPr lang="en-US" sz="1200" dirty="0">
-                <a:latin typeface="Times New Roman" panose="02020603050405020304" pitchFamily="18" charset="0"/>
-                <a:cs typeface="Times New Roman" panose="02020603050405020304" pitchFamily="18" charset="0"/>
-              </a:rPr>
-              <a:t> and Dr. Peter Radcliffe 2014</a:t>
+              <a:t> – by Melanie Grah and Dr. Peter Radcliffe 2014</a:t>
             </a:r>
           </a:p>
           <a:p>
@@ -11739,68 +12538,11 @@
               </a:rPr>
               <a:t>This paper examines methods by which VoIP can be managed using a dynamic method to balance cost and quality. In VoIP systems, quality has a real commercial value as clients will leave a service provider that does not deliver an adequate quality of service. Nearly as important is the network monitoring and prediction function which can tell a carrier of impending problems before they become an annoyance to paying clients.  </a:t>
             </a:r>
-          </a:p>
-          <a:p>
-            <a:pPr marL="0" indent="0" algn="just">
-              <a:buNone/>
-            </a:pPr>
-            <a:r>
-              <a:rPr lang="en-US" sz="1200" dirty="0">
-                <a:latin typeface="Times New Roman" panose="02020603050405020304" pitchFamily="18" charset="0"/>
-                <a:cs typeface="Times New Roman" panose="02020603050405020304" pitchFamily="18" charset="0"/>
-              </a:rPr>
-              <a:t>[2] </a:t>
-            </a:r>
-            <a:r>
-              <a:rPr lang="en-US" sz="1200" b="1" dirty="0">
-                <a:latin typeface="Times New Roman" panose="02020603050405020304" pitchFamily="18" charset="0"/>
-                <a:cs typeface="Times New Roman" panose="02020603050405020304" pitchFamily="18" charset="0"/>
-              </a:rPr>
-              <a:t>Architecture of a Network Performance Monitor for Application Services on Multi-Clouds</a:t>
-            </a:r>
-            <a:r>
-              <a:rPr lang="en-US" sz="1200" dirty="0">
-                <a:latin typeface="Times New Roman" panose="02020603050405020304" pitchFamily="18" charset="0"/>
-                <a:cs typeface="Times New Roman" panose="02020603050405020304" pitchFamily="18" charset="0"/>
-              </a:rPr>
-              <a:t> – by Young-min Kim, Ki-sung Lee, Jae-</a:t>
-            </a:r>
-            <a:r>
-              <a:rPr lang="en-US" sz="1200" dirty="0" err="1">
-                <a:latin typeface="Times New Roman" panose="02020603050405020304" pitchFamily="18" charset="0"/>
-                <a:cs typeface="Times New Roman" panose="02020603050405020304" pitchFamily="18" charset="0"/>
-              </a:rPr>
-              <a:t>cheol</a:t>
-            </a:r>
-            <a:r>
-              <a:rPr lang="en-US" sz="1200" dirty="0">
-                <a:latin typeface="Times New Roman" panose="02020603050405020304" pitchFamily="18" charset="0"/>
-                <a:cs typeface="Times New Roman" panose="02020603050405020304" pitchFamily="18" charset="0"/>
-              </a:rPr>
-              <a:t> Uhm, Si-</a:t>
-            </a:r>
-            <a:r>
-              <a:rPr lang="en-US" sz="1200" dirty="0" err="1">
-                <a:latin typeface="Times New Roman" panose="02020603050405020304" pitchFamily="18" charset="0"/>
-                <a:cs typeface="Times New Roman" panose="02020603050405020304" pitchFamily="18" charset="0"/>
-              </a:rPr>
-              <a:t>chang</a:t>
-            </a:r>
-            <a:r>
-              <a:rPr lang="en-US" sz="1200" dirty="0">
-                <a:latin typeface="Times New Roman" panose="02020603050405020304" pitchFamily="18" charset="0"/>
-                <a:cs typeface="Times New Roman" panose="02020603050405020304" pitchFamily="18" charset="0"/>
-              </a:rPr>
-              <a:t> Kim, and Chan-gun Lee 2013</a:t>
-            </a:r>
-          </a:p>
-          <a:p>
-            <a:pPr marL="0" indent="0" algn="just">
-              <a:buNone/>
-            </a:pPr>
-            <a:endParaRPr lang="en-US" sz="1200" dirty="0">
+            <a:endParaRPr lang="en-US" sz="1200" dirty="0" smtClean="0">
+              <a:solidFill>
+                <a:srgbClr val="231F20"/>
+              </a:solidFill>
               <a:latin typeface="Times New Roman" panose="02020603050405020304" pitchFamily="18" charset="0"/>
-              <a:cs typeface="Times New Roman" panose="02020603050405020304" pitchFamily="18" charset="0"/>
             </a:endParaRPr>
           </a:p>
           <a:p>
@@ -11813,6 +12555,58 @@
               </a:spcAft>
               <a:buNone/>
             </a:pPr>
+            <a:endParaRPr lang="en-US" sz="1200" dirty="0">
+              <a:solidFill>
+                <a:srgbClr val="231F20"/>
+              </a:solidFill>
+              <a:latin typeface="Times New Roman" panose="02020603050405020304" pitchFamily="18" charset="0"/>
+            </a:endParaRPr>
+          </a:p>
+          <a:p>
+            <a:pPr marL="0" indent="0" algn="just">
+              <a:buNone/>
+            </a:pPr>
+            <a:r>
+              <a:rPr lang="en-US" sz="1200" dirty="0">
+                <a:latin typeface="Times New Roman" panose="02020603050405020304" pitchFamily="18" charset="0"/>
+                <a:cs typeface="Times New Roman" panose="02020603050405020304" pitchFamily="18" charset="0"/>
+              </a:rPr>
+              <a:t>[2] </a:t>
+            </a:r>
+            <a:r>
+              <a:rPr lang="en-US" sz="1200" b="1" dirty="0">
+                <a:latin typeface="Times New Roman" panose="02020603050405020304" pitchFamily="18" charset="0"/>
+                <a:cs typeface="Times New Roman" panose="02020603050405020304" pitchFamily="18" charset="0"/>
+              </a:rPr>
+              <a:t>Architecture of a Network Performance Monitor for Application Services on Multi-Clouds</a:t>
+            </a:r>
+            <a:r>
+              <a:rPr lang="en-US" sz="1200" dirty="0">
+                <a:latin typeface="Times New Roman" panose="02020603050405020304" pitchFamily="18" charset="0"/>
+                <a:cs typeface="Times New Roman" panose="02020603050405020304" pitchFamily="18" charset="0"/>
+              </a:rPr>
+              <a:t> – by Young-min Kim, Ki-sung Lee, Jae-cheol Uhm, Si-chang Kim, and Chan-gun Lee 2013</a:t>
+            </a:r>
+          </a:p>
+          <a:p>
+            <a:pPr marL="0" indent="0" algn="just">
+              <a:buNone/>
+            </a:pPr>
+            <a:endParaRPr lang="en-US" sz="1200" dirty="0">
+              <a:latin typeface="Times New Roman" panose="02020603050405020304" pitchFamily="18" charset="0"/>
+              <a:cs typeface="Times New Roman" panose="02020603050405020304" pitchFamily="18" charset="0"/>
+            </a:endParaRPr>
+          </a:p>
+          <a:p>
+            <a:pPr marL="0" marR="0" indent="0" algn="just">
+              <a:spcBef>
+                <a:spcPts val="0"/>
+              </a:spcBef>
+              <a:spcAft>
+                <a:spcPts val="0"/>
+              </a:spcAft>
+              <a:buNone/>
+            </a:pPr>
             <a:r>
               <a:rPr lang="en-US" sz="1200" dirty="0">
                 <a:solidFill>
@@ -11954,7 +12748,7 @@
           <p:cNvPr id="11" name="Title 1">
             <a:extLst>
               <a:ext uri="{FF2B5EF4-FFF2-40B4-BE49-F238E27FC236}">
-                <a16:creationId xmlns:a16="http://schemas.microsoft.com/office/drawing/2014/main" id="{DC85129E-0B0B-4C64-B8AF-D549982166EC}"/>
+                <a16:creationId xmlns="" xmlns:a16="http://schemas.microsoft.com/office/drawing/2014/main" id="{DC85129E-0B0B-4C64-B8AF-D549982166EC}"/>
               </a:ext>
             </a:extLst>
           </p:cNvPr>
@@ -11993,7 +12787,7 @@
                 <a:latin typeface="Times New Roman" panose="02020603050405020304" pitchFamily="18" charset="0"/>
                 <a:cs typeface="Times New Roman" panose="02020603050405020304" pitchFamily="18" charset="0"/>
               </a:rPr>
-              <a:t>LITERATURE SURVEY - 1</a:t>
+              <a:t>LITERATURE SURVEY </a:t>
             </a:r>
           </a:p>
         </p:txBody>
@@ -12003,7 +12797,7 @@
           <p:cNvPr id="13" name="Footer Placeholder 4">
             <a:extLst>
               <a:ext uri="{FF2B5EF4-FFF2-40B4-BE49-F238E27FC236}">
-                <a16:creationId xmlns:a16="http://schemas.microsoft.com/office/drawing/2014/main" id="{D1ABF561-8E91-4704-BDD7-0520E3848081}"/>
+                <a16:creationId xmlns="" xmlns:a16="http://schemas.microsoft.com/office/drawing/2014/main" id="{D1ABF561-8E91-4704-BDD7-0520E3848081}"/>
               </a:ext>
             </a:extLst>
           </p:cNvPr>
@@ -12041,7 +12835,7 @@
           <p:cNvPr id="12" name="Date Placeholder 3">
             <a:extLst>
               <a:ext uri="{FF2B5EF4-FFF2-40B4-BE49-F238E27FC236}">
-                <a16:creationId xmlns:a16="http://schemas.microsoft.com/office/drawing/2014/main" id="{4C87E07D-04F0-4FD7-BADA-185BE6E40376}"/>
+                <a16:creationId xmlns="" xmlns:a16="http://schemas.microsoft.com/office/drawing/2014/main" id="{4C87E07D-04F0-4FD7-BADA-185BE6E40376}"/>
               </a:ext>
             </a:extLst>
           </p:cNvPr>
@@ -12169,7 +12963,7 @@
           <p:cNvPr id="15" name="Date Placeholder 3">
             <a:extLst>
               <a:ext uri="{FF2B5EF4-FFF2-40B4-BE49-F238E27FC236}">
-                <a16:creationId xmlns:a16="http://schemas.microsoft.com/office/drawing/2014/main" id="{8F8AD2AF-87AA-4D60-AD51-74B756F5A4EF}"/>
+                <a16:creationId xmlns="" xmlns:a16="http://schemas.microsoft.com/office/drawing/2014/main" id="{8F8AD2AF-87AA-4D60-AD51-74B756F5A4EF}"/>
               </a:ext>
             </a:extLst>
           </p:cNvPr>
@@ -12294,7 +13088,7 @@
           <p:cNvPr id="16" name="Date Placeholder 3">
             <a:extLst>
               <a:ext uri="{FF2B5EF4-FFF2-40B4-BE49-F238E27FC236}">
-                <a16:creationId xmlns:a16="http://schemas.microsoft.com/office/drawing/2014/main" id="{EA71D549-53A9-4DDC-AFAF-782E92655F4D}"/>
+                <a16:creationId xmlns="" xmlns:a16="http://schemas.microsoft.com/office/drawing/2014/main" id="{EA71D549-53A9-4DDC-AFAF-782E92655F4D}"/>
               </a:ext>
             </a:extLst>
           </p:cNvPr>
@@ -12380,53 +13174,25 @@
               <a:buNone/>
             </a:pPr>
             <a:r>
-              <a:rPr lang="en-US" sz="1100" dirty="0">
+              <a:rPr lang="en-US" sz="1200" dirty="0">
                 <a:latin typeface="Times New Roman" panose="02020603050405020304" pitchFamily="18" charset="0"/>
                 <a:cs typeface="Times New Roman" panose="02020603050405020304" pitchFamily="18" charset="0"/>
               </a:rPr>
               <a:t>[3] </a:t>
             </a:r>
             <a:r>
-              <a:rPr lang="en-US" sz="1100" b="1" dirty="0">
+              <a:rPr lang="en-US" sz="1200" b="1" dirty="0">
                 <a:latin typeface="Times New Roman" panose="02020603050405020304" pitchFamily="18" charset="0"/>
                 <a:cs typeface="Times New Roman" panose="02020603050405020304" pitchFamily="18" charset="0"/>
               </a:rPr>
               <a:t>Measurement-Aware Monitor Placement and Routing: A Joint Optimization Approach for Network-Wide Measurements</a:t>
             </a:r>
             <a:r>
-              <a:rPr lang="en-US" sz="1100" dirty="0">
+              <a:rPr lang="en-US" sz="1200" dirty="0">
                 <a:latin typeface="Times New Roman" panose="02020603050405020304" pitchFamily="18" charset="0"/>
                 <a:cs typeface="Times New Roman" panose="02020603050405020304" pitchFamily="18" charset="0"/>
               </a:rPr>
-              <a:t> – by </a:t>
-            </a:r>
-            <a:r>
-              <a:rPr lang="en-US" sz="1100" dirty="0" err="1">
-                <a:latin typeface="Times New Roman" panose="02020603050405020304" pitchFamily="18" charset="0"/>
-                <a:cs typeface="Times New Roman" panose="02020603050405020304" pitchFamily="18" charset="0"/>
-              </a:rPr>
-              <a:t>Guanyao</a:t>
-            </a:r>
-            <a:r>
-              <a:rPr lang="en-US" sz="1100" dirty="0">
-                <a:latin typeface="Times New Roman" panose="02020603050405020304" pitchFamily="18" charset="0"/>
-                <a:cs typeface="Times New Roman" panose="02020603050405020304" pitchFamily="18" charset="0"/>
-              </a:rPr>
-              <a:t> Huang, Chia-Wei Chang, Chen-Nee </a:t>
-            </a:r>
-            <a:r>
-              <a:rPr lang="en-US" sz="1100" dirty="0" err="1">
-                <a:latin typeface="Times New Roman" panose="02020603050405020304" pitchFamily="18" charset="0"/>
-                <a:cs typeface="Times New Roman" panose="02020603050405020304" pitchFamily="18" charset="0"/>
-              </a:rPr>
-              <a:t>Chuah</a:t>
-            </a:r>
-            <a:r>
-              <a:rPr lang="en-US" sz="1100" dirty="0">
-                <a:latin typeface="Times New Roman" panose="02020603050405020304" pitchFamily="18" charset="0"/>
-                <a:cs typeface="Times New Roman" panose="02020603050405020304" pitchFamily="18" charset="0"/>
-              </a:rPr>
-              <a:t>, and Bill Lin 2012</a:t>
+              <a:t> – by Guanyao Huang, Chia-Wei Chang, Chen-Nee Chuah, and Bill Lin 2012</a:t>
             </a:r>
           </a:p>
           <a:p>
@@ -12443,7 +13209,7 @@
               <a:buNone/>
             </a:pPr>
             <a:r>
-              <a:rPr lang="en-US" sz="1100" dirty="0">
+              <a:rPr lang="en-US" sz="1200" dirty="0">
                 <a:solidFill>
                   <a:srgbClr val="231F20"/>
                 </a:solidFill>
@@ -12451,50 +13217,12 @@
               </a:rPr>
               <a:t>This paper presents an MMPR (Measurement-aware Monitor Placement and Routing) framework that jointly optimizes monitor placement and dynamic routing strategy to achieve maximum measurement utility. Several heuristic algorithms have been proposed to approximate the optimal solution and reduce the computation complexity. Through experiments using real traces and topologies, it has been justified that these heuristic solutions can achieve measurement gains that are quite close to the optimal solutions, while reducing the computation times by a factor of 23x and above. </a:t>
             </a:r>
-            <a:endParaRPr lang="en-US" sz="1100" dirty="0">
+            <a:endParaRPr lang="en-US" sz="1200" dirty="0" smtClean="0">
+              <a:solidFill>
+                <a:srgbClr val="231F20"/>
+              </a:solidFill>
               <a:latin typeface="Times New Roman" panose="02020603050405020304" pitchFamily="18" charset="0"/>
-              <a:cs typeface="Times New Roman" panose="02020603050405020304" pitchFamily="18" charset="0"/>
             </a:endParaRPr>
-          </a:p>
-          <a:p>
-            <a:pPr marL="0" indent="0" algn="just">
-              <a:buNone/>
-            </a:pPr>
-            <a:r>
-              <a:rPr lang="en-US" sz="1100" dirty="0">
-                <a:latin typeface="Times New Roman" panose="02020603050405020304" pitchFamily="18" charset="0"/>
-                <a:cs typeface="Times New Roman" panose="02020603050405020304" pitchFamily="18" charset="0"/>
-              </a:rPr>
-              <a:t>[12] </a:t>
-            </a:r>
-            <a:r>
-              <a:rPr lang="en-US" sz="1100" b="1" dirty="0">
-                <a:latin typeface="Times New Roman" panose="02020603050405020304" pitchFamily="18" charset="0"/>
-                <a:cs typeface="Times New Roman" panose="02020603050405020304" pitchFamily="18" charset="0"/>
-              </a:rPr>
-              <a:t>A Web-based monitor and management system architecture for enterprise virtual private network </a:t>
-            </a:r>
-            <a:r>
-              <a:rPr lang="en-US" sz="1100" dirty="0">
-                <a:latin typeface="Times New Roman" panose="02020603050405020304" pitchFamily="18" charset="0"/>
-                <a:cs typeface="Times New Roman" panose="02020603050405020304" pitchFamily="18" charset="0"/>
-              </a:rPr>
-              <a:t>– by </a:t>
-            </a:r>
-            <a:r>
-              <a:rPr lang="en-US" sz="1100" dirty="0" err="1">
-                <a:latin typeface="Times New Roman" panose="02020603050405020304" pitchFamily="18" charset="0"/>
-                <a:cs typeface="Times New Roman" panose="02020603050405020304" pitchFamily="18" charset="0"/>
-              </a:rPr>
-              <a:t>Ruey</a:t>
-            </a:r>
-            <a:r>
-              <a:rPr lang="en-US" sz="1100" dirty="0">
-                <a:latin typeface="Times New Roman" panose="02020603050405020304" pitchFamily="18" charset="0"/>
-                <a:cs typeface="Times New Roman" panose="02020603050405020304" pitchFamily="18" charset="0"/>
-              </a:rPr>
-              <a:t>-Shun Chen *, Change-Jen Hsu, Chan-Chine Chang, S.W. Yeh 2005</a:t>
-            </a:r>
           </a:p>
           <a:p>
             <a:pPr marL="0" marR="0" indent="0" algn="just">
@@ -12509,14 +13237,49 @@
               </a:spcAft>
               <a:buNone/>
             </a:pPr>
-            <a:r>
-              <a:rPr lang="en-US" sz="1100" dirty="0">
-                <a:solidFill>
-                  <a:srgbClr val="231F20"/>
-                </a:solidFill>
-                <a:latin typeface="Times New Roman" panose="02020603050405020304" pitchFamily="18" charset="0"/>
-              </a:rPr>
-              <a:t>This paper is based on the new network management technologies such as policy-based network management, mobile agent, etc., to design a VPN monitor and management system architecture that contains high level management with low network traffic load. This system architecture integrates both VPN devices and general network devices, such the feature can integrate the monitor and manage the VPN and Intranet at the same time. </a:t>
+            <a:endParaRPr lang="en-US" sz="1200" dirty="0">
+              <a:latin typeface="Times New Roman" panose="02020603050405020304" pitchFamily="18" charset="0"/>
+              <a:cs typeface="Times New Roman" panose="02020603050405020304" pitchFamily="18" charset="0"/>
+            </a:endParaRPr>
+          </a:p>
+          <a:p>
+            <a:pPr marL="0" indent="0" algn="just">
+              <a:buNone/>
+            </a:pPr>
+            <a:r>
+              <a:rPr lang="en-US" sz="1200" dirty="0" smtClean="0">
+                <a:latin typeface="Times New Roman" panose="02020603050405020304" pitchFamily="18" charset="0"/>
+                <a:cs typeface="Times New Roman" panose="02020603050405020304" pitchFamily="18" charset="0"/>
+              </a:rPr>
+              <a:t>[</a:t>
+            </a:r>
+            <a:r>
+              <a:rPr lang="en-US" sz="1200" dirty="0">
+                <a:latin typeface="Times New Roman" panose="02020603050405020304" pitchFamily="18" charset="0"/>
+                <a:cs typeface="Times New Roman" panose="02020603050405020304" pitchFamily="18" charset="0"/>
+              </a:rPr>
+              <a:t>4</a:t>
+            </a:r>
+            <a:r>
+              <a:rPr lang="en-US" sz="1200" dirty="0" smtClean="0">
+                <a:latin typeface="Times New Roman" panose="02020603050405020304" pitchFamily="18" charset="0"/>
+                <a:cs typeface="Times New Roman" panose="02020603050405020304" pitchFamily="18" charset="0"/>
+              </a:rPr>
+              <a:t>] </a:t>
+            </a:r>
+            <a:r>
+              <a:rPr lang="en-US" sz="1200" b="1" dirty="0">
+                <a:latin typeface="Times New Roman" panose="02020603050405020304" pitchFamily="18" charset="0"/>
+                <a:cs typeface="Times New Roman" panose="02020603050405020304" pitchFamily="18" charset="0"/>
+              </a:rPr>
+              <a:t>A Web-based monitor and management system architecture for enterprise virtual private network </a:t>
+            </a:r>
+            <a:r>
+              <a:rPr lang="en-US" sz="1200" dirty="0">
+                <a:latin typeface="Times New Roman" panose="02020603050405020304" pitchFamily="18" charset="0"/>
+                <a:cs typeface="Times New Roman" panose="02020603050405020304" pitchFamily="18" charset="0"/>
+              </a:rPr>
+              <a:t>– by Ruey-Shun Chen *, Change-Jen Hsu, Chan-Chine Chang, S.W. Yeh 2005</a:t>
             </a:r>
           </a:p>
           <a:p>
@@ -12533,19 +13296,20 @@
               <a:buNone/>
             </a:pPr>
             <a:r>
-              <a:rPr lang="en-US" sz="1100" dirty="0">
-                <a:latin typeface="Times New Roman" panose="02020603050405020304" pitchFamily="18" charset="0"/>
-                <a:cs typeface="Times New Roman" panose="02020603050405020304" pitchFamily="18" charset="0"/>
-              </a:rPr>
-              <a:t>[5] </a:t>
-            </a:r>
-            <a:r>
-              <a:rPr lang="en-US" sz="1100" b="1" dirty="0">
-                <a:latin typeface="Times New Roman" panose="02020603050405020304" pitchFamily="18" charset="0"/>
-                <a:cs typeface="Times New Roman" panose="02020603050405020304" pitchFamily="18" charset="0"/>
-              </a:rPr>
-              <a:t>Distributed Interplanetary Delay/Disruption Tolerant Network (DTN) Monitor and Control System :</a:t>
-            </a:r>
+              <a:rPr lang="en-US" sz="1200" dirty="0">
+                <a:solidFill>
+                  <a:srgbClr val="231F20"/>
+                </a:solidFill>
+                <a:latin typeface="Times New Roman" panose="02020603050405020304" pitchFamily="18" charset="0"/>
+              </a:rPr>
+              <a:t>This paper is based on the new network management technologies such as policy-based network management, mobile agent, etc., to design a VPN monitor and management system architecture that contains high level management with low network traffic load. This system architecture integrates both VPN devices and general network devices, such the feature can integrate the monitor and manage the VPN and Intranet at the same time. </a:t>
+            </a:r>
+            <a:endParaRPr lang="en-US" sz="1200" dirty="0" smtClean="0">
+              <a:solidFill>
+                <a:srgbClr val="231F20"/>
+              </a:solidFill>
+              <a:latin typeface="Times New Roman" panose="02020603050405020304" pitchFamily="18" charset="0"/>
+            </a:endParaRPr>
           </a:p>
           <a:p>
             <a:pPr marL="0" marR="0" indent="0" algn="just">
@@ -12560,15 +13324,52 @@
               </a:spcAft>
               <a:buNone/>
             </a:pPr>
-            <a:r>
-              <a:rPr lang="en-US" sz="1100" dirty="0">
-                <a:solidFill>
-                  <a:srgbClr val="231F20"/>
-                </a:solidFill>
-                <a:latin typeface="Times New Roman" panose="02020603050405020304" pitchFamily="18" charset="0"/>
-              </a:rPr>
-              <a:t>This paper exemplifies a case how DTN Monitor and Control system can be adapted into a space network as it is DTN enabled. Also a “DTN Status Diagnose and Treatment Creator” tool is devised to provide a platform for network operator to compose failure treatment methods according to the received DTN BSR (bundle status report), DTN implementation specific log message and the network specifically produced monitor and control data</a:t>
-            </a:r>
+            <a:endParaRPr lang="en-US" sz="1200" dirty="0">
+              <a:solidFill>
+                <a:srgbClr val="231F20"/>
+              </a:solidFill>
+              <a:latin typeface="Times New Roman" panose="02020603050405020304" pitchFamily="18" charset="0"/>
+            </a:endParaRPr>
+          </a:p>
+          <a:p>
+            <a:pPr marL="0" marR="0" indent="0" algn="just">
+              <a:lnSpc>
+                <a:spcPct val="150000"/>
+              </a:lnSpc>
+              <a:spcBef>
+                <a:spcPts val="0"/>
+              </a:spcBef>
+              <a:spcAft>
+                <a:spcPts val="0"/>
+              </a:spcAft>
+              <a:buNone/>
+            </a:pPr>
+            <a:endParaRPr lang="en-US" sz="1200" dirty="0" smtClean="0">
+              <a:solidFill>
+                <a:srgbClr val="231F20"/>
+              </a:solidFill>
+              <a:latin typeface="Times New Roman" panose="02020603050405020304" pitchFamily="18" charset="0"/>
+            </a:endParaRPr>
+          </a:p>
+          <a:p>
+            <a:pPr marL="0" marR="0" indent="0" algn="just">
+              <a:lnSpc>
+                <a:spcPct val="150000"/>
+              </a:lnSpc>
+              <a:spcBef>
+                <a:spcPts val="0"/>
+              </a:spcBef>
+              <a:spcAft>
+                <a:spcPts val="0"/>
+              </a:spcAft>
+              <a:buNone/>
+            </a:pPr>
+            <a:endParaRPr lang="en-US" sz="1200" dirty="0">
+              <a:solidFill>
+                <a:srgbClr val="231F20"/>
+              </a:solidFill>
+              <a:latin typeface="Times New Roman" panose="02020603050405020304" pitchFamily="18" charset="0"/>
+            </a:endParaRPr>
           </a:p>
         </p:txBody>
       </p:sp>
@@ -12580,7 +13381,7 @@
         </p:nvSpPr>
         <p:spPr>
           <a:xfrm>
-            <a:off x="8610600" y="4770399"/>
+            <a:off x="8610600" y="4815641"/>
             <a:ext cx="287438" cy="270709"/>
           </a:xfrm>
           <a:prstGeom prst="rect">
@@ -12701,7 +13502,7 @@
           <p:cNvPr id="11" name="Title 1">
             <a:extLst>
               <a:ext uri="{FF2B5EF4-FFF2-40B4-BE49-F238E27FC236}">
-                <a16:creationId xmlns:a16="http://schemas.microsoft.com/office/drawing/2014/main" id="{DC85129E-0B0B-4C64-B8AF-D549982166EC}"/>
+                <a16:creationId xmlns="" xmlns:a16="http://schemas.microsoft.com/office/drawing/2014/main" id="{DC85129E-0B0B-4C64-B8AF-D549982166EC}"/>
               </a:ext>
             </a:extLst>
           </p:cNvPr>
@@ -12740,7 +13541,7 @@
                 <a:latin typeface="Times New Roman" panose="02020603050405020304" pitchFamily="18" charset="0"/>
                 <a:cs typeface="Times New Roman" panose="02020603050405020304" pitchFamily="18" charset="0"/>
               </a:rPr>
-              <a:t>LITERATURE SURVEY - 2</a:t>
+              <a:t>LITERATURE SURVEY </a:t>
             </a:r>
           </a:p>
         </p:txBody>
@@ -12750,7 +13551,7 @@
           <p:cNvPr id="13" name="Footer Placeholder 4">
             <a:extLst>
               <a:ext uri="{FF2B5EF4-FFF2-40B4-BE49-F238E27FC236}">
-                <a16:creationId xmlns:a16="http://schemas.microsoft.com/office/drawing/2014/main" id="{D1ABF561-8E91-4704-BDD7-0520E3848081}"/>
+                <a16:creationId xmlns="" xmlns:a16="http://schemas.microsoft.com/office/drawing/2014/main" id="{D1ABF561-8E91-4704-BDD7-0520E3848081}"/>
               </a:ext>
             </a:extLst>
           </p:cNvPr>
@@ -12788,7 +13589,7 @@
           <p:cNvPr id="12" name="Date Placeholder 3">
             <a:extLst>
               <a:ext uri="{FF2B5EF4-FFF2-40B4-BE49-F238E27FC236}">
-                <a16:creationId xmlns:a16="http://schemas.microsoft.com/office/drawing/2014/main" id="{54B6F2D0-7DB8-46A8-BE38-9A76D2B8158B}"/>
+                <a16:creationId xmlns="" xmlns:a16="http://schemas.microsoft.com/office/drawing/2014/main" id="{54B6F2D0-7DB8-46A8-BE38-9A76D2B8158B}"/>
               </a:ext>
             </a:extLst>
           </p:cNvPr>
@@ -12916,7 +13717,7 @@
           <p:cNvPr id="15" name="Date Placeholder 3">
             <a:extLst>
               <a:ext uri="{FF2B5EF4-FFF2-40B4-BE49-F238E27FC236}">
-                <a16:creationId xmlns:a16="http://schemas.microsoft.com/office/drawing/2014/main" id="{7776AD0D-19A8-414D-80CE-F20CD3193C15}"/>
+                <a16:creationId xmlns="" xmlns:a16="http://schemas.microsoft.com/office/drawing/2014/main" id="{7776AD0D-19A8-414D-80CE-F20CD3193C15}"/>
               </a:ext>
             </a:extLst>
           </p:cNvPr>
@@ -13041,7 +13842,7 @@
           <p:cNvPr id="16" name="Date Placeholder 3">
             <a:extLst>
               <a:ext uri="{FF2B5EF4-FFF2-40B4-BE49-F238E27FC236}">
-                <a16:creationId xmlns:a16="http://schemas.microsoft.com/office/drawing/2014/main" id="{2135CCC7-8B9E-459F-BB5B-78E5BAC4A86B}"/>
+                <a16:creationId xmlns="" xmlns:a16="http://schemas.microsoft.com/office/drawing/2014/main" id="{2135CCC7-8B9E-459F-BB5B-78E5BAC4A86B}"/>
               </a:ext>
             </a:extLst>
           </p:cNvPr>
@@ -13103,6 +13904,599 @@
       </p:grpSpPr>
       <p:sp>
         <p:nvSpPr>
+          <p:cNvPr id="2" name="Date Placeholder 1"/>
+          <p:cNvSpPr>
+            <a:spLocks noGrp="1"/>
+          </p:cNvSpPr>
+          <p:nvPr>
+            <p:ph type="dt" sz="half" idx="10"/>
+          </p:nvPr>
+        </p:nvSpPr>
+        <p:spPr/>
+        <p:txBody>
+          <a:bodyPr/>
+          <a:lstStyle/>
+          <a:p>
+            <a:fld id="{CB70B857-E226-4E94-98F0-FF856D010F57}" type="datetime1">
+              <a:rPr lang="en-US" smtClean="0"/>
+              <a:t>12/22/2020</a:t>
+            </a:fld>
+            <a:endParaRPr lang="en-US" dirty="0"/>
+          </a:p>
+        </p:txBody>
+      </p:sp>
+      <p:sp>
+        <p:nvSpPr>
+          <p:cNvPr id="3" name="Footer Placeholder 2"/>
+          <p:cNvSpPr>
+            <a:spLocks noGrp="1"/>
+          </p:cNvSpPr>
+          <p:nvPr>
+            <p:ph type="ftr" sz="quarter" idx="11"/>
+          </p:nvPr>
+        </p:nvSpPr>
+        <p:spPr/>
+        <p:txBody>
+          <a:bodyPr/>
+          <a:lstStyle/>
+          <a:p>
+            <a:r>
+              <a:rPr lang="en-US" dirty="0" smtClean="0"/>
+              <a:t>Department of CSE, Vemana IT</a:t>
+            </a:r>
+            <a:endParaRPr lang="en-US" dirty="0"/>
+          </a:p>
+        </p:txBody>
+      </p:sp>
+      <p:sp>
+        <p:nvSpPr>
+          <p:cNvPr id="4" name="TextBox 3"/>
+          <p:cNvSpPr txBox="1"/>
+          <p:nvPr/>
+        </p:nvSpPr>
+        <p:spPr>
+          <a:xfrm>
+            <a:off x="914400" y="1428750"/>
+            <a:ext cx="7488338" cy="1477328"/>
+          </a:xfrm>
+          <a:prstGeom prst="rect">
+            <a:avLst/>
+          </a:prstGeom>
+          <a:noFill/>
+        </p:spPr>
+        <p:txBody>
+          <a:bodyPr wrap="square" rtlCol="0">
+            <a:spAutoFit/>
+          </a:bodyPr>
+          <a:lstStyle/>
+          <a:p>
+            <a:pPr algn="just">
+              <a:lnSpc>
+                <a:spcPct val="150000"/>
+              </a:lnSpc>
+            </a:pPr>
+            <a:r>
+              <a:rPr lang="en-US" sz="1200" dirty="0">
+                <a:latin typeface="Times New Roman" panose="02020603050405020304" pitchFamily="18" charset="0"/>
+                <a:cs typeface="Times New Roman" panose="02020603050405020304" pitchFamily="18" charset="0"/>
+              </a:rPr>
+              <a:t>[5] </a:t>
+            </a:r>
+            <a:r>
+              <a:rPr lang="en-US" sz="1200" b="1" dirty="0">
+                <a:latin typeface="Times New Roman" panose="02020603050405020304" pitchFamily="18" charset="0"/>
+                <a:cs typeface="Times New Roman" panose="02020603050405020304" pitchFamily="18" charset="0"/>
+              </a:rPr>
+              <a:t>Distributed Interplanetary Delay/Disruption Tolerant Network (DTN) Monitor and Control System :</a:t>
+            </a:r>
+          </a:p>
+          <a:p>
+            <a:pPr algn="just">
+              <a:lnSpc>
+                <a:spcPct val="150000"/>
+              </a:lnSpc>
+            </a:pPr>
+            <a:r>
+              <a:rPr lang="en-US" sz="1200" dirty="0">
+                <a:solidFill>
+                  <a:srgbClr val="231F20"/>
+                </a:solidFill>
+                <a:latin typeface="Times New Roman" panose="02020603050405020304" pitchFamily="18" charset="0"/>
+              </a:rPr>
+              <a:t>This paper exemplifies a case how DTN Monitor and Control system can be adapted into a space network as it is DTN enabled. Also a “DTN Status Diagnose and Treatment Creator” tool is devised to provide a platform for network operator to compose failure treatment methods according to the received DTN BSR (bundle status report), DTN implementation specific log message and the network specifically produced monitor and control data</a:t>
+            </a:r>
+          </a:p>
+        </p:txBody>
+      </p:sp>
+      <p:sp>
+        <p:nvSpPr>
+          <p:cNvPr id="6" name="Date Placeholder 3">
+            <a:extLst>
+              <a:ext uri="{FF2B5EF4-FFF2-40B4-BE49-F238E27FC236}">
+                <a16:creationId xmlns="" xmlns:a16="http://schemas.microsoft.com/office/drawing/2014/main" id="{54B6F2D0-7DB8-46A8-BE38-9A76D2B8158B}"/>
+              </a:ext>
+            </a:extLst>
+          </p:cNvPr>
+          <p:cNvSpPr txBox="1"/>
+          <p:nvPr/>
+        </p:nvSpPr>
+        <p:spPr>
+          <a:xfrm>
+            <a:off x="0" y="69817"/>
+            <a:ext cx="6019800" cy="180147"/>
+          </a:xfrm>
+          <a:prstGeom prst="rect">
+            <a:avLst/>
+          </a:prstGeom>
+        </p:spPr>
+        <p:txBody>
+          <a:bodyPr vert="horz" lIns="91440" tIns="45720" rIns="91440" bIns="45720" rtlCol="0" anchor="ctr"/>
+          <a:lstStyle>
+            <a:lvl1pPr marL="0" algn="l" rtl="0" latinLnBrk="0">
+              <a:defRPr sz="1200" kern="1200">
+                <a:solidFill>
+                  <a:schemeClr val="tx1">
+                    <a:tint val="75000"/>
+                  </a:schemeClr>
+                </a:solidFill>
+                <a:latin typeface="+mn-lt"/>
+                <a:ea typeface="+mn-ea"/>
+                <a:cs typeface="+mn-cs"/>
+              </a:defRPr>
+            </a:lvl1pPr>
+            <a:lvl2pPr marL="457200" algn="l" rtl="0" latinLnBrk="0">
+              <a:defRPr sz="1800" kern="1200">
+                <a:solidFill>
+                  <a:schemeClr val="tx1"/>
+                </a:solidFill>
+                <a:latin typeface="+mn-lt"/>
+                <a:ea typeface="+mn-ea"/>
+                <a:cs typeface="+mn-cs"/>
+              </a:defRPr>
+            </a:lvl2pPr>
+            <a:lvl3pPr marL="914400" algn="l" rtl="0" latinLnBrk="0">
+              <a:defRPr sz="1800" kern="1200">
+                <a:solidFill>
+                  <a:schemeClr val="tx1"/>
+                </a:solidFill>
+                <a:latin typeface="+mn-lt"/>
+                <a:ea typeface="+mn-ea"/>
+                <a:cs typeface="+mn-cs"/>
+              </a:defRPr>
+            </a:lvl3pPr>
+            <a:lvl4pPr marL="1371600" algn="l" rtl="0" latinLnBrk="0">
+              <a:defRPr sz="1800" kern="1200">
+                <a:solidFill>
+                  <a:schemeClr val="tx1"/>
+                </a:solidFill>
+                <a:latin typeface="+mn-lt"/>
+                <a:ea typeface="+mn-ea"/>
+                <a:cs typeface="+mn-cs"/>
+              </a:defRPr>
+            </a:lvl4pPr>
+            <a:lvl5pPr marL="1828800" algn="l" rtl="0" latinLnBrk="0">
+              <a:defRPr sz="1800" kern="1200">
+                <a:solidFill>
+                  <a:schemeClr val="tx1"/>
+                </a:solidFill>
+                <a:latin typeface="+mn-lt"/>
+                <a:ea typeface="+mn-ea"/>
+                <a:cs typeface="+mn-cs"/>
+              </a:defRPr>
+            </a:lvl5pPr>
+            <a:lvl6pPr marL="2286000" algn="l" rtl="0" latinLnBrk="0">
+              <a:defRPr sz="1800" kern="1200">
+                <a:solidFill>
+                  <a:schemeClr val="tx1"/>
+                </a:solidFill>
+                <a:latin typeface="+mn-lt"/>
+                <a:ea typeface="+mn-ea"/>
+                <a:cs typeface="+mn-cs"/>
+              </a:defRPr>
+            </a:lvl6pPr>
+            <a:lvl7pPr marL="2743200" algn="l" rtl="0" latinLnBrk="0">
+              <a:defRPr sz="1800" kern="1200">
+                <a:solidFill>
+                  <a:schemeClr val="tx1"/>
+                </a:solidFill>
+                <a:latin typeface="+mn-lt"/>
+                <a:ea typeface="+mn-ea"/>
+                <a:cs typeface="+mn-cs"/>
+              </a:defRPr>
+            </a:lvl7pPr>
+            <a:lvl8pPr marL="3200400" algn="l" rtl="0" latinLnBrk="0">
+              <a:defRPr sz="1800" kern="1200">
+                <a:solidFill>
+                  <a:schemeClr val="tx1"/>
+                </a:solidFill>
+                <a:latin typeface="+mn-lt"/>
+                <a:ea typeface="+mn-ea"/>
+                <a:cs typeface="+mn-cs"/>
+              </a:defRPr>
+            </a:lvl8pPr>
+            <a:lvl9pPr marL="3657600" algn="l" rtl="0" latinLnBrk="0">
+              <a:defRPr sz="1800" kern="1200">
+                <a:solidFill>
+                  <a:schemeClr val="tx1"/>
+                </a:solidFill>
+                <a:latin typeface="+mn-lt"/>
+                <a:ea typeface="+mn-ea"/>
+                <a:cs typeface="+mn-cs"/>
+              </a:defRPr>
+            </a:lvl9pPr>
+          </a:lstStyle>
+          <a:p>
+            <a:r>
+              <a:rPr lang="en-US" sz="1050" dirty="0">
+                <a:latin typeface="Calibri" panose="020F0502020204030204" pitchFamily="34" charset="0"/>
+                <a:cs typeface="Calibri" panose="020F0502020204030204" pitchFamily="34" charset="0"/>
+              </a:rPr>
+              <a:t>ENHANCING NETWORKING MONITORING SYSTEMS BY OVERLAYING PROTOCOLS</a:t>
+            </a:r>
+          </a:p>
+        </p:txBody>
+      </p:sp>
+      <p:sp>
+        <p:nvSpPr>
+          <p:cNvPr id="7" name="Date Placeholder 3">
+            <a:extLst>
+              <a:ext uri="{FF2B5EF4-FFF2-40B4-BE49-F238E27FC236}">
+                <a16:creationId xmlns="" xmlns:a16="http://schemas.microsoft.com/office/drawing/2014/main" id="{7776AD0D-19A8-414D-80CE-F20CD3193C15}"/>
+              </a:ext>
+            </a:extLst>
+          </p:cNvPr>
+          <p:cNvSpPr txBox="1"/>
+          <p:nvPr/>
+        </p:nvSpPr>
+        <p:spPr>
+          <a:xfrm>
+            <a:off x="8402738" y="-15077"/>
+            <a:ext cx="990600" cy="349934"/>
+          </a:xfrm>
+          <a:prstGeom prst="rect">
+            <a:avLst/>
+          </a:prstGeom>
+        </p:spPr>
+        <p:txBody>
+          <a:bodyPr vert="horz" lIns="91440" tIns="45720" rIns="91440" bIns="45720" rtlCol="0" anchor="ctr"/>
+          <a:lstStyle>
+            <a:lvl1pPr marL="0" algn="l" rtl="0" latinLnBrk="0">
+              <a:defRPr sz="1200" kern="1200">
+                <a:solidFill>
+                  <a:schemeClr val="tx1">
+                    <a:tint val="75000"/>
+                  </a:schemeClr>
+                </a:solidFill>
+                <a:latin typeface="+mn-lt"/>
+                <a:ea typeface="+mn-ea"/>
+                <a:cs typeface="+mn-cs"/>
+              </a:defRPr>
+            </a:lvl1pPr>
+            <a:lvl2pPr marL="457200" algn="l" rtl="0" latinLnBrk="0">
+              <a:defRPr sz="1800" kern="1200">
+                <a:solidFill>
+                  <a:schemeClr val="tx1"/>
+                </a:solidFill>
+                <a:latin typeface="+mn-lt"/>
+                <a:ea typeface="+mn-ea"/>
+                <a:cs typeface="+mn-cs"/>
+              </a:defRPr>
+            </a:lvl2pPr>
+            <a:lvl3pPr marL="914400" algn="l" rtl="0" latinLnBrk="0">
+              <a:defRPr sz="1800" kern="1200">
+                <a:solidFill>
+                  <a:schemeClr val="tx1"/>
+                </a:solidFill>
+                <a:latin typeface="+mn-lt"/>
+                <a:ea typeface="+mn-ea"/>
+                <a:cs typeface="+mn-cs"/>
+              </a:defRPr>
+            </a:lvl3pPr>
+            <a:lvl4pPr marL="1371600" algn="l" rtl="0" latinLnBrk="0">
+              <a:defRPr sz="1800" kern="1200">
+                <a:solidFill>
+                  <a:schemeClr val="tx1"/>
+                </a:solidFill>
+                <a:latin typeface="+mn-lt"/>
+                <a:ea typeface="+mn-ea"/>
+                <a:cs typeface="+mn-cs"/>
+              </a:defRPr>
+            </a:lvl4pPr>
+            <a:lvl5pPr marL="1828800" algn="l" rtl="0" latinLnBrk="0">
+              <a:defRPr sz="1800" kern="1200">
+                <a:solidFill>
+                  <a:schemeClr val="tx1"/>
+                </a:solidFill>
+                <a:latin typeface="+mn-lt"/>
+                <a:ea typeface="+mn-ea"/>
+                <a:cs typeface="+mn-cs"/>
+              </a:defRPr>
+            </a:lvl5pPr>
+            <a:lvl6pPr marL="2286000" algn="l" rtl="0" latinLnBrk="0">
+              <a:defRPr sz="1800" kern="1200">
+                <a:solidFill>
+                  <a:schemeClr val="tx1"/>
+                </a:solidFill>
+                <a:latin typeface="+mn-lt"/>
+                <a:ea typeface="+mn-ea"/>
+                <a:cs typeface="+mn-cs"/>
+              </a:defRPr>
+            </a:lvl6pPr>
+            <a:lvl7pPr marL="2743200" algn="l" rtl="0" latinLnBrk="0">
+              <a:defRPr sz="1800" kern="1200">
+                <a:solidFill>
+                  <a:schemeClr val="tx1"/>
+                </a:solidFill>
+                <a:latin typeface="+mn-lt"/>
+                <a:ea typeface="+mn-ea"/>
+                <a:cs typeface="+mn-cs"/>
+              </a:defRPr>
+            </a:lvl7pPr>
+            <a:lvl8pPr marL="3200400" algn="l" rtl="0" latinLnBrk="0">
+              <a:defRPr sz="1800" kern="1200">
+                <a:solidFill>
+                  <a:schemeClr val="tx1"/>
+                </a:solidFill>
+                <a:latin typeface="+mn-lt"/>
+                <a:ea typeface="+mn-ea"/>
+                <a:cs typeface="+mn-cs"/>
+              </a:defRPr>
+            </a:lvl8pPr>
+            <a:lvl9pPr marL="3657600" algn="l" rtl="0" latinLnBrk="0">
+              <a:defRPr sz="1800" kern="1200">
+                <a:solidFill>
+                  <a:schemeClr val="tx1"/>
+                </a:solidFill>
+                <a:latin typeface="+mn-lt"/>
+                <a:ea typeface="+mn-ea"/>
+                <a:cs typeface="+mn-cs"/>
+              </a:defRPr>
+            </a:lvl9pPr>
+          </a:lstStyle>
+          <a:p>
+            <a:r>
+              <a:rPr lang="en-US" sz="1100" dirty="0"/>
+              <a:t>2020 - 21</a:t>
+            </a:r>
+          </a:p>
+        </p:txBody>
+      </p:sp>
+      <p:sp>
+        <p:nvSpPr>
+          <p:cNvPr id="8" name="Title 1">
+            <a:extLst>
+              <a:ext uri="{FF2B5EF4-FFF2-40B4-BE49-F238E27FC236}">
+                <a16:creationId xmlns="" xmlns:a16="http://schemas.microsoft.com/office/drawing/2014/main" id="{DC85129E-0B0B-4C64-B8AF-D549982166EC}"/>
+              </a:ext>
+            </a:extLst>
+          </p:cNvPr>
+          <p:cNvSpPr txBox="1">
+            <a:spLocks/>
+          </p:cNvSpPr>
+          <p:nvPr/>
+        </p:nvSpPr>
+        <p:spPr>
+          <a:xfrm>
+            <a:off x="457200" y="205978"/>
+            <a:ext cx="8229600" cy="857250"/>
+          </a:xfrm>
+          <a:prstGeom prst="rect">
+            <a:avLst/>
+          </a:prstGeom>
+        </p:spPr>
+        <p:txBody>
+          <a:bodyPr>
+            <a:normAutofit/>
+          </a:bodyPr>
+          <a:lstStyle>
+            <a:lvl1pPr algn="ctr" defTabSz="914400" rtl="0" eaLnBrk="1" latinLnBrk="0" hangingPunct="1">
+              <a:spcBef>
+                <a:spcPct val="0"/>
+              </a:spcBef>
+              <a:buNone/>
+              <a:defRPr sz="4400" kern="1200">
+                <a:solidFill>
+                  <a:schemeClr val="tx1"/>
+                </a:solidFill>
+                <a:latin typeface="+mj-lt"/>
+                <a:ea typeface="+mj-ea"/>
+                <a:cs typeface="+mj-cs"/>
+              </a:defRPr>
+            </a:lvl1pPr>
+          </a:lstStyle>
+          <a:p>
+            <a:r>
+              <a:rPr lang="en-US" sz="4000" dirty="0" smtClean="0">
+                <a:ln w="0"/>
+                <a:solidFill>
+                  <a:schemeClr val="accent1"/>
+                </a:solidFill>
+                <a:effectLst>
+                  <a:outerShdw blurRad="38100" dist="25400" dir="5400000" algn="ctr" rotWithShape="0">
+                    <a:srgbClr val="6E747A">
+                      <a:alpha val="43000"/>
+                    </a:srgbClr>
+                  </a:outerShdw>
+                </a:effectLst>
+                <a:latin typeface="Times New Roman" panose="02020603050405020304" pitchFamily="18" charset="0"/>
+                <a:cs typeface="Times New Roman" panose="02020603050405020304" pitchFamily="18" charset="0"/>
+              </a:rPr>
+              <a:t>LITERATURE SURVEY </a:t>
+            </a:r>
+            <a:endParaRPr lang="en-US" sz="4000" dirty="0">
+              <a:ln w="0"/>
+              <a:solidFill>
+                <a:schemeClr val="accent1"/>
+              </a:solidFill>
+              <a:effectLst>
+                <a:outerShdw blurRad="38100" dist="25400" dir="5400000" algn="ctr" rotWithShape="0">
+                  <a:srgbClr val="6E747A">
+                    <a:alpha val="43000"/>
+                  </a:srgbClr>
+                </a:outerShdw>
+              </a:effectLst>
+              <a:latin typeface="Times New Roman" panose="02020603050405020304" pitchFamily="18" charset="0"/>
+              <a:cs typeface="Times New Roman" panose="02020603050405020304" pitchFamily="18" charset="0"/>
+            </a:endParaRPr>
+          </a:p>
+        </p:txBody>
+      </p:sp>
+      <p:sp>
+        <p:nvSpPr>
+          <p:cNvPr id="9" name="Footer Placeholder 4"/>
+          <p:cNvSpPr txBox="1"/>
+          <p:nvPr/>
+        </p:nvSpPr>
+        <p:spPr>
+          <a:xfrm>
+            <a:off x="8610600" y="4770399"/>
+            <a:ext cx="287438" cy="270709"/>
+          </a:xfrm>
+          <a:prstGeom prst="rect">
+            <a:avLst/>
+          </a:prstGeom>
+        </p:spPr>
+        <p:txBody>
+          <a:bodyPr vert="horz" lIns="91440" tIns="45720" rIns="91440" bIns="45720" rtlCol="0" anchor="ctr"/>
+          <a:lstStyle>
+            <a:lvl1pPr marL="0" algn="ctr" rtl="0" latinLnBrk="0">
+              <a:defRPr sz="1200" kern="1200">
+                <a:solidFill>
+                  <a:schemeClr val="tx1">
+                    <a:tint val="75000"/>
+                  </a:schemeClr>
+                </a:solidFill>
+                <a:latin typeface="+mn-lt"/>
+                <a:ea typeface="+mn-ea"/>
+                <a:cs typeface="+mn-cs"/>
+              </a:defRPr>
+            </a:lvl1pPr>
+            <a:lvl2pPr marL="457200" algn="l" rtl="0" latinLnBrk="0">
+              <a:defRPr sz="1800" kern="1200">
+                <a:solidFill>
+                  <a:schemeClr val="tx1"/>
+                </a:solidFill>
+                <a:latin typeface="+mn-lt"/>
+                <a:ea typeface="+mn-ea"/>
+                <a:cs typeface="+mn-cs"/>
+              </a:defRPr>
+            </a:lvl2pPr>
+            <a:lvl3pPr marL="914400" algn="l" rtl="0" latinLnBrk="0">
+              <a:defRPr sz="1800" kern="1200">
+                <a:solidFill>
+                  <a:schemeClr val="tx1"/>
+                </a:solidFill>
+                <a:latin typeface="+mn-lt"/>
+                <a:ea typeface="+mn-ea"/>
+                <a:cs typeface="+mn-cs"/>
+              </a:defRPr>
+            </a:lvl3pPr>
+            <a:lvl4pPr marL="1371600" algn="l" rtl="0" latinLnBrk="0">
+              <a:defRPr sz="1800" kern="1200">
+                <a:solidFill>
+                  <a:schemeClr val="tx1"/>
+                </a:solidFill>
+                <a:latin typeface="+mn-lt"/>
+                <a:ea typeface="+mn-ea"/>
+                <a:cs typeface="+mn-cs"/>
+              </a:defRPr>
+            </a:lvl4pPr>
+            <a:lvl5pPr marL="1828800" algn="l" rtl="0" latinLnBrk="0">
+              <a:defRPr sz="1800" kern="1200">
+                <a:solidFill>
+                  <a:schemeClr val="tx1"/>
+                </a:solidFill>
+                <a:latin typeface="+mn-lt"/>
+                <a:ea typeface="+mn-ea"/>
+                <a:cs typeface="+mn-cs"/>
+              </a:defRPr>
+            </a:lvl5pPr>
+            <a:lvl6pPr marL="2286000" algn="l" rtl="0" latinLnBrk="0">
+              <a:defRPr sz="1800" kern="1200">
+                <a:solidFill>
+                  <a:schemeClr val="tx1"/>
+                </a:solidFill>
+                <a:latin typeface="+mn-lt"/>
+                <a:ea typeface="+mn-ea"/>
+                <a:cs typeface="+mn-cs"/>
+              </a:defRPr>
+            </a:lvl6pPr>
+            <a:lvl7pPr marL="2743200" algn="l" rtl="0" latinLnBrk="0">
+              <a:defRPr sz="1800" kern="1200">
+                <a:solidFill>
+                  <a:schemeClr val="tx1"/>
+                </a:solidFill>
+                <a:latin typeface="+mn-lt"/>
+                <a:ea typeface="+mn-ea"/>
+                <a:cs typeface="+mn-cs"/>
+              </a:defRPr>
+            </a:lvl7pPr>
+            <a:lvl8pPr marL="3200400" algn="l" rtl="0" latinLnBrk="0">
+              <a:defRPr sz="1800" kern="1200">
+                <a:solidFill>
+                  <a:schemeClr val="tx1"/>
+                </a:solidFill>
+                <a:latin typeface="+mn-lt"/>
+                <a:ea typeface="+mn-ea"/>
+                <a:cs typeface="+mn-cs"/>
+              </a:defRPr>
+            </a:lvl8pPr>
+            <a:lvl9pPr marL="3657600" algn="l" rtl="0" latinLnBrk="0">
+              <a:defRPr sz="1800" kern="1200">
+                <a:solidFill>
+                  <a:schemeClr val="tx1"/>
+                </a:solidFill>
+                <a:latin typeface="+mn-lt"/>
+                <a:ea typeface="+mn-ea"/>
+                <a:cs typeface="+mn-cs"/>
+              </a:defRPr>
+            </a:lvl9pPr>
+          </a:lstStyle>
+          <a:p>
+            <a:pPr algn="r"/>
+            <a:r>
+              <a:rPr lang="en-US" sz="1400" dirty="0">
+                <a:solidFill>
+                  <a:schemeClr val="tx2"/>
+                </a:solidFill>
+              </a:rPr>
+              <a:t>6</a:t>
+            </a:r>
+          </a:p>
+        </p:txBody>
+      </p:sp>
+    </p:spTree>
+    <p:extLst>
+      <p:ext uri="{BB962C8B-B14F-4D97-AF65-F5344CB8AC3E}">
+        <p14:creationId xmlns:p14="http://schemas.microsoft.com/office/powerpoint/2010/main" val="3955797007"/>
+      </p:ext>
+    </p:extLst>
+  </p:cSld>
+  <p:clrMapOvr>
+    <a:masterClrMapping/>
+  </p:clrMapOvr>
+</p:sld>
+</file>
+
+<file path=ppt/slides/slide8.xml><?xml version="1.0" encoding="utf-8"?>
+<p:sld xmlns:a="http://schemas.openxmlformats.org/drawingml/2006/main" xmlns:r="http://schemas.openxmlformats.org/officeDocument/2006/relationships" xmlns:p="http://schemas.openxmlformats.org/presentationml/2006/main">
+  <p:cSld>
+    <p:spTree>
+      <p:nvGrpSpPr>
+        <p:cNvPr id="1" name=""/>
+        <p:cNvGrpSpPr/>
+        <p:nvPr/>
+      </p:nvGrpSpPr>
+      <p:grpSpPr>
+        <a:xfrm>
+          <a:off x="0" y="0"/>
+          <a:ext cx="0" cy="0"/>
+          <a:chOff x="0" y="0"/>
+          <a:chExt cx="0" cy="0"/>
+        </a:xfrm>
+      </p:grpSpPr>
+      <p:sp>
+        <p:nvSpPr>
           <p:cNvPr id="3" name="Content Placeholder 2"/>
           <p:cNvSpPr>
             <a:spLocks noGrp="1"/>
@@ -13143,103 +14537,7 @@
                 <a:ea typeface="Times New Roman" panose="02020603050405020304" pitchFamily="18" charset="0"/>
                 <a:cs typeface="Times New Roman" panose="02020603050405020304" pitchFamily="18" charset="0"/>
               </a:rPr>
-              <a:t>arket are </a:t>
-            </a:r>
-            <a:r>
-              <a:rPr lang="en-US" sz="1200" dirty="0" err="1">
-                <a:latin typeface="Times New Roman" panose="02020603050405020304" pitchFamily="18" charset="0"/>
-                <a:ea typeface="Times New Roman" panose="02020603050405020304" pitchFamily="18" charset="0"/>
-                <a:cs typeface="Times New Roman" panose="02020603050405020304" pitchFamily="18" charset="0"/>
-              </a:rPr>
-              <a:t>solarwinds</a:t>
-            </a:r>
-            <a:r>
-              <a:rPr lang="en-US" sz="1200" dirty="0">
-                <a:latin typeface="Times New Roman" panose="02020603050405020304" pitchFamily="18" charset="0"/>
-                <a:ea typeface="Times New Roman" panose="02020603050405020304" pitchFamily="18" charset="0"/>
-                <a:cs typeface="Times New Roman" panose="02020603050405020304" pitchFamily="18" charset="0"/>
-              </a:rPr>
-              <a:t>, </a:t>
-            </a:r>
-            <a:r>
-              <a:rPr lang="en-US" sz="1200" dirty="0" err="1">
-                <a:latin typeface="Times New Roman" panose="02020603050405020304" pitchFamily="18" charset="0"/>
-                <a:ea typeface="Times New Roman" panose="02020603050405020304" pitchFamily="18" charset="0"/>
-                <a:cs typeface="Times New Roman" panose="02020603050405020304" pitchFamily="18" charset="0"/>
-              </a:rPr>
-              <a:t>openNMS</a:t>
-            </a:r>
-            <a:r>
-              <a:rPr lang="en-US" sz="1200" dirty="0">
-                <a:latin typeface="Times New Roman" panose="02020603050405020304" pitchFamily="18" charset="0"/>
-                <a:ea typeface="Times New Roman" panose="02020603050405020304" pitchFamily="18" charset="0"/>
-                <a:cs typeface="Times New Roman" panose="02020603050405020304" pitchFamily="18" charset="0"/>
-              </a:rPr>
-              <a:t>, </a:t>
-            </a:r>
-            <a:r>
-              <a:rPr lang="en-US" sz="1200" dirty="0" err="1">
-                <a:latin typeface="Times New Roman" panose="02020603050405020304" pitchFamily="18" charset="0"/>
-                <a:ea typeface="Times New Roman" panose="02020603050405020304" pitchFamily="18" charset="0"/>
-                <a:cs typeface="Times New Roman" panose="02020603050405020304" pitchFamily="18" charset="0"/>
-              </a:rPr>
-              <a:t>WhatsUpGold</a:t>
-            </a:r>
-            <a:r>
-              <a:rPr lang="en-US" sz="1200" dirty="0">
-                <a:latin typeface="Times New Roman" panose="02020603050405020304" pitchFamily="18" charset="0"/>
-                <a:ea typeface="Times New Roman" panose="02020603050405020304" pitchFamily="18" charset="0"/>
-                <a:cs typeface="Times New Roman" panose="02020603050405020304" pitchFamily="18" charset="0"/>
-              </a:rPr>
-              <a:t>, </a:t>
-            </a:r>
-            <a:r>
-              <a:rPr lang="en-US" sz="1200" dirty="0" err="1">
-                <a:latin typeface="Times New Roman" panose="02020603050405020304" pitchFamily="18" charset="0"/>
-                <a:ea typeface="Times New Roman" panose="02020603050405020304" pitchFamily="18" charset="0"/>
-                <a:cs typeface="Times New Roman" panose="02020603050405020304" pitchFamily="18" charset="0"/>
-              </a:rPr>
-              <a:t>Intermapper</a:t>
-            </a:r>
-            <a:r>
-              <a:rPr lang="en-US" sz="1200" dirty="0">
-                <a:latin typeface="Times New Roman" panose="02020603050405020304" pitchFamily="18" charset="0"/>
-                <a:ea typeface="Times New Roman" panose="02020603050405020304" pitchFamily="18" charset="0"/>
-                <a:cs typeface="Times New Roman" panose="02020603050405020304" pitchFamily="18" charset="0"/>
-              </a:rPr>
-              <a:t>, </a:t>
-            </a:r>
-            <a:r>
-              <a:rPr lang="en-US" sz="1200" dirty="0" err="1">
-                <a:latin typeface="Times New Roman" panose="02020603050405020304" pitchFamily="18" charset="0"/>
-                <a:ea typeface="Times New Roman" panose="02020603050405020304" pitchFamily="18" charset="0"/>
-                <a:cs typeface="Times New Roman" panose="02020603050405020304" pitchFamily="18" charset="0"/>
-              </a:rPr>
-              <a:t>OpManager</a:t>
-            </a:r>
-            <a:r>
-              <a:rPr lang="en-US" sz="1200" dirty="0">
-                <a:latin typeface="Times New Roman" panose="02020603050405020304" pitchFamily="18" charset="0"/>
-                <a:ea typeface="Times New Roman" panose="02020603050405020304" pitchFamily="18" charset="0"/>
-                <a:cs typeface="Times New Roman" panose="02020603050405020304" pitchFamily="18" charset="0"/>
-              </a:rPr>
-              <a:t> and </a:t>
-            </a:r>
-            <a:r>
-              <a:rPr lang="en-US" sz="1200" dirty="0" err="1">
-                <a:latin typeface="Times New Roman" panose="02020603050405020304" pitchFamily="18" charset="0"/>
-                <a:ea typeface="Times New Roman" panose="02020603050405020304" pitchFamily="18" charset="0"/>
-                <a:cs typeface="Times New Roman" panose="02020603050405020304" pitchFamily="18" charset="0"/>
-              </a:rPr>
-              <a:t>AppNeta</a:t>
-            </a:r>
-            <a:r>
-              <a:rPr lang="en-US" sz="1200" dirty="0">
-                <a:latin typeface="Times New Roman" panose="02020603050405020304" pitchFamily="18" charset="0"/>
-                <a:ea typeface="Times New Roman" panose="02020603050405020304" pitchFamily="18" charset="0"/>
-                <a:cs typeface="Times New Roman" panose="02020603050405020304" pitchFamily="18" charset="0"/>
-              </a:rPr>
-              <a:t>. Almost, all of these software assume that there administrators that will monitor small-to-medium sized business networks and administrator. Further, thy also assume that there are multiple administrators in a network. </a:t>
+              <a:t>arket are solarwinds, openNMS, WhatsUpGold, Intermapper, OpManager and AppNeta. Almost, all of these software assume that there administrators that will monitor small-to-medium sized business networks and administrator. Further, thy also assume that there are multiple administrators in a network. </a:t>
             </a:r>
           </a:p>
           <a:p>
@@ -13269,23 +14567,7 @@
                 <a:ea typeface="Times New Roman" panose="02020603050405020304" pitchFamily="18" charset="0"/>
                 <a:cs typeface="Times New Roman" panose="02020603050405020304" pitchFamily="18" charset="0"/>
               </a:rPr>
-              <a:t>Most of them don’t support Multicast protocols and as a result they are unable to provide device information in real time such as firmware version, </a:t>
-            </a:r>
-            <a:r>
-              <a:rPr lang="en-US" sz="1200" dirty="0" err="1">
-                <a:latin typeface="Times New Roman" panose="02020603050405020304" pitchFamily="18" charset="0"/>
-                <a:ea typeface="Times New Roman" panose="02020603050405020304" pitchFamily="18" charset="0"/>
-                <a:cs typeface="Times New Roman" panose="02020603050405020304" pitchFamily="18" charset="0"/>
-              </a:rPr>
-              <a:t>os</a:t>
-            </a:r>
-            <a:r>
-              <a:rPr lang="en-US" sz="1200" dirty="0">
-                <a:latin typeface="Times New Roman" panose="02020603050405020304" pitchFamily="18" charset="0"/>
-                <a:ea typeface="Times New Roman" panose="02020603050405020304" pitchFamily="18" charset="0"/>
-                <a:cs typeface="Times New Roman" panose="02020603050405020304" pitchFamily="18" charset="0"/>
-              </a:rPr>
-              <a:t> version, update notifications and so on.</a:t>
+              <a:t>Most of them don’t support Multicast protocols and as a result they are unable to provide device information in real time such as firmware version, os version, update notifications and so on.</a:t>
             </a:r>
           </a:p>
           <a:p>
@@ -13494,7 +14776,7 @@
                   <a:schemeClr val="tx2"/>
                 </a:solidFill>
               </a:rPr>
-              <a:t>5</a:t>
+              <a:t>7</a:t>
             </a:r>
           </a:p>
         </p:txBody>
@@ -13504,7 +14786,7 @@
           <p:cNvPr id="11" name="Title 1">
             <a:extLst>
               <a:ext uri="{FF2B5EF4-FFF2-40B4-BE49-F238E27FC236}">
-                <a16:creationId xmlns:a16="http://schemas.microsoft.com/office/drawing/2014/main" id="{DC85129E-0B0B-4C64-B8AF-D549982166EC}"/>
+                <a16:creationId xmlns="" xmlns:a16="http://schemas.microsoft.com/office/drawing/2014/main" id="{DC85129E-0B0B-4C64-B8AF-D549982166EC}"/>
               </a:ext>
             </a:extLst>
           </p:cNvPr>
@@ -13553,7 +14835,7 @@
           <p:cNvPr id="13" name="Footer Placeholder 4">
             <a:extLst>
               <a:ext uri="{FF2B5EF4-FFF2-40B4-BE49-F238E27FC236}">
-                <a16:creationId xmlns:a16="http://schemas.microsoft.com/office/drawing/2014/main" id="{D1ABF561-8E91-4704-BDD7-0520E3848081}"/>
+                <a16:creationId xmlns="" xmlns:a16="http://schemas.microsoft.com/office/drawing/2014/main" id="{D1ABF561-8E91-4704-BDD7-0520E3848081}"/>
               </a:ext>
             </a:extLst>
           </p:cNvPr>
@@ -13591,7 +14873,7 @@
           <p:cNvPr id="12" name="Date Placeholder 3">
             <a:extLst>
               <a:ext uri="{FF2B5EF4-FFF2-40B4-BE49-F238E27FC236}">
-                <a16:creationId xmlns:a16="http://schemas.microsoft.com/office/drawing/2014/main" id="{54B6F2D0-7DB8-46A8-BE38-9A76D2B8158B}"/>
+                <a16:creationId xmlns="" xmlns:a16="http://schemas.microsoft.com/office/drawing/2014/main" id="{54B6F2D0-7DB8-46A8-BE38-9A76D2B8158B}"/>
               </a:ext>
             </a:extLst>
           </p:cNvPr>
@@ -13719,7 +15001,7 @@
           <p:cNvPr id="15" name="Date Placeholder 3">
             <a:extLst>
               <a:ext uri="{FF2B5EF4-FFF2-40B4-BE49-F238E27FC236}">
-                <a16:creationId xmlns:a16="http://schemas.microsoft.com/office/drawing/2014/main" id="{7776AD0D-19A8-414D-80CE-F20CD3193C15}"/>
+                <a16:creationId xmlns="" xmlns:a16="http://schemas.microsoft.com/office/drawing/2014/main" id="{7776AD0D-19A8-414D-80CE-F20CD3193C15}"/>
               </a:ext>
             </a:extLst>
           </p:cNvPr>
@@ -13844,7 +15126,7 @@
           <p:cNvPr id="16" name="Date Placeholder 3">
             <a:extLst>
               <a:ext uri="{FF2B5EF4-FFF2-40B4-BE49-F238E27FC236}">
-                <a16:creationId xmlns:a16="http://schemas.microsoft.com/office/drawing/2014/main" id="{2135CCC7-8B9E-459F-BB5B-78E5BAC4A86B}"/>
+                <a16:creationId xmlns="" xmlns:a16="http://schemas.microsoft.com/office/drawing/2014/main" id="{2135CCC7-8B9E-459F-BB5B-78E5BAC4A86B}"/>
               </a:ext>
             </a:extLst>
           </p:cNvPr>
@@ -13887,7 +15169,7 @@
 </p:sld>
 </file>
 
-<file path=ppt/slides/slide8.xml><?xml version="1.0" encoding="utf-8"?>
+<file path=ppt/slides/slide9.xml><?xml version="1.0" encoding="utf-8"?>
 <p:sld xmlns:a="http://schemas.openxmlformats.org/drawingml/2006/main" xmlns:r="http://schemas.openxmlformats.org/officeDocument/2006/relationships" xmlns:p="http://schemas.openxmlformats.org/presentationml/2006/main">
   <p:cSld>
     <p:bg>
@@ -13934,8 +15216,73 @@
           </a:bodyPr>
           <a:lstStyle/>
           <a:p>
+            <a:pPr marL="0" indent="0" algn="just">
+              <a:buNone/>
+            </a:pPr>
+            <a:r>
+              <a:rPr lang="en-US" sz="1200" dirty="0">
+                <a:ln w="0"/>
+                <a:solidFill>
+                  <a:schemeClr val="accent1"/>
+                </a:solidFill>
+                <a:effectLst>
+                  <a:outerShdw blurRad="38100" dist="25400" dir="5400000" algn="ctr" rotWithShape="0">
+                    <a:srgbClr val="6E747A">
+                      <a:alpha val="43000"/>
+                    </a:srgbClr>
+                  </a:outerShdw>
+                </a:effectLst>
+                <a:latin typeface="Times New Roman" panose="02020603050405020304" pitchFamily="18" charset="0"/>
+                <a:cs typeface="Times New Roman" panose="02020603050405020304" pitchFamily="18" charset="0"/>
+              </a:rPr>
+              <a:t>EXISTING </a:t>
+            </a:r>
+            <a:r>
+              <a:rPr lang="en-US" sz="1200" dirty="0" smtClean="0">
+                <a:ln w="0"/>
+                <a:solidFill>
+                  <a:schemeClr val="accent1"/>
+                </a:solidFill>
+                <a:effectLst>
+                  <a:outerShdw blurRad="38100" dist="25400" dir="5400000" algn="ctr" rotWithShape="0">
+                    <a:srgbClr val="6E747A">
+                      <a:alpha val="43000"/>
+                    </a:srgbClr>
+                  </a:outerShdw>
+                </a:effectLst>
+                <a:latin typeface="Times New Roman" panose="02020603050405020304" pitchFamily="18" charset="0"/>
+                <a:cs typeface="Times New Roman" panose="02020603050405020304" pitchFamily="18" charset="0"/>
+              </a:rPr>
+              <a:t>SYSTEM</a:t>
+            </a:r>
+          </a:p>
+          <a:p>
+            <a:pPr marL="0" indent="0" algn="just">
+              <a:buNone/>
+            </a:pPr>
+            <a:endParaRPr lang="en-US" sz="1200" dirty="0" smtClean="0">
+              <a:solidFill>
+                <a:srgbClr val="231F20"/>
+              </a:solidFill>
+              <a:effectLst/>
+              <a:latin typeface="Times New Roman" panose="02020603050405020304" pitchFamily="18" charset="0"/>
+              <a:ea typeface="Times New Roman" panose="02020603050405020304" pitchFamily="18" charset="0"/>
+            </a:endParaRPr>
+          </a:p>
+          <a:p>
             <a:pPr algn="just"/>
             <a:r>
+              <a:rPr lang="en-US" sz="1200" dirty="0" smtClean="0">
+                <a:solidFill>
+                  <a:srgbClr val="231F20"/>
+                </a:solidFill>
+                <a:effectLst/>
+                <a:latin typeface="Times New Roman" panose="02020603050405020304" pitchFamily="18" charset="0"/>
+                <a:ea typeface="Times New Roman" panose="02020603050405020304" pitchFamily="18" charset="0"/>
+              </a:rPr>
+              <a:t>Networks </a:t>
+            </a:r>
+            <a:r>
               <a:rPr lang="en-US" sz="1200" dirty="0">
                 <a:solidFill>
                   <a:srgbClr val="231F20"/>
@@ -13944,7 +15291,7 @@
                 <a:latin typeface="Times New Roman" panose="02020603050405020304" pitchFamily="18" charset="0"/>
                 <a:ea typeface="Times New Roman" panose="02020603050405020304" pitchFamily="18" charset="0"/>
               </a:rPr>
-              <a:t>Networks are the backbone for any enterprise. Any network outage is a colossal loss for the organizations. As a result, they employ a separate team to look after their labs by constantly logging into several system interfaces and manual loggin</a:t>
+              <a:t>are the backbone for any enterprise. Any network outage is a colossal loss for the organizations. As a result, they employ a separate team to look after their labs by constantly logging into several system interfaces and manual loggin</a:t>
             </a:r>
             <a:r>
               <a:rPr lang="en-US" sz="1200" dirty="0">
@@ -14203,7 +15550,7 @@
                   <a:schemeClr val="tx2"/>
                 </a:solidFill>
               </a:rPr>
-              <a:t>6</a:t>
+              <a:t>8</a:t>
             </a:r>
           </a:p>
         </p:txBody>
@@ -14213,7 +15560,7 @@
           <p:cNvPr id="11" name="Title 1">
             <a:extLst>
               <a:ext uri="{FF2B5EF4-FFF2-40B4-BE49-F238E27FC236}">
-                <a16:creationId xmlns:a16="http://schemas.microsoft.com/office/drawing/2014/main" id="{DC85129E-0B0B-4C64-B8AF-D549982166EC}"/>
+                <a16:creationId xmlns="" xmlns:a16="http://schemas.microsoft.com/office/drawing/2014/main" id="{DC85129E-0B0B-4C64-B8AF-D549982166EC}"/>
               </a:ext>
             </a:extLst>
           </p:cNvPr>
@@ -14262,7 +15609,7 @@
           <p:cNvPr id="13" name="Footer Placeholder 4">
             <a:extLst>
               <a:ext uri="{FF2B5EF4-FFF2-40B4-BE49-F238E27FC236}">
-                <a16:creationId xmlns:a16="http://schemas.microsoft.com/office/drawing/2014/main" id="{D1ABF561-8E91-4704-BDD7-0520E3848081}"/>
+                <a16:creationId xmlns="" xmlns:a16="http://schemas.microsoft.com/office/drawing/2014/main" id="{D1ABF561-8E91-4704-BDD7-0520E3848081}"/>
               </a:ext>
             </a:extLst>
           </p:cNvPr>
@@ -14300,7 +15647,7 @@
           <p:cNvPr id="12" name="Date Placeholder 3">
             <a:extLst>
               <a:ext uri="{FF2B5EF4-FFF2-40B4-BE49-F238E27FC236}">
-                <a16:creationId xmlns:a16="http://schemas.microsoft.com/office/drawing/2014/main" id="{176EA1C9-E23B-48AB-8281-D2D5849F059E}"/>
+                <a16:creationId xmlns="" xmlns:a16="http://schemas.microsoft.com/office/drawing/2014/main" id="{176EA1C9-E23B-48AB-8281-D2D5849F059E}"/>
               </a:ext>
             </a:extLst>
           </p:cNvPr>
@@ -14428,7 +15775,7 @@
           <p:cNvPr id="14" name="Date Placeholder 3">
             <a:extLst>
               <a:ext uri="{FF2B5EF4-FFF2-40B4-BE49-F238E27FC236}">
-                <a16:creationId xmlns:a16="http://schemas.microsoft.com/office/drawing/2014/main" id="{89B01AFC-C763-4360-A0DF-36623F26E639}"/>
+                <a16:creationId xmlns="" xmlns:a16="http://schemas.microsoft.com/office/drawing/2014/main" id="{89B01AFC-C763-4360-A0DF-36623F26E639}"/>
               </a:ext>
             </a:extLst>
           </p:cNvPr>
@@ -14553,7 +15900,7 @@
           <p:cNvPr id="16" name="Date Placeholder 3">
             <a:extLst>
               <a:ext uri="{FF2B5EF4-FFF2-40B4-BE49-F238E27FC236}">
-                <a16:creationId xmlns:a16="http://schemas.microsoft.com/office/drawing/2014/main" id="{57EFB148-FA92-4E16-96EF-077DDA9F085C}"/>
+                <a16:creationId xmlns="" xmlns:a16="http://schemas.microsoft.com/office/drawing/2014/main" id="{57EFB148-FA92-4E16-96EF-077DDA9F085C}"/>
               </a:ext>
             </a:extLst>
           </p:cNvPr>
@@ -14584,659 +15931,6 @@
         </p:txBody>
       </p:sp>
     </p:spTree>
-  </p:cSld>
-  <p:clrMapOvr>
-    <a:masterClrMapping/>
-  </p:clrMapOvr>
-</p:sld>
-</file>
-
-<file path=ppt/slides/slide9.xml><?xml version="1.0" encoding="utf-8"?>
-<p:sld xmlns:a="http://schemas.openxmlformats.org/drawingml/2006/main" xmlns:r="http://schemas.openxmlformats.org/officeDocument/2006/relationships" xmlns:p="http://schemas.openxmlformats.org/presentationml/2006/main">
-  <p:cSld>
-    <p:spTree>
-      <p:nvGrpSpPr>
-        <p:cNvPr id="1" name=""/>
-        <p:cNvGrpSpPr/>
-        <p:nvPr/>
-      </p:nvGrpSpPr>
-      <p:grpSpPr>
-        <a:xfrm>
-          <a:off x="0" y="0"/>
-          <a:ext cx="0" cy="0"/>
-          <a:chOff x="0" y="0"/>
-          <a:chExt cx="0" cy="0"/>
-        </a:xfrm>
-      </p:grpSpPr>
-      <p:sp>
-        <p:nvSpPr>
-          <p:cNvPr id="3" name="Content Placeholder 2"/>
-          <p:cNvSpPr>
-            <a:spLocks noGrp="1"/>
-          </p:cNvSpPr>
-          <p:nvPr>
-            <p:ph idx="1"/>
-          </p:nvPr>
-        </p:nvSpPr>
-        <p:spPr>
-          <a:xfrm>
-            <a:off x="304800" y="1199388"/>
-            <a:ext cx="5638800" cy="3353561"/>
-          </a:xfrm>
-        </p:spPr>
-        <p:txBody>
-          <a:bodyPr>
-            <a:normAutofit lnSpcReduction="10000"/>
-          </a:bodyPr>
-          <a:lstStyle/>
-          <a:p>
-            <a:pPr marL="0" indent="0" algn="just">
-              <a:buNone/>
-            </a:pPr>
-            <a:r>
-              <a:rPr lang="en-US" sz="1200" dirty="0">
-                <a:latin typeface="Times New Roman" panose="02020603050405020304" pitchFamily="18" charset="0"/>
-                <a:cs typeface="Times New Roman" panose="02020603050405020304" pitchFamily="18" charset="0"/>
-              </a:rPr>
-              <a:t>In general, methodology refers to a set of procedures used to conduct a project. The various stages are explained below:</a:t>
-            </a:r>
-          </a:p>
-          <a:p>
-            <a:pPr marL="0" indent="0" algn="just">
-              <a:buNone/>
-            </a:pPr>
-            <a:endParaRPr lang="en-US" sz="1200" dirty="0">
-              <a:latin typeface="Times New Roman" panose="02020603050405020304" pitchFamily="18" charset="0"/>
-              <a:cs typeface="Times New Roman" panose="02020603050405020304" pitchFamily="18" charset="0"/>
-            </a:endParaRPr>
-          </a:p>
-          <a:p>
-            <a:pPr algn="just"/>
-            <a:r>
-              <a:rPr lang="en-US" sz="1200" dirty="0">
-                <a:latin typeface="Times New Roman" panose="02020603050405020304" pitchFamily="18" charset="0"/>
-                <a:cs typeface="Times New Roman" panose="02020603050405020304" pitchFamily="18" charset="0"/>
-              </a:rPr>
-              <a:t>Project Planning: This is done by allocating tasks that are going to be done within a given time period. This is important to make sure this project can be carried out perfectly and meeting the requirements.</a:t>
-            </a:r>
-          </a:p>
-          <a:p>
-            <a:pPr algn="just"/>
-            <a:r>
-              <a:rPr lang="en-US" sz="1200" dirty="0">
-                <a:latin typeface="Times New Roman" panose="02020603050405020304" pitchFamily="18" charset="0"/>
-                <a:cs typeface="Times New Roman" panose="02020603050405020304" pitchFamily="18" charset="0"/>
-              </a:rPr>
-              <a:t>Research and Analysis: It involves literature survey of related journals, books, research papers and developers’ forums to get a better understanding and clear view about the research scope that will be carried out. </a:t>
-            </a:r>
-          </a:p>
-          <a:p>
-            <a:pPr algn="just"/>
-            <a:r>
-              <a:rPr lang="en-US" sz="1200" dirty="0">
-                <a:latin typeface="Times New Roman" panose="02020603050405020304" pitchFamily="18" charset="0"/>
-                <a:cs typeface="Times New Roman" panose="02020603050405020304" pitchFamily="18" charset="0"/>
-              </a:rPr>
-              <a:t>Development of Project: This involves implementing code for various Back-end and Front-end  modules of the project. Also, the installation and configuration various software requirements, databases  and so on come under this phase. </a:t>
-            </a:r>
-          </a:p>
-          <a:p>
-            <a:pPr algn="just"/>
-            <a:r>
-              <a:rPr lang="en-US" sz="1200" dirty="0">
-                <a:latin typeface="Times New Roman" panose="02020603050405020304" pitchFamily="18" charset="0"/>
-                <a:cs typeface="Times New Roman" panose="02020603050405020304" pitchFamily="18" charset="0"/>
-              </a:rPr>
-              <a:t>System Analysis and Improvement: The developed system is to be thoroughly studied and analyzed to further understand how it works in real environment by deploying it in a simulated network environment. </a:t>
-            </a:r>
-          </a:p>
-          <a:p>
-            <a:pPr algn="just"/>
-            <a:r>
-              <a:rPr lang="en-US" sz="1200" dirty="0">
-                <a:latin typeface="Times New Roman" panose="02020603050405020304" pitchFamily="18" charset="0"/>
-                <a:cs typeface="Times New Roman" panose="02020603050405020304" pitchFamily="18" charset="0"/>
-              </a:rPr>
-              <a:t>Integration and Testing: This system is tested rigorously in this phase with different parameters and configurations to see whether it can meet the required expectations. </a:t>
-            </a:r>
-          </a:p>
-        </p:txBody>
-      </p:sp>
-      <p:sp>
-        <p:nvSpPr>
-          <p:cNvPr id="6" name="Footer Placeholder 4"/>
-          <p:cNvSpPr txBox="1"/>
-          <p:nvPr/>
-        </p:nvSpPr>
-        <p:spPr>
-          <a:xfrm>
-            <a:off x="8610600" y="4770399"/>
-            <a:ext cx="287438" cy="270709"/>
-          </a:xfrm>
-          <a:prstGeom prst="rect">
-            <a:avLst/>
-          </a:prstGeom>
-        </p:spPr>
-        <p:txBody>
-          <a:bodyPr vert="horz" lIns="91440" tIns="45720" rIns="91440" bIns="45720" rtlCol="0" anchor="ctr"/>
-          <a:lstStyle>
-            <a:lvl1pPr marL="0" algn="ctr" rtl="0" latinLnBrk="0">
-              <a:defRPr sz="1200" kern="1200">
-                <a:solidFill>
-                  <a:schemeClr val="tx1">
-                    <a:tint val="75000"/>
-                  </a:schemeClr>
-                </a:solidFill>
-                <a:latin typeface="+mn-lt"/>
-                <a:ea typeface="+mn-ea"/>
-                <a:cs typeface="+mn-cs"/>
-              </a:defRPr>
-            </a:lvl1pPr>
-            <a:lvl2pPr marL="457200" algn="l" rtl="0" latinLnBrk="0">
-              <a:defRPr sz="1800" kern="1200">
-                <a:solidFill>
-                  <a:schemeClr val="tx1"/>
-                </a:solidFill>
-                <a:latin typeface="+mn-lt"/>
-                <a:ea typeface="+mn-ea"/>
-                <a:cs typeface="+mn-cs"/>
-              </a:defRPr>
-            </a:lvl2pPr>
-            <a:lvl3pPr marL="914400" algn="l" rtl="0" latinLnBrk="0">
-              <a:defRPr sz="1800" kern="1200">
-                <a:solidFill>
-                  <a:schemeClr val="tx1"/>
-                </a:solidFill>
-                <a:latin typeface="+mn-lt"/>
-                <a:ea typeface="+mn-ea"/>
-                <a:cs typeface="+mn-cs"/>
-              </a:defRPr>
-            </a:lvl3pPr>
-            <a:lvl4pPr marL="1371600" algn="l" rtl="0" latinLnBrk="0">
-              <a:defRPr sz="1800" kern="1200">
-                <a:solidFill>
-                  <a:schemeClr val="tx1"/>
-                </a:solidFill>
-                <a:latin typeface="+mn-lt"/>
-                <a:ea typeface="+mn-ea"/>
-                <a:cs typeface="+mn-cs"/>
-              </a:defRPr>
-            </a:lvl4pPr>
-            <a:lvl5pPr marL="1828800" algn="l" rtl="0" latinLnBrk="0">
-              <a:defRPr sz="1800" kern="1200">
-                <a:solidFill>
-                  <a:schemeClr val="tx1"/>
-                </a:solidFill>
-                <a:latin typeface="+mn-lt"/>
-                <a:ea typeface="+mn-ea"/>
-                <a:cs typeface="+mn-cs"/>
-              </a:defRPr>
-            </a:lvl5pPr>
-            <a:lvl6pPr marL="2286000" algn="l" rtl="0" latinLnBrk="0">
-              <a:defRPr sz="1800" kern="1200">
-                <a:solidFill>
-                  <a:schemeClr val="tx1"/>
-                </a:solidFill>
-                <a:latin typeface="+mn-lt"/>
-                <a:ea typeface="+mn-ea"/>
-                <a:cs typeface="+mn-cs"/>
-              </a:defRPr>
-            </a:lvl6pPr>
-            <a:lvl7pPr marL="2743200" algn="l" rtl="0" latinLnBrk="0">
-              <a:defRPr sz="1800" kern="1200">
-                <a:solidFill>
-                  <a:schemeClr val="tx1"/>
-                </a:solidFill>
-                <a:latin typeface="+mn-lt"/>
-                <a:ea typeface="+mn-ea"/>
-                <a:cs typeface="+mn-cs"/>
-              </a:defRPr>
-            </a:lvl7pPr>
-            <a:lvl8pPr marL="3200400" algn="l" rtl="0" latinLnBrk="0">
-              <a:defRPr sz="1800" kern="1200">
-                <a:solidFill>
-                  <a:schemeClr val="tx1"/>
-                </a:solidFill>
-                <a:latin typeface="+mn-lt"/>
-                <a:ea typeface="+mn-ea"/>
-                <a:cs typeface="+mn-cs"/>
-              </a:defRPr>
-            </a:lvl8pPr>
-            <a:lvl9pPr marL="3657600" algn="l" rtl="0" latinLnBrk="0">
-              <a:defRPr sz="1800" kern="1200">
-                <a:solidFill>
-                  <a:schemeClr val="tx1"/>
-                </a:solidFill>
-                <a:latin typeface="+mn-lt"/>
-                <a:ea typeface="+mn-ea"/>
-                <a:cs typeface="+mn-cs"/>
-              </a:defRPr>
-            </a:lvl9pPr>
-          </a:lstStyle>
-          <a:p>
-            <a:pPr algn="r"/>
-            <a:r>
-              <a:rPr lang="en-US" sz="1400" dirty="0">
-                <a:solidFill>
-                  <a:schemeClr val="tx2"/>
-                </a:solidFill>
-              </a:rPr>
-              <a:t>7</a:t>
-            </a:r>
-          </a:p>
-        </p:txBody>
-      </p:sp>
-      <p:sp>
-        <p:nvSpPr>
-          <p:cNvPr id="11" name="Title 1">
-            <a:extLst>
-              <a:ext uri="{FF2B5EF4-FFF2-40B4-BE49-F238E27FC236}">
-                <a16:creationId xmlns:a16="http://schemas.microsoft.com/office/drawing/2014/main" id="{DC85129E-0B0B-4C64-B8AF-D549982166EC}"/>
-              </a:ext>
-            </a:extLst>
-          </p:cNvPr>
-          <p:cNvSpPr>
-            <a:spLocks noGrp="1"/>
-          </p:cNvSpPr>
-          <p:nvPr>
-            <p:ph type="title"/>
-          </p:nvPr>
-        </p:nvSpPr>
-        <p:spPr>
-          <a:xfrm>
-            <a:off x="457200" y="205978"/>
-            <a:ext cx="8229600" cy="857250"/>
-          </a:xfrm>
-        </p:spPr>
-        <p:txBody>
-          <a:bodyPr>
-            <a:normAutofit/>
-          </a:bodyPr>
-          <a:lstStyle/>
-          <a:p>
-            <a:r>
-              <a:rPr lang="en-US" sz="4000" dirty="0">
-                <a:ln w="0"/>
-                <a:solidFill>
-                  <a:schemeClr val="accent1"/>
-                </a:solidFill>
-                <a:effectLst>
-                  <a:outerShdw blurRad="38100" dist="25400" dir="5400000" algn="ctr" rotWithShape="0">
-                    <a:srgbClr val="6E747A">
-                      <a:alpha val="43000"/>
-                    </a:srgbClr>
-                  </a:outerShdw>
-                </a:effectLst>
-                <a:latin typeface="Times New Roman" panose="02020603050405020304" pitchFamily="18" charset="0"/>
-                <a:cs typeface="Times New Roman" panose="02020603050405020304" pitchFamily="18" charset="0"/>
-              </a:rPr>
-              <a:t>METHODOLOGY </a:t>
-            </a:r>
-          </a:p>
-        </p:txBody>
-      </p:sp>
-      <p:sp>
-        <p:nvSpPr>
-          <p:cNvPr id="13" name="Footer Placeholder 4">
-            <a:extLst>
-              <a:ext uri="{FF2B5EF4-FFF2-40B4-BE49-F238E27FC236}">
-                <a16:creationId xmlns:a16="http://schemas.microsoft.com/office/drawing/2014/main" id="{D1ABF561-8E91-4704-BDD7-0520E3848081}"/>
-              </a:ext>
-            </a:extLst>
-          </p:cNvPr>
-          <p:cNvSpPr>
-            <a:spLocks noGrp="1"/>
-          </p:cNvSpPr>
-          <p:nvPr>
-            <p:ph type="ftr" sz="quarter" idx="11"/>
-          </p:nvPr>
-        </p:nvSpPr>
-        <p:spPr>
-          <a:xfrm>
-            <a:off x="3124200" y="4767264"/>
-            <a:ext cx="2895600" cy="273844"/>
-          </a:xfrm>
-        </p:spPr>
-        <p:txBody>
-          <a:bodyPr/>
-          <a:lstStyle/>
-          <a:p>
-            <a:pPr algn="r"/>
-            <a:r>
-              <a:rPr lang="en-US" sz="1400" dirty="0">
-                <a:solidFill>
-                  <a:schemeClr val="tx2"/>
-                </a:solidFill>
-              </a:rPr>
-              <a:t>Department of CSE, Vemana IT</a:t>
-            </a:r>
-          </a:p>
-        </p:txBody>
-      </p:sp>
-      <p:sp>
-        <p:nvSpPr>
-          <p:cNvPr id="12" name="Date Placeholder 3">
-            <a:extLst>
-              <a:ext uri="{FF2B5EF4-FFF2-40B4-BE49-F238E27FC236}">
-                <a16:creationId xmlns:a16="http://schemas.microsoft.com/office/drawing/2014/main" id="{E04BECF4-D289-4A42-A4A2-7BC21939DA2C}"/>
-              </a:ext>
-            </a:extLst>
-          </p:cNvPr>
-          <p:cNvSpPr txBox="1"/>
-          <p:nvPr/>
-        </p:nvSpPr>
-        <p:spPr>
-          <a:xfrm>
-            <a:off x="0" y="69817"/>
-            <a:ext cx="6019800" cy="180147"/>
-          </a:xfrm>
-          <a:prstGeom prst="rect">
-            <a:avLst/>
-          </a:prstGeom>
-        </p:spPr>
-        <p:txBody>
-          <a:bodyPr vert="horz" lIns="91440" tIns="45720" rIns="91440" bIns="45720" rtlCol="0" anchor="ctr"/>
-          <a:lstStyle>
-            <a:lvl1pPr marL="0" algn="l" rtl="0" latinLnBrk="0">
-              <a:defRPr sz="1200" kern="1200">
-                <a:solidFill>
-                  <a:schemeClr val="tx1">
-                    <a:tint val="75000"/>
-                  </a:schemeClr>
-                </a:solidFill>
-                <a:latin typeface="+mn-lt"/>
-                <a:ea typeface="+mn-ea"/>
-                <a:cs typeface="+mn-cs"/>
-              </a:defRPr>
-            </a:lvl1pPr>
-            <a:lvl2pPr marL="457200" algn="l" rtl="0" latinLnBrk="0">
-              <a:defRPr sz="1800" kern="1200">
-                <a:solidFill>
-                  <a:schemeClr val="tx1"/>
-                </a:solidFill>
-                <a:latin typeface="+mn-lt"/>
-                <a:ea typeface="+mn-ea"/>
-                <a:cs typeface="+mn-cs"/>
-              </a:defRPr>
-            </a:lvl2pPr>
-            <a:lvl3pPr marL="914400" algn="l" rtl="0" latinLnBrk="0">
-              <a:defRPr sz="1800" kern="1200">
-                <a:solidFill>
-                  <a:schemeClr val="tx1"/>
-                </a:solidFill>
-                <a:latin typeface="+mn-lt"/>
-                <a:ea typeface="+mn-ea"/>
-                <a:cs typeface="+mn-cs"/>
-              </a:defRPr>
-            </a:lvl3pPr>
-            <a:lvl4pPr marL="1371600" algn="l" rtl="0" latinLnBrk="0">
-              <a:defRPr sz="1800" kern="1200">
-                <a:solidFill>
-                  <a:schemeClr val="tx1"/>
-                </a:solidFill>
-                <a:latin typeface="+mn-lt"/>
-                <a:ea typeface="+mn-ea"/>
-                <a:cs typeface="+mn-cs"/>
-              </a:defRPr>
-            </a:lvl4pPr>
-            <a:lvl5pPr marL="1828800" algn="l" rtl="0" latinLnBrk="0">
-              <a:defRPr sz="1800" kern="1200">
-                <a:solidFill>
-                  <a:schemeClr val="tx1"/>
-                </a:solidFill>
-                <a:latin typeface="+mn-lt"/>
-                <a:ea typeface="+mn-ea"/>
-                <a:cs typeface="+mn-cs"/>
-              </a:defRPr>
-            </a:lvl5pPr>
-            <a:lvl6pPr marL="2286000" algn="l" rtl="0" latinLnBrk="0">
-              <a:defRPr sz="1800" kern="1200">
-                <a:solidFill>
-                  <a:schemeClr val="tx1"/>
-                </a:solidFill>
-                <a:latin typeface="+mn-lt"/>
-                <a:ea typeface="+mn-ea"/>
-                <a:cs typeface="+mn-cs"/>
-              </a:defRPr>
-            </a:lvl6pPr>
-            <a:lvl7pPr marL="2743200" algn="l" rtl="0" latinLnBrk="0">
-              <a:defRPr sz="1800" kern="1200">
-                <a:solidFill>
-                  <a:schemeClr val="tx1"/>
-                </a:solidFill>
-                <a:latin typeface="+mn-lt"/>
-                <a:ea typeface="+mn-ea"/>
-                <a:cs typeface="+mn-cs"/>
-              </a:defRPr>
-            </a:lvl7pPr>
-            <a:lvl8pPr marL="3200400" algn="l" rtl="0" latinLnBrk="0">
-              <a:defRPr sz="1800" kern="1200">
-                <a:solidFill>
-                  <a:schemeClr val="tx1"/>
-                </a:solidFill>
-                <a:latin typeface="+mn-lt"/>
-                <a:ea typeface="+mn-ea"/>
-                <a:cs typeface="+mn-cs"/>
-              </a:defRPr>
-            </a:lvl8pPr>
-            <a:lvl9pPr marL="3657600" algn="l" rtl="0" latinLnBrk="0">
-              <a:defRPr sz="1800" kern="1200">
-                <a:solidFill>
-                  <a:schemeClr val="tx1"/>
-                </a:solidFill>
-                <a:latin typeface="+mn-lt"/>
-                <a:ea typeface="+mn-ea"/>
-                <a:cs typeface="+mn-cs"/>
-              </a:defRPr>
-            </a:lvl9pPr>
-          </a:lstStyle>
-          <a:p>
-            <a:r>
-              <a:rPr lang="en-US" sz="1050" dirty="0">
-                <a:latin typeface="Calibri" panose="020F0502020204030204" pitchFamily="34" charset="0"/>
-                <a:cs typeface="Calibri" panose="020F0502020204030204" pitchFamily="34" charset="0"/>
-              </a:rPr>
-              <a:t>ENHANCING NETWORKING MONITORING SYSTEMS BY OVERLAYING PROTOCOLS</a:t>
-            </a:r>
-          </a:p>
-        </p:txBody>
-      </p:sp>
-      <p:sp>
-        <p:nvSpPr>
-          <p:cNvPr id="14" name="Date Placeholder 3">
-            <a:extLst>
-              <a:ext uri="{FF2B5EF4-FFF2-40B4-BE49-F238E27FC236}">
-                <a16:creationId xmlns:a16="http://schemas.microsoft.com/office/drawing/2014/main" id="{35BBAE87-9803-4BD6-A198-A343222DB1E0}"/>
-              </a:ext>
-            </a:extLst>
-          </p:cNvPr>
-          <p:cNvSpPr txBox="1"/>
-          <p:nvPr/>
-        </p:nvSpPr>
-        <p:spPr>
-          <a:xfrm>
-            <a:off x="8402738" y="-15077"/>
-            <a:ext cx="990600" cy="349934"/>
-          </a:xfrm>
-          <a:prstGeom prst="rect">
-            <a:avLst/>
-          </a:prstGeom>
-        </p:spPr>
-        <p:txBody>
-          <a:bodyPr vert="horz" lIns="91440" tIns="45720" rIns="91440" bIns="45720" rtlCol="0" anchor="ctr"/>
-          <a:lstStyle>
-            <a:lvl1pPr marL="0" algn="l" rtl="0" latinLnBrk="0">
-              <a:defRPr sz="1200" kern="1200">
-                <a:solidFill>
-                  <a:schemeClr val="tx1">
-                    <a:tint val="75000"/>
-                  </a:schemeClr>
-                </a:solidFill>
-                <a:latin typeface="+mn-lt"/>
-                <a:ea typeface="+mn-ea"/>
-                <a:cs typeface="+mn-cs"/>
-              </a:defRPr>
-            </a:lvl1pPr>
-            <a:lvl2pPr marL="457200" algn="l" rtl="0" latinLnBrk="0">
-              <a:defRPr sz="1800" kern="1200">
-                <a:solidFill>
-                  <a:schemeClr val="tx1"/>
-                </a:solidFill>
-                <a:latin typeface="+mn-lt"/>
-                <a:ea typeface="+mn-ea"/>
-                <a:cs typeface="+mn-cs"/>
-              </a:defRPr>
-            </a:lvl2pPr>
-            <a:lvl3pPr marL="914400" algn="l" rtl="0" latinLnBrk="0">
-              <a:defRPr sz="1800" kern="1200">
-                <a:solidFill>
-                  <a:schemeClr val="tx1"/>
-                </a:solidFill>
-                <a:latin typeface="+mn-lt"/>
-                <a:ea typeface="+mn-ea"/>
-                <a:cs typeface="+mn-cs"/>
-              </a:defRPr>
-            </a:lvl3pPr>
-            <a:lvl4pPr marL="1371600" algn="l" rtl="0" latinLnBrk="0">
-              <a:defRPr sz="1800" kern="1200">
-                <a:solidFill>
-                  <a:schemeClr val="tx1"/>
-                </a:solidFill>
-                <a:latin typeface="+mn-lt"/>
-                <a:ea typeface="+mn-ea"/>
-                <a:cs typeface="+mn-cs"/>
-              </a:defRPr>
-            </a:lvl4pPr>
-            <a:lvl5pPr marL="1828800" algn="l" rtl="0" latinLnBrk="0">
-              <a:defRPr sz="1800" kern="1200">
-                <a:solidFill>
-                  <a:schemeClr val="tx1"/>
-                </a:solidFill>
-                <a:latin typeface="+mn-lt"/>
-                <a:ea typeface="+mn-ea"/>
-                <a:cs typeface="+mn-cs"/>
-              </a:defRPr>
-            </a:lvl5pPr>
-            <a:lvl6pPr marL="2286000" algn="l" rtl="0" latinLnBrk="0">
-              <a:defRPr sz="1800" kern="1200">
-                <a:solidFill>
-                  <a:schemeClr val="tx1"/>
-                </a:solidFill>
-                <a:latin typeface="+mn-lt"/>
-                <a:ea typeface="+mn-ea"/>
-                <a:cs typeface="+mn-cs"/>
-              </a:defRPr>
-            </a:lvl6pPr>
-            <a:lvl7pPr marL="2743200" algn="l" rtl="0" latinLnBrk="0">
-              <a:defRPr sz="1800" kern="1200">
-                <a:solidFill>
-                  <a:schemeClr val="tx1"/>
-                </a:solidFill>
-                <a:latin typeface="+mn-lt"/>
-                <a:ea typeface="+mn-ea"/>
-                <a:cs typeface="+mn-cs"/>
-              </a:defRPr>
-            </a:lvl7pPr>
-            <a:lvl8pPr marL="3200400" algn="l" rtl="0" latinLnBrk="0">
-              <a:defRPr sz="1800" kern="1200">
-                <a:solidFill>
-                  <a:schemeClr val="tx1"/>
-                </a:solidFill>
-                <a:latin typeface="+mn-lt"/>
-                <a:ea typeface="+mn-ea"/>
-                <a:cs typeface="+mn-cs"/>
-              </a:defRPr>
-            </a:lvl8pPr>
-            <a:lvl9pPr marL="3657600" algn="l" rtl="0" latinLnBrk="0">
-              <a:defRPr sz="1800" kern="1200">
-                <a:solidFill>
-                  <a:schemeClr val="tx1"/>
-                </a:solidFill>
-                <a:latin typeface="+mn-lt"/>
-                <a:ea typeface="+mn-ea"/>
-                <a:cs typeface="+mn-cs"/>
-              </a:defRPr>
-            </a:lvl9pPr>
-          </a:lstStyle>
-          <a:p>
-            <a:r>
-              <a:rPr lang="en-US" sz="1100" dirty="0"/>
-              <a:t>2020 - 21</a:t>
-            </a:r>
-          </a:p>
-        </p:txBody>
-      </p:sp>
-      <p:sp>
-        <p:nvSpPr>
-          <p:cNvPr id="16" name="Date Placeholder 3">
-            <a:extLst>
-              <a:ext uri="{FF2B5EF4-FFF2-40B4-BE49-F238E27FC236}">
-                <a16:creationId xmlns:a16="http://schemas.microsoft.com/office/drawing/2014/main" id="{FF045313-70BA-489A-9807-A4F538B558CF}"/>
-              </a:ext>
-            </a:extLst>
-          </p:cNvPr>
-          <p:cNvSpPr>
-            <a:spLocks noGrp="1"/>
-          </p:cNvSpPr>
-          <p:nvPr>
-            <p:ph type="dt" sz="half" idx="10"/>
-          </p:nvPr>
-        </p:nvSpPr>
-        <p:spPr>
-          <a:xfrm>
-            <a:off x="76200" y="4800947"/>
-            <a:ext cx="2133600" cy="273844"/>
-          </a:xfrm>
-        </p:spPr>
-        <p:txBody>
-          <a:bodyPr/>
-          <a:lstStyle/>
-          <a:p>
-            <a:r>
-              <a:rPr lang="en-US" sz="1100" dirty="0">
-                <a:latin typeface="+mj-lt"/>
-              </a:rPr>
-              <a:t>23 Nov 2020</a:t>
-            </a:r>
-          </a:p>
-        </p:txBody>
-      </p:sp>
-      <p:pic>
-        <p:nvPicPr>
-          <p:cNvPr id="2" name="Picture 1">
-            <a:extLst>
-              <a:ext uri="{FF2B5EF4-FFF2-40B4-BE49-F238E27FC236}">
-                <a16:creationId xmlns:a16="http://schemas.microsoft.com/office/drawing/2014/main" id="{2D2EFBE8-EE32-4ABC-8EDE-20DCFA448DED}"/>
-              </a:ext>
-            </a:extLst>
-          </p:cNvPr>
-          <p:cNvPicPr>
-            <a:picLocks noChangeAspect="1"/>
-          </p:cNvPicPr>
-          <p:nvPr/>
-        </p:nvPicPr>
-        <p:blipFill>
-          <a:blip r:embed="rId3"/>
-          <a:stretch>
-            <a:fillRect/>
-          </a:stretch>
-        </p:blipFill>
-        <p:spPr>
-          <a:xfrm>
-            <a:off x="6038913" y="1199388"/>
-            <a:ext cx="2877725" cy="2086622"/>
-          </a:xfrm>
-          <a:prstGeom prst="rect">
-            <a:avLst/>
-          </a:prstGeom>
-        </p:spPr>
-      </p:pic>
-    </p:spTree>
-    <p:extLst>
-      <p:ext uri="{BB962C8B-B14F-4D97-AF65-F5344CB8AC3E}">
-        <p14:creationId xmlns:p14="http://schemas.microsoft.com/office/powerpoint/2010/main" val="2394151770"/>
-      </p:ext>
-    </p:extLst>
   </p:cSld>
   <p:clrMapOvr>
     <a:masterClrMapping/>

--- a/PPT-Review-1.pptx
+++ b/PPT-Review-1.pptx
@@ -231,7 +231,7 @@
           <a:p>
             <a:fld id="{71672557-76BA-41F3-80B7-1C8DA4668134}" type="datetimeFigureOut">
               <a:rPr lang="en-US" smtClean="0"/>
-              <a:t>22-Dec-20</a:t>
+              <a:t>1/17/2021</a:t>
             </a:fld>
             <a:endParaRPr lang="en-US" dirty="0"/>
           </a:p>
@@ -400,7 +400,7 @@
           <a:p>
             <a:fld id="{A8ADFD5B-A66C-449C-B6E8-FB716D07777D}" type="datetimeFigureOut">
               <a:rPr lang="en-US" smtClean="0"/>
-              <a:t>22-Dec-20</a:t>
+              <a:t>1/17/2021</a:t>
             </a:fld>
             <a:endParaRPr lang="en-US" dirty="0"/>
           </a:p>
@@ -2757,7 +2757,7 @@
           <a:p>
             <a:fld id="{B63EB09E-62B8-4931-A740-BCE383B263AD}" type="datetime1">
               <a:rPr lang="en-US" smtClean="0"/>
-              <a:t>22-Dec-20</a:t>
+              <a:t>1/17/2021</a:t>
             </a:fld>
             <a:endParaRPr lang="en-US" dirty="0"/>
           </a:p>
@@ -2940,7 +2940,7 @@
                   <a:schemeClr val="tx2"/>
                 </a:solidFill>
               </a:rPr>
-              <a:t>22-Dec-20</a:t>
+              <a:t>1/17/2021</a:t>
             </a:fld>
             <a:endParaRPr lang="en-US" sz="1400" dirty="0">
               <a:solidFill>
@@ -3138,7 +3138,7 @@
                   <a:schemeClr val="tx2"/>
                 </a:solidFill>
               </a:rPr>
-              <a:t>22-Dec-20</a:t>
+              <a:t>1/17/2021</a:t>
             </a:fld>
             <a:endParaRPr lang="en-US" sz="1400" dirty="0">
               <a:solidFill>
@@ -3322,7 +3322,7 @@
           <a:p>
             <a:fld id="{05AD958E-392C-45A5-8B7C-6FFEC23D40D9}" type="datetime1">
               <a:rPr lang="en-US" smtClean="0"/>
-              <a:t>22-Dec-20</a:t>
+              <a:t>1/17/2021</a:t>
             </a:fld>
             <a:endParaRPr lang="en-US" dirty="0"/>
           </a:p>
@@ -3583,7 +3583,7 @@
           <a:p>
             <a:fld id="{F4EF229E-9CC9-445C-B402-B93B63F9A471}" type="datetime1">
               <a:rPr lang="en-US" smtClean="0"/>
-              <a:t>22-Dec-20</a:t>
+              <a:t>1/17/2021</a:t>
             </a:fld>
             <a:endParaRPr lang="en-US" dirty="0"/>
           </a:p>
@@ -3875,7 +3875,7 @@
           <a:p>
             <a:fld id="{45C12418-A1E9-40C6-9BFD-22F174C7C75A}" type="datetime1">
               <a:rPr lang="en-US" smtClean="0"/>
-              <a:t>22-Dec-20</a:t>
+              <a:t>1/17/2021</a:t>
             </a:fld>
             <a:endParaRPr lang="en-US" dirty="0"/>
           </a:p>
@@ -4302,7 +4302,7 @@
           <a:p>
             <a:fld id="{8793B659-6005-4324-A283-1E4ADF604BA5}" type="datetime1">
               <a:rPr lang="en-US" smtClean="0"/>
-              <a:t>22-Dec-20</a:t>
+              <a:t>1/17/2021</a:t>
             </a:fld>
             <a:endParaRPr lang="en-US" dirty="0"/>
           </a:p>
@@ -4422,7 +4422,7 @@
           <a:p>
             <a:fld id="{FB7F26AC-5549-4798-B196-7FC3403A62EA}" type="datetime1">
               <a:rPr lang="en-US" smtClean="0"/>
-              <a:t>22-Dec-20</a:t>
+              <a:t>1/17/2021</a:t>
             </a:fld>
             <a:endParaRPr lang="en-US" dirty="0"/>
           </a:p>
@@ -4523,7 +4523,7 @@
           <a:p>
             <a:fld id="{CB70B857-E226-4E94-98F0-FF856D010F57}" type="datetime1">
               <a:rPr lang="en-US" smtClean="0"/>
-              <a:t>22-Dec-20</a:t>
+              <a:t>1/17/2021</a:t>
             </a:fld>
             <a:endParaRPr lang="en-US" dirty="0"/>
           </a:p>
@@ -4804,7 +4804,7 @@
           <a:p>
             <a:fld id="{50C565FB-884B-42DB-93BA-92C1B703D307}" type="datetime1">
               <a:rPr lang="en-US" smtClean="0"/>
-              <a:t>22-Dec-20</a:t>
+              <a:t>1/17/2021</a:t>
             </a:fld>
             <a:endParaRPr lang="en-US" dirty="0"/>
           </a:p>
@@ -5062,7 +5062,7 @@
           <a:p>
             <a:fld id="{D9DC7979-20C0-4E52-BDB0-0EB42B253591}" type="datetime1">
               <a:rPr lang="en-US" smtClean="0"/>
-              <a:t>22-Dec-20</a:t>
+              <a:t>1/17/2021</a:t>
             </a:fld>
             <a:endParaRPr lang="en-US" dirty="0"/>
           </a:p>
@@ -5280,7 +5280,7 @@
                   <a:schemeClr val="tx2"/>
                 </a:solidFill>
               </a:rPr>
-              <a:t>22-Dec-20</a:t>
+              <a:t>1/17/2021</a:t>
             </a:fld>
             <a:endParaRPr lang="en-US" sz="1400" dirty="0">
               <a:solidFill>
@@ -5694,6 +5694,14 @@
           </a:bodyPr>
           <a:lstStyle/>
           <a:p>
+            <a:r>
+              <a:rPr lang="en-IN" sz="2400" b="1" dirty="0">
+                <a:solidFill>
+                  <a:srgbClr val="0070C0"/>
+                </a:solidFill>
+              </a:rPr>
+              <a:t/>
+            </a:r>
             <a:br>
               <a:rPr lang="en-IN" sz="2400" b="1" dirty="0">
                 <a:solidFill>
@@ -5701,6 +5709,14 @@
                 </a:solidFill>
               </a:rPr>
             </a:br>
+            <a:r>
+              <a:rPr lang="en-IN" sz="2400" b="1" dirty="0">
+                <a:solidFill>
+                  <a:srgbClr val="0070C0"/>
+                </a:solidFill>
+              </a:rPr>
+              <a:t/>
+            </a:r>
             <a:br>
               <a:rPr lang="en-IN" sz="2400" b="1" dirty="0">
                 <a:solidFill>
@@ -5718,6 +5734,13 @@
               </a:rPr>
               <a:t>VEMANA INSTITUTE OF TECHNOLOGY</a:t>
             </a:r>
+            <a:r>
+              <a:rPr lang="en-IN" sz="2000" b="1" dirty="0">
+                <a:latin typeface="Times New Roman" panose="02020603050405020304" pitchFamily="18" charset="0"/>
+                <a:cs typeface="Times New Roman" panose="02020603050405020304" pitchFamily="18" charset="0"/>
+              </a:rPr>
+              <a:t/>
+            </a:r>
             <a:br>
               <a:rPr lang="en-IN" sz="2000" b="1" dirty="0">
                 <a:latin typeface="Times New Roman" panose="02020603050405020304" pitchFamily="18" charset="0"/>
@@ -5731,6 +5754,13 @@
               </a:rPr>
               <a:t>Koramangala, Bengaluru-34.</a:t>
             </a:r>
+            <a:r>
+              <a:rPr lang="en-IN" sz="2000" b="1" dirty="0">
+                <a:latin typeface="Times New Roman" panose="02020603050405020304" pitchFamily="18" charset="0"/>
+                <a:cs typeface="Times New Roman" panose="02020603050405020304" pitchFamily="18" charset="0"/>
+              </a:rPr>
+              <a:t/>
+            </a:r>
             <a:br>
               <a:rPr lang="en-IN" sz="2000" b="1" dirty="0">
                 <a:latin typeface="Times New Roman" panose="02020603050405020304" pitchFamily="18" charset="0"/>
@@ -5747,6 +5777,13 @@
               </a:rPr>
               <a:t>Department of Computer Science and Engineering</a:t>
             </a:r>
+            <a:r>
+              <a:rPr lang="en-US" sz="2400" b="1" dirty="0">
+                <a:latin typeface="Times New Roman" panose="02020603050405020304" pitchFamily="18" charset="0"/>
+                <a:cs typeface="Times New Roman" panose="02020603050405020304" pitchFamily="18" charset="0"/>
+              </a:rPr>
+              <a:t/>
+            </a:r>
             <a:br>
               <a:rPr lang="en-US" sz="2400" b="1" dirty="0">
                 <a:latin typeface="Times New Roman" panose="02020603050405020304" pitchFamily="18" charset="0"/>
@@ -5779,6 +5816,10 @@
                 <a:cs typeface="Times New Roman" panose="02020603050405020304" pitchFamily="18" charset="0"/>
               </a:rPr>
               <a:t> </a:t>
+            </a:r>
+            <a:r>
+              <a:rPr lang="en-US" sz="2400" dirty="0"/>
+              <a:t/>
             </a:r>
             <a:br>
               <a:rPr lang="en-US" sz="2400" dirty="0"/>
@@ -5976,7 +6017,7 @@
           <p:cNvPr id="7" name="Rectangle 4">
             <a:extLst>
               <a:ext uri="{FF2B5EF4-FFF2-40B4-BE49-F238E27FC236}">
-                <a16:creationId xmlns:a16="http://schemas.microsoft.com/office/drawing/2014/main" id="{F998D05D-670E-4B4F-A80C-633BEB8F8FE1}"/>
+                <a16:creationId xmlns:a16="http://schemas.microsoft.com/office/drawing/2014/main" xmlns="" id="{F998D05D-670E-4B4F-A80C-633BEB8F8FE1}"/>
               </a:ext>
             </a:extLst>
           </p:cNvPr>
@@ -6091,7 +6132,7 @@
           <a:p>
             <a:fld id="{CB70B857-E226-4E94-98F0-FF856D010F57}" type="datetime1">
               <a:rPr lang="en-US" smtClean="0"/>
-              <a:t>22-Dec-20</a:t>
+              <a:t>1/17/2021</a:t>
             </a:fld>
             <a:endParaRPr lang="en-US" dirty="0"/>
           </a:p>
@@ -6236,7 +6277,7 @@
           <p:cNvPr id="6" name="Date Placeholder 3">
             <a:extLst>
               <a:ext uri="{FF2B5EF4-FFF2-40B4-BE49-F238E27FC236}">
-                <a16:creationId xmlns:a16="http://schemas.microsoft.com/office/drawing/2014/main" id="{54B6F2D0-7DB8-46A8-BE38-9A76D2B8158B}"/>
+                <a16:creationId xmlns:a16="http://schemas.microsoft.com/office/drawing/2014/main" xmlns="" id="{54B6F2D0-7DB8-46A8-BE38-9A76D2B8158B}"/>
               </a:ext>
             </a:extLst>
           </p:cNvPr>
@@ -6364,7 +6405,7 @@
           <p:cNvPr id="7" name="Date Placeholder 3">
             <a:extLst>
               <a:ext uri="{FF2B5EF4-FFF2-40B4-BE49-F238E27FC236}">
-                <a16:creationId xmlns:a16="http://schemas.microsoft.com/office/drawing/2014/main" id="{7776AD0D-19A8-414D-80CE-F20CD3193C15}"/>
+                <a16:creationId xmlns:a16="http://schemas.microsoft.com/office/drawing/2014/main" xmlns="" id="{7776AD0D-19A8-414D-80CE-F20CD3193C15}"/>
               </a:ext>
             </a:extLst>
           </p:cNvPr>
@@ -6489,7 +6530,7 @@
           <p:cNvPr id="8" name="Title 1">
             <a:extLst>
               <a:ext uri="{FF2B5EF4-FFF2-40B4-BE49-F238E27FC236}">
-                <a16:creationId xmlns:a16="http://schemas.microsoft.com/office/drawing/2014/main" id="{DC85129E-0B0B-4C64-B8AF-D549982166EC}"/>
+                <a16:creationId xmlns:a16="http://schemas.microsoft.com/office/drawing/2014/main" xmlns="" id="{DC85129E-0B0B-4C64-B8AF-D549982166EC}"/>
               </a:ext>
             </a:extLst>
           </p:cNvPr>
@@ -6832,7 +6873,7 @@
           <p:cNvPr id="11" name="Title 1">
             <a:extLst>
               <a:ext uri="{FF2B5EF4-FFF2-40B4-BE49-F238E27FC236}">
-                <a16:creationId xmlns:a16="http://schemas.microsoft.com/office/drawing/2014/main" id="{DC85129E-0B0B-4C64-B8AF-D549982166EC}"/>
+                <a16:creationId xmlns:a16="http://schemas.microsoft.com/office/drawing/2014/main" xmlns="" id="{DC85129E-0B0B-4C64-B8AF-D549982166EC}"/>
               </a:ext>
             </a:extLst>
           </p:cNvPr>
@@ -6881,7 +6922,7 @@
           <p:cNvPr id="13" name="Footer Placeholder 4">
             <a:extLst>
               <a:ext uri="{FF2B5EF4-FFF2-40B4-BE49-F238E27FC236}">
-                <a16:creationId xmlns:a16="http://schemas.microsoft.com/office/drawing/2014/main" id="{D1ABF561-8E91-4704-BDD7-0520E3848081}"/>
+                <a16:creationId xmlns:a16="http://schemas.microsoft.com/office/drawing/2014/main" xmlns="" id="{D1ABF561-8E91-4704-BDD7-0520E3848081}"/>
               </a:ext>
             </a:extLst>
           </p:cNvPr>
@@ -6919,7 +6960,7 @@
           <p:cNvPr id="12" name="Date Placeholder 3">
             <a:extLst>
               <a:ext uri="{FF2B5EF4-FFF2-40B4-BE49-F238E27FC236}">
-                <a16:creationId xmlns:a16="http://schemas.microsoft.com/office/drawing/2014/main" id="{54B6F2D0-7DB8-46A8-BE38-9A76D2B8158B}"/>
+                <a16:creationId xmlns:a16="http://schemas.microsoft.com/office/drawing/2014/main" xmlns="" id="{54B6F2D0-7DB8-46A8-BE38-9A76D2B8158B}"/>
               </a:ext>
             </a:extLst>
           </p:cNvPr>
@@ -7047,7 +7088,7 @@
           <p:cNvPr id="15" name="Date Placeholder 3">
             <a:extLst>
               <a:ext uri="{FF2B5EF4-FFF2-40B4-BE49-F238E27FC236}">
-                <a16:creationId xmlns:a16="http://schemas.microsoft.com/office/drawing/2014/main" id="{7776AD0D-19A8-414D-80CE-F20CD3193C15}"/>
+                <a16:creationId xmlns:a16="http://schemas.microsoft.com/office/drawing/2014/main" xmlns="" id="{7776AD0D-19A8-414D-80CE-F20CD3193C15}"/>
               </a:ext>
             </a:extLst>
           </p:cNvPr>
@@ -7172,7 +7213,7 @@
           <p:cNvPr id="16" name="Date Placeholder 3">
             <a:extLst>
               <a:ext uri="{FF2B5EF4-FFF2-40B4-BE49-F238E27FC236}">
-                <a16:creationId xmlns:a16="http://schemas.microsoft.com/office/drawing/2014/main" id="{2135CCC7-8B9E-459F-BB5B-78E5BAC4A86B}"/>
+                <a16:creationId xmlns:a16="http://schemas.microsoft.com/office/drawing/2014/main" xmlns="" id="{2135CCC7-8B9E-459F-BB5B-78E5BAC4A86B}"/>
               </a:ext>
             </a:extLst>
           </p:cNvPr>
@@ -7207,7 +7248,7 @@
           <p:cNvPr id="14" name="Table 4">
             <a:extLst>
               <a:ext uri="{FF2B5EF4-FFF2-40B4-BE49-F238E27FC236}">
-                <a16:creationId xmlns:a16="http://schemas.microsoft.com/office/drawing/2014/main" id="{0A3DE33F-D3A3-4E45-9846-4938B2376458}"/>
+                <a16:creationId xmlns:a16="http://schemas.microsoft.com/office/drawing/2014/main" xmlns="" id="{0A3DE33F-D3A3-4E45-9846-4938B2376458}"/>
               </a:ext>
             </a:extLst>
           </p:cNvPr>
@@ -7217,14 +7258,14 @@
           <p:nvPr>
             <p:extLst>
               <p:ext uri="{D42A27DB-BD31-4B8C-83A1-F6EECF244321}">
-                <p14:modId xmlns:p14="http://schemas.microsoft.com/office/powerpoint/2010/main" val="871390812"/>
+                <p14:modId xmlns:p14="http://schemas.microsoft.com/office/powerpoint/2010/main" val="387910538"/>
               </p:ext>
             </p:extLst>
           </p:nvPr>
         </p:nvGraphicFramePr>
         <p:xfrm>
-          <a:off x="102000" y="930415"/>
-          <a:ext cx="8889600" cy="3809999"/>
+          <a:off x="102000" y="907421"/>
+          <a:ext cx="8889600" cy="3832994"/>
         </p:xfrm>
         <a:graphic>
           <a:graphicData uri="http://schemas.openxmlformats.org/drawingml/2006/table">
@@ -7236,33 +7277,33 @@
                 <a:gridCol w="1242866">
                   <a:extLst>
                     <a:ext uri="{9D8B030D-6E8A-4147-A177-3AD203B41FA5}">
-                      <a16:colId xmlns:a16="http://schemas.microsoft.com/office/drawing/2014/main" val="1878398145"/>
+                      <a16:colId xmlns:a16="http://schemas.microsoft.com/office/drawing/2014/main" xmlns="" val="1878398145"/>
                     </a:ext>
                   </a:extLst>
                 </a:gridCol>
                 <a:gridCol w="1805134">
                   <a:extLst>
                     <a:ext uri="{9D8B030D-6E8A-4147-A177-3AD203B41FA5}">
-                      <a16:colId xmlns:a16="http://schemas.microsoft.com/office/drawing/2014/main" val="3316006825"/>
+                      <a16:colId xmlns:a16="http://schemas.microsoft.com/office/drawing/2014/main" xmlns="" val="3316006825"/>
                     </a:ext>
                   </a:extLst>
                 </a:gridCol>
                 <a:gridCol w="2946000">
                   <a:extLst>
                     <a:ext uri="{9D8B030D-6E8A-4147-A177-3AD203B41FA5}">
-                      <a16:colId xmlns:a16="http://schemas.microsoft.com/office/drawing/2014/main" val="329433535"/>
+                      <a16:colId xmlns:a16="http://schemas.microsoft.com/office/drawing/2014/main" xmlns="" val="329433535"/>
                     </a:ext>
                   </a:extLst>
                 </a:gridCol>
                 <a:gridCol w="2895600">
                   <a:extLst>
                     <a:ext uri="{9D8B030D-6E8A-4147-A177-3AD203B41FA5}">
-                      <a16:colId xmlns:a16="http://schemas.microsoft.com/office/drawing/2014/main" val="3976692249"/>
+                      <a16:colId xmlns:a16="http://schemas.microsoft.com/office/drawing/2014/main" xmlns="" val="3976692249"/>
                     </a:ext>
                   </a:extLst>
                 </a:gridCol>
               </a:tblGrid>
-              <a:tr h="907143">
+              <a:tr h="912618">
                 <a:tc>
                   <a:txBody>
                     <a:bodyPr/>
@@ -7362,11 +7403,11 @@
                 </a:tc>
                 <a:extLst>
                   <a:ext uri="{0D108BD9-81ED-4DB2-BD59-A6C34878D82A}">
-                    <a16:rowId xmlns:a16="http://schemas.microsoft.com/office/drawing/2014/main" val="184728700"/>
+                    <a16:rowId xmlns:a16="http://schemas.microsoft.com/office/drawing/2014/main" xmlns="" val="184728700"/>
                   </a:ext>
                 </a:extLst>
               </a:tr>
-              <a:tr h="725714">
+              <a:tr h="730094">
                 <a:tc>
                   <a:txBody>
                     <a:bodyPr/>
@@ -7441,11 +7482,11 @@
                 </a:tc>
                 <a:extLst>
                   <a:ext uri="{0D108BD9-81ED-4DB2-BD59-A6C34878D82A}">
-                    <a16:rowId xmlns:a16="http://schemas.microsoft.com/office/drawing/2014/main" val="2296912271"/>
+                    <a16:rowId xmlns:a16="http://schemas.microsoft.com/office/drawing/2014/main" xmlns="" val="2296912271"/>
                   </a:ext>
                 </a:extLst>
               </a:tr>
-              <a:tr h="725714">
+              <a:tr h="730094">
                 <a:tc>
                   <a:txBody>
                     <a:bodyPr/>
@@ -7520,11 +7561,11 @@
                 </a:tc>
                 <a:extLst>
                   <a:ext uri="{0D108BD9-81ED-4DB2-BD59-A6C34878D82A}">
-                    <a16:rowId xmlns:a16="http://schemas.microsoft.com/office/drawing/2014/main" val="74190426"/>
+                    <a16:rowId xmlns:a16="http://schemas.microsoft.com/office/drawing/2014/main" xmlns="" val="74190426"/>
                   </a:ext>
                 </a:extLst>
               </a:tr>
-              <a:tr h="725714">
+              <a:tr h="730094">
                 <a:tc>
                   <a:txBody>
                     <a:bodyPr/>
@@ -7599,11 +7640,11 @@
                 </a:tc>
                 <a:extLst>
                   <a:ext uri="{0D108BD9-81ED-4DB2-BD59-A6C34878D82A}">
-                    <a16:rowId xmlns:a16="http://schemas.microsoft.com/office/drawing/2014/main" val="2716787316"/>
+                    <a16:rowId xmlns:a16="http://schemas.microsoft.com/office/drawing/2014/main" xmlns="" val="2716787316"/>
                   </a:ext>
                 </a:extLst>
               </a:tr>
-              <a:tr h="725714">
+              <a:tr h="730094">
                 <a:tc>
                   <a:txBody>
                     <a:bodyPr/>
@@ -7678,7 +7719,7 @@
                 </a:tc>
                 <a:extLst>
                   <a:ext uri="{0D108BD9-81ED-4DB2-BD59-A6C34878D82A}">
-                    <a16:rowId xmlns:a16="http://schemas.microsoft.com/office/drawing/2014/main" val="1290870815"/>
+                    <a16:rowId xmlns:a16="http://schemas.microsoft.com/office/drawing/2014/main" xmlns="" val="1290870815"/>
                   </a:ext>
                 </a:extLst>
               </a:tr>
@@ -8082,7 +8123,7 @@
           <p:cNvPr id="11" name="Title 1">
             <a:extLst>
               <a:ext uri="{FF2B5EF4-FFF2-40B4-BE49-F238E27FC236}">
-                <a16:creationId xmlns:a16="http://schemas.microsoft.com/office/drawing/2014/main" id="{DC85129E-0B0B-4C64-B8AF-D549982166EC}"/>
+                <a16:creationId xmlns:a16="http://schemas.microsoft.com/office/drawing/2014/main" xmlns="" id="{DC85129E-0B0B-4C64-B8AF-D549982166EC}"/>
               </a:ext>
             </a:extLst>
           </p:cNvPr>
@@ -8131,7 +8172,7 @@
           <p:cNvPr id="13" name="Footer Placeholder 4">
             <a:extLst>
               <a:ext uri="{FF2B5EF4-FFF2-40B4-BE49-F238E27FC236}">
-                <a16:creationId xmlns:a16="http://schemas.microsoft.com/office/drawing/2014/main" id="{D1ABF561-8E91-4704-BDD7-0520E3848081}"/>
+                <a16:creationId xmlns:a16="http://schemas.microsoft.com/office/drawing/2014/main" xmlns="" id="{D1ABF561-8E91-4704-BDD7-0520E3848081}"/>
               </a:ext>
             </a:extLst>
           </p:cNvPr>
@@ -8169,7 +8210,7 @@
           <p:cNvPr id="12" name="Date Placeholder 3">
             <a:extLst>
               <a:ext uri="{FF2B5EF4-FFF2-40B4-BE49-F238E27FC236}">
-                <a16:creationId xmlns:a16="http://schemas.microsoft.com/office/drawing/2014/main" id="{176EA1C9-E23B-48AB-8281-D2D5849F059E}"/>
+                <a16:creationId xmlns:a16="http://schemas.microsoft.com/office/drawing/2014/main" xmlns="" id="{176EA1C9-E23B-48AB-8281-D2D5849F059E}"/>
               </a:ext>
             </a:extLst>
           </p:cNvPr>
@@ -8297,7 +8338,7 @@
           <p:cNvPr id="14" name="Date Placeholder 3">
             <a:extLst>
               <a:ext uri="{FF2B5EF4-FFF2-40B4-BE49-F238E27FC236}">
-                <a16:creationId xmlns:a16="http://schemas.microsoft.com/office/drawing/2014/main" id="{89B01AFC-C763-4360-A0DF-36623F26E639}"/>
+                <a16:creationId xmlns:a16="http://schemas.microsoft.com/office/drawing/2014/main" xmlns="" id="{89B01AFC-C763-4360-A0DF-36623F26E639}"/>
               </a:ext>
             </a:extLst>
           </p:cNvPr>
@@ -8422,7 +8463,7 @@
           <p:cNvPr id="16" name="Date Placeholder 3">
             <a:extLst>
               <a:ext uri="{FF2B5EF4-FFF2-40B4-BE49-F238E27FC236}">
-                <a16:creationId xmlns:a16="http://schemas.microsoft.com/office/drawing/2014/main" id="{57EFB148-FA92-4E16-96EF-077DDA9F085C}"/>
+                <a16:creationId xmlns:a16="http://schemas.microsoft.com/office/drawing/2014/main" xmlns="" id="{57EFB148-FA92-4E16-96EF-077DDA9F085C}"/>
               </a:ext>
             </a:extLst>
           </p:cNvPr>
@@ -8770,7 +8811,7 @@
           <p:cNvPr id="5" name="Title 1">
             <a:extLst>
               <a:ext uri="{FF2B5EF4-FFF2-40B4-BE49-F238E27FC236}">
-                <a16:creationId xmlns:a16="http://schemas.microsoft.com/office/drawing/2014/main" id="{A74DC265-B8A4-4A7D-BEC5-49C9BE7CEF86}"/>
+                <a16:creationId xmlns:a16="http://schemas.microsoft.com/office/drawing/2014/main" xmlns="" id="{A74DC265-B8A4-4A7D-BEC5-49C9BE7CEF86}"/>
               </a:ext>
             </a:extLst>
           </p:cNvPr>
@@ -8850,7 +8891,7 @@
           <p:cNvPr id="6" name="Date Placeholder 3">
             <a:extLst>
               <a:ext uri="{FF2B5EF4-FFF2-40B4-BE49-F238E27FC236}">
-                <a16:creationId xmlns:a16="http://schemas.microsoft.com/office/drawing/2014/main" id="{BFC0A1CF-FBD8-4A20-A86C-D1807533684B}"/>
+                <a16:creationId xmlns:a16="http://schemas.microsoft.com/office/drawing/2014/main" xmlns="" id="{BFC0A1CF-FBD8-4A20-A86C-D1807533684B}"/>
               </a:ext>
             </a:extLst>
           </p:cNvPr>
@@ -8978,7 +9019,7 @@
           <p:cNvPr id="7" name="Date Placeholder 3">
             <a:extLst>
               <a:ext uri="{FF2B5EF4-FFF2-40B4-BE49-F238E27FC236}">
-                <a16:creationId xmlns:a16="http://schemas.microsoft.com/office/drawing/2014/main" id="{69660009-3E78-4D1D-BB08-A7F5ED37371F}"/>
+                <a16:creationId xmlns:a16="http://schemas.microsoft.com/office/drawing/2014/main" xmlns="" id="{69660009-3E78-4D1D-BB08-A7F5ED37371F}"/>
               </a:ext>
             </a:extLst>
           </p:cNvPr>
@@ -9103,7 +9144,7 @@
           <p:cNvPr id="8" name="Footer Placeholder 4">
             <a:extLst>
               <a:ext uri="{FF2B5EF4-FFF2-40B4-BE49-F238E27FC236}">
-                <a16:creationId xmlns:a16="http://schemas.microsoft.com/office/drawing/2014/main" id="{E640B1D3-DB4D-447F-889D-5CB363790BEB}"/>
+                <a16:creationId xmlns:a16="http://schemas.microsoft.com/office/drawing/2014/main" xmlns="" id="{E640B1D3-DB4D-447F-889D-5CB363790BEB}"/>
               </a:ext>
             </a:extLst>
           </p:cNvPr>
@@ -9233,7 +9274,7 @@
           <p:cNvPr id="9" name="Footer Placeholder 4">
             <a:extLst>
               <a:ext uri="{FF2B5EF4-FFF2-40B4-BE49-F238E27FC236}">
-                <a16:creationId xmlns:a16="http://schemas.microsoft.com/office/drawing/2014/main" id="{BE0FBA02-D135-4772-ACBA-E7E8BCBACD32}"/>
+                <a16:creationId xmlns:a16="http://schemas.microsoft.com/office/drawing/2014/main" xmlns="" id="{BE0FBA02-D135-4772-ACBA-E7E8BCBACD32}"/>
               </a:ext>
             </a:extLst>
           </p:cNvPr>
@@ -9271,7 +9312,7 @@
           <p:cNvPr id="10" name="Date Placeholder 3">
             <a:extLst>
               <a:ext uri="{FF2B5EF4-FFF2-40B4-BE49-F238E27FC236}">
-                <a16:creationId xmlns:a16="http://schemas.microsoft.com/office/drawing/2014/main" id="{F0B97C1B-B3EB-4954-80E0-AE835375B239}"/>
+                <a16:creationId xmlns:a16="http://schemas.microsoft.com/office/drawing/2014/main" xmlns="" id="{F0B97C1B-B3EB-4954-80E0-AE835375B239}"/>
               </a:ext>
             </a:extLst>
           </p:cNvPr>
@@ -9575,7 +9616,7 @@
           <p:cNvPr id="11" name="Title 1">
             <a:extLst>
               <a:ext uri="{FF2B5EF4-FFF2-40B4-BE49-F238E27FC236}">
-                <a16:creationId xmlns:a16="http://schemas.microsoft.com/office/drawing/2014/main" id="{DC85129E-0B0B-4C64-B8AF-D549982166EC}"/>
+                <a16:creationId xmlns:a16="http://schemas.microsoft.com/office/drawing/2014/main" xmlns="" id="{DC85129E-0B0B-4C64-B8AF-D549982166EC}"/>
               </a:ext>
             </a:extLst>
           </p:cNvPr>
@@ -9624,7 +9665,7 @@
           <p:cNvPr id="13" name="Footer Placeholder 4">
             <a:extLst>
               <a:ext uri="{FF2B5EF4-FFF2-40B4-BE49-F238E27FC236}">
-                <a16:creationId xmlns:a16="http://schemas.microsoft.com/office/drawing/2014/main" id="{D1ABF561-8E91-4704-BDD7-0520E3848081}"/>
+                <a16:creationId xmlns:a16="http://schemas.microsoft.com/office/drawing/2014/main" xmlns="" id="{D1ABF561-8E91-4704-BDD7-0520E3848081}"/>
               </a:ext>
             </a:extLst>
           </p:cNvPr>
@@ -9662,7 +9703,7 @@
           <p:cNvPr id="12" name="Date Placeholder 3">
             <a:extLst>
               <a:ext uri="{FF2B5EF4-FFF2-40B4-BE49-F238E27FC236}">
-                <a16:creationId xmlns:a16="http://schemas.microsoft.com/office/drawing/2014/main" id="{E04BECF4-D289-4A42-A4A2-7BC21939DA2C}"/>
+                <a16:creationId xmlns:a16="http://schemas.microsoft.com/office/drawing/2014/main" xmlns="" id="{E04BECF4-D289-4A42-A4A2-7BC21939DA2C}"/>
               </a:ext>
             </a:extLst>
           </p:cNvPr>
@@ -9790,7 +9831,7 @@
           <p:cNvPr id="14" name="Date Placeholder 3">
             <a:extLst>
               <a:ext uri="{FF2B5EF4-FFF2-40B4-BE49-F238E27FC236}">
-                <a16:creationId xmlns:a16="http://schemas.microsoft.com/office/drawing/2014/main" id="{35BBAE87-9803-4BD6-A198-A343222DB1E0}"/>
+                <a16:creationId xmlns:a16="http://schemas.microsoft.com/office/drawing/2014/main" xmlns="" id="{35BBAE87-9803-4BD6-A198-A343222DB1E0}"/>
               </a:ext>
             </a:extLst>
           </p:cNvPr>
@@ -9915,7 +9956,7 @@
           <p:cNvPr id="16" name="Date Placeholder 3">
             <a:extLst>
               <a:ext uri="{FF2B5EF4-FFF2-40B4-BE49-F238E27FC236}">
-                <a16:creationId xmlns:a16="http://schemas.microsoft.com/office/drawing/2014/main" id="{FF045313-70BA-489A-9807-A4F538B558CF}"/>
+                <a16:creationId xmlns:a16="http://schemas.microsoft.com/office/drawing/2014/main" xmlns="" id="{FF045313-70BA-489A-9807-A4F538B558CF}"/>
               </a:ext>
             </a:extLst>
           </p:cNvPr>
@@ -10226,7 +10267,7 @@
           <p:cNvPr id="11" name="Title 1">
             <a:extLst>
               <a:ext uri="{FF2B5EF4-FFF2-40B4-BE49-F238E27FC236}">
-                <a16:creationId xmlns:a16="http://schemas.microsoft.com/office/drawing/2014/main" id="{DC85129E-0B0B-4C64-B8AF-D549982166EC}"/>
+                <a16:creationId xmlns:a16="http://schemas.microsoft.com/office/drawing/2014/main" xmlns="" id="{DC85129E-0B0B-4C64-B8AF-D549982166EC}"/>
               </a:ext>
             </a:extLst>
           </p:cNvPr>
@@ -10275,7 +10316,7 @@
           <p:cNvPr id="13" name="Footer Placeholder 4">
             <a:extLst>
               <a:ext uri="{FF2B5EF4-FFF2-40B4-BE49-F238E27FC236}">
-                <a16:creationId xmlns:a16="http://schemas.microsoft.com/office/drawing/2014/main" id="{D1ABF561-8E91-4704-BDD7-0520E3848081}"/>
+                <a16:creationId xmlns:a16="http://schemas.microsoft.com/office/drawing/2014/main" xmlns="" id="{D1ABF561-8E91-4704-BDD7-0520E3848081}"/>
               </a:ext>
             </a:extLst>
           </p:cNvPr>
@@ -10313,7 +10354,7 @@
           <p:cNvPr id="12" name="Date Placeholder 3">
             <a:extLst>
               <a:ext uri="{FF2B5EF4-FFF2-40B4-BE49-F238E27FC236}">
-                <a16:creationId xmlns:a16="http://schemas.microsoft.com/office/drawing/2014/main" id="{E04BECF4-D289-4A42-A4A2-7BC21939DA2C}"/>
+                <a16:creationId xmlns:a16="http://schemas.microsoft.com/office/drawing/2014/main" xmlns="" id="{E04BECF4-D289-4A42-A4A2-7BC21939DA2C}"/>
               </a:ext>
             </a:extLst>
           </p:cNvPr>
@@ -10441,7 +10482,7 @@
           <p:cNvPr id="14" name="Date Placeholder 3">
             <a:extLst>
               <a:ext uri="{FF2B5EF4-FFF2-40B4-BE49-F238E27FC236}">
-                <a16:creationId xmlns:a16="http://schemas.microsoft.com/office/drawing/2014/main" id="{35BBAE87-9803-4BD6-A198-A343222DB1E0}"/>
+                <a16:creationId xmlns:a16="http://schemas.microsoft.com/office/drawing/2014/main" xmlns="" id="{35BBAE87-9803-4BD6-A198-A343222DB1E0}"/>
               </a:ext>
             </a:extLst>
           </p:cNvPr>
@@ -10566,7 +10607,7 @@
           <p:cNvPr id="16" name="Date Placeholder 3">
             <a:extLst>
               <a:ext uri="{FF2B5EF4-FFF2-40B4-BE49-F238E27FC236}">
-                <a16:creationId xmlns:a16="http://schemas.microsoft.com/office/drawing/2014/main" id="{FF045313-70BA-489A-9807-A4F538B558CF}"/>
+                <a16:creationId xmlns:a16="http://schemas.microsoft.com/office/drawing/2014/main" xmlns="" id="{FF045313-70BA-489A-9807-A4F538B558CF}"/>
               </a:ext>
             </a:extLst>
           </p:cNvPr>
@@ -11113,7 +11154,7 @@
           <p:cNvPr id="11" name="Title 1">
             <a:extLst>
               <a:ext uri="{FF2B5EF4-FFF2-40B4-BE49-F238E27FC236}">
-                <a16:creationId xmlns:a16="http://schemas.microsoft.com/office/drawing/2014/main" id="{DC85129E-0B0B-4C64-B8AF-D549982166EC}"/>
+                <a16:creationId xmlns:a16="http://schemas.microsoft.com/office/drawing/2014/main" xmlns="" id="{DC85129E-0B0B-4C64-B8AF-D549982166EC}"/>
               </a:ext>
             </a:extLst>
           </p:cNvPr>
@@ -11162,7 +11203,7 @@
           <p:cNvPr id="13" name="Footer Placeholder 4">
             <a:extLst>
               <a:ext uri="{FF2B5EF4-FFF2-40B4-BE49-F238E27FC236}">
-                <a16:creationId xmlns:a16="http://schemas.microsoft.com/office/drawing/2014/main" id="{D1ABF561-8E91-4704-BDD7-0520E3848081}"/>
+                <a16:creationId xmlns:a16="http://schemas.microsoft.com/office/drawing/2014/main" xmlns="" id="{D1ABF561-8E91-4704-BDD7-0520E3848081}"/>
               </a:ext>
             </a:extLst>
           </p:cNvPr>
@@ -11200,7 +11241,7 @@
           <p:cNvPr id="12" name="Date Placeholder 3">
             <a:extLst>
               <a:ext uri="{FF2B5EF4-FFF2-40B4-BE49-F238E27FC236}">
-                <a16:creationId xmlns:a16="http://schemas.microsoft.com/office/drawing/2014/main" id="{E04BECF4-D289-4A42-A4A2-7BC21939DA2C}"/>
+                <a16:creationId xmlns:a16="http://schemas.microsoft.com/office/drawing/2014/main" xmlns="" id="{E04BECF4-D289-4A42-A4A2-7BC21939DA2C}"/>
               </a:ext>
             </a:extLst>
           </p:cNvPr>
@@ -11328,7 +11369,7 @@
           <p:cNvPr id="14" name="Date Placeholder 3">
             <a:extLst>
               <a:ext uri="{FF2B5EF4-FFF2-40B4-BE49-F238E27FC236}">
-                <a16:creationId xmlns:a16="http://schemas.microsoft.com/office/drawing/2014/main" id="{35BBAE87-9803-4BD6-A198-A343222DB1E0}"/>
+                <a16:creationId xmlns:a16="http://schemas.microsoft.com/office/drawing/2014/main" xmlns="" id="{35BBAE87-9803-4BD6-A198-A343222DB1E0}"/>
               </a:ext>
             </a:extLst>
           </p:cNvPr>
@@ -11453,7 +11494,7 @@
           <p:cNvPr id="16" name="Date Placeholder 3">
             <a:extLst>
               <a:ext uri="{FF2B5EF4-FFF2-40B4-BE49-F238E27FC236}">
-                <a16:creationId xmlns:a16="http://schemas.microsoft.com/office/drawing/2014/main" id="{FF045313-70BA-489A-9807-A4F538B558CF}"/>
+                <a16:creationId xmlns:a16="http://schemas.microsoft.com/office/drawing/2014/main" xmlns="" id="{FF045313-70BA-489A-9807-A4F538B558CF}"/>
               </a:ext>
             </a:extLst>
           </p:cNvPr>
@@ -11630,7 +11671,7 @@
           <p:cNvPr id="11" name="Title 1">
             <a:extLst>
               <a:ext uri="{FF2B5EF4-FFF2-40B4-BE49-F238E27FC236}">
-                <a16:creationId xmlns:a16="http://schemas.microsoft.com/office/drawing/2014/main" id="{DC85129E-0B0B-4C64-B8AF-D549982166EC}"/>
+                <a16:creationId xmlns:a16="http://schemas.microsoft.com/office/drawing/2014/main" xmlns="" id="{DC85129E-0B0B-4C64-B8AF-D549982166EC}"/>
               </a:ext>
             </a:extLst>
           </p:cNvPr>
@@ -11679,7 +11720,7 @@
           <p:cNvPr id="13" name="Footer Placeholder 4">
             <a:extLst>
               <a:ext uri="{FF2B5EF4-FFF2-40B4-BE49-F238E27FC236}">
-                <a16:creationId xmlns:a16="http://schemas.microsoft.com/office/drawing/2014/main" id="{D1ABF561-8E91-4704-BDD7-0520E3848081}"/>
+                <a16:creationId xmlns:a16="http://schemas.microsoft.com/office/drawing/2014/main" xmlns="" id="{D1ABF561-8E91-4704-BDD7-0520E3848081}"/>
               </a:ext>
             </a:extLst>
           </p:cNvPr>
@@ -11717,7 +11758,7 @@
           <p:cNvPr id="12" name="Footer Placeholder 4">
             <a:extLst>
               <a:ext uri="{FF2B5EF4-FFF2-40B4-BE49-F238E27FC236}">
-                <a16:creationId xmlns:a16="http://schemas.microsoft.com/office/drawing/2014/main" id="{0FCAE7D6-4E8F-4930-AF17-B90E0BF188C8}"/>
+                <a16:creationId xmlns:a16="http://schemas.microsoft.com/office/drawing/2014/main" xmlns="" id="{0FCAE7D6-4E8F-4930-AF17-B90E0BF188C8}"/>
               </a:ext>
             </a:extLst>
           </p:cNvPr>
@@ -11847,7 +11888,7 @@
           <p:cNvPr id="15" name="Date Placeholder 3">
             <a:extLst>
               <a:ext uri="{FF2B5EF4-FFF2-40B4-BE49-F238E27FC236}">
-                <a16:creationId xmlns:a16="http://schemas.microsoft.com/office/drawing/2014/main" id="{77041AD4-79DE-43F9-A208-EB6EAD67EC6C}"/>
+                <a16:creationId xmlns:a16="http://schemas.microsoft.com/office/drawing/2014/main" xmlns="" id="{77041AD4-79DE-43F9-A208-EB6EAD67EC6C}"/>
               </a:ext>
             </a:extLst>
           </p:cNvPr>
@@ -11975,7 +12016,7 @@
           <p:cNvPr id="16" name="Date Placeholder 3">
             <a:extLst>
               <a:ext uri="{FF2B5EF4-FFF2-40B4-BE49-F238E27FC236}">
-                <a16:creationId xmlns:a16="http://schemas.microsoft.com/office/drawing/2014/main" id="{FBA8D23F-F274-4824-A7A4-FDEC12A30B65}"/>
+                <a16:creationId xmlns:a16="http://schemas.microsoft.com/office/drawing/2014/main" xmlns="" id="{FBA8D23F-F274-4824-A7A4-FDEC12A30B65}"/>
               </a:ext>
             </a:extLst>
           </p:cNvPr>
@@ -12100,7 +12141,7 @@
           <p:cNvPr id="17" name="Date Placeholder 3">
             <a:extLst>
               <a:ext uri="{FF2B5EF4-FFF2-40B4-BE49-F238E27FC236}">
-                <a16:creationId xmlns:a16="http://schemas.microsoft.com/office/drawing/2014/main" id="{785F7EBD-25C8-4B82-B044-60CAD1D390ED}"/>
+                <a16:creationId xmlns:a16="http://schemas.microsoft.com/office/drawing/2014/main" xmlns="" id="{785F7EBD-25C8-4B82-B044-60CAD1D390ED}"/>
               </a:ext>
             </a:extLst>
           </p:cNvPr>
@@ -12135,7 +12176,7 @@
           <p:cNvPr id="4" name="TextBox 3">
             <a:extLst>
               <a:ext uri="{FF2B5EF4-FFF2-40B4-BE49-F238E27FC236}">
-                <a16:creationId xmlns:a16="http://schemas.microsoft.com/office/drawing/2014/main" id="{202970DE-D595-414E-9AF2-CA0C4A0B09C1}"/>
+                <a16:creationId xmlns:a16="http://schemas.microsoft.com/office/drawing/2014/main" xmlns="" id="{202970DE-D595-414E-9AF2-CA0C4A0B09C1}"/>
               </a:ext>
             </a:extLst>
           </p:cNvPr>
@@ -12502,7 +12543,7 @@
           <p:cNvPr id="11" name="Title 1">
             <a:extLst>
               <a:ext uri="{FF2B5EF4-FFF2-40B4-BE49-F238E27FC236}">
-                <a16:creationId xmlns:a16="http://schemas.microsoft.com/office/drawing/2014/main" id="{DC85129E-0B0B-4C64-B8AF-D549982166EC}"/>
+                <a16:creationId xmlns:a16="http://schemas.microsoft.com/office/drawing/2014/main" xmlns="" id="{DC85129E-0B0B-4C64-B8AF-D549982166EC}"/>
               </a:ext>
             </a:extLst>
           </p:cNvPr>
@@ -12551,7 +12592,7 @@
           <p:cNvPr id="13" name="Footer Placeholder 4">
             <a:extLst>
               <a:ext uri="{FF2B5EF4-FFF2-40B4-BE49-F238E27FC236}">
-                <a16:creationId xmlns:a16="http://schemas.microsoft.com/office/drawing/2014/main" id="{D1ABF561-8E91-4704-BDD7-0520E3848081}"/>
+                <a16:creationId xmlns:a16="http://schemas.microsoft.com/office/drawing/2014/main" xmlns="" id="{D1ABF561-8E91-4704-BDD7-0520E3848081}"/>
               </a:ext>
             </a:extLst>
           </p:cNvPr>
@@ -12589,7 +12630,7 @@
           <p:cNvPr id="12" name="Footer Placeholder 4">
             <a:extLst>
               <a:ext uri="{FF2B5EF4-FFF2-40B4-BE49-F238E27FC236}">
-                <a16:creationId xmlns:a16="http://schemas.microsoft.com/office/drawing/2014/main" id="{C9907D7F-A4E4-4317-AB7D-33136CEA3BBC}"/>
+                <a16:creationId xmlns:a16="http://schemas.microsoft.com/office/drawing/2014/main" xmlns="" id="{C9907D7F-A4E4-4317-AB7D-33136CEA3BBC}"/>
               </a:ext>
             </a:extLst>
           </p:cNvPr>
@@ -12719,7 +12760,7 @@
           <p:cNvPr id="15" name="Date Placeholder 3">
             <a:extLst>
               <a:ext uri="{FF2B5EF4-FFF2-40B4-BE49-F238E27FC236}">
-                <a16:creationId xmlns:a16="http://schemas.microsoft.com/office/drawing/2014/main" id="{B7B8C723-3974-4BCF-9072-3A9695A790BA}"/>
+                <a16:creationId xmlns:a16="http://schemas.microsoft.com/office/drawing/2014/main" xmlns="" id="{B7B8C723-3974-4BCF-9072-3A9695A790BA}"/>
               </a:ext>
             </a:extLst>
           </p:cNvPr>
@@ -12847,7 +12888,7 @@
           <p:cNvPr id="16" name="Date Placeholder 3">
             <a:extLst>
               <a:ext uri="{FF2B5EF4-FFF2-40B4-BE49-F238E27FC236}">
-                <a16:creationId xmlns:a16="http://schemas.microsoft.com/office/drawing/2014/main" id="{652FD19F-EE9E-4D14-9855-225D2D422E60}"/>
+                <a16:creationId xmlns:a16="http://schemas.microsoft.com/office/drawing/2014/main" xmlns="" id="{652FD19F-EE9E-4D14-9855-225D2D422E60}"/>
               </a:ext>
             </a:extLst>
           </p:cNvPr>
@@ -12972,7 +13013,7 @@
           <p:cNvPr id="17" name="Date Placeholder 3">
             <a:extLst>
               <a:ext uri="{FF2B5EF4-FFF2-40B4-BE49-F238E27FC236}">
-                <a16:creationId xmlns:a16="http://schemas.microsoft.com/office/drawing/2014/main" id="{21F69871-FDE9-4D82-9454-7BD29FCF373C}"/>
+                <a16:creationId xmlns:a16="http://schemas.microsoft.com/office/drawing/2014/main" xmlns="" id="{21F69871-FDE9-4D82-9454-7BD29FCF373C}"/>
               </a:ext>
             </a:extLst>
           </p:cNvPr>
@@ -13276,7 +13317,7 @@
           <p:cNvPr id="11" name="Title 1">
             <a:extLst>
               <a:ext uri="{FF2B5EF4-FFF2-40B4-BE49-F238E27FC236}">
-                <a16:creationId xmlns:a16="http://schemas.microsoft.com/office/drawing/2014/main" id="{DC85129E-0B0B-4C64-B8AF-D549982166EC}"/>
+                <a16:creationId xmlns:a16="http://schemas.microsoft.com/office/drawing/2014/main" xmlns="" id="{DC85129E-0B0B-4C64-B8AF-D549982166EC}"/>
               </a:ext>
             </a:extLst>
           </p:cNvPr>
@@ -13325,7 +13366,7 @@
           <p:cNvPr id="13" name="Footer Placeholder 4">
             <a:extLst>
               <a:ext uri="{FF2B5EF4-FFF2-40B4-BE49-F238E27FC236}">
-                <a16:creationId xmlns:a16="http://schemas.microsoft.com/office/drawing/2014/main" id="{D1ABF561-8E91-4704-BDD7-0520E3848081}"/>
+                <a16:creationId xmlns:a16="http://schemas.microsoft.com/office/drawing/2014/main" xmlns="" id="{D1ABF561-8E91-4704-BDD7-0520E3848081}"/>
               </a:ext>
             </a:extLst>
           </p:cNvPr>
@@ -13363,7 +13404,7 @@
           <p:cNvPr id="12" name="Footer Placeholder 4">
             <a:extLst>
               <a:ext uri="{FF2B5EF4-FFF2-40B4-BE49-F238E27FC236}">
-                <a16:creationId xmlns:a16="http://schemas.microsoft.com/office/drawing/2014/main" id="{22DDB47F-B0C3-43E5-97DC-3FD506169118}"/>
+                <a16:creationId xmlns:a16="http://schemas.microsoft.com/office/drawing/2014/main" xmlns="" id="{22DDB47F-B0C3-43E5-97DC-3FD506169118}"/>
               </a:ext>
             </a:extLst>
           </p:cNvPr>
@@ -13493,7 +13534,7 @@
           <p:cNvPr id="15" name="Date Placeholder 3">
             <a:extLst>
               <a:ext uri="{FF2B5EF4-FFF2-40B4-BE49-F238E27FC236}">
-                <a16:creationId xmlns:a16="http://schemas.microsoft.com/office/drawing/2014/main" id="{C2F8AEC7-B9A6-43EA-9088-6C6023104B5A}"/>
+                <a16:creationId xmlns:a16="http://schemas.microsoft.com/office/drawing/2014/main" xmlns="" id="{C2F8AEC7-B9A6-43EA-9088-6C6023104B5A}"/>
               </a:ext>
             </a:extLst>
           </p:cNvPr>
@@ -13621,7 +13662,7 @@
           <p:cNvPr id="16" name="Date Placeholder 3">
             <a:extLst>
               <a:ext uri="{FF2B5EF4-FFF2-40B4-BE49-F238E27FC236}">
-                <a16:creationId xmlns:a16="http://schemas.microsoft.com/office/drawing/2014/main" id="{643FD5BB-27F3-41E7-9911-7B583A1611F8}"/>
+                <a16:creationId xmlns:a16="http://schemas.microsoft.com/office/drawing/2014/main" xmlns="" id="{643FD5BB-27F3-41E7-9911-7B583A1611F8}"/>
               </a:ext>
             </a:extLst>
           </p:cNvPr>
@@ -13746,7 +13787,7 @@
           <p:cNvPr id="17" name="Date Placeholder 3">
             <a:extLst>
               <a:ext uri="{FF2B5EF4-FFF2-40B4-BE49-F238E27FC236}">
-                <a16:creationId xmlns:a16="http://schemas.microsoft.com/office/drawing/2014/main" id="{C68400CB-5F57-4A64-AF41-0F973C1145D7}"/>
+                <a16:creationId xmlns:a16="http://schemas.microsoft.com/office/drawing/2014/main" xmlns="" id="{C68400CB-5F57-4A64-AF41-0F973C1145D7}"/>
               </a:ext>
             </a:extLst>
           </p:cNvPr>
@@ -13811,7 +13852,7 @@
           <p:cNvPr id="2" name="Title 1">
             <a:extLst>
               <a:ext uri="{FF2B5EF4-FFF2-40B4-BE49-F238E27FC236}">
-                <a16:creationId xmlns:a16="http://schemas.microsoft.com/office/drawing/2014/main" id="{D663B1AF-4827-48F8-89C1-04B58CDA00EB}"/>
+                <a16:creationId xmlns:a16="http://schemas.microsoft.com/office/drawing/2014/main" xmlns="" id="{D663B1AF-4827-48F8-89C1-04B58CDA00EB}"/>
               </a:ext>
             </a:extLst>
           </p:cNvPr>
@@ -13859,7 +13900,7 @@
           <p:cNvPr id="3" name="Content Placeholder 2">
             <a:extLst>
               <a:ext uri="{FF2B5EF4-FFF2-40B4-BE49-F238E27FC236}">
-                <a16:creationId xmlns:a16="http://schemas.microsoft.com/office/drawing/2014/main" id="{07D92DB6-6DA7-483C-9605-E091ACCD8173}"/>
+                <a16:creationId xmlns:a16="http://schemas.microsoft.com/office/drawing/2014/main" xmlns="" id="{07D92DB6-6DA7-483C-9605-E091ACCD8173}"/>
               </a:ext>
             </a:extLst>
           </p:cNvPr>
@@ -13982,7 +14023,7 @@
           <p:cNvPr id="4" name="Date Placeholder 3">
             <a:extLst>
               <a:ext uri="{FF2B5EF4-FFF2-40B4-BE49-F238E27FC236}">
-                <a16:creationId xmlns:a16="http://schemas.microsoft.com/office/drawing/2014/main" id="{D257C7DE-82B0-4BFD-ADB2-512C0711F065}"/>
+                <a16:creationId xmlns:a16="http://schemas.microsoft.com/office/drawing/2014/main" xmlns="" id="{D257C7DE-82B0-4BFD-ADB2-512C0711F065}"/>
               </a:ext>
             </a:extLst>
           </p:cNvPr>
@@ -14017,7 +14058,7 @@
           <p:cNvPr id="5" name="Footer Placeholder 4">
             <a:extLst>
               <a:ext uri="{FF2B5EF4-FFF2-40B4-BE49-F238E27FC236}">
-                <a16:creationId xmlns:a16="http://schemas.microsoft.com/office/drawing/2014/main" id="{4453918D-EF15-46E0-A6E8-96CFE8A48E36}"/>
+                <a16:creationId xmlns:a16="http://schemas.microsoft.com/office/drawing/2014/main" xmlns="" id="{4453918D-EF15-46E0-A6E8-96CFE8A48E36}"/>
               </a:ext>
             </a:extLst>
           </p:cNvPr>
@@ -14050,7 +14091,7 @@
           <p:cNvPr id="9" name="Footer Placeholder 4">
             <a:extLst>
               <a:ext uri="{FF2B5EF4-FFF2-40B4-BE49-F238E27FC236}">
-                <a16:creationId xmlns:a16="http://schemas.microsoft.com/office/drawing/2014/main" id="{AF12BD91-D499-484D-AE27-5A29FE3A87B1}"/>
+                <a16:creationId xmlns:a16="http://schemas.microsoft.com/office/drawing/2014/main" xmlns="" id="{AF12BD91-D499-484D-AE27-5A29FE3A87B1}"/>
               </a:ext>
             </a:extLst>
           </p:cNvPr>
@@ -14180,7 +14221,7 @@
           <p:cNvPr id="10" name="Date Placeholder 3">
             <a:extLst>
               <a:ext uri="{FF2B5EF4-FFF2-40B4-BE49-F238E27FC236}">
-                <a16:creationId xmlns:a16="http://schemas.microsoft.com/office/drawing/2014/main" id="{7EAEFA59-ADD5-483B-81EC-7CBC47C157AE}"/>
+                <a16:creationId xmlns:a16="http://schemas.microsoft.com/office/drawing/2014/main" xmlns="" id="{7EAEFA59-ADD5-483B-81EC-7CBC47C157AE}"/>
               </a:ext>
             </a:extLst>
           </p:cNvPr>
@@ -14457,7 +14498,7 @@
           <p:cNvPr id="11" name="Title 1">
             <a:extLst>
               <a:ext uri="{FF2B5EF4-FFF2-40B4-BE49-F238E27FC236}">
-                <a16:creationId xmlns:a16="http://schemas.microsoft.com/office/drawing/2014/main" id="{DC85129E-0B0B-4C64-B8AF-D549982166EC}"/>
+                <a16:creationId xmlns:a16="http://schemas.microsoft.com/office/drawing/2014/main" xmlns="" id="{DC85129E-0B0B-4C64-B8AF-D549982166EC}"/>
               </a:ext>
             </a:extLst>
           </p:cNvPr>
@@ -14506,7 +14547,7 @@
           <p:cNvPr id="13" name="Footer Placeholder 4">
             <a:extLst>
               <a:ext uri="{FF2B5EF4-FFF2-40B4-BE49-F238E27FC236}">
-                <a16:creationId xmlns:a16="http://schemas.microsoft.com/office/drawing/2014/main" id="{D1ABF561-8E91-4704-BDD7-0520E3848081}"/>
+                <a16:creationId xmlns:a16="http://schemas.microsoft.com/office/drawing/2014/main" xmlns="" id="{D1ABF561-8E91-4704-BDD7-0520E3848081}"/>
               </a:ext>
             </a:extLst>
           </p:cNvPr>
@@ -14544,7 +14585,7 @@
           <p:cNvPr id="12" name="Footer Placeholder 4">
             <a:extLst>
               <a:ext uri="{FF2B5EF4-FFF2-40B4-BE49-F238E27FC236}">
-                <a16:creationId xmlns:a16="http://schemas.microsoft.com/office/drawing/2014/main" id="{C7E2142E-82BB-4994-B007-795485F7F8C9}"/>
+                <a16:creationId xmlns:a16="http://schemas.microsoft.com/office/drawing/2014/main" xmlns="" id="{C7E2142E-82BB-4994-B007-795485F7F8C9}"/>
               </a:ext>
             </a:extLst>
           </p:cNvPr>
@@ -14674,7 +14715,7 @@
           <p:cNvPr id="15" name="Date Placeholder 3">
             <a:extLst>
               <a:ext uri="{FF2B5EF4-FFF2-40B4-BE49-F238E27FC236}">
-                <a16:creationId xmlns:a16="http://schemas.microsoft.com/office/drawing/2014/main" id="{F7F1FCB5-A2AF-4B14-B8AB-ACE0D66C9CE6}"/>
+                <a16:creationId xmlns:a16="http://schemas.microsoft.com/office/drawing/2014/main" xmlns="" id="{F7F1FCB5-A2AF-4B14-B8AB-ACE0D66C9CE6}"/>
               </a:ext>
             </a:extLst>
           </p:cNvPr>
@@ -14802,7 +14843,7 @@
           <p:cNvPr id="16" name="Date Placeholder 3">
             <a:extLst>
               <a:ext uri="{FF2B5EF4-FFF2-40B4-BE49-F238E27FC236}">
-                <a16:creationId xmlns:a16="http://schemas.microsoft.com/office/drawing/2014/main" id="{DF6CE105-6C5E-4DE7-A045-FD455A5A989A}"/>
+                <a16:creationId xmlns:a16="http://schemas.microsoft.com/office/drawing/2014/main" xmlns="" id="{DF6CE105-6C5E-4DE7-A045-FD455A5A989A}"/>
               </a:ext>
             </a:extLst>
           </p:cNvPr>
@@ -14927,7 +14968,7 @@
           <p:cNvPr id="17" name="Date Placeholder 3">
             <a:extLst>
               <a:ext uri="{FF2B5EF4-FFF2-40B4-BE49-F238E27FC236}">
-                <a16:creationId xmlns:a16="http://schemas.microsoft.com/office/drawing/2014/main" id="{0DADE530-75F7-4839-81E3-87050A31C961}"/>
+                <a16:creationId xmlns:a16="http://schemas.microsoft.com/office/drawing/2014/main" xmlns="" id="{0DADE530-75F7-4839-81E3-87050A31C961}"/>
               </a:ext>
             </a:extLst>
           </p:cNvPr>
@@ -14962,7 +15003,7 @@
           <p:cNvPr id="5" name="Content Placeholder 4">
             <a:extLst>
               <a:ext uri="{FF2B5EF4-FFF2-40B4-BE49-F238E27FC236}">
-                <a16:creationId xmlns:a16="http://schemas.microsoft.com/office/drawing/2014/main" id="{11AE2190-B4AB-4050-9D30-FFC7B6158DD3}"/>
+                <a16:creationId xmlns:a16="http://schemas.microsoft.com/office/drawing/2014/main" xmlns="" id="{11AE2190-B4AB-4050-9D30-FFC7B6158DD3}"/>
               </a:ext>
             </a:extLst>
           </p:cNvPr>
@@ -15364,7 +15405,7 @@
           <p:cNvPr id="12" name="Footer Placeholder 4">
             <a:extLst>
               <a:ext uri="{FF2B5EF4-FFF2-40B4-BE49-F238E27FC236}">
-                <a16:creationId xmlns:a16="http://schemas.microsoft.com/office/drawing/2014/main" id="{13810B73-4AAA-481B-91C3-62C546016E85}"/>
+                <a16:creationId xmlns:a16="http://schemas.microsoft.com/office/drawing/2014/main" xmlns="" id="{13810B73-4AAA-481B-91C3-62C546016E85}"/>
               </a:ext>
             </a:extLst>
           </p:cNvPr>
@@ -15402,7 +15443,7 @@
           <p:cNvPr id="13" name="Footer Placeholder 4">
             <a:extLst>
               <a:ext uri="{FF2B5EF4-FFF2-40B4-BE49-F238E27FC236}">
-                <a16:creationId xmlns:a16="http://schemas.microsoft.com/office/drawing/2014/main" id="{C568ADF4-CCE8-409D-BC1B-CFC178F5C0EB}"/>
+                <a16:creationId xmlns:a16="http://schemas.microsoft.com/office/drawing/2014/main" xmlns="" id="{C568ADF4-CCE8-409D-BC1B-CFC178F5C0EB}"/>
               </a:ext>
             </a:extLst>
           </p:cNvPr>
@@ -15532,7 +15573,7 @@
           <p:cNvPr id="9" name="Date Placeholder 3">
             <a:extLst>
               <a:ext uri="{FF2B5EF4-FFF2-40B4-BE49-F238E27FC236}">
-                <a16:creationId xmlns:a16="http://schemas.microsoft.com/office/drawing/2014/main" id="{5F72E7FB-5406-40F2-93C2-E9165F64003E}"/>
+                <a16:creationId xmlns:a16="http://schemas.microsoft.com/office/drawing/2014/main" xmlns="" id="{5F72E7FB-5406-40F2-93C2-E9165F64003E}"/>
               </a:ext>
             </a:extLst>
           </p:cNvPr>
@@ -15660,7 +15701,7 @@
           <p:cNvPr id="10" name="Date Placeholder 3">
             <a:extLst>
               <a:ext uri="{FF2B5EF4-FFF2-40B4-BE49-F238E27FC236}">
-                <a16:creationId xmlns:a16="http://schemas.microsoft.com/office/drawing/2014/main" id="{B760CA4A-E789-471D-8EB1-F60022B7FEEE}"/>
+                <a16:creationId xmlns:a16="http://schemas.microsoft.com/office/drawing/2014/main" xmlns="" id="{B760CA4A-E789-471D-8EB1-F60022B7FEEE}"/>
               </a:ext>
             </a:extLst>
           </p:cNvPr>
@@ -15785,7 +15826,7 @@
           <p:cNvPr id="11" name="Date Placeholder 3">
             <a:extLst>
               <a:ext uri="{FF2B5EF4-FFF2-40B4-BE49-F238E27FC236}">
-                <a16:creationId xmlns:a16="http://schemas.microsoft.com/office/drawing/2014/main" id="{BA45694C-EE57-46E3-94BB-26F02AD1A1E2}"/>
+                <a16:creationId xmlns:a16="http://schemas.microsoft.com/office/drawing/2014/main" xmlns="" id="{BA45694C-EE57-46E3-94BB-26F02AD1A1E2}"/>
               </a:ext>
             </a:extLst>
           </p:cNvPr>
@@ -16092,7 +16133,7 @@
           <p:cNvPr id="11" name="Title 1">
             <a:extLst>
               <a:ext uri="{FF2B5EF4-FFF2-40B4-BE49-F238E27FC236}">
-                <a16:creationId xmlns:a16="http://schemas.microsoft.com/office/drawing/2014/main" id="{DC85129E-0B0B-4C64-B8AF-D549982166EC}"/>
+                <a16:creationId xmlns:a16="http://schemas.microsoft.com/office/drawing/2014/main" xmlns="" id="{DC85129E-0B0B-4C64-B8AF-D549982166EC}"/>
               </a:ext>
             </a:extLst>
           </p:cNvPr>
@@ -16141,7 +16182,7 @@
           <p:cNvPr id="13" name="Footer Placeholder 4">
             <a:extLst>
               <a:ext uri="{FF2B5EF4-FFF2-40B4-BE49-F238E27FC236}">
-                <a16:creationId xmlns:a16="http://schemas.microsoft.com/office/drawing/2014/main" id="{D1ABF561-8E91-4704-BDD7-0520E3848081}"/>
+                <a16:creationId xmlns:a16="http://schemas.microsoft.com/office/drawing/2014/main" xmlns="" id="{D1ABF561-8E91-4704-BDD7-0520E3848081}"/>
               </a:ext>
             </a:extLst>
           </p:cNvPr>
@@ -16179,7 +16220,7 @@
           <p:cNvPr id="19" name="Date Placeholder 3">
             <a:extLst>
               <a:ext uri="{FF2B5EF4-FFF2-40B4-BE49-F238E27FC236}">
-                <a16:creationId xmlns:a16="http://schemas.microsoft.com/office/drawing/2014/main" id="{DEE9A254-D57A-4AC6-8925-0BE9E07DD752}"/>
+                <a16:creationId xmlns:a16="http://schemas.microsoft.com/office/drawing/2014/main" xmlns="" id="{DEE9A254-D57A-4AC6-8925-0BE9E07DD752}"/>
               </a:ext>
             </a:extLst>
           </p:cNvPr>
@@ -16307,7 +16348,7 @@
           <p:cNvPr id="20" name="Date Placeholder 3">
             <a:extLst>
               <a:ext uri="{FF2B5EF4-FFF2-40B4-BE49-F238E27FC236}">
-                <a16:creationId xmlns:a16="http://schemas.microsoft.com/office/drawing/2014/main" id="{F640DC25-A5F0-4C43-B238-F57EF831767B}"/>
+                <a16:creationId xmlns:a16="http://schemas.microsoft.com/office/drawing/2014/main" xmlns="" id="{F640DC25-A5F0-4C43-B238-F57EF831767B}"/>
               </a:ext>
             </a:extLst>
           </p:cNvPr>
@@ -16432,7 +16473,7 @@
           <p:cNvPr id="21" name="Date Placeholder 3">
             <a:extLst>
               <a:ext uri="{FF2B5EF4-FFF2-40B4-BE49-F238E27FC236}">
-                <a16:creationId xmlns:a16="http://schemas.microsoft.com/office/drawing/2014/main" id="{D926DBC5-06FC-4DCF-9A9C-2AB9CF31099C}"/>
+                <a16:creationId xmlns:a16="http://schemas.microsoft.com/office/drawing/2014/main" xmlns="" id="{D926DBC5-06FC-4DCF-9A9C-2AB9CF31099C}"/>
               </a:ext>
             </a:extLst>
           </p:cNvPr>
@@ -16709,7 +16750,7 @@
           <p:cNvPr id="11" name="Title 1">
             <a:extLst>
               <a:ext uri="{FF2B5EF4-FFF2-40B4-BE49-F238E27FC236}">
-                <a16:creationId xmlns:a16="http://schemas.microsoft.com/office/drawing/2014/main" id="{DC85129E-0B0B-4C64-B8AF-D549982166EC}"/>
+                <a16:creationId xmlns:a16="http://schemas.microsoft.com/office/drawing/2014/main" xmlns="" id="{DC85129E-0B0B-4C64-B8AF-D549982166EC}"/>
               </a:ext>
             </a:extLst>
           </p:cNvPr>
@@ -16758,7 +16799,7 @@
           <p:cNvPr id="13" name="Footer Placeholder 4">
             <a:extLst>
               <a:ext uri="{FF2B5EF4-FFF2-40B4-BE49-F238E27FC236}">
-                <a16:creationId xmlns:a16="http://schemas.microsoft.com/office/drawing/2014/main" id="{D1ABF561-8E91-4704-BDD7-0520E3848081}"/>
+                <a16:creationId xmlns:a16="http://schemas.microsoft.com/office/drawing/2014/main" xmlns="" id="{D1ABF561-8E91-4704-BDD7-0520E3848081}"/>
               </a:ext>
             </a:extLst>
           </p:cNvPr>
@@ -16796,7 +16837,7 @@
           <p:cNvPr id="19" name="Date Placeholder 3">
             <a:extLst>
               <a:ext uri="{FF2B5EF4-FFF2-40B4-BE49-F238E27FC236}">
-                <a16:creationId xmlns:a16="http://schemas.microsoft.com/office/drawing/2014/main" id="{DEE9A254-D57A-4AC6-8925-0BE9E07DD752}"/>
+                <a16:creationId xmlns:a16="http://schemas.microsoft.com/office/drawing/2014/main" xmlns="" id="{DEE9A254-D57A-4AC6-8925-0BE9E07DD752}"/>
               </a:ext>
             </a:extLst>
           </p:cNvPr>
@@ -16924,7 +16965,7 @@
           <p:cNvPr id="20" name="Date Placeholder 3">
             <a:extLst>
               <a:ext uri="{FF2B5EF4-FFF2-40B4-BE49-F238E27FC236}">
-                <a16:creationId xmlns:a16="http://schemas.microsoft.com/office/drawing/2014/main" id="{F640DC25-A5F0-4C43-B238-F57EF831767B}"/>
+                <a16:creationId xmlns:a16="http://schemas.microsoft.com/office/drawing/2014/main" xmlns="" id="{F640DC25-A5F0-4C43-B238-F57EF831767B}"/>
               </a:ext>
             </a:extLst>
           </p:cNvPr>
@@ -17049,7 +17090,7 @@
           <p:cNvPr id="21" name="Date Placeholder 3">
             <a:extLst>
               <a:ext uri="{FF2B5EF4-FFF2-40B4-BE49-F238E27FC236}">
-                <a16:creationId xmlns:a16="http://schemas.microsoft.com/office/drawing/2014/main" id="{D926DBC5-06FC-4DCF-9A9C-2AB9CF31099C}"/>
+                <a16:creationId xmlns:a16="http://schemas.microsoft.com/office/drawing/2014/main" xmlns="" id="{D926DBC5-06FC-4DCF-9A9C-2AB9CF31099C}"/>
               </a:ext>
             </a:extLst>
           </p:cNvPr>
@@ -17329,7 +17370,7 @@
           <p:cNvPr id="11" name="Title 1">
             <a:extLst>
               <a:ext uri="{FF2B5EF4-FFF2-40B4-BE49-F238E27FC236}">
-                <a16:creationId xmlns:a16="http://schemas.microsoft.com/office/drawing/2014/main" id="{DC85129E-0B0B-4C64-B8AF-D549982166EC}"/>
+                <a16:creationId xmlns:a16="http://schemas.microsoft.com/office/drawing/2014/main" xmlns="" id="{DC85129E-0B0B-4C64-B8AF-D549982166EC}"/>
               </a:ext>
             </a:extLst>
           </p:cNvPr>
@@ -17378,7 +17419,7 @@
           <p:cNvPr id="13" name="Footer Placeholder 4">
             <a:extLst>
               <a:ext uri="{FF2B5EF4-FFF2-40B4-BE49-F238E27FC236}">
-                <a16:creationId xmlns:a16="http://schemas.microsoft.com/office/drawing/2014/main" id="{D1ABF561-8E91-4704-BDD7-0520E3848081}"/>
+                <a16:creationId xmlns:a16="http://schemas.microsoft.com/office/drawing/2014/main" xmlns="" id="{D1ABF561-8E91-4704-BDD7-0520E3848081}"/>
               </a:ext>
             </a:extLst>
           </p:cNvPr>
@@ -17416,7 +17457,7 @@
           <p:cNvPr id="19" name="Date Placeholder 3">
             <a:extLst>
               <a:ext uri="{FF2B5EF4-FFF2-40B4-BE49-F238E27FC236}">
-                <a16:creationId xmlns:a16="http://schemas.microsoft.com/office/drawing/2014/main" id="{DEE9A254-D57A-4AC6-8925-0BE9E07DD752}"/>
+                <a16:creationId xmlns:a16="http://schemas.microsoft.com/office/drawing/2014/main" xmlns="" id="{DEE9A254-D57A-4AC6-8925-0BE9E07DD752}"/>
               </a:ext>
             </a:extLst>
           </p:cNvPr>
@@ -17544,7 +17585,7 @@
           <p:cNvPr id="20" name="Date Placeholder 3">
             <a:extLst>
               <a:ext uri="{FF2B5EF4-FFF2-40B4-BE49-F238E27FC236}">
-                <a16:creationId xmlns:a16="http://schemas.microsoft.com/office/drawing/2014/main" id="{F640DC25-A5F0-4C43-B238-F57EF831767B}"/>
+                <a16:creationId xmlns:a16="http://schemas.microsoft.com/office/drawing/2014/main" xmlns="" id="{F640DC25-A5F0-4C43-B238-F57EF831767B}"/>
               </a:ext>
             </a:extLst>
           </p:cNvPr>
@@ -17669,7 +17710,7 @@
           <p:cNvPr id="21" name="Date Placeholder 3">
             <a:extLst>
               <a:ext uri="{FF2B5EF4-FFF2-40B4-BE49-F238E27FC236}">
-                <a16:creationId xmlns:a16="http://schemas.microsoft.com/office/drawing/2014/main" id="{D926DBC5-06FC-4DCF-9A9C-2AB9CF31099C}"/>
+                <a16:creationId xmlns:a16="http://schemas.microsoft.com/office/drawing/2014/main" xmlns="" id="{D926DBC5-06FC-4DCF-9A9C-2AB9CF31099C}"/>
               </a:ext>
             </a:extLst>
           </p:cNvPr>
@@ -18036,7 +18077,7 @@
           <p:cNvPr id="11" name="Title 1">
             <a:extLst>
               <a:ext uri="{FF2B5EF4-FFF2-40B4-BE49-F238E27FC236}">
-                <a16:creationId xmlns:a16="http://schemas.microsoft.com/office/drawing/2014/main" id="{DC85129E-0B0B-4C64-B8AF-D549982166EC}"/>
+                <a16:creationId xmlns:a16="http://schemas.microsoft.com/office/drawing/2014/main" xmlns="" id="{DC85129E-0B0B-4C64-B8AF-D549982166EC}"/>
               </a:ext>
             </a:extLst>
           </p:cNvPr>
@@ -18085,7 +18126,7 @@
           <p:cNvPr id="13" name="Footer Placeholder 4">
             <a:extLst>
               <a:ext uri="{FF2B5EF4-FFF2-40B4-BE49-F238E27FC236}">
-                <a16:creationId xmlns:a16="http://schemas.microsoft.com/office/drawing/2014/main" id="{D1ABF561-8E91-4704-BDD7-0520E3848081}"/>
+                <a16:creationId xmlns:a16="http://schemas.microsoft.com/office/drawing/2014/main" xmlns="" id="{D1ABF561-8E91-4704-BDD7-0520E3848081}"/>
               </a:ext>
             </a:extLst>
           </p:cNvPr>
@@ -18123,7 +18164,7 @@
           <p:cNvPr id="12" name="Date Placeholder 3">
             <a:extLst>
               <a:ext uri="{FF2B5EF4-FFF2-40B4-BE49-F238E27FC236}">
-                <a16:creationId xmlns:a16="http://schemas.microsoft.com/office/drawing/2014/main" id="{4C87E07D-04F0-4FD7-BADA-185BE6E40376}"/>
+                <a16:creationId xmlns:a16="http://schemas.microsoft.com/office/drawing/2014/main" xmlns="" id="{4C87E07D-04F0-4FD7-BADA-185BE6E40376}"/>
               </a:ext>
             </a:extLst>
           </p:cNvPr>
@@ -18251,7 +18292,7 @@
           <p:cNvPr id="15" name="Date Placeholder 3">
             <a:extLst>
               <a:ext uri="{FF2B5EF4-FFF2-40B4-BE49-F238E27FC236}">
-                <a16:creationId xmlns:a16="http://schemas.microsoft.com/office/drawing/2014/main" id="{8F8AD2AF-87AA-4D60-AD51-74B756F5A4EF}"/>
+                <a16:creationId xmlns:a16="http://schemas.microsoft.com/office/drawing/2014/main" xmlns="" id="{8F8AD2AF-87AA-4D60-AD51-74B756F5A4EF}"/>
               </a:ext>
             </a:extLst>
           </p:cNvPr>
@@ -18376,7 +18417,7 @@
           <p:cNvPr id="16" name="Date Placeholder 3">
             <a:extLst>
               <a:ext uri="{FF2B5EF4-FFF2-40B4-BE49-F238E27FC236}">
-                <a16:creationId xmlns:a16="http://schemas.microsoft.com/office/drawing/2014/main" id="{EA71D549-53A9-4DDC-AFAF-782E92655F4D}"/>
+                <a16:creationId xmlns:a16="http://schemas.microsoft.com/office/drawing/2014/main" xmlns="" id="{EA71D549-53A9-4DDC-AFAF-782E92655F4D}"/>
               </a:ext>
             </a:extLst>
           </p:cNvPr>
@@ -18784,7 +18825,7 @@
           <p:cNvPr id="11" name="Title 1">
             <a:extLst>
               <a:ext uri="{FF2B5EF4-FFF2-40B4-BE49-F238E27FC236}">
-                <a16:creationId xmlns:a16="http://schemas.microsoft.com/office/drawing/2014/main" id="{DC85129E-0B0B-4C64-B8AF-D549982166EC}"/>
+                <a16:creationId xmlns:a16="http://schemas.microsoft.com/office/drawing/2014/main" xmlns="" id="{DC85129E-0B0B-4C64-B8AF-D549982166EC}"/>
               </a:ext>
             </a:extLst>
           </p:cNvPr>
@@ -18833,7 +18874,7 @@
           <p:cNvPr id="13" name="Footer Placeholder 4">
             <a:extLst>
               <a:ext uri="{FF2B5EF4-FFF2-40B4-BE49-F238E27FC236}">
-                <a16:creationId xmlns:a16="http://schemas.microsoft.com/office/drawing/2014/main" id="{D1ABF561-8E91-4704-BDD7-0520E3848081}"/>
+                <a16:creationId xmlns:a16="http://schemas.microsoft.com/office/drawing/2014/main" xmlns="" id="{D1ABF561-8E91-4704-BDD7-0520E3848081}"/>
               </a:ext>
             </a:extLst>
           </p:cNvPr>
@@ -18871,7 +18912,7 @@
           <p:cNvPr id="12" name="Date Placeholder 3">
             <a:extLst>
               <a:ext uri="{FF2B5EF4-FFF2-40B4-BE49-F238E27FC236}">
-                <a16:creationId xmlns:a16="http://schemas.microsoft.com/office/drawing/2014/main" id="{4C87E07D-04F0-4FD7-BADA-185BE6E40376}"/>
+                <a16:creationId xmlns:a16="http://schemas.microsoft.com/office/drawing/2014/main" xmlns="" id="{4C87E07D-04F0-4FD7-BADA-185BE6E40376}"/>
               </a:ext>
             </a:extLst>
           </p:cNvPr>
@@ -18999,7 +19040,7 @@
           <p:cNvPr id="15" name="Date Placeholder 3">
             <a:extLst>
               <a:ext uri="{FF2B5EF4-FFF2-40B4-BE49-F238E27FC236}">
-                <a16:creationId xmlns:a16="http://schemas.microsoft.com/office/drawing/2014/main" id="{8F8AD2AF-87AA-4D60-AD51-74B756F5A4EF}"/>
+                <a16:creationId xmlns:a16="http://schemas.microsoft.com/office/drawing/2014/main" xmlns="" id="{8F8AD2AF-87AA-4D60-AD51-74B756F5A4EF}"/>
               </a:ext>
             </a:extLst>
           </p:cNvPr>
@@ -19124,7 +19165,7 @@
           <p:cNvPr id="16" name="Date Placeholder 3">
             <a:extLst>
               <a:ext uri="{FF2B5EF4-FFF2-40B4-BE49-F238E27FC236}">
-                <a16:creationId xmlns:a16="http://schemas.microsoft.com/office/drawing/2014/main" id="{EA71D549-53A9-4DDC-AFAF-782E92655F4D}"/>
+                <a16:creationId xmlns:a16="http://schemas.microsoft.com/office/drawing/2014/main" xmlns="" id="{EA71D549-53A9-4DDC-AFAF-782E92655F4D}"/>
               </a:ext>
             </a:extLst>
           </p:cNvPr>
@@ -19513,7 +19554,7 @@
           <p:cNvPr id="11" name="Title 1">
             <a:extLst>
               <a:ext uri="{FF2B5EF4-FFF2-40B4-BE49-F238E27FC236}">
-                <a16:creationId xmlns:a16="http://schemas.microsoft.com/office/drawing/2014/main" id="{DC85129E-0B0B-4C64-B8AF-D549982166EC}"/>
+                <a16:creationId xmlns:a16="http://schemas.microsoft.com/office/drawing/2014/main" xmlns="" id="{DC85129E-0B0B-4C64-B8AF-D549982166EC}"/>
               </a:ext>
             </a:extLst>
           </p:cNvPr>
@@ -19562,7 +19603,7 @@
           <p:cNvPr id="13" name="Footer Placeholder 4">
             <a:extLst>
               <a:ext uri="{FF2B5EF4-FFF2-40B4-BE49-F238E27FC236}">
-                <a16:creationId xmlns:a16="http://schemas.microsoft.com/office/drawing/2014/main" id="{D1ABF561-8E91-4704-BDD7-0520E3848081}"/>
+                <a16:creationId xmlns:a16="http://schemas.microsoft.com/office/drawing/2014/main" xmlns="" id="{D1ABF561-8E91-4704-BDD7-0520E3848081}"/>
               </a:ext>
             </a:extLst>
           </p:cNvPr>
@@ -19600,7 +19641,7 @@
           <p:cNvPr id="12" name="Date Placeholder 3">
             <a:extLst>
               <a:ext uri="{FF2B5EF4-FFF2-40B4-BE49-F238E27FC236}">
-                <a16:creationId xmlns:a16="http://schemas.microsoft.com/office/drawing/2014/main" id="{4C87E07D-04F0-4FD7-BADA-185BE6E40376}"/>
+                <a16:creationId xmlns:a16="http://schemas.microsoft.com/office/drawing/2014/main" xmlns="" id="{4C87E07D-04F0-4FD7-BADA-185BE6E40376}"/>
               </a:ext>
             </a:extLst>
           </p:cNvPr>
@@ -19728,7 +19769,7 @@
           <p:cNvPr id="15" name="Date Placeholder 3">
             <a:extLst>
               <a:ext uri="{FF2B5EF4-FFF2-40B4-BE49-F238E27FC236}">
-                <a16:creationId xmlns:a16="http://schemas.microsoft.com/office/drawing/2014/main" id="{8F8AD2AF-87AA-4D60-AD51-74B756F5A4EF}"/>
+                <a16:creationId xmlns:a16="http://schemas.microsoft.com/office/drawing/2014/main" xmlns="" id="{8F8AD2AF-87AA-4D60-AD51-74B756F5A4EF}"/>
               </a:ext>
             </a:extLst>
           </p:cNvPr>
@@ -19853,7 +19894,7 @@
           <p:cNvPr id="16" name="Date Placeholder 3">
             <a:extLst>
               <a:ext uri="{FF2B5EF4-FFF2-40B4-BE49-F238E27FC236}">
-                <a16:creationId xmlns:a16="http://schemas.microsoft.com/office/drawing/2014/main" id="{EA71D549-53A9-4DDC-AFAF-782E92655F4D}"/>
+                <a16:creationId xmlns:a16="http://schemas.microsoft.com/office/drawing/2014/main" xmlns="" id="{EA71D549-53A9-4DDC-AFAF-782E92655F4D}"/>
               </a:ext>
             </a:extLst>
           </p:cNvPr>
@@ -20270,7 +20311,7 @@
           <p:cNvPr id="11" name="Title 1">
             <a:extLst>
               <a:ext uri="{FF2B5EF4-FFF2-40B4-BE49-F238E27FC236}">
-                <a16:creationId xmlns:a16="http://schemas.microsoft.com/office/drawing/2014/main" id="{DC85129E-0B0B-4C64-B8AF-D549982166EC}"/>
+                <a16:creationId xmlns:a16="http://schemas.microsoft.com/office/drawing/2014/main" xmlns="" id="{DC85129E-0B0B-4C64-B8AF-D549982166EC}"/>
               </a:ext>
             </a:extLst>
           </p:cNvPr>
@@ -20319,7 +20360,7 @@
           <p:cNvPr id="13" name="Footer Placeholder 4">
             <a:extLst>
               <a:ext uri="{FF2B5EF4-FFF2-40B4-BE49-F238E27FC236}">
-                <a16:creationId xmlns:a16="http://schemas.microsoft.com/office/drawing/2014/main" id="{D1ABF561-8E91-4704-BDD7-0520E3848081}"/>
+                <a16:creationId xmlns:a16="http://schemas.microsoft.com/office/drawing/2014/main" xmlns="" id="{D1ABF561-8E91-4704-BDD7-0520E3848081}"/>
               </a:ext>
             </a:extLst>
           </p:cNvPr>
@@ -20357,7 +20398,7 @@
           <p:cNvPr id="12" name="Date Placeholder 3">
             <a:extLst>
               <a:ext uri="{FF2B5EF4-FFF2-40B4-BE49-F238E27FC236}">
-                <a16:creationId xmlns:a16="http://schemas.microsoft.com/office/drawing/2014/main" id="{54B6F2D0-7DB8-46A8-BE38-9A76D2B8158B}"/>
+                <a16:creationId xmlns:a16="http://schemas.microsoft.com/office/drawing/2014/main" xmlns="" id="{54B6F2D0-7DB8-46A8-BE38-9A76D2B8158B}"/>
               </a:ext>
             </a:extLst>
           </p:cNvPr>
@@ -20485,7 +20526,7 @@
           <p:cNvPr id="15" name="Date Placeholder 3">
             <a:extLst>
               <a:ext uri="{FF2B5EF4-FFF2-40B4-BE49-F238E27FC236}">
-                <a16:creationId xmlns:a16="http://schemas.microsoft.com/office/drawing/2014/main" id="{7776AD0D-19A8-414D-80CE-F20CD3193C15}"/>
+                <a16:creationId xmlns:a16="http://schemas.microsoft.com/office/drawing/2014/main" xmlns="" id="{7776AD0D-19A8-414D-80CE-F20CD3193C15}"/>
               </a:ext>
             </a:extLst>
           </p:cNvPr>
@@ -20610,7 +20651,7 @@
           <p:cNvPr id="16" name="Date Placeholder 3">
             <a:extLst>
               <a:ext uri="{FF2B5EF4-FFF2-40B4-BE49-F238E27FC236}">
-                <a16:creationId xmlns:a16="http://schemas.microsoft.com/office/drawing/2014/main" id="{2135CCC7-8B9E-459F-BB5B-78E5BAC4A86B}"/>
+                <a16:creationId xmlns:a16="http://schemas.microsoft.com/office/drawing/2014/main" xmlns="" id="{2135CCC7-8B9E-459F-BB5B-78E5BAC4A86B}"/>
               </a:ext>
             </a:extLst>
           </p:cNvPr>

--- a/PPT-Review-1.pptx
+++ b/PPT-Review-1.pptx
@@ -231,7 +231,7 @@
           <a:p>
             <a:fld id="{71672557-76BA-41F3-80B7-1C8DA4668134}" type="datetimeFigureOut">
               <a:rPr lang="en-US" smtClean="0"/>
-              <a:t>1/17/2021</a:t>
+              <a:t>1/23/2021</a:t>
             </a:fld>
             <a:endParaRPr lang="en-US" dirty="0"/>
           </a:p>
@@ -400,7 +400,7 @@
           <a:p>
             <a:fld id="{A8ADFD5B-A66C-449C-B6E8-FB716D07777D}" type="datetimeFigureOut">
               <a:rPr lang="en-US" smtClean="0"/>
-              <a:t>1/17/2021</a:t>
+              <a:t>1/23/2021</a:t>
             </a:fld>
             <a:endParaRPr lang="en-US" dirty="0"/>
           </a:p>
@@ -2757,7 +2757,7 @@
           <a:p>
             <a:fld id="{B63EB09E-62B8-4931-A740-BCE383B263AD}" type="datetime1">
               <a:rPr lang="en-US" smtClean="0"/>
-              <a:t>1/17/2021</a:t>
+              <a:t>1/23/2021</a:t>
             </a:fld>
             <a:endParaRPr lang="en-US" dirty="0"/>
           </a:p>
@@ -2940,7 +2940,7 @@
                   <a:schemeClr val="tx2"/>
                 </a:solidFill>
               </a:rPr>
-              <a:t>1/17/2021</a:t>
+              <a:t>1/23/2021</a:t>
             </a:fld>
             <a:endParaRPr lang="en-US" sz="1400" dirty="0">
               <a:solidFill>
@@ -3138,7 +3138,7 @@
                   <a:schemeClr val="tx2"/>
                 </a:solidFill>
               </a:rPr>
-              <a:t>1/17/2021</a:t>
+              <a:t>1/23/2021</a:t>
             </a:fld>
             <a:endParaRPr lang="en-US" sz="1400" dirty="0">
               <a:solidFill>
@@ -3322,7 +3322,7 @@
           <a:p>
             <a:fld id="{05AD958E-392C-45A5-8B7C-6FFEC23D40D9}" type="datetime1">
               <a:rPr lang="en-US" smtClean="0"/>
-              <a:t>1/17/2021</a:t>
+              <a:t>1/23/2021</a:t>
             </a:fld>
             <a:endParaRPr lang="en-US" dirty="0"/>
           </a:p>
@@ -3583,7 +3583,7 @@
           <a:p>
             <a:fld id="{F4EF229E-9CC9-445C-B402-B93B63F9A471}" type="datetime1">
               <a:rPr lang="en-US" smtClean="0"/>
-              <a:t>1/17/2021</a:t>
+              <a:t>1/23/2021</a:t>
             </a:fld>
             <a:endParaRPr lang="en-US" dirty="0"/>
           </a:p>
@@ -3875,7 +3875,7 @@
           <a:p>
             <a:fld id="{45C12418-A1E9-40C6-9BFD-22F174C7C75A}" type="datetime1">
               <a:rPr lang="en-US" smtClean="0"/>
-              <a:t>1/17/2021</a:t>
+              <a:t>1/23/2021</a:t>
             </a:fld>
             <a:endParaRPr lang="en-US" dirty="0"/>
           </a:p>
@@ -4302,7 +4302,7 @@
           <a:p>
             <a:fld id="{8793B659-6005-4324-A283-1E4ADF604BA5}" type="datetime1">
               <a:rPr lang="en-US" smtClean="0"/>
-              <a:t>1/17/2021</a:t>
+              <a:t>1/23/2021</a:t>
             </a:fld>
             <a:endParaRPr lang="en-US" dirty="0"/>
           </a:p>
@@ -4422,7 +4422,7 @@
           <a:p>
             <a:fld id="{FB7F26AC-5549-4798-B196-7FC3403A62EA}" type="datetime1">
               <a:rPr lang="en-US" smtClean="0"/>
-              <a:t>1/17/2021</a:t>
+              <a:t>1/23/2021</a:t>
             </a:fld>
             <a:endParaRPr lang="en-US" dirty="0"/>
           </a:p>
@@ -4523,7 +4523,7 @@
           <a:p>
             <a:fld id="{CB70B857-E226-4E94-98F0-FF856D010F57}" type="datetime1">
               <a:rPr lang="en-US" smtClean="0"/>
-              <a:t>1/17/2021</a:t>
+              <a:t>1/23/2021</a:t>
             </a:fld>
             <a:endParaRPr lang="en-US" dirty="0"/>
           </a:p>
@@ -4804,7 +4804,7 @@
           <a:p>
             <a:fld id="{50C565FB-884B-42DB-93BA-92C1B703D307}" type="datetime1">
               <a:rPr lang="en-US" smtClean="0"/>
-              <a:t>1/17/2021</a:t>
+              <a:t>1/23/2021</a:t>
             </a:fld>
             <a:endParaRPr lang="en-US" dirty="0"/>
           </a:p>
@@ -5062,7 +5062,7 @@
           <a:p>
             <a:fld id="{D9DC7979-20C0-4E52-BDB0-0EB42B253591}" type="datetime1">
               <a:rPr lang="en-US" smtClean="0"/>
-              <a:t>1/17/2021</a:t>
+              <a:t>1/23/2021</a:t>
             </a:fld>
             <a:endParaRPr lang="en-US" dirty="0"/>
           </a:p>
@@ -5280,7 +5280,7 @@
                   <a:schemeClr val="tx2"/>
                 </a:solidFill>
               </a:rPr>
-              <a:t>1/17/2021</a:t>
+              <a:t>1/23/2021</a:t>
             </a:fld>
             <a:endParaRPr lang="en-US" sz="1400" dirty="0">
               <a:solidFill>
@@ -5982,8 +5982,8 @@
         </p:nvSpPr>
         <p:spPr>
           <a:xfrm>
-            <a:off x="0" y="2065966"/>
-            <a:ext cx="9144000" cy="954107"/>
+            <a:off x="0" y="2281409"/>
+            <a:ext cx="9144000" cy="523220"/>
           </a:xfrm>
           <a:prstGeom prst="rect">
             <a:avLst/>
@@ -6003,12 +6003,30 @@
           <a:p>
             <a:pPr algn="ctr"/>
             <a:r>
-              <a:rPr lang="en-US" sz="2800" dirty="0">
+              <a:rPr lang="en-US" sz="2800" smtClean="0">
                 <a:latin typeface="Century" panose="02040604050505020304" pitchFamily="18" charset="0"/>
                 <a:cs typeface="Times New Roman" panose="02020603050405020304" pitchFamily="18" charset="0"/>
               </a:rPr>
-              <a:t>ENHANCING NETWORKING MONITORING SYSTEMS BY OVERLAYING PROTOCOLS</a:t>
-            </a:r>
+              <a:t> </a:t>
+            </a:r>
+            <a:r>
+              <a:rPr lang="en-US" sz="2800">
+                <a:latin typeface="Century" panose="02040604050505020304" pitchFamily="18" charset="0"/>
+                <a:cs typeface="Times New Roman" panose="02020603050405020304" pitchFamily="18" charset="0"/>
+              </a:rPr>
+              <a:t>NETWORKING </a:t>
+            </a:r>
+            <a:r>
+              <a:rPr lang="en-US" sz="2800" smtClean="0">
+                <a:latin typeface="Century" panose="02040604050505020304" pitchFamily="18" charset="0"/>
+                <a:cs typeface="Times New Roman" panose="02020603050405020304" pitchFamily="18" charset="0"/>
+              </a:rPr>
+              <a:t>MONITOR </a:t>
+            </a:r>
+            <a:endParaRPr lang="en-US" sz="2800" dirty="0">
+              <a:latin typeface="Century" panose="02040604050505020304" pitchFamily="18" charset="0"/>
+              <a:cs typeface="Times New Roman" panose="02020603050405020304" pitchFamily="18" charset="0"/>
+            </a:endParaRPr>
           </a:p>
         </p:txBody>
       </p:sp>
@@ -6017,7 +6035,7 @@
           <p:cNvPr id="7" name="Rectangle 4">
             <a:extLst>
               <a:ext uri="{FF2B5EF4-FFF2-40B4-BE49-F238E27FC236}">
-                <a16:creationId xmlns:a16="http://schemas.microsoft.com/office/drawing/2014/main" xmlns="" id="{F998D05D-670E-4B4F-A80C-633BEB8F8FE1}"/>
+                <a16:creationId xmlns="" xmlns:a16="http://schemas.microsoft.com/office/drawing/2014/main" id="{F998D05D-670E-4B4F-A80C-633BEB8F8FE1}"/>
               </a:ext>
             </a:extLst>
           </p:cNvPr>
@@ -6132,7 +6150,7 @@
           <a:p>
             <a:fld id="{CB70B857-E226-4E94-98F0-FF856D010F57}" type="datetime1">
               <a:rPr lang="en-US" smtClean="0"/>
-              <a:t>1/17/2021</a:t>
+              <a:t>1/23/2021</a:t>
             </a:fld>
             <a:endParaRPr lang="en-US" dirty="0"/>
           </a:p>
@@ -6277,7 +6295,7 @@
           <p:cNvPr id="6" name="Date Placeholder 3">
             <a:extLst>
               <a:ext uri="{FF2B5EF4-FFF2-40B4-BE49-F238E27FC236}">
-                <a16:creationId xmlns:a16="http://schemas.microsoft.com/office/drawing/2014/main" xmlns="" id="{54B6F2D0-7DB8-46A8-BE38-9A76D2B8158B}"/>
+                <a16:creationId xmlns="" xmlns:a16="http://schemas.microsoft.com/office/drawing/2014/main" id="{54B6F2D0-7DB8-46A8-BE38-9A76D2B8158B}"/>
               </a:ext>
             </a:extLst>
           </p:cNvPr>
@@ -6405,7 +6423,7 @@
           <p:cNvPr id="7" name="Date Placeholder 3">
             <a:extLst>
               <a:ext uri="{FF2B5EF4-FFF2-40B4-BE49-F238E27FC236}">
-                <a16:creationId xmlns:a16="http://schemas.microsoft.com/office/drawing/2014/main" xmlns="" id="{7776AD0D-19A8-414D-80CE-F20CD3193C15}"/>
+                <a16:creationId xmlns="" xmlns:a16="http://schemas.microsoft.com/office/drawing/2014/main" id="{7776AD0D-19A8-414D-80CE-F20CD3193C15}"/>
               </a:ext>
             </a:extLst>
           </p:cNvPr>
@@ -6530,7 +6548,7 @@
           <p:cNvPr id="8" name="Title 1">
             <a:extLst>
               <a:ext uri="{FF2B5EF4-FFF2-40B4-BE49-F238E27FC236}">
-                <a16:creationId xmlns:a16="http://schemas.microsoft.com/office/drawing/2014/main" xmlns="" id="{DC85129E-0B0B-4C64-B8AF-D549982166EC}"/>
+                <a16:creationId xmlns="" xmlns:a16="http://schemas.microsoft.com/office/drawing/2014/main" id="{DC85129E-0B0B-4C64-B8AF-D549982166EC}"/>
               </a:ext>
             </a:extLst>
           </p:cNvPr>
@@ -6873,7 +6891,7 @@
           <p:cNvPr id="11" name="Title 1">
             <a:extLst>
               <a:ext uri="{FF2B5EF4-FFF2-40B4-BE49-F238E27FC236}">
-                <a16:creationId xmlns:a16="http://schemas.microsoft.com/office/drawing/2014/main" xmlns="" id="{DC85129E-0B0B-4C64-B8AF-D549982166EC}"/>
+                <a16:creationId xmlns="" xmlns:a16="http://schemas.microsoft.com/office/drawing/2014/main" id="{DC85129E-0B0B-4C64-B8AF-D549982166EC}"/>
               </a:ext>
             </a:extLst>
           </p:cNvPr>
@@ -6922,7 +6940,7 @@
           <p:cNvPr id="13" name="Footer Placeholder 4">
             <a:extLst>
               <a:ext uri="{FF2B5EF4-FFF2-40B4-BE49-F238E27FC236}">
-                <a16:creationId xmlns:a16="http://schemas.microsoft.com/office/drawing/2014/main" xmlns="" id="{D1ABF561-8E91-4704-BDD7-0520E3848081}"/>
+                <a16:creationId xmlns="" xmlns:a16="http://schemas.microsoft.com/office/drawing/2014/main" id="{D1ABF561-8E91-4704-BDD7-0520E3848081}"/>
               </a:ext>
             </a:extLst>
           </p:cNvPr>
@@ -6960,7 +6978,7 @@
           <p:cNvPr id="12" name="Date Placeholder 3">
             <a:extLst>
               <a:ext uri="{FF2B5EF4-FFF2-40B4-BE49-F238E27FC236}">
-                <a16:creationId xmlns:a16="http://schemas.microsoft.com/office/drawing/2014/main" xmlns="" id="{54B6F2D0-7DB8-46A8-BE38-9A76D2B8158B}"/>
+                <a16:creationId xmlns="" xmlns:a16="http://schemas.microsoft.com/office/drawing/2014/main" id="{54B6F2D0-7DB8-46A8-BE38-9A76D2B8158B}"/>
               </a:ext>
             </a:extLst>
           </p:cNvPr>
@@ -7088,7 +7106,7 @@
           <p:cNvPr id="15" name="Date Placeholder 3">
             <a:extLst>
               <a:ext uri="{FF2B5EF4-FFF2-40B4-BE49-F238E27FC236}">
-                <a16:creationId xmlns:a16="http://schemas.microsoft.com/office/drawing/2014/main" xmlns="" id="{7776AD0D-19A8-414D-80CE-F20CD3193C15}"/>
+                <a16:creationId xmlns="" xmlns:a16="http://schemas.microsoft.com/office/drawing/2014/main" id="{7776AD0D-19A8-414D-80CE-F20CD3193C15}"/>
               </a:ext>
             </a:extLst>
           </p:cNvPr>
@@ -7213,7 +7231,7 @@
           <p:cNvPr id="16" name="Date Placeholder 3">
             <a:extLst>
               <a:ext uri="{FF2B5EF4-FFF2-40B4-BE49-F238E27FC236}">
-                <a16:creationId xmlns:a16="http://schemas.microsoft.com/office/drawing/2014/main" xmlns="" id="{2135CCC7-8B9E-459F-BB5B-78E5BAC4A86B}"/>
+                <a16:creationId xmlns="" xmlns:a16="http://schemas.microsoft.com/office/drawing/2014/main" id="{2135CCC7-8B9E-459F-BB5B-78E5BAC4A86B}"/>
               </a:ext>
             </a:extLst>
           </p:cNvPr>
@@ -7248,7 +7266,7 @@
           <p:cNvPr id="14" name="Table 4">
             <a:extLst>
               <a:ext uri="{FF2B5EF4-FFF2-40B4-BE49-F238E27FC236}">
-                <a16:creationId xmlns:a16="http://schemas.microsoft.com/office/drawing/2014/main" xmlns="" id="{0A3DE33F-D3A3-4E45-9846-4938B2376458}"/>
+                <a16:creationId xmlns="" xmlns:a16="http://schemas.microsoft.com/office/drawing/2014/main" id="{0A3DE33F-D3A3-4E45-9846-4938B2376458}"/>
               </a:ext>
             </a:extLst>
           </p:cNvPr>
@@ -7277,28 +7295,28 @@
                 <a:gridCol w="1242866">
                   <a:extLst>
                     <a:ext uri="{9D8B030D-6E8A-4147-A177-3AD203B41FA5}">
-                      <a16:colId xmlns:a16="http://schemas.microsoft.com/office/drawing/2014/main" xmlns="" val="1878398145"/>
+                      <a16:colId xmlns="" xmlns:a16="http://schemas.microsoft.com/office/drawing/2014/main" val="1878398145"/>
                     </a:ext>
                   </a:extLst>
                 </a:gridCol>
                 <a:gridCol w="1805134">
                   <a:extLst>
                     <a:ext uri="{9D8B030D-6E8A-4147-A177-3AD203B41FA5}">
-                      <a16:colId xmlns:a16="http://schemas.microsoft.com/office/drawing/2014/main" xmlns="" val="3316006825"/>
+                      <a16:colId xmlns="" xmlns:a16="http://schemas.microsoft.com/office/drawing/2014/main" val="3316006825"/>
                     </a:ext>
                   </a:extLst>
                 </a:gridCol>
                 <a:gridCol w="2946000">
                   <a:extLst>
                     <a:ext uri="{9D8B030D-6E8A-4147-A177-3AD203B41FA5}">
-                      <a16:colId xmlns:a16="http://schemas.microsoft.com/office/drawing/2014/main" xmlns="" val="329433535"/>
+                      <a16:colId xmlns="" xmlns:a16="http://schemas.microsoft.com/office/drawing/2014/main" val="329433535"/>
                     </a:ext>
                   </a:extLst>
                 </a:gridCol>
                 <a:gridCol w="2895600">
                   <a:extLst>
                     <a:ext uri="{9D8B030D-6E8A-4147-A177-3AD203B41FA5}">
-                      <a16:colId xmlns:a16="http://schemas.microsoft.com/office/drawing/2014/main" xmlns="" val="3976692249"/>
+                      <a16:colId xmlns="" xmlns:a16="http://schemas.microsoft.com/office/drawing/2014/main" val="3976692249"/>
                     </a:ext>
                   </a:extLst>
                 </a:gridCol>
@@ -7403,7 +7421,7 @@
                 </a:tc>
                 <a:extLst>
                   <a:ext uri="{0D108BD9-81ED-4DB2-BD59-A6C34878D82A}">
-                    <a16:rowId xmlns:a16="http://schemas.microsoft.com/office/drawing/2014/main" xmlns="" val="184728700"/>
+                    <a16:rowId xmlns="" xmlns:a16="http://schemas.microsoft.com/office/drawing/2014/main" val="184728700"/>
                   </a:ext>
                 </a:extLst>
               </a:tr>
@@ -7482,7 +7500,7 @@
                 </a:tc>
                 <a:extLst>
                   <a:ext uri="{0D108BD9-81ED-4DB2-BD59-A6C34878D82A}">
-                    <a16:rowId xmlns:a16="http://schemas.microsoft.com/office/drawing/2014/main" xmlns="" val="2296912271"/>
+                    <a16:rowId xmlns="" xmlns:a16="http://schemas.microsoft.com/office/drawing/2014/main" val="2296912271"/>
                   </a:ext>
                 </a:extLst>
               </a:tr>
@@ -7561,7 +7579,7 @@
                 </a:tc>
                 <a:extLst>
                   <a:ext uri="{0D108BD9-81ED-4DB2-BD59-A6C34878D82A}">
-                    <a16:rowId xmlns:a16="http://schemas.microsoft.com/office/drawing/2014/main" xmlns="" val="74190426"/>
+                    <a16:rowId xmlns="" xmlns:a16="http://schemas.microsoft.com/office/drawing/2014/main" val="74190426"/>
                   </a:ext>
                 </a:extLst>
               </a:tr>
@@ -7640,7 +7658,7 @@
                 </a:tc>
                 <a:extLst>
                   <a:ext uri="{0D108BD9-81ED-4DB2-BD59-A6C34878D82A}">
-                    <a16:rowId xmlns:a16="http://schemas.microsoft.com/office/drawing/2014/main" xmlns="" val="2716787316"/>
+                    <a16:rowId xmlns="" xmlns:a16="http://schemas.microsoft.com/office/drawing/2014/main" val="2716787316"/>
                   </a:ext>
                 </a:extLst>
               </a:tr>
@@ -7719,7 +7737,7 @@
                 </a:tc>
                 <a:extLst>
                   <a:ext uri="{0D108BD9-81ED-4DB2-BD59-A6C34878D82A}">
-                    <a16:rowId xmlns:a16="http://schemas.microsoft.com/office/drawing/2014/main" xmlns="" val="1290870815"/>
+                    <a16:rowId xmlns="" xmlns:a16="http://schemas.microsoft.com/office/drawing/2014/main" val="1290870815"/>
                   </a:ext>
                 </a:extLst>
               </a:tr>
@@ -8123,7 +8141,7 @@
           <p:cNvPr id="11" name="Title 1">
             <a:extLst>
               <a:ext uri="{FF2B5EF4-FFF2-40B4-BE49-F238E27FC236}">
-                <a16:creationId xmlns:a16="http://schemas.microsoft.com/office/drawing/2014/main" xmlns="" id="{DC85129E-0B0B-4C64-B8AF-D549982166EC}"/>
+                <a16:creationId xmlns="" xmlns:a16="http://schemas.microsoft.com/office/drawing/2014/main" id="{DC85129E-0B0B-4C64-B8AF-D549982166EC}"/>
               </a:ext>
             </a:extLst>
           </p:cNvPr>
@@ -8172,7 +8190,7 @@
           <p:cNvPr id="13" name="Footer Placeholder 4">
             <a:extLst>
               <a:ext uri="{FF2B5EF4-FFF2-40B4-BE49-F238E27FC236}">
-                <a16:creationId xmlns:a16="http://schemas.microsoft.com/office/drawing/2014/main" xmlns="" id="{D1ABF561-8E91-4704-BDD7-0520E3848081}"/>
+                <a16:creationId xmlns="" xmlns:a16="http://schemas.microsoft.com/office/drawing/2014/main" id="{D1ABF561-8E91-4704-BDD7-0520E3848081}"/>
               </a:ext>
             </a:extLst>
           </p:cNvPr>
@@ -8210,7 +8228,7 @@
           <p:cNvPr id="12" name="Date Placeholder 3">
             <a:extLst>
               <a:ext uri="{FF2B5EF4-FFF2-40B4-BE49-F238E27FC236}">
-                <a16:creationId xmlns:a16="http://schemas.microsoft.com/office/drawing/2014/main" xmlns="" id="{176EA1C9-E23B-48AB-8281-D2D5849F059E}"/>
+                <a16:creationId xmlns="" xmlns:a16="http://schemas.microsoft.com/office/drawing/2014/main" id="{176EA1C9-E23B-48AB-8281-D2D5849F059E}"/>
               </a:ext>
             </a:extLst>
           </p:cNvPr>
@@ -8338,7 +8356,7 @@
           <p:cNvPr id="14" name="Date Placeholder 3">
             <a:extLst>
               <a:ext uri="{FF2B5EF4-FFF2-40B4-BE49-F238E27FC236}">
-                <a16:creationId xmlns:a16="http://schemas.microsoft.com/office/drawing/2014/main" xmlns="" id="{89B01AFC-C763-4360-A0DF-36623F26E639}"/>
+                <a16:creationId xmlns="" xmlns:a16="http://schemas.microsoft.com/office/drawing/2014/main" id="{89B01AFC-C763-4360-A0DF-36623F26E639}"/>
               </a:ext>
             </a:extLst>
           </p:cNvPr>
@@ -8463,7 +8481,7 @@
           <p:cNvPr id="16" name="Date Placeholder 3">
             <a:extLst>
               <a:ext uri="{FF2B5EF4-FFF2-40B4-BE49-F238E27FC236}">
-                <a16:creationId xmlns:a16="http://schemas.microsoft.com/office/drawing/2014/main" xmlns="" id="{57EFB148-FA92-4E16-96EF-077DDA9F085C}"/>
+                <a16:creationId xmlns="" xmlns:a16="http://schemas.microsoft.com/office/drawing/2014/main" id="{57EFB148-FA92-4E16-96EF-077DDA9F085C}"/>
               </a:ext>
             </a:extLst>
           </p:cNvPr>
@@ -8811,7 +8829,7 @@
           <p:cNvPr id="5" name="Title 1">
             <a:extLst>
               <a:ext uri="{FF2B5EF4-FFF2-40B4-BE49-F238E27FC236}">
-                <a16:creationId xmlns:a16="http://schemas.microsoft.com/office/drawing/2014/main" xmlns="" id="{A74DC265-B8A4-4A7D-BEC5-49C9BE7CEF86}"/>
+                <a16:creationId xmlns="" xmlns:a16="http://schemas.microsoft.com/office/drawing/2014/main" id="{A74DC265-B8A4-4A7D-BEC5-49C9BE7CEF86}"/>
               </a:ext>
             </a:extLst>
           </p:cNvPr>
@@ -8891,7 +8909,7 @@
           <p:cNvPr id="6" name="Date Placeholder 3">
             <a:extLst>
               <a:ext uri="{FF2B5EF4-FFF2-40B4-BE49-F238E27FC236}">
-                <a16:creationId xmlns:a16="http://schemas.microsoft.com/office/drawing/2014/main" xmlns="" id="{BFC0A1CF-FBD8-4A20-A86C-D1807533684B}"/>
+                <a16:creationId xmlns="" xmlns:a16="http://schemas.microsoft.com/office/drawing/2014/main" id="{BFC0A1CF-FBD8-4A20-A86C-D1807533684B}"/>
               </a:ext>
             </a:extLst>
           </p:cNvPr>
@@ -9019,7 +9037,7 @@
           <p:cNvPr id="7" name="Date Placeholder 3">
             <a:extLst>
               <a:ext uri="{FF2B5EF4-FFF2-40B4-BE49-F238E27FC236}">
-                <a16:creationId xmlns:a16="http://schemas.microsoft.com/office/drawing/2014/main" xmlns="" id="{69660009-3E78-4D1D-BB08-A7F5ED37371F}"/>
+                <a16:creationId xmlns="" xmlns:a16="http://schemas.microsoft.com/office/drawing/2014/main" id="{69660009-3E78-4D1D-BB08-A7F5ED37371F}"/>
               </a:ext>
             </a:extLst>
           </p:cNvPr>
@@ -9144,7 +9162,7 @@
           <p:cNvPr id="8" name="Footer Placeholder 4">
             <a:extLst>
               <a:ext uri="{FF2B5EF4-FFF2-40B4-BE49-F238E27FC236}">
-                <a16:creationId xmlns:a16="http://schemas.microsoft.com/office/drawing/2014/main" xmlns="" id="{E640B1D3-DB4D-447F-889D-5CB363790BEB}"/>
+                <a16:creationId xmlns="" xmlns:a16="http://schemas.microsoft.com/office/drawing/2014/main" id="{E640B1D3-DB4D-447F-889D-5CB363790BEB}"/>
               </a:ext>
             </a:extLst>
           </p:cNvPr>
@@ -9274,7 +9292,7 @@
           <p:cNvPr id="9" name="Footer Placeholder 4">
             <a:extLst>
               <a:ext uri="{FF2B5EF4-FFF2-40B4-BE49-F238E27FC236}">
-                <a16:creationId xmlns:a16="http://schemas.microsoft.com/office/drawing/2014/main" xmlns="" id="{BE0FBA02-D135-4772-ACBA-E7E8BCBACD32}"/>
+                <a16:creationId xmlns="" xmlns:a16="http://schemas.microsoft.com/office/drawing/2014/main" id="{BE0FBA02-D135-4772-ACBA-E7E8BCBACD32}"/>
               </a:ext>
             </a:extLst>
           </p:cNvPr>
@@ -9312,7 +9330,7 @@
           <p:cNvPr id="10" name="Date Placeholder 3">
             <a:extLst>
               <a:ext uri="{FF2B5EF4-FFF2-40B4-BE49-F238E27FC236}">
-                <a16:creationId xmlns:a16="http://schemas.microsoft.com/office/drawing/2014/main" xmlns="" id="{F0B97C1B-B3EB-4954-80E0-AE835375B239}"/>
+                <a16:creationId xmlns="" xmlns:a16="http://schemas.microsoft.com/office/drawing/2014/main" id="{F0B97C1B-B3EB-4954-80E0-AE835375B239}"/>
               </a:ext>
             </a:extLst>
           </p:cNvPr>
@@ -9616,7 +9634,7 @@
           <p:cNvPr id="11" name="Title 1">
             <a:extLst>
               <a:ext uri="{FF2B5EF4-FFF2-40B4-BE49-F238E27FC236}">
-                <a16:creationId xmlns:a16="http://schemas.microsoft.com/office/drawing/2014/main" xmlns="" id="{DC85129E-0B0B-4C64-B8AF-D549982166EC}"/>
+                <a16:creationId xmlns="" xmlns:a16="http://schemas.microsoft.com/office/drawing/2014/main" id="{DC85129E-0B0B-4C64-B8AF-D549982166EC}"/>
               </a:ext>
             </a:extLst>
           </p:cNvPr>
@@ -9665,7 +9683,7 @@
           <p:cNvPr id="13" name="Footer Placeholder 4">
             <a:extLst>
               <a:ext uri="{FF2B5EF4-FFF2-40B4-BE49-F238E27FC236}">
-                <a16:creationId xmlns:a16="http://schemas.microsoft.com/office/drawing/2014/main" xmlns="" id="{D1ABF561-8E91-4704-BDD7-0520E3848081}"/>
+                <a16:creationId xmlns="" xmlns:a16="http://schemas.microsoft.com/office/drawing/2014/main" id="{D1ABF561-8E91-4704-BDD7-0520E3848081}"/>
               </a:ext>
             </a:extLst>
           </p:cNvPr>
@@ -9703,7 +9721,7 @@
           <p:cNvPr id="12" name="Date Placeholder 3">
             <a:extLst>
               <a:ext uri="{FF2B5EF4-FFF2-40B4-BE49-F238E27FC236}">
-                <a16:creationId xmlns:a16="http://schemas.microsoft.com/office/drawing/2014/main" xmlns="" id="{E04BECF4-D289-4A42-A4A2-7BC21939DA2C}"/>
+                <a16:creationId xmlns="" xmlns:a16="http://schemas.microsoft.com/office/drawing/2014/main" id="{E04BECF4-D289-4A42-A4A2-7BC21939DA2C}"/>
               </a:ext>
             </a:extLst>
           </p:cNvPr>
@@ -9831,7 +9849,7 @@
           <p:cNvPr id="14" name="Date Placeholder 3">
             <a:extLst>
               <a:ext uri="{FF2B5EF4-FFF2-40B4-BE49-F238E27FC236}">
-                <a16:creationId xmlns:a16="http://schemas.microsoft.com/office/drawing/2014/main" xmlns="" id="{35BBAE87-9803-4BD6-A198-A343222DB1E0}"/>
+                <a16:creationId xmlns="" xmlns:a16="http://schemas.microsoft.com/office/drawing/2014/main" id="{35BBAE87-9803-4BD6-A198-A343222DB1E0}"/>
               </a:ext>
             </a:extLst>
           </p:cNvPr>
@@ -9956,7 +9974,7 @@
           <p:cNvPr id="16" name="Date Placeholder 3">
             <a:extLst>
               <a:ext uri="{FF2B5EF4-FFF2-40B4-BE49-F238E27FC236}">
-                <a16:creationId xmlns:a16="http://schemas.microsoft.com/office/drawing/2014/main" xmlns="" id="{FF045313-70BA-489A-9807-A4F538B558CF}"/>
+                <a16:creationId xmlns="" xmlns:a16="http://schemas.microsoft.com/office/drawing/2014/main" id="{FF045313-70BA-489A-9807-A4F538B558CF}"/>
               </a:ext>
             </a:extLst>
           </p:cNvPr>
@@ -10267,7 +10285,7 @@
           <p:cNvPr id="11" name="Title 1">
             <a:extLst>
               <a:ext uri="{FF2B5EF4-FFF2-40B4-BE49-F238E27FC236}">
-                <a16:creationId xmlns:a16="http://schemas.microsoft.com/office/drawing/2014/main" xmlns="" id="{DC85129E-0B0B-4C64-B8AF-D549982166EC}"/>
+                <a16:creationId xmlns="" xmlns:a16="http://schemas.microsoft.com/office/drawing/2014/main" id="{DC85129E-0B0B-4C64-B8AF-D549982166EC}"/>
               </a:ext>
             </a:extLst>
           </p:cNvPr>
@@ -10316,7 +10334,7 @@
           <p:cNvPr id="13" name="Footer Placeholder 4">
             <a:extLst>
               <a:ext uri="{FF2B5EF4-FFF2-40B4-BE49-F238E27FC236}">
-                <a16:creationId xmlns:a16="http://schemas.microsoft.com/office/drawing/2014/main" xmlns="" id="{D1ABF561-8E91-4704-BDD7-0520E3848081}"/>
+                <a16:creationId xmlns="" xmlns:a16="http://schemas.microsoft.com/office/drawing/2014/main" id="{D1ABF561-8E91-4704-BDD7-0520E3848081}"/>
               </a:ext>
             </a:extLst>
           </p:cNvPr>
@@ -10354,7 +10372,7 @@
           <p:cNvPr id="12" name="Date Placeholder 3">
             <a:extLst>
               <a:ext uri="{FF2B5EF4-FFF2-40B4-BE49-F238E27FC236}">
-                <a16:creationId xmlns:a16="http://schemas.microsoft.com/office/drawing/2014/main" xmlns="" id="{E04BECF4-D289-4A42-A4A2-7BC21939DA2C}"/>
+                <a16:creationId xmlns="" xmlns:a16="http://schemas.microsoft.com/office/drawing/2014/main" id="{E04BECF4-D289-4A42-A4A2-7BC21939DA2C}"/>
               </a:ext>
             </a:extLst>
           </p:cNvPr>
@@ -10482,7 +10500,7 @@
           <p:cNvPr id="14" name="Date Placeholder 3">
             <a:extLst>
               <a:ext uri="{FF2B5EF4-FFF2-40B4-BE49-F238E27FC236}">
-                <a16:creationId xmlns:a16="http://schemas.microsoft.com/office/drawing/2014/main" xmlns="" id="{35BBAE87-9803-4BD6-A198-A343222DB1E0}"/>
+                <a16:creationId xmlns="" xmlns:a16="http://schemas.microsoft.com/office/drawing/2014/main" id="{35BBAE87-9803-4BD6-A198-A343222DB1E0}"/>
               </a:ext>
             </a:extLst>
           </p:cNvPr>
@@ -10607,7 +10625,7 @@
           <p:cNvPr id="16" name="Date Placeholder 3">
             <a:extLst>
               <a:ext uri="{FF2B5EF4-FFF2-40B4-BE49-F238E27FC236}">
-                <a16:creationId xmlns:a16="http://schemas.microsoft.com/office/drawing/2014/main" xmlns="" id="{FF045313-70BA-489A-9807-A4F538B558CF}"/>
+                <a16:creationId xmlns="" xmlns:a16="http://schemas.microsoft.com/office/drawing/2014/main" id="{FF045313-70BA-489A-9807-A4F538B558CF}"/>
               </a:ext>
             </a:extLst>
           </p:cNvPr>
@@ -11154,7 +11172,7 @@
           <p:cNvPr id="11" name="Title 1">
             <a:extLst>
               <a:ext uri="{FF2B5EF4-FFF2-40B4-BE49-F238E27FC236}">
-                <a16:creationId xmlns:a16="http://schemas.microsoft.com/office/drawing/2014/main" xmlns="" id="{DC85129E-0B0B-4C64-B8AF-D549982166EC}"/>
+                <a16:creationId xmlns="" xmlns:a16="http://schemas.microsoft.com/office/drawing/2014/main" id="{DC85129E-0B0B-4C64-B8AF-D549982166EC}"/>
               </a:ext>
             </a:extLst>
           </p:cNvPr>
@@ -11203,7 +11221,7 @@
           <p:cNvPr id="13" name="Footer Placeholder 4">
             <a:extLst>
               <a:ext uri="{FF2B5EF4-FFF2-40B4-BE49-F238E27FC236}">
-                <a16:creationId xmlns:a16="http://schemas.microsoft.com/office/drawing/2014/main" xmlns="" id="{D1ABF561-8E91-4704-BDD7-0520E3848081}"/>
+                <a16:creationId xmlns="" xmlns:a16="http://schemas.microsoft.com/office/drawing/2014/main" id="{D1ABF561-8E91-4704-BDD7-0520E3848081}"/>
               </a:ext>
             </a:extLst>
           </p:cNvPr>
@@ -11241,7 +11259,7 @@
           <p:cNvPr id="12" name="Date Placeholder 3">
             <a:extLst>
               <a:ext uri="{FF2B5EF4-FFF2-40B4-BE49-F238E27FC236}">
-                <a16:creationId xmlns:a16="http://schemas.microsoft.com/office/drawing/2014/main" xmlns="" id="{E04BECF4-D289-4A42-A4A2-7BC21939DA2C}"/>
+                <a16:creationId xmlns="" xmlns:a16="http://schemas.microsoft.com/office/drawing/2014/main" id="{E04BECF4-D289-4A42-A4A2-7BC21939DA2C}"/>
               </a:ext>
             </a:extLst>
           </p:cNvPr>
@@ -11369,7 +11387,7 @@
           <p:cNvPr id="14" name="Date Placeholder 3">
             <a:extLst>
               <a:ext uri="{FF2B5EF4-FFF2-40B4-BE49-F238E27FC236}">
-                <a16:creationId xmlns:a16="http://schemas.microsoft.com/office/drawing/2014/main" xmlns="" id="{35BBAE87-9803-4BD6-A198-A343222DB1E0}"/>
+                <a16:creationId xmlns="" xmlns:a16="http://schemas.microsoft.com/office/drawing/2014/main" id="{35BBAE87-9803-4BD6-A198-A343222DB1E0}"/>
               </a:ext>
             </a:extLst>
           </p:cNvPr>
@@ -11494,7 +11512,7 @@
           <p:cNvPr id="16" name="Date Placeholder 3">
             <a:extLst>
               <a:ext uri="{FF2B5EF4-FFF2-40B4-BE49-F238E27FC236}">
-                <a16:creationId xmlns:a16="http://schemas.microsoft.com/office/drawing/2014/main" xmlns="" id="{FF045313-70BA-489A-9807-A4F538B558CF}"/>
+                <a16:creationId xmlns="" xmlns:a16="http://schemas.microsoft.com/office/drawing/2014/main" id="{FF045313-70BA-489A-9807-A4F538B558CF}"/>
               </a:ext>
             </a:extLst>
           </p:cNvPr>
@@ -11671,7 +11689,7 @@
           <p:cNvPr id="11" name="Title 1">
             <a:extLst>
               <a:ext uri="{FF2B5EF4-FFF2-40B4-BE49-F238E27FC236}">
-                <a16:creationId xmlns:a16="http://schemas.microsoft.com/office/drawing/2014/main" xmlns="" id="{DC85129E-0B0B-4C64-B8AF-D549982166EC}"/>
+                <a16:creationId xmlns="" xmlns:a16="http://schemas.microsoft.com/office/drawing/2014/main" id="{DC85129E-0B0B-4C64-B8AF-D549982166EC}"/>
               </a:ext>
             </a:extLst>
           </p:cNvPr>
@@ -11720,7 +11738,7 @@
           <p:cNvPr id="13" name="Footer Placeholder 4">
             <a:extLst>
               <a:ext uri="{FF2B5EF4-FFF2-40B4-BE49-F238E27FC236}">
-                <a16:creationId xmlns:a16="http://schemas.microsoft.com/office/drawing/2014/main" xmlns="" id="{D1ABF561-8E91-4704-BDD7-0520E3848081}"/>
+                <a16:creationId xmlns="" xmlns:a16="http://schemas.microsoft.com/office/drawing/2014/main" id="{D1ABF561-8E91-4704-BDD7-0520E3848081}"/>
               </a:ext>
             </a:extLst>
           </p:cNvPr>
@@ -11758,7 +11776,7 @@
           <p:cNvPr id="12" name="Footer Placeholder 4">
             <a:extLst>
               <a:ext uri="{FF2B5EF4-FFF2-40B4-BE49-F238E27FC236}">
-                <a16:creationId xmlns:a16="http://schemas.microsoft.com/office/drawing/2014/main" xmlns="" id="{0FCAE7D6-4E8F-4930-AF17-B90E0BF188C8}"/>
+                <a16:creationId xmlns="" xmlns:a16="http://schemas.microsoft.com/office/drawing/2014/main" id="{0FCAE7D6-4E8F-4930-AF17-B90E0BF188C8}"/>
               </a:ext>
             </a:extLst>
           </p:cNvPr>
@@ -11888,7 +11906,7 @@
           <p:cNvPr id="15" name="Date Placeholder 3">
             <a:extLst>
               <a:ext uri="{FF2B5EF4-FFF2-40B4-BE49-F238E27FC236}">
-                <a16:creationId xmlns:a16="http://schemas.microsoft.com/office/drawing/2014/main" xmlns="" id="{77041AD4-79DE-43F9-A208-EB6EAD67EC6C}"/>
+                <a16:creationId xmlns="" xmlns:a16="http://schemas.microsoft.com/office/drawing/2014/main" id="{77041AD4-79DE-43F9-A208-EB6EAD67EC6C}"/>
               </a:ext>
             </a:extLst>
           </p:cNvPr>
@@ -12016,7 +12034,7 @@
           <p:cNvPr id="16" name="Date Placeholder 3">
             <a:extLst>
               <a:ext uri="{FF2B5EF4-FFF2-40B4-BE49-F238E27FC236}">
-                <a16:creationId xmlns:a16="http://schemas.microsoft.com/office/drawing/2014/main" xmlns="" id="{FBA8D23F-F274-4824-A7A4-FDEC12A30B65}"/>
+                <a16:creationId xmlns="" xmlns:a16="http://schemas.microsoft.com/office/drawing/2014/main" id="{FBA8D23F-F274-4824-A7A4-FDEC12A30B65}"/>
               </a:ext>
             </a:extLst>
           </p:cNvPr>
@@ -12141,7 +12159,7 @@
           <p:cNvPr id="17" name="Date Placeholder 3">
             <a:extLst>
               <a:ext uri="{FF2B5EF4-FFF2-40B4-BE49-F238E27FC236}">
-                <a16:creationId xmlns:a16="http://schemas.microsoft.com/office/drawing/2014/main" xmlns="" id="{785F7EBD-25C8-4B82-B044-60CAD1D390ED}"/>
+                <a16:creationId xmlns="" xmlns:a16="http://schemas.microsoft.com/office/drawing/2014/main" id="{785F7EBD-25C8-4B82-B044-60CAD1D390ED}"/>
               </a:ext>
             </a:extLst>
           </p:cNvPr>
@@ -12176,7 +12194,7 @@
           <p:cNvPr id="4" name="TextBox 3">
             <a:extLst>
               <a:ext uri="{FF2B5EF4-FFF2-40B4-BE49-F238E27FC236}">
-                <a16:creationId xmlns:a16="http://schemas.microsoft.com/office/drawing/2014/main" xmlns="" id="{202970DE-D595-414E-9AF2-CA0C4A0B09C1}"/>
+                <a16:creationId xmlns="" xmlns:a16="http://schemas.microsoft.com/office/drawing/2014/main" id="{202970DE-D595-414E-9AF2-CA0C4A0B09C1}"/>
               </a:ext>
             </a:extLst>
           </p:cNvPr>
@@ -12543,7 +12561,7 @@
           <p:cNvPr id="11" name="Title 1">
             <a:extLst>
               <a:ext uri="{FF2B5EF4-FFF2-40B4-BE49-F238E27FC236}">
-                <a16:creationId xmlns:a16="http://schemas.microsoft.com/office/drawing/2014/main" xmlns="" id="{DC85129E-0B0B-4C64-B8AF-D549982166EC}"/>
+                <a16:creationId xmlns="" xmlns:a16="http://schemas.microsoft.com/office/drawing/2014/main" id="{DC85129E-0B0B-4C64-B8AF-D549982166EC}"/>
               </a:ext>
             </a:extLst>
           </p:cNvPr>
@@ -12592,7 +12610,7 @@
           <p:cNvPr id="13" name="Footer Placeholder 4">
             <a:extLst>
               <a:ext uri="{FF2B5EF4-FFF2-40B4-BE49-F238E27FC236}">
-                <a16:creationId xmlns:a16="http://schemas.microsoft.com/office/drawing/2014/main" xmlns="" id="{D1ABF561-8E91-4704-BDD7-0520E3848081}"/>
+                <a16:creationId xmlns="" xmlns:a16="http://schemas.microsoft.com/office/drawing/2014/main" id="{D1ABF561-8E91-4704-BDD7-0520E3848081}"/>
               </a:ext>
             </a:extLst>
           </p:cNvPr>
@@ -12630,7 +12648,7 @@
           <p:cNvPr id="12" name="Footer Placeholder 4">
             <a:extLst>
               <a:ext uri="{FF2B5EF4-FFF2-40B4-BE49-F238E27FC236}">
-                <a16:creationId xmlns:a16="http://schemas.microsoft.com/office/drawing/2014/main" xmlns="" id="{C9907D7F-A4E4-4317-AB7D-33136CEA3BBC}"/>
+                <a16:creationId xmlns="" xmlns:a16="http://schemas.microsoft.com/office/drawing/2014/main" id="{C9907D7F-A4E4-4317-AB7D-33136CEA3BBC}"/>
               </a:ext>
             </a:extLst>
           </p:cNvPr>
@@ -12760,7 +12778,7 @@
           <p:cNvPr id="15" name="Date Placeholder 3">
             <a:extLst>
               <a:ext uri="{FF2B5EF4-FFF2-40B4-BE49-F238E27FC236}">
-                <a16:creationId xmlns:a16="http://schemas.microsoft.com/office/drawing/2014/main" xmlns="" id="{B7B8C723-3974-4BCF-9072-3A9695A790BA}"/>
+                <a16:creationId xmlns="" xmlns:a16="http://schemas.microsoft.com/office/drawing/2014/main" id="{B7B8C723-3974-4BCF-9072-3A9695A790BA}"/>
               </a:ext>
             </a:extLst>
           </p:cNvPr>
@@ -12888,7 +12906,7 @@
           <p:cNvPr id="16" name="Date Placeholder 3">
             <a:extLst>
               <a:ext uri="{FF2B5EF4-FFF2-40B4-BE49-F238E27FC236}">
-                <a16:creationId xmlns:a16="http://schemas.microsoft.com/office/drawing/2014/main" xmlns="" id="{652FD19F-EE9E-4D14-9855-225D2D422E60}"/>
+                <a16:creationId xmlns="" xmlns:a16="http://schemas.microsoft.com/office/drawing/2014/main" id="{652FD19F-EE9E-4D14-9855-225D2D422E60}"/>
               </a:ext>
             </a:extLst>
           </p:cNvPr>
@@ -13013,7 +13031,7 @@
           <p:cNvPr id="17" name="Date Placeholder 3">
             <a:extLst>
               <a:ext uri="{FF2B5EF4-FFF2-40B4-BE49-F238E27FC236}">
-                <a16:creationId xmlns:a16="http://schemas.microsoft.com/office/drawing/2014/main" xmlns="" id="{21F69871-FDE9-4D82-9454-7BD29FCF373C}"/>
+                <a16:creationId xmlns="" xmlns:a16="http://schemas.microsoft.com/office/drawing/2014/main" id="{21F69871-FDE9-4D82-9454-7BD29FCF373C}"/>
               </a:ext>
             </a:extLst>
           </p:cNvPr>
@@ -13317,7 +13335,7 @@
           <p:cNvPr id="11" name="Title 1">
             <a:extLst>
               <a:ext uri="{FF2B5EF4-FFF2-40B4-BE49-F238E27FC236}">
-                <a16:creationId xmlns:a16="http://schemas.microsoft.com/office/drawing/2014/main" xmlns="" id="{DC85129E-0B0B-4C64-B8AF-D549982166EC}"/>
+                <a16:creationId xmlns="" xmlns:a16="http://schemas.microsoft.com/office/drawing/2014/main" id="{DC85129E-0B0B-4C64-B8AF-D549982166EC}"/>
               </a:ext>
             </a:extLst>
           </p:cNvPr>
@@ -13366,7 +13384,7 @@
           <p:cNvPr id="13" name="Footer Placeholder 4">
             <a:extLst>
               <a:ext uri="{FF2B5EF4-FFF2-40B4-BE49-F238E27FC236}">
-                <a16:creationId xmlns:a16="http://schemas.microsoft.com/office/drawing/2014/main" xmlns="" id="{D1ABF561-8E91-4704-BDD7-0520E3848081}"/>
+                <a16:creationId xmlns="" xmlns:a16="http://schemas.microsoft.com/office/drawing/2014/main" id="{D1ABF561-8E91-4704-BDD7-0520E3848081}"/>
               </a:ext>
             </a:extLst>
           </p:cNvPr>
@@ -13404,7 +13422,7 @@
           <p:cNvPr id="12" name="Footer Placeholder 4">
             <a:extLst>
               <a:ext uri="{FF2B5EF4-FFF2-40B4-BE49-F238E27FC236}">
-                <a16:creationId xmlns:a16="http://schemas.microsoft.com/office/drawing/2014/main" xmlns="" id="{22DDB47F-B0C3-43E5-97DC-3FD506169118}"/>
+                <a16:creationId xmlns="" xmlns:a16="http://schemas.microsoft.com/office/drawing/2014/main" id="{22DDB47F-B0C3-43E5-97DC-3FD506169118}"/>
               </a:ext>
             </a:extLst>
           </p:cNvPr>
@@ -13534,7 +13552,7 @@
           <p:cNvPr id="15" name="Date Placeholder 3">
             <a:extLst>
               <a:ext uri="{FF2B5EF4-FFF2-40B4-BE49-F238E27FC236}">
-                <a16:creationId xmlns:a16="http://schemas.microsoft.com/office/drawing/2014/main" xmlns="" id="{C2F8AEC7-B9A6-43EA-9088-6C6023104B5A}"/>
+                <a16:creationId xmlns="" xmlns:a16="http://schemas.microsoft.com/office/drawing/2014/main" id="{C2F8AEC7-B9A6-43EA-9088-6C6023104B5A}"/>
               </a:ext>
             </a:extLst>
           </p:cNvPr>
@@ -13662,7 +13680,7 @@
           <p:cNvPr id="16" name="Date Placeholder 3">
             <a:extLst>
               <a:ext uri="{FF2B5EF4-FFF2-40B4-BE49-F238E27FC236}">
-                <a16:creationId xmlns:a16="http://schemas.microsoft.com/office/drawing/2014/main" xmlns="" id="{643FD5BB-27F3-41E7-9911-7B583A1611F8}"/>
+                <a16:creationId xmlns="" xmlns:a16="http://schemas.microsoft.com/office/drawing/2014/main" id="{643FD5BB-27F3-41E7-9911-7B583A1611F8}"/>
               </a:ext>
             </a:extLst>
           </p:cNvPr>
@@ -13787,7 +13805,7 @@
           <p:cNvPr id="17" name="Date Placeholder 3">
             <a:extLst>
               <a:ext uri="{FF2B5EF4-FFF2-40B4-BE49-F238E27FC236}">
-                <a16:creationId xmlns:a16="http://schemas.microsoft.com/office/drawing/2014/main" xmlns="" id="{C68400CB-5F57-4A64-AF41-0F973C1145D7}"/>
+                <a16:creationId xmlns="" xmlns:a16="http://schemas.microsoft.com/office/drawing/2014/main" id="{C68400CB-5F57-4A64-AF41-0F973C1145D7}"/>
               </a:ext>
             </a:extLst>
           </p:cNvPr>
@@ -13852,7 +13870,7 @@
           <p:cNvPr id="2" name="Title 1">
             <a:extLst>
               <a:ext uri="{FF2B5EF4-FFF2-40B4-BE49-F238E27FC236}">
-                <a16:creationId xmlns:a16="http://schemas.microsoft.com/office/drawing/2014/main" xmlns="" id="{D663B1AF-4827-48F8-89C1-04B58CDA00EB}"/>
+                <a16:creationId xmlns="" xmlns:a16="http://schemas.microsoft.com/office/drawing/2014/main" id="{D663B1AF-4827-48F8-89C1-04B58CDA00EB}"/>
               </a:ext>
             </a:extLst>
           </p:cNvPr>
@@ -13900,7 +13918,7 @@
           <p:cNvPr id="3" name="Content Placeholder 2">
             <a:extLst>
               <a:ext uri="{FF2B5EF4-FFF2-40B4-BE49-F238E27FC236}">
-                <a16:creationId xmlns:a16="http://schemas.microsoft.com/office/drawing/2014/main" xmlns="" id="{07D92DB6-6DA7-483C-9605-E091ACCD8173}"/>
+                <a16:creationId xmlns="" xmlns:a16="http://schemas.microsoft.com/office/drawing/2014/main" id="{07D92DB6-6DA7-483C-9605-E091ACCD8173}"/>
               </a:ext>
             </a:extLst>
           </p:cNvPr>
@@ -14023,7 +14041,7 @@
           <p:cNvPr id="4" name="Date Placeholder 3">
             <a:extLst>
               <a:ext uri="{FF2B5EF4-FFF2-40B4-BE49-F238E27FC236}">
-                <a16:creationId xmlns:a16="http://schemas.microsoft.com/office/drawing/2014/main" xmlns="" id="{D257C7DE-82B0-4BFD-ADB2-512C0711F065}"/>
+                <a16:creationId xmlns="" xmlns:a16="http://schemas.microsoft.com/office/drawing/2014/main" id="{D257C7DE-82B0-4BFD-ADB2-512C0711F065}"/>
               </a:ext>
             </a:extLst>
           </p:cNvPr>
@@ -14058,7 +14076,7 @@
           <p:cNvPr id="5" name="Footer Placeholder 4">
             <a:extLst>
               <a:ext uri="{FF2B5EF4-FFF2-40B4-BE49-F238E27FC236}">
-                <a16:creationId xmlns:a16="http://schemas.microsoft.com/office/drawing/2014/main" xmlns="" id="{4453918D-EF15-46E0-A6E8-96CFE8A48E36}"/>
+                <a16:creationId xmlns="" xmlns:a16="http://schemas.microsoft.com/office/drawing/2014/main" id="{4453918D-EF15-46E0-A6E8-96CFE8A48E36}"/>
               </a:ext>
             </a:extLst>
           </p:cNvPr>
@@ -14091,7 +14109,7 @@
           <p:cNvPr id="9" name="Footer Placeholder 4">
             <a:extLst>
               <a:ext uri="{FF2B5EF4-FFF2-40B4-BE49-F238E27FC236}">
-                <a16:creationId xmlns:a16="http://schemas.microsoft.com/office/drawing/2014/main" xmlns="" id="{AF12BD91-D499-484D-AE27-5A29FE3A87B1}"/>
+                <a16:creationId xmlns="" xmlns:a16="http://schemas.microsoft.com/office/drawing/2014/main" id="{AF12BD91-D499-484D-AE27-5A29FE3A87B1}"/>
               </a:ext>
             </a:extLst>
           </p:cNvPr>
@@ -14221,7 +14239,7 @@
           <p:cNvPr id="10" name="Date Placeholder 3">
             <a:extLst>
               <a:ext uri="{FF2B5EF4-FFF2-40B4-BE49-F238E27FC236}">
-                <a16:creationId xmlns:a16="http://schemas.microsoft.com/office/drawing/2014/main" xmlns="" id="{7EAEFA59-ADD5-483B-81EC-7CBC47C157AE}"/>
+                <a16:creationId xmlns="" xmlns:a16="http://schemas.microsoft.com/office/drawing/2014/main" id="{7EAEFA59-ADD5-483B-81EC-7CBC47C157AE}"/>
               </a:ext>
             </a:extLst>
           </p:cNvPr>
@@ -14498,7 +14516,7 @@
           <p:cNvPr id="11" name="Title 1">
             <a:extLst>
               <a:ext uri="{FF2B5EF4-FFF2-40B4-BE49-F238E27FC236}">
-                <a16:creationId xmlns:a16="http://schemas.microsoft.com/office/drawing/2014/main" xmlns="" id="{DC85129E-0B0B-4C64-B8AF-D549982166EC}"/>
+                <a16:creationId xmlns="" xmlns:a16="http://schemas.microsoft.com/office/drawing/2014/main" id="{DC85129E-0B0B-4C64-B8AF-D549982166EC}"/>
               </a:ext>
             </a:extLst>
           </p:cNvPr>
@@ -14547,7 +14565,7 @@
           <p:cNvPr id="13" name="Footer Placeholder 4">
             <a:extLst>
               <a:ext uri="{FF2B5EF4-FFF2-40B4-BE49-F238E27FC236}">
-                <a16:creationId xmlns:a16="http://schemas.microsoft.com/office/drawing/2014/main" xmlns="" id="{D1ABF561-8E91-4704-BDD7-0520E3848081}"/>
+                <a16:creationId xmlns="" xmlns:a16="http://schemas.microsoft.com/office/drawing/2014/main" id="{D1ABF561-8E91-4704-BDD7-0520E3848081}"/>
               </a:ext>
             </a:extLst>
           </p:cNvPr>
@@ -14585,7 +14603,7 @@
           <p:cNvPr id="12" name="Footer Placeholder 4">
             <a:extLst>
               <a:ext uri="{FF2B5EF4-FFF2-40B4-BE49-F238E27FC236}">
-                <a16:creationId xmlns:a16="http://schemas.microsoft.com/office/drawing/2014/main" xmlns="" id="{C7E2142E-82BB-4994-B007-795485F7F8C9}"/>
+                <a16:creationId xmlns="" xmlns:a16="http://schemas.microsoft.com/office/drawing/2014/main" id="{C7E2142E-82BB-4994-B007-795485F7F8C9}"/>
               </a:ext>
             </a:extLst>
           </p:cNvPr>
@@ -14715,7 +14733,7 @@
           <p:cNvPr id="15" name="Date Placeholder 3">
             <a:extLst>
               <a:ext uri="{FF2B5EF4-FFF2-40B4-BE49-F238E27FC236}">
-                <a16:creationId xmlns:a16="http://schemas.microsoft.com/office/drawing/2014/main" xmlns="" id="{F7F1FCB5-A2AF-4B14-B8AB-ACE0D66C9CE6}"/>
+                <a16:creationId xmlns="" xmlns:a16="http://schemas.microsoft.com/office/drawing/2014/main" id="{F7F1FCB5-A2AF-4B14-B8AB-ACE0D66C9CE6}"/>
               </a:ext>
             </a:extLst>
           </p:cNvPr>
@@ -14843,7 +14861,7 @@
           <p:cNvPr id="16" name="Date Placeholder 3">
             <a:extLst>
               <a:ext uri="{FF2B5EF4-FFF2-40B4-BE49-F238E27FC236}">
-                <a16:creationId xmlns:a16="http://schemas.microsoft.com/office/drawing/2014/main" xmlns="" id="{DF6CE105-6C5E-4DE7-A045-FD455A5A989A}"/>
+                <a16:creationId xmlns="" xmlns:a16="http://schemas.microsoft.com/office/drawing/2014/main" id="{DF6CE105-6C5E-4DE7-A045-FD455A5A989A}"/>
               </a:ext>
             </a:extLst>
           </p:cNvPr>
@@ -14968,7 +14986,7 @@
           <p:cNvPr id="17" name="Date Placeholder 3">
             <a:extLst>
               <a:ext uri="{FF2B5EF4-FFF2-40B4-BE49-F238E27FC236}">
-                <a16:creationId xmlns:a16="http://schemas.microsoft.com/office/drawing/2014/main" xmlns="" id="{0DADE530-75F7-4839-81E3-87050A31C961}"/>
+                <a16:creationId xmlns="" xmlns:a16="http://schemas.microsoft.com/office/drawing/2014/main" id="{0DADE530-75F7-4839-81E3-87050A31C961}"/>
               </a:ext>
             </a:extLst>
           </p:cNvPr>
@@ -15003,7 +15021,7 @@
           <p:cNvPr id="5" name="Content Placeholder 4">
             <a:extLst>
               <a:ext uri="{FF2B5EF4-FFF2-40B4-BE49-F238E27FC236}">
-                <a16:creationId xmlns:a16="http://schemas.microsoft.com/office/drawing/2014/main" xmlns="" id="{11AE2190-B4AB-4050-9D30-FFC7B6158DD3}"/>
+                <a16:creationId xmlns="" xmlns:a16="http://schemas.microsoft.com/office/drawing/2014/main" id="{11AE2190-B4AB-4050-9D30-FFC7B6158DD3}"/>
               </a:ext>
             </a:extLst>
           </p:cNvPr>
@@ -15405,7 +15423,7 @@
           <p:cNvPr id="12" name="Footer Placeholder 4">
             <a:extLst>
               <a:ext uri="{FF2B5EF4-FFF2-40B4-BE49-F238E27FC236}">
-                <a16:creationId xmlns:a16="http://schemas.microsoft.com/office/drawing/2014/main" xmlns="" id="{13810B73-4AAA-481B-91C3-62C546016E85}"/>
+                <a16:creationId xmlns="" xmlns:a16="http://schemas.microsoft.com/office/drawing/2014/main" id="{13810B73-4AAA-481B-91C3-62C546016E85}"/>
               </a:ext>
             </a:extLst>
           </p:cNvPr>
@@ -15443,7 +15461,7 @@
           <p:cNvPr id="13" name="Footer Placeholder 4">
             <a:extLst>
               <a:ext uri="{FF2B5EF4-FFF2-40B4-BE49-F238E27FC236}">
-                <a16:creationId xmlns:a16="http://schemas.microsoft.com/office/drawing/2014/main" xmlns="" id="{C568ADF4-CCE8-409D-BC1B-CFC178F5C0EB}"/>
+                <a16:creationId xmlns="" xmlns:a16="http://schemas.microsoft.com/office/drawing/2014/main" id="{C568ADF4-CCE8-409D-BC1B-CFC178F5C0EB}"/>
               </a:ext>
             </a:extLst>
           </p:cNvPr>
@@ -15573,7 +15591,7 @@
           <p:cNvPr id="9" name="Date Placeholder 3">
             <a:extLst>
               <a:ext uri="{FF2B5EF4-FFF2-40B4-BE49-F238E27FC236}">
-                <a16:creationId xmlns:a16="http://schemas.microsoft.com/office/drawing/2014/main" xmlns="" id="{5F72E7FB-5406-40F2-93C2-E9165F64003E}"/>
+                <a16:creationId xmlns="" xmlns:a16="http://schemas.microsoft.com/office/drawing/2014/main" id="{5F72E7FB-5406-40F2-93C2-E9165F64003E}"/>
               </a:ext>
             </a:extLst>
           </p:cNvPr>
@@ -15701,7 +15719,7 @@
           <p:cNvPr id="10" name="Date Placeholder 3">
             <a:extLst>
               <a:ext uri="{FF2B5EF4-FFF2-40B4-BE49-F238E27FC236}">
-                <a16:creationId xmlns:a16="http://schemas.microsoft.com/office/drawing/2014/main" xmlns="" id="{B760CA4A-E789-471D-8EB1-F60022B7FEEE}"/>
+                <a16:creationId xmlns="" xmlns:a16="http://schemas.microsoft.com/office/drawing/2014/main" id="{B760CA4A-E789-471D-8EB1-F60022B7FEEE}"/>
               </a:ext>
             </a:extLst>
           </p:cNvPr>
@@ -15826,7 +15844,7 @@
           <p:cNvPr id="11" name="Date Placeholder 3">
             <a:extLst>
               <a:ext uri="{FF2B5EF4-FFF2-40B4-BE49-F238E27FC236}">
-                <a16:creationId xmlns:a16="http://schemas.microsoft.com/office/drawing/2014/main" xmlns="" id="{BA45694C-EE57-46E3-94BB-26F02AD1A1E2}"/>
+                <a16:creationId xmlns="" xmlns:a16="http://schemas.microsoft.com/office/drawing/2014/main" id="{BA45694C-EE57-46E3-94BB-26F02AD1A1E2}"/>
               </a:ext>
             </a:extLst>
           </p:cNvPr>
@@ -16133,7 +16151,7 @@
           <p:cNvPr id="11" name="Title 1">
             <a:extLst>
               <a:ext uri="{FF2B5EF4-FFF2-40B4-BE49-F238E27FC236}">
-                <a16:creationId xmlns:a16="http://schemas.microsoft.com/office/drawing/2014/main" xmlns="" id="{DC85129E-0B0B-4C64-B8AF-D549982166EC}"/>
+                <a16:creationId xmlns="" xmlns:a16="http://schemas.microsoft.com/office/drawing/2014/main" id="{DC85129E-0B0B-4C64-B8AF-D549982166EC}"/>
               </a:ext>
             </a:extLst>
           </p:cNvPr>
@@ -16182,7 +16200,7 @@
           <p:cNvPr id="13" name="Footer Placeholder 4">
             <a:extLst>
               <a:ext uri="{FF2B5EF4-FFF2-40B4-BE49-F238E27FC236}">
-                <a16:creationId xmlns:a16="http://schemas.microsoft.com/office/drawing/2014/main" xmlns="" id="{D1ABF561-8E91-4704-BDD7-0520E3848081}"/>
+                <a16:creationId xmlns="" xmlns:a16="http://schemas.microsoft.com/office/drawing/2014/main" id="{D1ABF561-8E91-4704-BDD7-0520E3848081}"/>
               </a:ext>
             </a:extLst>
           </p:cNvPr>
@@ -16220,7 +16238,7 @@
           <p:cNvPr id="19" name="Date Placeholder 3">
             <a:extLst>
               <a:ext uri="{FF2B5EF4-FFF2-40B4-BE49-F238E27FC236}">
-                <a16:creationId xmlns:a16="http://schemas.microsoft.com/office/drawing/2014/main" xmlns="" id="{DEE9A254-D57A-4AC6-8925-0BE9E07DD752}"/>
+                <a16:creationId xmlns="" xmlns:a16="http://schemas.microsoft.com/office/drawing/2014/main" id="{DEE9A254-D57A-4AC6-8925-0BE9E07DD752}"/>
               </a:ext>
             </a:extLst>
           </p:cNvPr>
@@ -16348,7 +16366,7 @@
           <p:cNvPr id="20" name="Date Placeholder 3">
             <a:extLst>
               <a:ext uri="{FF2B5EF4-FFF2-40B4-BE49-F238E27FC236}">
-                <a16:creationId xmlns:a16="http://schemas.microsoft.com/office/drawing/2014/main" xmlns="" id="{F640DC25-A5F0-4C43-B238-F57EF831767B}"/>
+                <a16:creationId xmlns="" xmlns:a16="http://schemas.microsoft.com/office/drawing/2014/main" id="{F640DC25-A5F0-4C43-B238-F57EF831767B}"/>
               </a:ext>
             </a:extLst>
           </p:cNvPr>
@@ -16473,7 +16491,7 @@
           <p:cNvPr id="21" name="Date Placeholder 3">
             <a:extLst>
               <a:ext uri="{FF2B5EF4-FFF2-40B4-BE49-F238E27FC236}">
-                <a16:creationId xmlns:a16="http://schemas.microsoft.com/office/drawing/2014/main" xmlns="" id="{D926DBC5-06FC-4DCF-9A9C-2AB9CF31099C}"/>
+                <a16:creationId xmlns="" xmlns:a16="http://schemas.microsoft.com/office/drawing/2014/main" id="{D926DBC5-06FC-4DCF-9A9C-2AB9CF31099C}"/>
               </a:ext>
             </a:extLst>
           </p:cNvPr>
@@ -16750,7 +16768,7 @@
           <p:cNvPr id="11" name="Title 1">
             <a:extLst>
               <a:ext uri="{FF2B5EF4-FFF2-40B4-BE49-F238E27FC236}">
-                <a16:creationId xmlns:a16="http://schemas.microsoft.com/office/drawing/2014/main" xmlns="" id="{DC85129E-0B0B-4C64-B8AF-D549982166EC}"/>
+                <a16:creationId xmlns="" xmlns:a16="http://schemas.microsoft.com/office/drawing/2014/main" id="{DC85129E-0B0B-4C64-B8AF-D549982166EC}"/>
               </a:ext>
             </a:extLst>
           </p:cNvPr>
@@ -16799,7 +16817,7 @@
           <p:cNvPr id="13" name="Footer Placeholder 4">
             <a:extLst>
               <a:ext uri="{FF2B5EF4-FFF2-40B4-BE49-F238E27FC236}">
-                <a16:creationId xmlns:a16="http://schemas.microsoft.com/office/drawing/2014/main" xmlns="" id="{D1ABF561-8E91-4704-BDD7-0520E3848081}"/>
+                <a16:creationId xmlns="" xmlns:a16="http://schemas.microsoft.com/office/drawing/2014/main" id="{D1ABF561-8E91-4704-BDD7-0520E3848081}"/>
               </a:ext>
             </a:extLst>
           </p:cNvPr>
@@ -16837,7 +16855,7 @@
           <p:cNvPr id="19" name="Date Placeholder 3">
             <a:extLst>
               <a:ext uri="{FF2B5EF4-FFF2-40B4-BE49-F238E27FC236}">
-                <a16:creationId xmlns:a16="http://schemas.microsoft.com/office/drawing/2014/main" xmlns="" id="{DEE9A254-D57A-4AC6-8925-0BE9E07DD752}"/>
+                <a16:creationId xmlns="" xmlns:a16="http://schemas.microsoft.com/office/drawing/2014/main" id="{DEE9A254-D57A-4AC6-8925-0BE9E07DD752}"/>
               </a:ext>
             </a:extLst>
           </p:cNvPr>
@@ -16965,7 +16983,7 @@
           <p:cNvPr id="20" name="Date Placeholder 3">
             <a:extLst>
               <a:ext uri="{FF2B5EF4-FFF2-40B4-BE49-F238E27FC236}">
-                <a16:creationId xmlns:a16="http://schemas.microsoft.com/office/drawing/2014/main" xmlns="" id="{F640DC25-A5F0-4C43-B238-F57EF831767B}"/>
+                <a16:creationId xmlns="" xmlns:a16="http://schemas.microsoft.com/office/drawing/2014/main" id="{F640DC25-A5F0-4C43-B238-F57EF831767B}"/>
               </a:ext>
             </a:extLst>
           </p:cNvPr>
@@ -17090,7 +17108,7 @@
           <p:cNvPr id="21" name="Date Placeholder 3">
             <a:extLst>
               <a:ext uri="{FF2B5EF4-FFF2-40B4-BE49-F238E27FC236}">
-                <a16:creationId xmlns:a16="http://schemas.microsoft.com/office/drawing/2014/main" xmlns="" id="{D926DBC5-06FC-4DCF-9A9C-2AB9CF31099C}"/>
+                <a16:creationId xmlns="" xmlns:a16="http://schemas.microsoft.com/office/drawing/2014/main" id="{D926DBC5-06FC-4DCF-9A9C-2AB9CF31099C}"/>
               </a:ext>
             </a:extLst>
           </p:cNvPr>
@@ -17370,7 +17388,7 @@
           <p:cNvPr id="11" name="Title 1">
             <a:extLst>
               <a:ext uri="{FF2B5EF4-FFF2-40B4-BE49-F238E27FC236}">
-                <a16:creationId xmlns:a16="http://schemas.microsoft.com/office/drawing/2014/main" xmlns="" id="{DC85129E-0B0B-4C64-B8AF-D549982166EC}"/>
+                <a16:creationId xmlns="" xmlns:a16="http://schemas.microsoft.com/office/drawing/2014/main" id="{DC85129E-0B0B-4C64-B8AF-D549982166EC}"/>
               </a:ext>
             </a:extLst>
           </p:cNvPr>
@@ -17419,7 +17437,7 @@
           <p:cNvPr id="13" name="Footer Placeholder 4">
             <a:extLst>
               <a:ext uri="{FF2B5EF4-FFF2-40B4-BE49-F238E27FC236}">
-                <a16:creationId xmlns:a16="http://schemas.microsoft.com/office/drawing/2014/main" xmlns="" id="{D1ABF561-8E91-4704-BDD7-0520E3848081}"/>
+                <a16:creationId xmlns="" xmlns:a16="http://schemas.microsoft.com/office/drawing/2014/main" id="{D1ABF561-8E91-4704-BDD7-0520E3848081}"/>
               </a:ext>
             </a:extLst>
           </p:cNvPr>
@@ -17457,7 +17475,7 @@
           <p:cNvPr id="19" name="Date Placeholder 3">
             <a:extLst>
               <a:ext uri="{FF2B5EF4-FFF2-40B4-BE49-F238E27FC236}">
-                <a16:creationId xmlns:a16="http://schemas.microsoft.com/office/drawing/2014/main" xmlns="" id="{DEE9A254-D57A-4AC6-8925-0BE9E07DD752}"/>
+                <a16:creationId xmlns="" xmlns:a16="http://schemas.microsoft.com/office/drawing/2014/main" id="{DEE9A254-D57A-4AC6-8925-0BE9E07DD752}"/>
               </a:ext>
             </a:extLst>
           </p:cNvPr>
@@ -17585,7 +17603,7 @@
           <p:cNvPr id="20" name="Date Placeholder 3">
             <a:extLst>
               <a:ext uri="{FF2B5EF4-FFF2-40B4-BE49-F238E27FC236}">
-                <a16:creationId xmlns:a16="http://schemas.microsoft.com/office/drawing/2014/main" xmlns="" id="{F640DC25-A5F0-4C43-B238-F57EF831767B}"/>
+                <a16:creationId xmlns="" xmlns:a16="http://schemas.microsoft.com/office/drawing/2014/main" id="{F640DC25-A5F0-4C43-B238-F57EF831767B}"/>
               </a:ext>
             </a:extLst>
           </p:cNvPr>
@@ -17710,7 +17728,7 @@
           <p:cNvPr id="21" name="Date Placeholder 3">
             <a:extLst>
               <a:ext uri="{FF2B5EF4-FFF2-40B4-BE49-F238E27FC236}">
-                <a16:creationId xmlns:a16="http://schemas.microsoft.com/office/drawing/2014/main" xmlns="" id="{D926DBC5-06FC-4DCF-9A9C-2AB9CF31099C}"/>
+                <a16:creationId xmlns="" xmlns:a16="http://schemas.microsoft.com/office/drawing/2014/main" id="{D926DBC5-06FC-4DCF-9A9C-2AB9CF31099C}"/>
               </a:ext>
             </a:extLst>
           </p:cNvPr>
@@ -18077,7 +18095,7 @@
           <p:cNvPr id="11" name="Title 1">
             <a:extLst>
               <a:ext uri="{FF2B5EF4-FFF2-40B4-BE49-F238E27FC236}">
-                <a16:creationId xmlns:a16="http://schemas.microsoft.com/office/drawing/2014/main" xmlns="" id="{DC85129E-0B0B-4C64-B8AF-D549982166EC}"/>
+                <a16:creationId xmlns="" xmlns:a16="http://schemas.microsoft.com/office/drawing/2014/main" id="{DC85129E-0B0B-4C64-B8AF-D549982166EC}"/>
               </a:ext>
             </a:extLst>
           </p:cNvPr>
@@ -18126,7 +18144,7 @@
           <p:cNvPr id="13" name="Footer Placeholder 4">
             <a:extLst>
               <a:ext uri="{FF2B5EF4-FFF2-40B4-BE49-F238E27FC236}">
-                <a16:creationId xmlns:a16="http://schemas.microsoft.com/office/drawing/2014/main" xmlns="" id="{D1ABF561-8E91-4704-BDD7-0520E3848081}"/>
+                <a16:creationId xmlns="" xmlns:a16="http://schemas.microsoft.com/office/drawing/2014/main" id="{D1ABF561-8E91-4704-BDD7-0520E3848081}"/>
               </a:ext>
             </a:extLst>
           </p:cNvPr>
@@ -18164,7 +18182,7 @@
           <p:cNvPr id="12" name="Date Placeholder 3">
             <a:extLst>
               <a:ext uri="{FF2B5EF4-FFF2-40B4-BE49-F238E27FC236}">
-                <a16:creationId xmlns:a16="http://schemas.microsoft.com/office/drawing/2014/main" xmlns="" id="{4C87E07D-04F0-4FD7-BADA-185BE6E40376}"/>
+                <a16:creationId xmlns="" xmlns:a16="http://schemas.microsoft.com/office/drawing/2014/main" id="{4C87E07D-04F0-4FD7-BADA-185BE6E40376}"/>
               </a:ext>
             </a:extLst>
           </p:cNvPr>
@@ -18292,7 +18310,7 @@
           <p:cNvPr id="15" name="Date Placeholder 3">
             <a:extLst>
               <a:ext uri="{FF2B5EF4-FFF2-40B4-BE49-F238E27FC236}">
-                <a16:creationId xmlns:a16="http://schemas.microsoft.com/office/drawing/2014/main" xmlns="" id="{8F8AD2AF-87AA-4D60-AD51-74B756F5A4EF}"/>
+                <a16:creationId xmlns="" xmlns:a16="http://schemas.microsoft.com/office/drawing/2014/main" id="{8F8AD2AF-87AA-4D60-AD51-74B756F5A4EF}"/>
               </a:ext>
             </a:extLst>
           </p:cNvPr>
@@ -18417,7 +18435,7 @@
           <p:cNvPr id="16" name="Date Placeholder 3">
             <a:extLst>
               <a:ext uri="{FF2B5EF4-FFF2-40B4-BE49-F238E27FC236}">
-                <a16:creationId xmlns:a16="http://schemas.microsoft.com/office/drawing/2014/main" xmlns="" id="{EA71D549-53A9-4DDC-AFAF-782E92655F4D}"/>
+                <a16:creationId xmlns="" xmlns:a16="http://schemas.microsoft.com/office/drawing/2014/main" id="{EA71D549-53A9-4DDC-AFAF-782E92655F4D}"/>
               </a:ext>
             </a:extLst>
           </p:cNvPr>
@@ -18825,7 +18843,7 @@
           <p:cNvPr id="11" name="Title 1">
             <a:extLst>
               <a:ext uri="{FF2B5EF4-FFF2-40B4-BE49-F238E27FC236}">
-                <a16:creationId xmlns:a16="http://schemas.microsoft.com/office/drawing/2014/main" xmlns="" id="{DC85129E-0B0B-4C64-B8AF-D549982166EC}"/>
+                <a16:creationId xmlns="" xmlns:a16="http://schemas.microsoft.com/office/drawing/2014/main" id="{DC85129E-0B0B-4C64-B8AF-D549982166EC}"/>
               </a:ext>
             </a:extLst>
           </p:cNvPr>
@@ -18874,7 +18892,7 @@
           <p:cNvPr id="13" name="Footer Placeholder 4">
             <a:extLst>
               <a:ext uri="{FF2B5EF4-FFF2-40B4-BE49-F238E27FC236}">
-                <a16:creationId xmlns:a16="http://schemas.microsoft.com/office/drawing/2014/main" xmlns="" id="{D1ABF561-8E91-4704-BDD7-0520E3848081}"/>
+                <a16:creationId xmlns="" xmlns:a16="http://schemas.microsoft.com/office/drawing/2014/main" id="{D1ABF561-8E91-4704-BDD7-0520E3848081}"/>
               </a:ext>
             </a:extLst>
           </p:cNvPr>
@@ -18912,7 +18930,7 @@
           <p:cNvPr id="12" name="Date Placeholder 3">
             <a:extLst>
               <a:ext uri="{FF2B5EF4-FFF2-40B4-BE49-F238E27FC236}">
-                <a16:creationId xmlns:a16="http://schemas.microsoft.com/office/drawing/2014/main" xmlns="" id="{4C87E07D-04F0-4FD7-BADA-185BE6E40376}"/>
+                <a16:creationId xmlns="" xmlns:a16="http://schemas.microsoft.com/office/drawing/2014/main" id="{4C87E07D-04F0-4FD7-BADA-185BE6E40376}"/>
               </a:ext>
             </a:extLst>
           </p:cNvPr>
@@ -19040,7 +19058,7 @@
           <p:cNvPr id="15" name="Date Placeholder 3">
             <a:extLst>
               <a:ext uri="{FF2B5EF4-FFF2-40B4-BE49-F238E27FC236}">
-                <a16:creationId xmlns:a16="http://schemas.microsoft.com/office/drawing/2014/main" xmlns="" id="{8F8AD2AF-87AA-4D60-AD51-74B756F5A4EF}"/>
+                <a16:creationId xmlns="" xmlns:a16="http://schemas.microsoft.com/office/drawing/2014/main" id="{8F8AD2AF-87AA-4D60-AD51-74B756F5A4EF}"/>
               </a:ext>
             </a:extLst>
           </p:cNvPr>
@@ -19165,7 +19183,7 @@
           <p:cNvPr id="16" name="Date Placeholder 3">
             <a:extLst>
               <a:ext uri="{FF2B5EF4-FFF2-40B4-BE49-F238E27FC236}">
-                <a16:creationId xmlns:a16="http://schemas.microsoft.com/office/drawing/2014/main" xmlns="" id="{EA71D549-53A9-4DDC-AFAF-782E92655F4D}"/>
+                <a16:creationId xmlns="" xmlns:a16="http://schemas.microsoft.com/office/drawing/2014/main" id="{EA71D549-53A9-4DDC-AFAF-782E92655F4D}"/>
               </a:ext>
             </a:extLst>
           </p:cNvPr>
@@ -19554,7 +19572,7 @@
           <p:cNvPr id="11" name="Title 1">
             <a:extLst>
               <a:ext uri="{FF2B5EF4-FFF2-40B4-BE49-F238E27FC236}">
-                <a16:creationId xmlns:a16="http://schemas.microsoft.com/office/drawing/2014/main" xmlns="" id="{DC85129E-0B0B-4C64-B8AF-D549982166EC}"/>
+                <a16:creationId xmlns="" xmlns:a16="http://schemas.microsoft.com/office/drawing/2014/main" id="{DC85129E-0B0B-4C64-B8AF-D549982166EC}"/>
               </a:ext>
             </a:extLst>
           </p:cNvPr>
@@ -19603,7 +19621,7 @@
           <p:cNvPr id="13" name="Footer Placeholder 4">
             <a:extLst>
               <a:ext uri="{FF2B5EF4-FFF2-40B4-BE49-F238E27FC236}">
-                <a16:creationId xmlns:a16="http://schemas.microsoft.com/office/drawing/2014/main" xmlns="" id="{D1ABF561-8E91-4704-BDD7-0520E3848081}"/>
+                <a16:creationId xmlns="" xmlns:a16="http://schemas.microsoft.com/office/drawing/2014/main" id="{D1ABF561-8E91-4704-BDD7-0520E3848081}"/>
               </a:ext>
             </a:extLst>
           </p:cNvPr>
@@ -19641,7 +19659,7 @@
           <p:cNvPr id="12" name="Date Placeholder 3">
             <a:extLst>
               <a:ext uri="{FF2B5EF4-FFF2-40B4-BE49-F238E27FC236}">
-                <a16:creationId xmlns:a16="http://schemas.microsoft.com/office/drawing/2014/main" xmlns="" id="{4C87E07D-04F0-4FD7-BADA-185BE6E40376}"/>
+                <a16:creationId xmlns="" xmlns:a16="http://schemas.microsoft.com/office/drawing/2014/main" id="{4C87E07D-04F0-4FD7-BADA-185BE6E40376}"/>
               </a:ext>
             </a:extLst>
           </p:cNvPr>
@@ -19769,7 +19787,7 @@
           <p:cNvPr id="15" name="Date Placeholder 3">
             <a:extLst>
               <a:ext uri="{FF2B5EF4-FFF2-40B4-BE49-F238E27FC236}">
-                <a16:creationId xmlns:a16="http://schemas.microsoft.com/office/drawing/2014/main" xmlns="" id="{8F8AD2AF-87AA-4D60-AD51-74B756F5A4EF}"/>
+                <a16:creationId xmlns="" xmlns:a16="http://schemas.microsoft.com/office/drawing/2014/main" id="{8F8AD2AF-87AA-4D60-AD51-74B756F5A4EF}"/>
               </a:ext>
             </a:extLst>
           </p:cNvPr>
@@ -19894,7 +19912,7 @@
           <p:cNvPr id="16" name="Date Placeholder 3">
             <a:extLst>
               <a:ext uri="{FF2B5EF4-FFF2-40B4-BE49-F238E27FC236}">
-                <a16:creationId xmlns:a16="http://schemas.microsoft.com/office/drawing/2014/main" xmlns="" id="{EA71D549-53A9-4DDC-AFAF-782E92655F4D}"/>
+                <a16:creationId xmlns="" xmlns:a16="http://schemas.microsoft.com/office/drawing/2014/main" id="{EA71D549-53A9-4DDC-AFAF-782E92655F4D}"/>
               </a:ext>
             </a:extLst>
           </p:cNvPr>
@@ -20311,7 +20329,7 @@
           <p:cNvPr id="11" name="Title 1">
             <a:extLst>
               <a:ext uri="{FF2B5EF4-FFF2-40B4-BE49-F238E27FC236}">
-                <a16:creationId xmlns:a16="http://schemas.microsoft.com/office/drawing/2014/main" xmlns="" id="{DC85129E-0B0B-4C64-B8AF-D549982166EC}"/>
+                <a16:creationId xmlns="" xmlns:a16="http://schemas.microsoft.com/office/drawing/2014/main" id="{DC85129E-0B0B-4C64-B8AF-D549982166EC}"/>
               </a:ext>
             </a:extLst>
           </p:cNvPr>
@@ -20360,7 +20378,7 @@
           <p:cNvPr id="13" name="Footer Placeholder 4">
             <a:extLst>
               <a:ext uri="{FF2B5EF4-FFF2-40B4-BE49-F238E27FC236}">
-                <a16:creationId xmlns:a16="http://schemas.microsoft.com/office/drawing/2014/main" xmlns="" id="{D1ABF561-8E91-4704-BDD7-0520E3848081}"/>
+                <a16:creationId xmlns="" xmlns:a16="http://schemas.microsoft.com/office/drawing/2014/main" id="{D1ABF561-8E91-4704-BDD7-0520E3848081}"/>
               </a:ext>
             </a:extLst>
           </p:cNvPr>
@@ -20398,7 +20416,7 @@
           <p:cNvPr id="12" name="Date Placeholder 3">
             <a:extLst>
               <a:ext uri="{FF2B5EF4-FFF2-40B4-BE49-F238E27FC236}">
-                <a16:creationId xmlns:a16="http://schemas.microsoft.com/office/drawing/2014/main" xmlns="" id="{54B6F2D0-7DB8-46A8-BE38-9A76D2B8158B}"/>
+                <a16:creationId xmlns="" xmlns:a16="http://schemas.microsoft.com/office/drawing/2014/main" id="{54B6F2D0-7DB8-46A8-BE38-9A76D2B8158B}"/>
               </a:ext>
             </a:extLst>
           </p:cNvPr>
@@ -20526,7 +20544,7 @@
           <p:cNvPr id="15" name="Date Placeholder 3">
             <a:extLst>
               <a:ext uri="{FF2B5EF4-FFF2-40B4-BE49-F238E27FC236}">
-                <a16:creationId xmlns:a16="http://schemas.microsoft.com/office/drawing/2014/main" xmlns="" id="{7776AD0D-19A8-414D-80CE-F20CD3193C15}"/>
+                <a16:creationId xmlns="" xmlns:a16="http://schemas.microsoft.com/office/drawing/2014/main" id="{7776AD0D-19A8-414D-80CE-F20CD3193C15}"/>
               </a:ext>
             </a:extLst>
           </p:cNvPr>
@@ -20651,7 +20669,7 @@
           <p:cNvPr id="16" name="Date Placeholder 3">
             <a:extLst>
               <a:ext uri="{FF2B5EF4-FFF2-40B4-BE49-F238E27FC236}">
-                <a16:creationId xmlns:a16="http://schemas.microsoft.com/office/drawing/2014/main" xmlns="" id="{2135CCC7-8B9E-459F-BB5B-78E5BAC4A86B}"/>
+                <a16:creationId xmlns="" xmlns:a16="http://schemas.microsoft.com/office/drawing/2014/main" id="{2135CCC7-8B9E-459F-BB5B-78E5BAC4A86B}"/>
               </a:ext>
             </a:extLst>
           </p:cNvPr>
